--- a/Git.pptx
+++ b/Git.pptx
@@ -5,34 +5,37 @@
     <p:sldMasterId id="2147483648" r:id="rId1"/>
   </p:sldMasterIdLst>
   <p:notesMasterIdLst>
-    <p:notesMasterId r:id="rId24"/>
+    <p:notesMasterId r:id="rId27"/>
   </p:notesMasterIdLst>
   <p:handoutMasterIdLst>
-    <p:handoutMasterId r:id="rId25"/>
+    <p:handoutMasterId r:id="rId28"/>
   </p:handoutMasterIdLst>
   <p:sldIdLst>
     <p:sldId id="787" r:id="rId2"/>
     <p:sldId id="1002" r:id="rId3"/>
     <p:sldId id="1004" r:id="rId4"/>
     <p:sldId id="1139" r:id="rId5"/>
-    <p:sldId id="1140" r:id="rId6"/>
-    <p:sldId id="1141" r:id="rId7"/>
-    <p:sldId id="1142" r:id="rId8"/>
-    <p:sldId id="1143" r:id="rId9"/>
-    <p:sldId id="1144" r:id="rId10"/>
-    <p:sldId id="1145" r:id="rId11"/>
-    <p:sldId id="1146" r:id="rId12"/>
-    <p:sldId id="1148" r:id="rId13"/>
-    <p:sldId id="1147" r:id="rId14"/>
-    <p:sldId id="1149" r:id="rId15"/>
-    <p:sldId id="1150" r:id="rId16"/>
-    <p:sldId id="1151" r:id="rId17"/>
-    <p:sldId id="1152" r:id="rId18"/>
-    <p:sldId id="1153" r:id="rId19"/>
-    <p:sldId id="1154" r:id="rId20"/>
-    <p:sldId id="1155" r:id="rId21"/>
-    <p:sldId id="1134" r:id="rId22"/>
-    <p:sldId id="811" r:id="rId23"/>
+    <p:sldId id="1157" r:id="rId6"/>
+    <p:sldId id="1140" r:id="rId7"/>
+    <p:sldId id="1141" r:id="rId8"/>
+    <p:sldId id="1142" r:id="rId9"/>
+    <p:sldId id="1143" r:id="rId10"/>
+    <p:sldId id="1144" r:id="rId11"/>
+    <p:sldId id="1145" r:id="rId12"/>
+    <p:sldId id="1146" r:id="rId13"/>
+    <p:sldId id="1148" r:id="rId14"/>
+    <p:sldId id="1147" r:id="rId15"/>
+    <p:sldId id="1149" r:id="rId16"/>
+    <p:sldId id="1150" r:id="rId17"/>
+    <p:sldId id="1151" r:id="rId18"/>
+    <p:sldId id="1152" r:id="rId19"/>
+    <p:sldId id="1153" r:id="rId20"/>
+    <p:sldId id="1154" r:id="rId21"/>
+    <p:sldId id="1156" r:id="rId22"/>
+    <p:sldId id="1155" r:id="rId23"/>
+    <p:sldId id="1158" r:id="rId24"/>
+    <p:sldId id="1134" r:id="rId25"/>
+    <p:sldId id="811" r:id="rId26"/>
   </p:sldIdLst>
   <p:sldSz cx="9144000" cy="5715000" type="screen16x10"/>
   <p:notesSz cx="6797675" cy="9928225"/>
@@ -334,7 +337,7 @@
               <a:pPr>
                 <a:defRPr/>
               </a:pPr>
-              <a:t>2018/7/21</a:t>
+              <a:t>2018/7/22</a:t>
             </a:fld>
             <a:endParaRPr lang="en-US" altLang="zh-CN" dirty="0"/>
           </a:p>
@@ -582,7 +585,7 @@
               <a:pPr>
                 <a:defRPr/>
               </a:pPr>
-              <a:t>2018/7/21</a:t>
+              <a:t>2018/7/22</a:t>
             </a:fld>
             <a:endParaRPr lang="en-US" altLang="zh-CN" dirty="0"/>
           </a:p>
@@ -1054,10 +1057,6 @@
           <a:bodyPr/>
           <a:lstStyle/>
           <a:p>
-            <a:r>
-              <a:rPr lang="zh-CN" altLang="en-US" dirty="0" smtClean="0"/>
-              <a:t>这里指的主要是文本文件</a:t>
-            </a:r>
             <a:endParaRPr lang="zh-CN" altLang="en-US" dirty="0"/>
           </a:p>
         </p:txBody>
@@ -1094,7 +1093,7 @@
     </p:spTree>
     <p:extLst>
       <p:ext uri="{BB962C8B-B14F-4D97-AF65-F5344CB8AC3E}">
-        <p14:creationId xmlns:p14="http://schemas.microsoft.com/office/powerpoint/2010/main" val="3113080606"/>
+        <p14:creationId xmlns:p14="http://schemas.microsoft.com/office/powerpoint/2010/main" val="3140618712"/>
       </p:ext>
     </p:extLst>
   </p:cSld>
@@ -1153,6 +1152,10 @@
           <a:bodyPr/>
           <a:lstStyle/>
           <a:p>
+            <a:r>
+              <a:rPr lang="zh-CN" altLang="en-US" dirty="0" smtClean="0"/>
+              <a:t>这里指的主要是文本文件</a:t>
+            </a:r>
             <a:endParaRPr lang="zh-CN" altLang="en-US" dirty="0"/>
           </a:p>
         </p:txBody>
@@ -1189,7 +1192,7 @@
     </p:spTree>
     <p:extLst>
       <p:ext uri="{BB962C8B-B14F-4D97-AF65-F5344CB8AC3E}">
-        <p14:creationId xmlns:p14="http://schemas.microsoft.com/office/powerpoint/2010/main" val="2406153377"/>
+        <p14:creationId xmlns:p14="http://schemas.microsoft.com/office/powerpoint/2010/main" val="3113080606"/>
       </p:ext>
     </p:extLst>
   </p:cSld>
@@ -1284,7 +1287,7 @@
     </p:spTree>
     <p:extLst>
       <p:ext uri="{BB962C8B-B14F-4D97-AF65-F5344CB8AC3E}">
-        <p14:creationId xmlns:p14="http://schemas.microsoft.com/office/powerpoint/2010/main" val="1611161551"/>
+        <p14:creationId xmlns:p14="http://schemas.microsoft.com/office/powerpoint/2010/main" val="2406153377"/>
       </p:ext>
     </p:extLst>
   </p:cSld>
@@ -1343,168 +1346,7 @@
           <a:bodyPr/>
           <a:lstStyle/>
           <a:p>
-            <a:r>
-              <a:rPr lang="zh-CN" altLang="en-US" sz="1200" b="0" i="0" kern="1200" dirty="0" smtClean="0">
-                <a:solidFill>
-                  <a:schemeClr val="tx1"/>
-                </a:solidFill>
-                <a:effectLst/>
-                <a:latin typeface="Calibri" panose="020F0502020204030204" pitchFamily="34" charset="0"/>
-                <a:ea typeface="宋体" panose="02010600030101010101" pitchFamily="2" charset="-122"/>
-                <a:cs typeface="+mn-cs"/>
-              </a:rPr>
-              <a:t>基本的 </a:t>
-            </a:r>
-            <a:r>
-              <a:rPr lang="en-US" altLang="zh-CN" sz="1200" b="0" i="0" kern="1200" dirty="0" err="1" smtClean="0">
-                <a:solidFill>
-                  <a:schemeClr val="tx1"/>
-                </a:solidFill>
-                <a:effectLst/>
-                <a:latin typeface="Calibri" panose="020F0502020204030204" pitchFamily="34" charset="0"/>
-                <a:ea typeface="宋体" panose="02010600030101010101" pitchFamily="2" charset="-122"/>
-                <a:cs typeface="+mn-cs"/>
-              </a:rPr>
-              <a:t>Git</a:t>
-            </a:r>
-            <a:r>
-              <a:rPr lang="en-US" altLang="zh-CN" sz="1200" b="0" i="0" kern="1200" dirty="0" smtClean="0">
-                <a:solidFill>
-                  <a:schemeClr val="tx1"/>
-                </a:solidFill>
-                <a:effectLst/>
-                <a:latin typeface="Calibri" panose="020F0502020204030204" pitchFamily="34" charset="0"/>
-                <a:ea typeface="宋体" panose="02010600030101010101" pitchFamily="2" charset="-122"/>
-                <a:cs typeface="+mn-cs"/>
-              </a:rPr>
-              <a:t> </a:t>
-            </a:r>
-            <a:r>
-              <a:rPr lang="zh-CN" altLang="en-US" sz="1200" b="0" i="0" kern="1200" dirty="0" smtClean="0">
-                <a:solidFill>
-                  <a:schemeClr val="tx1"/>
-                </a:solidFill>
-                <a:effectLst/>
-                <a:latin typeface="Calibri" panose="020F0502020204030204" pitchFamily="34" charset="0"/>
-                <a:ea typeface="宋体" panose="02010600030101010101" pitchFamily="2" charset="-122"/>
-                <a:cs typeface="+mn-cs"/>
-              </a:rPr>
-              <a:t>工作流程如下：</a:t>
-            </a:r>
-          </a:p>
-          <a:p>
-            <a:r>
-              <a:rPr lang="en-US" altLang="zh-CN" sz="1200" b="0" i="0" kern="1200" dirty="0" smtClean="0">
-                <a:solidFill>
-                  <a:schemeClr val="tx1"/>
-                </a:solidFill>
-                <a:effectLst/>
-                <a:latin typeface="Calibri" panose="020F0502020204030204" pitchFamily="34" charset="0"/>
-                <a:ea typeface="宋体" panose="02010600030101010101" pitchFamily="2" charset="-122"/>
-                <a:cs typeface="+mn-cs"/>
-              </a:rPr>
-              <a:t>1.</a:t>
-            </a:r>
-            <a:r>
-              <a:rPr lang="zh-CN" altLang="en-US" sz="1200" b="0" i="0" kern="1200" dirty="0" smtClean="0">
-                <a:solidFill>
-                  <a:schemeClr val="tx1"/>
-                </a:solidFill>
-                <a:effectLst/>
-                <a:latin typeface="Calibri" panose="020F0502020204030204" pitchFamily="34" charset="0"/>
-                <a:ea typeface="宋体" panose="02010600030101010101" pitchFamily="2" charset="-122"/>
-                <a:cs typeface="+mn-cs"/>
-              </a:rPr>
-              <a:t>在工作目录中修改某些文件。</a:t>
-            </a:r>
-          </a:p>
-          <a:p>
-            <a:r>
-              <a:rPr lang="en-US" altLang="zh-CN" sz="1200" b="0" i="0" kern="1200" dirty="0" smtClean="0">
-                <a:solidFill>
-                  <a:schemeClr val="tx1"/>
-                </a:solidFill>
-                <a:effectLst/>
-                <a:latin typeface="Calibri" panose="020F0502020204030204" pitchFamily="34" charset="0"/>
-                <a:ea typeface="宋体" panose="02010600030101010101" pitchFamily="2" charset="-122"/>
-                <a:cs typeface="+mn-cs"/>
-              </a:rPr>
-              <a:t>2.</a:t>
-            </a:r>
-            <a:r>
-              <a:rPr lang="zh-CN" altLang="en-US" sz="1200" b="0" i="0" kern="1200" dirty="0" smtClean="0">
-                <a:solidFill>
-                  <a:schemeClr val="tx1"/>
-                </a:solidFill>
-                <a:effectLst/>
-                <a:latin typeface="Calibri" panose="020F0502020204030204" pitchFamily="34" charset="0"/>
-                <a:ea typeface="宋体" panose="02010600030101010101" pitchFamily="2" charset="-122"/>
-                <a:cs typeface="+mn-cs"/>
-              </a:rPr>
-              <a:t>对修改后的文件进行快照，然后保存到暂存区域。</a:t>
-            </a:r>
-          </a:p>
-          <a:p>
-            <a:r>
-              <a:rPr lang="en-US" altLang="zh-CN" sz="1200" b="0" i="0" kern="1200" dirty="0" smtClean="0">
-                <a:solidFill>
-                  <a:schemeClr val="tx1"/>
-                </a:solidFill>
-                <a:effectLst/>
-                <a:latin typeface="Calibri" panose="020F0502020204030204" pitchFamily="34" charset="0"/>
-                <a:ea typeface="宋体" panose="02010600030101010101" pitchFamily="2" charset="-122"/>
-                <a:cs typeface="+mn-cs"/>
-              </a:rPr>
-              <a:t>3.</a:t>
-            </a:r>
-            <a:r>
-              <a:rPr lang="zh-CN" altLang="en-US" sz="1200" b="0" i="0" kern="1200" dirty="0" smtClean="0">
-                <a:solidFill>
-                  <a:schemeClr val="tx1"/>
-                </a:solidFill>
-                <a:effectLst/>
-                <a:latin typeface="Calibri" panose="020F0502020204030204" pitchFamily="34" charset="0"/>
-                <a:ea typeface="宋体" panose="02010600030101010101" pitchFamily="2" charset="-122"/>
-                <a:cs typeface="+mn-cs"/>
-              </a:rPr>
-              <a:t>提交更新，将保存在暂存区域的文件快照永久转储到 </a:t>
-            </a:r>
-            <a:r>
-              <a:rPr lang="en-US" altLang="zh-CN" sz="1200" b="0" i="0" kern="1200" dirty="0" err="1" smtClean="0">
-                <a:solidFill>
-                  <a:schemeClr val="tx1"/>
-                </a:solidFill>
-                <a:effectLst/>
-                <a:latin typeface="Calibri" panose="020F0502020204030204" pitchFamily="34" charset="0"/>
-                <a:ea typeface="宋体" panose="02010600030101010101" pitchFamily="2" charset="-122"/>
-                <a:cs typeface="+mn-cs"/>
-              </a:rPr>
-              <a:t>Git</a:t>
-            </a:r>
-            <a:r>
-              <a:rPr lang="en-US" altLang="zh-CN" sz="1200" b="0" i="0" kern="1200" dirty="0" smtClean="0">
-                <a:solidFill>
-                  <a:schemeClr val="tx1"/>
-                </a:solidFill>
-                <a:effectLst/>
-                <a:latin typeface="Calibri" panose="020F0502020204030204" pitchFamily="34" charset="0"/>
-                <a:ea typeface="宋体" panose="02010600030101010101" pitchFamily="2" charset="-122"/>
-                <a:cs typeface="+mn-cs"/>
-              </a:rPr>
-              <a:t> </a:t>
-            </a:r>
-            <a:r>
-              <a:rPr lang="zh-CN" altLang="en-US" sz="1200" b="0" i="0" kern="1200" dirty="0" smtClean="0">
-                <a:solidFill>
-                  <a:schemeClr val="tx1"/>
-                </a:solidFill>
-                <a:effectLst/>
-                <a:latin typeface="Calibri" panose="020F0502020204030204" pitchFamily="34" charset="0"/>
-                <a:ea typeface="宋体" panose="02010600030101010101" pitchFamily="2" charset="-122"/>
-                <a:cs typeface="+mn-cs"/>
-              </a:rPr>
-              <a:t>目录中。</a:t>
-            </a:r>
+            <a:endParaRPr lang="zh-CN" altLang="en-US" dirty="0"/>
           </a:p>
         </p:txBody>
       </p:sp>
@@ -1540,7 +1382,7 @@
     </p:spTree>
     <p:extLst>
       <p:ext uri="{BB962C8B-B14F-4D97-AF65-F5344CB8AC3E}">
-        <p14:creationId xmlns:p14="http://schemas.microsoft.com/office/powerpoint/2010/main" val="2488439805"/>
+        <p14:creationId xmlns:p14="http://schemas.microsoft.com/office/powerpoint/2010/main" val="1611161551"/>
       </p:ext>
     </p:extLst>
   </p:cSld>
@@ -1577,7 +1419,12 @@
             <p:ph type="sldImg"/>
           </p:nvPr>
         </p:nvSpPr>
-        <p:spPr/>
+        <p:spPr>
+          <a:xfrm>
+            <a:off x="419100" y="741363"/>
+            <a:ext cx="5964238" cy="3727450"/>
+          </a:xfrm>
+        </p:spPr>
       </p:sp>
       <p:sp>
         <p:nvSpPr>
@@ -1594,7 +1441,168 @@
           <a:bodyPr/>
           <a:lstStyle/>
           <a:p>
-            <a:endParaRPr lang="en-US" altLang="zh-CN" dirty="0" smtClean="0"/>
+            <a:r>
+              <a:rPr lang="zh-CN" altLang="en-US" sz="1200" b="0" i="0" kern="1200" dirty="0" smtClean="0">
+                <a:solidFill>
+                  <a:schemeClr val="tx1"/>
+                </a:solidFill>
+                <a:effectLst/>
+                <a:latin typeface="Calibri" panose="020F0502020204030204" pitchFamily="34" charset="0"/>
+                <a:ea typeface="宋体" panose="02010600030101010101" pitchFamily="2" charset="-122"/>
+                <a:cs typeface="+mn-cs"/>
+              </a:rPr>
+              <a:t>基本的 </a:t>
+            </a:r>
+            <a:r>
+              <a:rPr lang="en-US" altLang="zh-CN" sz="1200" b="0" i="0" kern="1200" dirty="0" err="1" smtClean="0">
+                <a:solidFill>
+                  <a:schemeClr val="tx1"/>
+                </a:solidFill>
+                <a:effectLst/>
+                <a:latin typeface="Calibri" panose="020F0502020204030204" pitchFamily="34" charset="0"/>
+                <a:ea typeface="宋体" panose="02010600030101010101" pitchFamily="2" charset="-122"/>
+                <a:cs typeface="+mn-cs"/>
+              </a:rPr>
+              <a:t>Git</a:t>
+            </a:r>
+            <a:r>
+              <a:rPr lang="en-US" altLang="zh-CN" sz="1200" b="0" i="0" kern="1200" dirty="0" smtClean="0">
+                <a:solidFill>
+                  <a:schemeClr val="tx1"/>
+                </a:solidFill>
+                <a:effectLst/>
+                <a:latin typeface="Calibri" panose="020F0502020204030204" pitchFamily="34" charset="0"/>
+                <a:ea typeface="宋体" panose="02010600030101010101" pitchFamily="2" charset="-122"/>
+                <a:cs typeface="+mn-cs"/>
+              </a:rPr>
+              <a:t> </a:t>
+            </a:r>
+            <a:r>
+              <a:rPr lang="zh-CN" altLang="en-US" sz="1200" b="0" i="0" kern="1200" dirty="0" smtClean="0">
+                <a:solidFill>
+                  <a:schemeClr val="tx1"/>
+                </a:solidFill>
+                <a:effectLst/>
+                <a:latin typeface="Calibri" panose="020F0502020204030204" pitchFamily="34" charset="0"/>
+                <a:ea typeface="宋体" panose="02010600030101010101" pitchFamily="2" charset="-122"/>
+                <a:cs typeface="+mn-cs"/>
+              </a:rPr>
+              <a:t>工作流程如下：</a:t>
+            </a:r>
+          </a:p>
+          <a:p>
+            <a:r>
+              <a:rPr lang="en-US" altLang="zh-CN" sz="1200" b="0" i="0" kern="1200" dirty="0" smtClean="0">
+                <a:solidFill>
+                  <a:schemeClr val="tx1"/>
+                </a:solidFill>
+                <a:effectLst/>
+                <a:latin typeface="Calibri" panose="020F0502020204030204" pitchFamily="34" charset="0"/>
+                <a:ea typeface="宋体" panose="02010600030101010101" pitchFamily="2" charset="-122"/>
+                <a:cs typeface="+mn-cs"/>
+              </a:rPr>
+              <a:t>1.</a:t>
+            </a:r>
+            <a:r>
+              <a:rPr lang="zh-CN" altLang="en-US" sz="1200" b="0" i="0" kern="1200" dirty="0" smtClean="0">
+                <a:solidFill>
+                  <a:schemeClr val="tx1"/>
+                </a:solidFill>
+                <a:effectLst/>
+                <a:latin typeface="Calibri" panose="020F0502020204030204" pitchFamily="34" charset="0"/>
+                <a:ea typeface="宋体" panose="02010600030101010101" pitchFamily="2" charset="-122"/>
+                <a:cs typeface="+mn-cs"/>
+              </a:rPr>
+              <a:t>在工作目录中修改某些文件。</a:t>
+            </a:r>
+          </a:p>
+          <a:p>
+            <a:r>
+              <a:rPr lang="en-US" altLang="zh-CN" sz="1200" b="0" i="0" kern="1200" dirty="0" smtClean="0">
+                <a:solidFill>
+                  <a:schemeClr val="tx1"/>
+                </a:solidFill>
+                <a:effectLst/>
+                <a:latin typeface="Calibri" panose="020F0502020204030204" pitchFamily="34" charset="0"/>
+                <a:ea typeface="宋体" panose="02010600030101010101" pitchFamily="2" charset="-122"/>
+                <a:cs typeface="+mn-cs"/>
+              </a:rPr>
+              <a:t>2.</a:t>
+            </a:r>
+            <a:r>
+              <a:rPr lang="zh-CN" altLang="en-US" sz="1200" b="0" i="0" kern="1200" dirty="0" smtClean="0">
+                <a:solidFill>
+                  <a:schemeClr val="tx1"/>
+                </a:solidFill>
+                <a:effectLst/>
+                <a:latin typeface="Calibri" panose="020F0502020204030204" pitchFamily="34" charset="0"/>
+                <a:ea typeface="宋体" panose="02010600030101010101" pitchFamily="2" charset="-122"/>
+                <a:cs typeface="+mn-cs"/>
+              </a:rPr>
+              <a:t>对修改后的文件进行快照，然后保存到暂存区域。</a:t>
+            </a:r>
+          </a:p>
+          <a:p>
+            <a:r>
+              <a:rPr lang="en-US" altLang="zh-CN" sz="1200" b="0" i="0" kern="1200" dirty="0" smtClean="0">
+                <a:solidFill>
+                  <a:schemeClr val="tx1"/>
+                </a:solidFill>
+                <a:effectLst/>
+                <a:latin typeface="Calibri" panose="020F0502020204030204" pitchFamily="34" charset="0"/>
+                <a:ea typeface="宋体" panose="02010600030101010101" pitchFamily="2" charset="-122"/>
+                <a:cs typeface="+mn-cs"/>
+              </a:rPr>
+              <a:t>3.</a:t>
+            </a:r>
+            <a:r>
+              <a:rPr lang="zh-CN" altLang="en-US" sz="1200" b="0" i="0" kern="1200" dirty="0" smtClean="0">
+                <a:solidFill>
+                  <a:schemeClr val="tx1"/>
+                </a:solidFill>
+                <a:effectLst/>
+                <a:latin typeface="Calibri" panose="020F0502020204030204" pitchFamily="34" charset="0"/>
+                <a:ea typeface="宋体" panose="02010600030101010101" pitchFamily="2" charset="-122"/>
+                <a:cs typeface="+mn-cs"/>
+              </a:rPr>
+              <a:t>提交更新，将保存在暂存区域的文件快照永久转储到 </a:t>
+            </a:r>
+            <a:r>
+              <a:rPr lang="en-US" altLang="zh-CN" sz="1200" b="0" i="0" kern="1200" dirty="0" err="1" smtClean="0">
+                <a:solidFill>
+                  <a:schemeClr val="tx1"/>
+                </a:solidFill>
+                <a:effectLst/>
+                <a:latin typeface="Calibri" panose="020F0502020204030204" pitchFamily="34" charset="0"/>
+                <a:ea typeface="宋体" panose="02010600030101010101" pitchFamily="2" charset="-122"/>
+                <a:cs typeface="+mn-cs"/>
+              </a:rPr>
+              <a:t>Git</a:t>
+            </a:r>
+            <a:r>
+              <a:rPr lang="en-US" altLang="zh-CN" sz="1200" b="0" i="0" kern="1200" dirty="0" smtClean="0">
+                <a:solidFill>
+                  <a:schemeClr val="tx1"/>
+                </a:solidFill>
+                <a:effectLst/>
+                <a:latin typeface="Calibri" panose="020F0502020204030204" pitchFamily="34" charset="0"/>
+                <a:ea typeface="宋体" panose="02010600030101010101" pitchFamily="2" charset="-122"/>
+                <a:cs typeface="+mn-cs"/>
+              </a:rPr>
+              <a:t> </a:t>
+            </a:r>
+            <a:r>
+              <a:rPr lang="zh-CN" altLang="en-US" sz="1200" b="0" i="0" kern="1200" dirty="0" smtClean="0">
+                <a:solidFill>
+                  <a:schemeClr val="tx1"/>
+                </a:solidFill>
+                <a:effectLst/>
+                <a:latin typeface="Calibri" panose="020F0502020204030204" pitchFamily="34" charset="0"/>
+                <a:ea typeface="宋体" panose="02010600030101010101" pitchFamily="2" charset="-122"/>
+                <a:cs typeface="+mn-cs"/>
+              </a:rPr>
+              <a:t>目录中。</a:t>
+            </a:r>
           </a:p>
         </p:txBody>
       </p:sp>
@@ -1630,7 +1638,7 @@
     </p:spTree>
     <p:extLst>
       <p:ext uri="{BB962C8B-B14F-4D97-AF65-F5344CB8AC3E}">
-        <p14:creationId xmlns:p14="http://schemas.microsoft.com/office/powerpoint/2010/main" val="2828783716"/>
+        <p14:creationId xmlns:p14="http://schemas.microsoft.com/office/powerpoint/2010/main" val="2488439805"/>
       </p:ext>
     </p:extLst>
   </p:cSld>
@@ -1667,12 +1675,7 @@
             <p:ph type="sldImg"/>
           </p:nvPr>
         </p:nvSpPr>
-        <p:spPr>
-          <a:xfrm>
-            <a:off x="419100" y="741363"/>
-            <a:ext cx="5964238" cy="3727450"/>
-          </a:xfrm>
-        </p:spPr>
+        <p:spPr/>
       </p:sp>
       <p:sp>
         <p:nvSpPr>
@@ -1689,7 +1692,7 @@
           <a:bodyPr/>
           <a:lstStyle/>
           <a:p>
-            <a:endParaRPr lang="zh-CN" altLang="en-US" dirty="0"/>
+            <a:endParaRPr lang="en-US" altLang="zh-CN" dirty="0" smtClean="0"/>
           </a:p>
         </p:txBody>
       </p:sp>
@@ -1725,7 +1728,7 @@
     </p:spTree>
     <p:extLst>
       <p:ext uri="{BB962C8B-B14F-4D97-AF65-F5344CB8AC3E}">
-        <p14:creationId xmlns:p14="http://schemas.microsoft.com/office/powerpoint/2010/main" val="372956296"/>
+        <p14:creationId xmlns:p14="http://schemas.microsoft.com/office/powerpoint/2010/main" val="2828783716"/>
       </p:ext>
     </p:extLst>
   </p:cSld>
@@ -1784,26 +1787,6 @@
           <a:bodyPr/>
           <a:lstStyle/>
           <a:p>
-            <a:r>
-              <a:rPr lang="zh-CN" altLang="en-US" dirty="0" smtClean="0"/>
-              <a:t>代码同步的优缺点见仁见智，</a:t>
-            </a:r>
-            <a:r>
-              <a:rPr lang="en-US" altLang="zh-CN" dirty="0" smtClean="0"/>
-              <a:t>SVN</a:t>
-            </a:r>
-            <a:r>
-              <a:rPr lang="zh-CN" altLang="en-US" dirty="0" smtClean="0"/>
-              <a:t>更便利，而</a:t>
-            </a:r>
-            <a:r>
-              <a:rPr lang="en-US" altLang="zh-CN" dirty="0" err="1" smtClean="0"/>
-              <a:t>Git</a:t>
-            </a:r>
-            <a:r>
-              <a:rPr lang="zh-CN" altLang="en-US" dirty="0" smtClean="0"/>
-              <a:t>可暂缓同步，当提交的代码存在问题时，不会立即对别人造成影响。</a:t>
-            </a:r>
             <a:endParaRPr lang="zh-CN" altLang="en-US" dirty="0"/>
           </a:p>
         </p:txBody>
@@ -1840,7 +1823,7 @@
     </p:spTree>
     <p:extLst>
       <p:ext uri="{BB962C8B-B14F-4D97-AF65-F5344CB8AC3E}">
-        <p14:creationId xmlns:p14="http://schemas.microsoft.com/office/powerpoint/2010/main" val="1725783436"/>
+        <p14:creationId xmlns:p14="http://schemas.microsoft.com/office/powerpoint/2010/main" val="372956296"/>
       </p:ext>
     </p:extLst>
   </p:cSld>
@@ -1899,6 +1882,26 @@
           <a:bodyPr/>
           <a:lstStyle/>
           <a:p>
+            <a:r>
+              <a:rPr lang="zh-CN" altLang="en-US" dirty="0" smtClean="0"/>
+              <a:t>代码同步的优缺点见仁见智，</a:t>
+            </a:r>
+            <a:r>
+              <a:rPr lang="en-US" altLang="zh-CN" dirty="0" smtClean="0"/>
+              <a:t>SVN</a:t>
+            </a:r>
+            <a:r>
+              <a:rPr lang="zh-CN" altLang="en-US" dirty="0" smtClean="0"/>
+              <a:t>更便利，而</a:t>
+            </a:r>
+            <a:r>
+              <a:rPr lang="en-US" altLang="zh-CN" dirty="0" err="1" smtClean="0"/>
+              <a:t>Git</a:t>
+            </a:r>
+            <a:r>
+              <a:rPr lang="zh-CN" altLang="en-US" dirty="0" smtClean="0"/>
+              <a:t>可暂缓同步，当提交的代码存在问题时，不会立即对别人造成影响。</a:t>
+            </a:r>
             <a:endParaRPr lang="zh-CN" altLang="en-US" dirty="0"/>
           </a:p>
         </p:txBody>
@@ -1935,7 +1938,7 @@
     </p:spTree>
     <p:extLst>
       <p:ext uri="{BB962C8B-B14F-4D97-AF65-F5344CB8AC3E}">
-        <p14:creationId xmlns:p14="http://schemas.microsoft.com/office/powerpoint/2010/main" val="4117542648"/>
+        <p14:creationId xmlns:p14="http://schemas.microsoft.com/office/powerpoint/2010/main" val="1725783436"/>
       </p:ext>
     </p:extLst>
   </p:cSld>
@@ -2030,7 +2033,7 @@
     </p:spTree>
     <p:extLst>
       <p:ext uri="{BB962C8B-B14F-4D97-AF65-F5344CB8AC3E}">
-        <p14:creationId xmlns:p14="http://schemas.microsoft.com/office/powerpoint/2010/main" val="1830754648"/>
+        <p14:creationId xmlns:p14="http://schemas.microsoft.com/office/powerpoint/2010/main" val="4117542648"/>
       </p:ext>
     </p:extLst>
   </p:cSld>
@@ -2125,7 +2128,7 @@
     </p:spTree>
     <p:extLst>
       <p:ext uri="{BB962C8B-B14F-4D97-AF65-F5344CB8AC3E}">
-        <p14:creationId xmlns:p14="http://schemas.microsoft.com/office/powerpoint/2010/main" val="870260155"/>
+        <p14:creationId xmlns:p14="http://schemas.microsoft.com/office/powerpoint/2010/main" val="1830754648"/>
       </p:ext>
     </p:extLst>
   </p:cSld>
@@ -2310,7 +2313,7 @@
     </p:spTree>
     <p:extLst>
       <p:ext uri="{BB962C8B-B14F-4D97-AF65-F5344CB8AC3E}">
-        <p14:creationId xmlns:p14="http://schemas.microsoft.com/office/powerpoint/2010/main" val="3306666032"/>
+        <p14:creationId xmlns:p14="http://schemas.microsoft.com/office/powerpoint/2010/main" val="870260155"/>
       </p:ext>
     </p:extLst>
   </p:cSld>
@@ -2405,7 +2408,7 @@
     </p:spTree>
     <p:extLst>
       <p:ext uri="{BB962C8B-B14F-4D97-AF65-F5344CB8AC3E}">
-        <p14:creationId xmlns:p14="http://schemas.microsoft.com/office/powerpoint/2010/main" val="3751054374"/>
+        <p14:creationId xmlns:p14="http://schemas.microsoft.com/office/powerpoint/2010/main" val="1765895126"/>
       </p:ext>
     </p:extLst>
   </p:cSld>
@@ -2442,7 +2445,12 @@
             <p:ph type="sldImg"/>
           </p:nvPr>
         </p:nvSpPr>
-        <p:spPr/>
+        <p:spPr>
+          <a:xfrm>
+            <a:off x="419100" y="741363"/>
+            <a:ext cx="5964238" cy="3727450"/>
+          </a:xfrm>
+        </p:spPr>
       </p:sp>
       <p:sp>
         <p:nvSpPr>
@@ -2487,6 +2495,281 @@
                 <a:defRPr/>
               </a:pPr>
               <a:t>22</a:t>
+            </a:fld>
+            <a:endParaRPr lang="zh-CN" altLang="zh-CN"/>
+          </a:p>
+        </p:txBody>
+      </p:sp>
+    </p:spTree>
+    <p:extLst>
+      <p:ext uri="{BB962C8B-B14F-4D97-AF65-F5344CB8AC3E}">
+        <p14:creationId xmlns:p14="http://schemas.microsoft.com/office/powerpoint/2010/main" val="3306666032"/>
+      </p:ext>
+    </p:extLst>
+  </p:cSld>
+  <p:clrMapOvr>
+    <a:masterClrMapping/>
+  </p:clrMapOvr>
+</p:notes>
+</file>
+
+<file path=ppt/notesSlides/notesSlide23.xml><?xml version="1.0" encoding="utf-8"?>
+<p:notes xmlns:a="http://schemas.openxmlformats.org/drawingml/2006/main" xmlns:r="http://schemas.openxmlformats.org/officeDocument/2006/relationships" xmlns:p="http://schemas.openxmlformats.org/presentationml/2006/main">
+  <p:cSld>
+    <p:spTree>
+      <p:nvGrpSpPr>
+        <p:cNvPr id="1" name=""/>
+        <p:cNvGrpSpPr/>
+        <p:nvPr/>
+      </p:nvGrpSpPr>
+      <p:grpSpPr>
+        <a:xfrm>
+          <a:off x="0" y="0"/>
+          <a:ext cx="0" cy="0"/>
+          <a:chOff x="0" y="0"/>
+          <a:chExt cx="0" cy="0"/>
+        </a:xfrm>
+      </p:grpSpPr>
+      <p:sp>
+        <p:nvSpPr>
+          <p:cNvPr id="2" name="幻灯片图像占位符 1"/>
+          <p:cNvSpPr>
+            <a:spLocks noGrp="1" noRot="1" noChangeAspect="1"/>
+          </p:cNvSpPr>
+          <p:nvPr>
+            <p:ph type="sldImg"/>
+          </p:nvPr>
+        </p:nvSpPr>
+        <p:spPr/>
+      </p:sp>
+      <p:sp>
+        <p:nvSpPr>
+          <p:cNvPr id="3" name="备注占位符 2"/>
+          <p:cNvSpPr>
+            <a:spLocks noGrp="1"/>
+          </p:cNvSpPr>
+          <p:nvPr>
+            <p:ph type="body" idx="1"/>
+          </p:nvPr>
+        </p:nvSpPr>
+        <p:spPr/>
+        <p:txBody>
+          <a:bodyPr/>
+          <a:lstStyle/>
+          <a:p>
+            <a:endParaRPr lang="en-US" altLang="zh-CN" dirty="0" smtClean="0"/>
+          </a:p>
+        </p:txBody>
+      </p:sp>
+      <p:sp>
+        <p:nvSpPr>
+          <p:cNvPr id="4" name="灯片编号占位符 3"/>
+          <p:cNvSpPr>
+            <a:spLocks noGrp="1"/>
+          </p:cNvSpPr>
+          <p:nvPr>
+            <p:ph type="sldNum" sz="quarter" idx="10"/>
+          </p:nvPr>
+        </p:nvSpPr>
+        <p:spPr/>
+        <p:txBody>
+          <a:bodyPr/>
+          <a:lstStyle/>
+          <a:p>
+            <a:pPr>
+              <a:defRPr/>
+            </a:pPr>
+            <a:fld id="{8D38A83D-84FA-4C8F-BF3C-D7610E318699}" type="slidenum">
+              <a:rPr lang="en-US" altLang="zh-CN" smtClean="0"/>
+              <a:pPr>
+                <a:defRPr/>
+              </a:pPr>
+              <a:t>23</a:t>
+            </a:fld>
+            <a:endParaRPr lang="zh-CN" altLang="zh-CN"/>
+          </a:p>
+        </p:txBody>
+      </p:sp>
+    </p:spTree>
+    <p:extLst>
+      <p:ext uri="{BB962C8B-B14F-4D97-AF65-F5344CB8AC3E}">
+        <p14:creationId xmlns:p14="http://schemas.microsoft.com/office/powerpoint/2010/main" val="2137693824"/>
+      </p:ext>
+    </p:extLst>
+  </p:cSld>
+  <p:clrMapOvr>
+    <a:masterClrMapping/>
+  </p:clrMapOvr>
+</p:notes>
+</file>
+
+<file path=ppt/notesSlides/notesSlide24.xml><?xml version="1.0" encoding="utf-8"?>
+<p:notes xmlns:a="http://schemas.openxmlformats.org/drawingml/2006/main" xmlns:r="http://schemas.openxmlformats.org/officeDocument/2006/relationships" xmlns:p="http://schemas.openxmlformats.org/presentationml/2006/main">
+  <p:cSld>
+    <p:spTree>
+      <p:nvGrpSpPr>
+        <p:cNvPr id="1" name=""/>
+        <p:cNvGrpSpPr/>
+        <p:nvPr/>
+      </p:nvGrpSpPr>
+      <p:grpSpPr>
+        <a:xfrm>
+          <a:off x="0" y="0"/>
+          <a:ext cx="0" cy="0"/>
+          <a:chOff x="0" y="0"/>
+          <a:chExt cx="0" cy="0"/>
+        </a:xfrm>
+      </p:grpSpPr>
+      <p:sp>
+        <p:nvSpPr>
+          <p:cNvPr id="2" name="幻灯片图像占位符 1"/>
+          <p:cNvSpPr>
+            <a:spLocks noGrp="1" noRot="1" noChangeAspect="1"/>
+          </p:cNvSpPr>
+          <p:nvPr>
+            <p:ph type="sldImg"/>
+          </p:nvPr>
+        </p:nvSpPr>
+        <p:spPr>
+          <a:xfrm>
+            <a:off x="419100" y="741363"/>
+            <a:ext cx="5964238" cy="3727450"/>
+          </a:xfrm>
+        </p:spPr>
+      </p:sp>
+      <p:sp>
+        <p:nvSpPr>
+          <p:cNvPr id="3" name="备注占位符 2"/>
+          <p:cNvSpPr>
+            <a:spLocks noGrp="1"/>
+          </p:cNvSpPr>
+          <p:nvPr>
+            <p:ph type="body" idx="1"/>
+          </p:nvPr>
+        </p:nvSpPr>
+        <p:spPr/>
+        <p:txBody>
+          <a:bodyPr/>
+          <a:lstStyle/>
+          <a:p>
+            <a:endParaRPr lang="zh-CN" altLang="en-US" dirty="0"/>
+          </a:p>
+        </p:txBody>
+      </p:sp>
+      <p:sp>
+        <p:nvSpPr>
+          <p:cNvPr id="4" name="灯片编号占位符 3"/>
+          <p:cNvSpPr>
+            <a:spLocks noGrp="1"/>
+          </p:cNvSpPr>
+          <p:nvPr>
+            <p:ph type="sldNum" sz="quarter" idx="10"/>
+          </p:nvPr>
+        </p:nvSpPr>
+        <p:spPr/>
+        <p:txBody>
+          <a:bodyPr/>
+          <a:lstStyle/>
+          <a:p>
+            <a:pPr>
+              <a:defRPr/>
+            </a:pPr>
+            <a:fld id="{8D38A83D-84FA-4C8F-BF3C-D7610E318699}" type="slidenum">
+              <a:rPr lang="en-US" altLang="zh-CN" smtClean="0"/>
+              <a:pPr>
+                <a:defRPr/>
+              </a:pPr>
+              <a:t>24</a:t>
+            </a:fld>
+            <a:endParaRPr lang="zh-CN" altLang="zh-CN"/>
+          </a:p>
+        </p:txBody>
+      </p:sp>
+    </p:spTree>
+    <p:extLst>
+      <p:ext uri="{BB962C8B-B14F-4D97-AF65-F5344CB8AC3E}">
+        <p14:creationId xmlns:p14="http://schemas.microsoft.com/office/powerpoint/2010/main" val="3751054374"/>
+      </p:ext>
+    </p:extLst>
+  </p:cSld>
+  <p:clrMapOvr>
+    <a:masterClrMapping/>
+  </p:clrMapOvr>
+</p:notes>
+</file>
+
+<file path=ppt/notesSlides/notesSlide25.xml><?xml version="1.0" encoding="utf-8"?>
+<p:notes xmlns:a="http://schemas.openxmlformats.org/drawingml/2006/main" xmlns:r="http://schemas.openxmlformats.org/officeDocument/2006/relationships" xmlns:p="http://schemas.openxmlformats.org/presentationml/2006/main">
+  <p:cSld>
+    <p:spTree>
+      <p:nvGrpSpPr>
+        <p:cNvPr id="1" name=""/>
+        <p:cNvGrpSpPr/>
+        <p:nvPr/>
+      </p:nvGrpSpPr>
+      <p:grpSpPr>
+        <a:xfrm>
+          <a:off x="0" y="0"/>
+          <a:ext cx="0" cy="0"/>
+          <a:chOff x="0" y="0"/>
+          <a:chExt cx="0" cy="0"/>
+        </a:xfrm>
+      </p:grpSpPr>
+      <p:sp>
+        <p:nvSpPr>
+          <p:cNvPr id="2" name="幻灯片图像占位符 1"/>
+          <p:cNvSpPr>
+            <a:spLocks noGrp="1" noRot="1" noChangeAspect="1"/>
+          </p:cNvSpPr>
+          <p:nvPr>
+            <p:ph type="sldImg"/>
+          </p:nvPr>
+        </p:nvSpPr>
+        <p:spPr/>
+      </p:sp>
+      <p:sp>
+        <p:nvSpPr>
+          <p:cNvPr id="3" name="备注占位符 2"/>
+          <p:cNvSpPr>
+            <a:spLocks noGrp="1"/>
+          </p:cNvSpPr>
+          <p:nvPr>
+            <p:ph type="body" idx="1"/>
+          </p:nvPr>
+        </p:nvSpPr>
+        <p:spPr/>
+        <p:txBody>
+          <a:bodyPr/>
+          <a:lstStyle/>
+          <a:p>
+            <a:endParaRPr lang="zh-CN" altLang="en-US" dirty="0"/>
+          </a:p>
+        </p:txBody>
+      </p:sp>
+      <p:sp>
+        <p:nvSpPr>
+          <p:cNvPr id="4" name="灯片编号占位符 3"/>
+          <p:cNvSpPr>
+            <a:spLocks noGrp="1"/>
+          </p:cNvSpPr>
+          <p:nvPr>
+            <p:ph type="sldNum" sz="quarter" idx="10"/>
+          </p:nvPr>
+        </p:nvSpPr>
+        <p:spPr/>
+        <p:txBody>
+          <a:bodyPr/>
+          <a:lstStyle/>
+          <a:p>
+            <a:pPr>
+              <a:defRPr/>
+            </a:pPr>
+            <a:fld id="{8D38A83D-84FA-4C8F-BF3C-D7610E318699}" type="slidenum">
+              <a:rPr lang="en-US" altLang="zh-CN" smtClean="0"/>
+              <a:pPr>
+                <a:defRPr/>
+              </a:pPr>
+              <a:t>25</a:t>
             </a:fld>
             <a:endParaRPr lang="zh-CN" altLang="zh-CN"/>
           </a:p>
@@ -2780,7 +3063,7 @@
     </p:spTree>
     <p:extLst>
       <p:ext uri="{BB962C8B-B14F-4D97-AF65-F5344CB8AC3E}">
-        <p14:creationId xmlns:p14="http://schemas.microsoft.com/office/powerpoint/2010/main" val="1022716839"/>
+        <p14:creationId xmlns:p14="http://schemas.microsoft.com/office/powerpoint/2010/main" val="134441509"/>
       </p:ext>
     </p:extLst>
   </p:cSld>
@@ -2875,7 +3158,7 @@
     </p:spTree>
     <p:extLst>
       <p:ext uri="{BB962C8B-B14F-4D97-AF65-F5344CB8AC3E}">
-        <p14:creationId xmlns:p14="http://schemas.microsoft.com/office/powerpoint/2010/main" val="802434632"/>
+        <p14:creationId xmlns:p14="http://schemas.microsoft.com/office/powerpoint/2010/main" val="1022716839"/>
       </p:ext>
     </p:extLst>
   </p:cSld>
@@ -2934,15 +3217,7 @@
           <a:bodyPr/>
           <a:lstStyle/>
           <a:p>
-            <a:endParaRPr lang="en-US" altLang="zh-CN" sz="1200" b="0" i="0" kern="1200" dirty="0" smtClean="0">
-              <a:solidFill>
-                <a:schemeClr val="tx1"/>
-              </a:solidFill>
-              <a:effectLst/>
-              <a:latin typeface="Calibri" panose="020F0502020204030204" pitchFamily="34" charset="0"/>
-              <a:ea typeface="宋体" panose="02010600030101010101" pitchFamily="2" charset="-122"/>
-              <a:cs typeface="+mn-cs"/>
-            </a:endParaRPr>
+            <a:endParaRPr lang="zh-CN" altLang="en-US" dirty="0"/>
           </a:p>
         </p:txBody>
       </p:sp>
@@ -2978,7 +3253,7 @@
     </p:spTree>
     <p:extLst>
       <p:ext uri="{BB962C8B-B14F-4D97-AF65-F5344CB8AC3E}">
-        <p14:creationId xmlns:p14="http://schemas.microsoft.com/office/powerpoint/2010/main" val="1844365887"/>
+        <p14:creationId xmlns:p14="http://schemas.microsoft.com/office/powerpoint/2010/main" val="802434632"/>
       </p:ext>
     </p:extLst>
   </p:cSld>
@@ -3037,7 +3312,15 @@
           <a:bodyPr/>
           <a:lstStyle/>
           <a:p>
-            <a:endParaRPr lang="zh-CN" altLang="en-US" dirty="0"/>
+            <a:endParaRPr lang="en-US" altLang="zh-CN" sz="1200" b="0" i="0" kern="1200" dirty="0" smtClean="0">
+              <a:solidFill>
+                <a:schemeClr val="tx1"/>
+              </a:solidFill>
+              <a:effectLst/>
+              <a:latin typeface="Calibri" panose="020F0502020204030204" pitchFamily="34" charset="0"/>
+              <a:ea typeface="宋体" panose="02010600030101010101" pitchFamily="2" charset="-122"/>
+              <a:cs typeface="+mn-cs"/>
+            </a:endParaRPr>
           </a:p>
         </p:txBody>
       </p:sp>
@@ -3073,7 +3356,7 @@
     </p:spTree>
     <p:extLst>
       <p:ext uri="{BB962C8B-B14F-4D97-AF65-F5344CB8AC3E}">
-        <p14:creationId xmlns:p14="http://schemas.microsoft.com/office/powerpoint/2010/main" val="2561412369"/>
+        <p14:creationId xmlns:p14="http://schemas.microsoft.com/office/powerpoint/2010/main" val="1844365887"/>
       </p:ext>
     </p:extLst>
   </p:cSld>
@@ -3168,7 +3451,7 @@
     </p:spTree>
     <p:extLst>
       <p:ext uri="{BB962C8B-B14F-4D97-AF65-F5344CB8AC3E}">
-        <p14:creationId xmlns:p14="http://schemas.microsoft.com/office/powerpoint/2010/main" val="3140618712"/>
+        <p14:creationId xmlns:p14="http://schemas.microsoft.com/office/powerpoint/2010/main" val="2561412369"/>
       </p:ext>
     </p:extLst>
   </p:cSld>
@@ -4986,8 +5269,8 @@
         </p:nvSpPr>
         <p:spPr>
           <a:xfrm>
-            <a:off x="467544" y="871884"/>
-            <a:ext cx="8234363" cy="1334590"/>
+            <a:off x="467544" y="1273324"/>
+            <a:ext cx="8234363" cy="1049512"/>
           </a:xfrm>
         </p:spPr>
         <p:txBody>
@@ -5012,35 +5295,51 @@
             </a:r>
             <a:r>
               <a:rPr lang="zh-CN" altLang="en-US" sz="1400" dirty="0"/>
-              <a:t>并不保存这些前后变化的差异数据。实际上，</a:t>
-            </a:r>
-            <a:r>
-              <a:rPr lang="en-US" altLang="zh-CN" sz="1400" dirty="0" err="1"/>
-              <a:t>Git</a:t>
+              <a:t>只关心文件数据的整体是否发生变化，而大多数其他系统则只关心文件内容的具体</a:t>
+            </a:r>
+            <a:r>
+              <a:rPr lang="zh-CN" altLang="en-US" sz="1400" dirty="0" smtClean="0"/>
+              <a:t>差异。</a:t>
+            </a:r>
+            <a:r>
+              <a:rPr lang="zh-CN" altLang="en-US" sz="1400" dirty="0"/>
+              <a:t>这类系统（</a:t>
             </a:r>
             <a:r>
               <a:rPr lang="en-US" altLang="zh-CN" sz="1400" dirty="0"/>
-              <a:t> </a:t>
+              <a:t>CVS</a:t>
             </a:r>
             <a:r>
               <a:rPr lang="zh-CN" altLang="en-US" sz="1400" dirty="0"/>
-              <a:t>更像是把变化的文件作快照后，记录在一个微型的文件系统中。每次提交更新时，它会纵览一遍所有文件的指纹信息并对文件作一快照，然后保存一个指向这次快照的索引。为提高性能，若文件没有变化，</a:t>
-            </a:r>
-            <a:r>
-              <a:rPr lang="en-US" altLang="zh-CN" sz="1400" dirty="0" err="1"/>
-              <a:t>Git</a:t>
+              <a:t>，</a:t>
             </a:r>
             <a:r>
               <a:rPr lang="en-US" altLang="zh-CN" sz="1400" dirty="0"/>
-              <a:t> </a:t>
+              <a:t>Subversion</a:t>
             </a:r>
             <a:r>
               <a:rPr lang="zh-CN" altLang="en-US" sz="1400" dirty="0"/>
-              <a:t>不会再次保存，而只对上次保存的快照作一</a:t>
+              <a:t>，</a:t>
+            </a:r>
+            <a:r>
+              <a:rPr lang="en-US" altLang="zh-CN" sz="1400" dirty="0"/>
+              <a:t>Perforce</a:t>
+            </a:r>
+            <a:r>
+              <a:rPr lang="zh-CN" altLang="en-US" sz="1400" dirty="0"/>
+              <a:t>，</a:t>
+            </a:r>
+            <a:r>
+              <a:rPr lang="en-US" altLang="zh-CN" sz="1400" dirty="0"/>
+              <a:t>Bazaar </a:t>
+            </a:r>
+            <a:r>
+              <a:rPr lang="zh-CN" altLang="en-US" sz="1400" dirty="0"/>
+              <a:t>等等）每次记录有哪些文件作了更新，以及都更新了哪些行的什么</a:t>
             </a:r>
             <a:r>
               <a:rPr lang="zh-CN" altLang="en-US" sz="1400" dirty="0" smtClean="0"/>
-              <a:t>链接：</a:t>
+              <a:t>内容：</a:t>
             </a:r>
             <a:endParaRPr lang="en-US" altLang="zh-CN" sz="1400" dirty="0" smtClean="0"/>
           </a:p>
@@ -5048,7 +5347,7 @@
       </p:sp>
       <p:pic>
         <p:nvPicPr>
-          <p:cNvPr id="3074" name="Picture 2" descr="https://git-scm.com/figures/18333fig0105-tn.png"/>
+          <p:cNvPr id="2050" name="Picture 2" descr="https://git-scm.com/figures/18333fig0104-tn.png"/>
           <p:cNvPicPr>
             <a:picLocks noChangeAspect="1" noChangeArrowheads="1"/>
           </p:cNvPicPr>
@@ -5069,8 +5368,8 @@
         </p:blipFill>
         <p:spPr bwMode="auto">
           <a:xfrm>
-            <a:off x="968858" y="2206474"/>
-            <a:ext cx="7231734" cy="3210890"/>
+            <a:off x="1020329" y="2209428"/>
+            <a:ext cx="7128792" cy="3179441"/>
           </a:xfrm>
           <a:prstGeom prst="rect">
             <a:avLst/>
@@ -5087,10 +5386,199 @@
           </a:extLst>
         </p:spPr>
       </p:pic>
+      <p:sp>
+        <p:nvSpPr>
+          <p:cNvPr id="12" name="内容占位符 2"/>
+          <p:cNvSpPr txBox="1">
+            <a:spLocks/>
+          </p:cNvSpPr>
+          <p:nvPr/>
+        </p:nvSpPr>
+        <p:spPr bwMode="auto">
+          <a:xfrm>
+            <a:off x="464477" y="769268"/>
+            <a:ext cx="8234363" cy="487307"/>
+          </a:xfrm>
+          <a:prstGeom prst="rect">
+            <a:avLst/>
+          </a:prstGeom>
+          <a:noFill/>
+          <a:ln w="9525">
+            <a:noFill/>
+            <a:miter lim="800000"/>
+          </a:ln>
+        </p:spPr>
+        <p:txBody>
+          <a:bodyPr vert="horz" wrap="square" lIns="79242" tIns="39621" rIns="79242" bIns="39621" numCol="1" anchor="t" anchorCtr="0" compatLnSpc="1">
+            <a:spAutoFit/>
+          </a:bodyPr>
+          <a:lstStyle>
+            <a:lvl1pPr marL="323212" indent="-323212" algn="l" rtl="0" eaLnBrk="1" fontAlgn="base" hangingPunct="1">
+              <a:spcBef>
+                <a:spcPct val="20000"/>
+              </a:spcBef>
+              <a:spcAft>
+                <a:spcPct val="0"/>
+              </a:spcAft>
+              <a:buChar char="•"/>
+              <a:defRPr sz="1700">
+                <a:solidFill>
+                  <a:schemeClr val="tx1"/>
+                </a:solidFill>
+                <a:latin typeface="微软雅黑" panose="020B0503020204020204" pitchFamily="34" charset="-122"/>
+                <a:ea typeface="微软雅黑" panose="020B0503020204020204" pitchFamily="34" charset="-122"/>
+                <a:cs typeface="+mn-cs"/>
+              </a:defRPr>
+            </a:lvl1pPr>
+            <a:lvl2pPr marL="699763" indent="-269238" algn="l" rtl="0" eaLnBrk="1" fontAlgn="base" hangingPunct="1">
+              <a:spcBef>
+                <a:spcPct val="20000"/>
+              </a:spcBef>
+              <a:spcAft>
+                <a:spcPct val="0"/>
+              </a:spcAft>
+              <a:buChar char="–"/>
+              <a:defRPr sz="1500">
+                <a:solidFill>
+                  <a:schemeClr val="tx1"/>
+                </a:solidFill>
+                <a:latin typeface="微软雅黑" panose="020B0503020204020204" pitchFamily="34" charset="-122"/>
+                <a:ea typeface="微软雅黑" panose="020B0503020204020204" pitchFamily="34" charset="-122"/>
+              </a:defRPr>
+            </a:lvl2pPr>
+            <a:lvl3pPr marL="1076949" indent="-215263" algn="l" rtl="0" eaLnBrk="1" fontAlgn="base" hangingPunct="1">
+              <a:spcBef>
+                <a:spcPct val="20000"/>
+              </a:spcBef>
+              <a:spcAft>
+                <a:spcPct val="0"/>
+              </a:spcAft>
+              <a:buChar char="•"/>
+              <a:defRPr sz="1500">
+                <a:solidFill>
+                  <a:schemeClr val="tx1"/>
+                </a:solidFill>
+                <a:latin typeface="微软雅黑" panose="020B0503020204020204" pitchFamily="34" charset="-122"/>
+                <a:ea typeface="微软雅黑" panose="020B0503020204020204" pitchFamily="34" charset="-122"/>
+              </a:defRPr>
+            </a:lvl3pPr>
+            <a:lvl4pPr marL="1507475" indent="-215263" algn="l" rtl="0" eaLnBrk="1" fontAlgn="base" hangingPunct="1">
+              <a:spcBef>
+                <a:spcPct val="20000"/>
+              </a:spcBef>
+              <a:spcAft>
+                <a:spcPct val="0"/>
+              </a:spcAft>
+              <a:buChar char="–"/>
+              <a:defRPr sz="1500">
+                <a:solidFill>
+                  <a:schemeClr val="tx1"/>
+                </a:solidFill>
+                <a:latin typeface="微软雅黑" panose="020B0503020204020204" pitchFamily="34" charset="-122"/>
+                <a:ea typeface="微软雅黑" panose="020B0503020204020204" pitchFamily="34" charset="-122"/>
+              </a:defRPr>
+            </a:lvl4pPr>
+            <a:lvl5pPr marL="1938001" indent="-215263" algn="l" rtl="0" eaLnBrk="1" fontAlgn="base" hangingPunct="1">
+              <a:spcBef>
+                <a:spcPct val="20000"/>
+              </a:spcBef>
+              <a:spcAft>
+                <a:spcPct val="0"/>
+              </a:spcAft>
+              <a:buChar char="»"/>
+              <a:defRPr sz="1500">
+                <a:solidFill>
+                  <a:schemeClr val="tx1"/>
+                </a:solidFill>
+                <a:latin typeface="微软雅黑" panose="020B0503020204020204" pitchFamily="34" charset="-122"/>
+                <a:ea typeface="微软雅黑" panose="020B0503020204020204" pitchFamily="34" charset="-122"/>
+              </a:defRPr>
+            </a:lvl5pPr>
+            <a:lvl6pPr marL="2368526" indent="-215263" algn="l" rtl="0" eaLnBrk="1" fontAlgn="base" hangingPunct="1">
+              <a:spcBef>
+                <a:spcPct val="20000"/>
+              </a:spcBef>
+              <a:spcAft>
+                <a:spcPct val="0"/>
+              </a:spcAft>
+              <a:buChar char="»"/>
+              <a:defRPr sz="1900">
+                <a:solidFill>
+                  <a:schemeClr val="tx1"/>
+                </a:solidFill>
+                <a:latin typeface="+mn-lt"/>
+                <a:ea typeface="+mn-ea"/>
+              </a:defRPr>
+            </a:lvl6pPr>
+            <a:lvl7pPr marL="2799687" indent="-215263" algn="l" rtl="0" eaLnBrk="1" fontAlgn="base" hangingPunct="1">
+              <a:spcBef>
+                <a:spcPct val="20000"/>
+              </a:spcBef>
+              <a:spcAft>
+                <a:spcPct val="0"/>
+              </a:spcAft>
+              <a:buChar char="»"/>
+              <a:defRPr sz="1900">
+                <a:solidFill>
+                  <a:schemeClr val="tx1"/>
+                </a:solidFill>
+                <a:latin typeface="+mn-lt"/>
+                <a:ea typeface="+mn-ea"/>
+              </a:defRPr>
+            </a:lvl7pPr>
+            <a:lvl8pPr marL="3230213" indent="-215263" algn="l" rtl="0" eaLnBrk="1" fontAlgn="base" hangingPunct="1">
+              <a:spcBef>
+                <a:spcPct val="20000"/>
+              </a:spcBef>
+              <a:spcAft>
+                <a:spcPct val="0"/>
+              </a:spcAft>
+              <a:buChar char="»"/>
+              <a:defRPr sz="1900">
+                <a:solidFill>
+                  <a:schemeClr val="tx1"/>
+                </a:solidFill>
+                <a:latin typeface="+mn-lt"/>
+                <a:ea typeface="+mn-ea"/>
+              </a:defRPr>
+            </a:lvl8pPr>
+            <a:lvl9pPr marL="3660738" indent="-215263" algn="l" rtl="0" eaLnBrk="1" fontAlgn="base" hangingPunct="1">
+              <a:spcBef>
+                <a:spcPct val="20000"/>
+              </a:spcBef>
+              <a:spcAft>
+                <a:spcPct val="0"/>
+              </a:spcAft>
+              <a:buChar char="»"/>
+              <a:defRPr sz="1900">
+                <a:solidFill>
+                  <a:schemeClr val="tx1"/>
+                </a:solidFill>
+                <a:latin typeface="+mn-lt"/>
+                <a:ea typeface="+mn-ea"/>
+              </a:defRPr>
+            </a:lvl9pPr>
+          </a:lstStyle>
+          <a:p>
+            <a:pPr marL="342900" indent="-342900">
+              <a:lnSpc>
+                <a:spcPct val="150000"/>
+              </a:lnSpc>
+              <a:buFont typeface="+mj-lt"/>
+              <a:buAutoNum type="arabicPeriod"/>
+            </a:pPr>
+            <a:r>
+              <a:rPr lang="zh-CN" altLang="en-US" sz="2000" kern="0" dirty="0" smtClean="0"/>
+              <a:t>直接记录快照，而非差异比较</a:t>
+            </a:r>
+            <a:endParaRPr lang="en-US" altLang="zh-CN" sz="2000" kern="0" dirty="0" smtClean="0"/>
+          </a:p>
+        </p:txBody>
+      </p:sp>
     </p:spTree>
     <p:extLst>
       <p:ext uri="{BB962C8B-B14F-4D97-AF65-F5344CB8AC3E}">
-        <p14:creationId xmlns:p14="http://schemas.microsoft.com/office/powerpoint/2010/main" val="1716486420"/>
+        <p14:creationId xmlns:p14="http://schemas.microsoft.com/office/powerpoint/2010/main" val="2263522806"/>
       </p:ext>
     </p:extLst>
   </p:cSld>
@@ -5433,8 +5921,8 @@
         </p:nvSpPr>
         <p:spPr>
           <a:xfrm>
-            <a:off x="467544" y="1303932"/>
-            <a:ext cx="8234363" cy="1372677"/>
+            <a:off x="467544" y="871884"/>
+            <a:ext cx="8234363" cy="1334590"/>
           </a:xfrm>
         </p:spPr>
         <p:txBody>
@@ -5450,14 +5938,6 @@
               <a:buNone/>
             </a:pPr>
             <a:r>
-              <a:rPr lang="zh-CN" altLang="en-US" sz="1400" dirty="0" smtClean="0"/>
-              <a:t>得益于分布式这个特点，</a:t>
-            </a:r>
-            <a:r>
-              <a:rPr lang="zh-CN" altLang="en-US" sz="1400" dirty="0"/>
-              <a:t>在 </a:t>
-            </a:r>
-            <a:r>
               <a:rPr lang="en-US" altLang="zh-CN" sz="1400" dirty="0" err="1"/>
               <a:t>Git</a:t>
             </a:r>
@@ -5467,7 +5947,7 @@
             </a:r>
             <a:r>
               <a:rPr lang="zh-CN" altLang="en-US" sz="1400" dirty="0"/>
-              <a:t>中的绝大多数操作都只需要访问本地文件和资源，不用连网。因为 </a:t>
+              <a:t>并不保存这些前后变化的差异数据。实际上，</a:t>
             </a:r>
             <a:r>
               <a:rPr lang="en-US" altLang="zh-CN" sz="1400" dirty="0" err="1"/>
@@ -5479,21 +5959,476 @@
             </a:r>
             <a:r>
               <a:rPr lang="zh-CN" altLang="en-US" sz="1400" dirty="0"/>
+              <a:t>更像是把变化的文件作快照后，记录在一个微型的文件系统中。每次提交更新时，它会纵览一遍所有文件的指纹信息并对文件作一快照，然后保存一个指向这次快照的索引。为提高性能，若文件没有变化，</a:t>
+            </a:r>
+            <a:r>
+              <a:rPr lang="en-US" altLang="zh-CN" sz="1400" dirty="0" err="1"/>
+              <a:t>Git</a:t>
+            </a:r>
+            <a:r>
+              <a:rPr lang="en-US" altLang="zh-CN" sz="1400" dirty="0"/>
+              <a:t> </a:t>
+            </a:r>
+            <a:r>
+              <a:rPr lang="zh-CN" altLang="en-US" sz="1400" dirty="0"/>
+              <a:t>不会再次保存，而只对上次保存的快照作一</a:t>
+            </a:r>
+            <a:r>
+              <a:rPr lang="zh-CN" altLang="en-US" sz="1400" dirty="0" smtClean="0"/>
+              <a:t>链接：</a:t>
+            </a:r>
+            <a:endParaRPr lang="en-US" altLang="zh-CN" sz="1400" dirty="0" smtClean="0"/>
+          </a:p>
+        </p:txBody>
+      </p:sp>
+      <p:pic>
+        <p:nvPicPr>
+          <p:cNvPr id="3074" name="Picture 2" descr="https://git-scm.com/figures/18333fig0105-tn.png"/>
+          <p:cNvPicPr>
+            <a:picLocks noChangeAspect="1" noChangeArrowheads="1"/>
+          </p:cNvPicPr>
+          <p:nvPr/>
+        </p:nvPicPr>
+        <p:blipFill>
+          <a:blip r:embed="rId3">
+            <a:extLst>
+              <a:ext uri="{28A0092B-C50C-407E-A947-70E740481C1C}">
+                <a14:useLocalDpi xmlns:a14="http://schemas.microsoft.com/office/drawing/2010/main" val="0"/>
+              </a:ext>
+            </a:extLst>
+          </a:blip>
+          <a:srcRect/>
+          <a:stretch>
+            <a:fillRect/>
+          </a:stretch>
+        </p:blipFill>
+        <p:spPr bwMode="auto">
+          <a:xfrm>
+            <a:off x="968858" y="2206474"/>
+            <a:ext cx="7231734" cy="3210890"/>
+          </a:xfrm>
+          <a:prstGeom prst="rect">
+            <a:avLst/>
+          </a:prstGeom>
+          <a:noFill/>
+          <a:extLst>
+            <a:ext uri="{909E8E84-426E-40DD-AFC4-6F175D3DCCD1}">
+              <a14:hiddenFill xmlns:a14="http://schemas.microsoft.com/office/drawing/2010/main">
+                <a:solidFill>
+                  <a:srgbClr val="FFFFFF"/>
+                </a:solidFill>
+              </a14:hiddenFill>
+            </a:ext>
+          </a:extLst>
+        </p:spPr>
+      </p:pic>
+    </p:spTree>
+    <p:extLst>
+      <p:ext uri="{BB962C8B-B14F-4D97-AF65-F5344CB8AC3E}">
+        <p14:creationId xmlns:p14="http://schemas.microsoft.com/office/powerpoint/2010/main" val="1716486420"/>
+      </p:ext>
+    </p:extLst>
+  </p:cSld>
+  <p:clrMapOvr>
+    <a:masterClrMapping/>
+  </p:clrMapOvr>
+  <p:transition spd="med">
+    <p:wipe dir="r"/>
+  </p:transition>
+  <p:timing>
+    <p:tnLst>
+      <p:par>
+        <p:cTn id="1" dur="indefinite" restart="never" nodeType="tmRoot"/>
+      </p:par>
+    </p:tnLst>
+  </p:timing>
+</p:sld>
+</file>
+
+<file path=ppt/slides/slide12.xml><?xml version="1.0" encoding="utf-8"?>
+<p:sld xmlns:a="http://schemas.openxmlformats.org/drawingml/2006/main" xmlns:r="http://schemas.openxmlformats.org/officeDocument/2006/relationships" xmlns:p="http://schemas.openxmlformats.org/presentationml/2006/main">
+  <p:cSld>
+    <p:spTree>
+      <p:nvGrpSpPr>
+        <p:cNvPr id="1" name=""/>
+        <p:cNvGrpSpPr/>
+        <p:nvPr/>
+      </p:nvGrpSpPr>
+      <p:grpSpPr>
+        <a:xfrm>
+          <a:off x="0" y="0"/>
+          <a:ext cx="0" cy="0"/>
+          <a:chOff x="0" y="0"/>
+          <a:chExt cx="0" cy="0"/>
+        </a:xfrm>
+      </p:grpSpPr>
+      <p:sp>
+        <p:nvSpPr>
+          <p:cNvPr id="10" name="灯片编号占位符 9"/>
+          <p:cNvSpPr>
+            <a:spLocks noGrp="1"/>
+          </p:cNvSpPr>
+          <p:nvPr>
+            <p:ph type="sldNum" sz="quarter" idx="12"/>
+          </p:nvPr>
+        </p:nvSpPr>
+        <p:spPr/>
+        <p:txBody>
+          <a:bodyPr/>
+          <a:lstStyle/>
+          <a:p>
+            <a:fld id="{86F0E3FA-EBE8-4184-B68E-FC61E6CBEA65}" type="slidenum">
+              <a:rPr lang="zh-CN" altLang="en-US" smtClean="0">
+                <a:solidFill>
+                  <a:prstClr val="black"/>
+                </a:solidFill>
+                <a:latin typeface="微软雅黑" panose="020B0503020204020204" pitchFamily="34" charset="-122"/>
+                <a:ea typeface="微软雅黑" panose="020B0503020204020204" pitchFamily="34" charset="-122"/>
+              </a:rPr>
+              <a:pPr/>
+              <a:t>12</a:t>
+            </a:fld>
+            <a:endParaRPr lang="zh-CN" altLang="en-US" dirty="0">
+              <a:solidFill>
+                <a:prstClr val="black"/>
+              </a:solidFill>
+              <a:latin typeface="微软雅黑" panose="020B0503020204020204" pitchFamily="34" charset="-122"/>
+              <a:ea typeface="微软雅黑" panose="020B0503020204020204" pitchFamily="34" charset="-122"/>
+            </a:endParaRPr>
+          </a:p>
+        </p:txBody>
+      </p:sp>
+      <p:sp>
+        <p:nvSpPr>
+          <p:cNvPr id="25" name="矩形 24"/>
+          <p:cNvSpPr/>
+          <p:nvPr/>
+        </p:nvSpPr>
+        <p:spPr>
+          <a:xfrm>
+            <a:off x="35496" y="212957"/>
+            <a:ext cx="1271464" cy="504056"/>
+          </a:xfrm>
+          <a:prstGeom prst="rect">
+            <a:avLst/>
+          </a:prstGeom>
+          <a:solidFill>
+            <a:schemeClr val="accent4"/>
+          </a:solidFill>
+          <a:ln>
+            <a:noFill/>
+          </a:ln>
+        </p:spPr>
+        <p:style>
+          <a:lnRef idx="2">
+            <a:schemeClr val="accent1">
+              <a:shade val="50000"/>
+            </a:schemeClr>
+          </a:lnRef>
+          <a:fillRef idx="1">
+            <a:schemeClr val="accent1"/>
+          </a:fillRef>
+          <a:effectRef idx="0">
+            <a:schemeClr val="accent1"/>
+          </a:effectRef>
+          <a:fontRef idx="minor">
+            <a:schemeClr val="lt1"/>
+          </a:fontRef>
+        </p:style>
+        <p:txBody>
+          <a:bodyPr rtlCol="0" anchor="ctr"/>
+          <a:lstStyle/>
+          <a:p>
+            <a:pPr algn="ctr"/>
+            <a:endParaRPr lang="zh-CN" altLang="en-US" dirty="0">
+              <a:latin typeface="微软雅黑" panose="020B0503020204020204" pitchFamily="34" charset="-122"/>
+              <a:ea typeface="微软雅黑" panose="020B0503020204020204" pitchFamily="34" charset="-122"/>
+            </a:endParaRPr>
+          </a:p>
+        </p:txBody>
+      </p:sp>
+      <p:sp>
+        <p:nvSpPr>
+          <p:cNvPr id="26" name="矩形 25"/>
+          <p:cNvSpPr/>
+          <p:nvPr/>
+        </p:nvSpPr>
+        <p:spPr>
+          <a:xfrm>
+            <a:off x="1378968" y="212957"/>
+            <a:ext cx="72008" cy="504056"/>
+          </a:xfrm>
+          <a:prstGeom prst="rect">
+            <a:avLst/>
+          </a:prstGeom>
+          <a:solidFill>
+            <a:schemeClr val="accent4"/>
+          </a:solidFill>
+          <a:ln>
+            <a:noFill/>
+          </a:ln>
+        </p:spPr>
+        <p:style>
+          <a:lnRef idx="2">
+            <a:schemeClr val="accent1">
+              <a:shade val="50000"/>
+            </a:schemeClr>
+          </a:lnRef>
+          <a:fillRef idx="1">
+            <a:schemeClr val="accent1"/>
+          </a:fillRef>
+          <a:effectRef idx="0">
+            <a:schemeClr val="accent1"/>
+          </a:effectRef>
+          <a:fontRef idx="minor">
+            <a:schemeClr val="lt1"/>
+          </a:fontRef>
+        </p:style>
+        <p:txBody>
+          <a:bodyPr rtlCol="0" anchor="ctr"/>
+          <a:lstStyle/>
+          <a:p>
+            <a:pPr algn="ctr"/>
+            <a:endParaRPr lang="zh-CN" altLang="en-US" dirty="0">
+              <a:latin typeface="微软雅黑" panose="020B0503020204020204" pitchFamily="34" charset="-122"/>
+              <a:ea typeface="微软雅黑" panose="020B0503020204020204" pitchFamily="34" charset="-122"/>
+            </a:endParaRPr>
+          </a:p>
+        </p:txBody>
+      </p:sp>
+      <p:sp>
+        <p:nvSpPr>
+          <p:cNvPr id="31" name="矩形 30"/>
+          <p:cNvSpPr/>
+          <p:nvPr/>
+        </p:nvSpPr>
+        <p:spPr>
+          <a:xfrm>
+            <a:off x="1516292" y="416607"/>
+            <a:ext cx="78700" cy="300406"/>
+          </a:xfrm>
+          <a:prstGeom prst="rect">
+            <a:avLst/>
+          </a:prstGeom>
+          <a:solidFill>
+            <a:schemeClr val="accent4"/>
+          </a:solidFill>
+          <a:ln>
+            <a:noFill/>
+          </a:ln>
+        </p:spPr>
+        <p:style>
+          <a:lnRef idx="2">
+            <a:schemeClr val="accent1">
+              <a:shade val="50000"/>
+            </a:schemeClr>
+          </a:lnRef>
+          <a:fillRef idx="1">
+            <a:schemeClr val="accent1"/>
+          </a:fillRef>
+          <a:effectRef idx="0">
+            <a:schemeClr val="accent1"/>
+          </a:effectRef>
+          <a:fontRef idx="minor">
+            <a:schemeClr val="lt1"/>
+          </a:fontRef>
+        </p:style>
+        <p:txBody>
+          <a:bodyPr rtlCol="0" anchor="ctr"/>
+          <a:lstStyle/>
+          <a:p>
+            <a:pPr algn="ctr"/>
+            <a:endParaRPr lang="zh-CN" altLang="en-US" dirty="0">
+              <a:latin typeface="微软雅黑" panose="020B0503020204020204" pitchFamily="34" charset="-122"/>
+              <a:ea typeface="微软雅黑" panose="020B0503020204020204" pitchFamily="34" charset="-122"/>
+            </a:endParaRPr>
+          </a:p>
+        </p:txBody>
+      </p:sp>
+      <p:sp>
+        <p:nvSpPr>
+          <p:cNvPr id="32" name="文本框 31"/>
+          <p:cNvSpPr txBox="1"/>
+          <p:nvPr/>
+        </p:nvSpPr>
+        <p:spPr>
+          <a:xfrm>
+            <a:off x="1619672" y="246048"/>
+            <a:ext cx="4032448" cy="523220"/>
+          </a:xfrm>
+          <a:prstGeom prst="rect">
+            <a:avLst/>
+          </a:prstGeom>
+          <a:noFill/>
+        </p:spPr>
+        <p:txBody>
+          <a:bodyPr wrap="square" rtlCol="0">
+            <a:spAutoFit/>
+          </a:bodyPr>
+          <a:lstStyle/>
+          <a:p>
+            <a:r>
+              <a:rPr lang="en-US" altLang="zh-CN" sz="2800" dirty="0" err="1" smtClean="0">
+                <a:solidFill>
+                  <a:schemeClr val="accent4"/>
+                </a:solidFill>
+                <a:latin typeface="微软雅黑" panose="020B0503020204020204" pitchFamily="34" charset="-122"/>
+                <a:ea typeface="微软雅黑" panose="020B0503020204020204" pitchFamily="34" charset="-122"/>
+              </a:rPr>
+              <a:t>Git</a:t>
+            </a:r>
+            <a:r>
+              <a:rPr lang="zh-CN" altLang="en-US" sz="2800" dirty="0">
+                <a:solidFill>
+                  <a:schemeClr val="accent4"/>
+                </a:solidFill>
+                <a:latin typeface="微软雅黑" panose="020B0503020204020204" pitchFamily="34" charset="-122"/>
+                <a:ea typeface="微软雅黑" panose="020B0503020204020204" pitchFamily="34" charset="-122"/>
+              </a:rPr>
+              <a:t>系统</a:t>
+            </a:r>
+          </a:p>
+        </p:txBody>
+      </p:sp>
+      <p:sp>
+        <p:nvSpPr>
+          <p:cNvPr id="3" name="Rectangle 20"/>
+          <p:cNvSpPr>
+            <a:spLocks noChangeArrowheads="1"/>
+          </p:cNvSpPr>
+          <p:nvPr/>
+        </p:nvSpPr>
+        <p:spPr bwMode="auto">
+          <a:xfrm>
+            <a:off x="1622942" y="2688223"/>
+            <a:ext cx="184731" cy="338554"/>
+          </a:xfrm>
+          <a:prstGeom prst="rect">
+            <a:avLst/>
+          </a:prstGeom>
+          <a:noFill/>
+          <a:ln>
+            <a:noFill/>
+          </a:ln>
+          <a:effectLst/>
+          <a:extLst>
+            <a:ext uri="{909E8E84-426E-40DD-AFC4-6F175D3DCCD1}">
+              <a14:hiddenFill xmlns:a14="http://schemas.microsoft.com/office/drawing/2010/main">
+                <a:solidFill>
+                  <a:schemeClr val="accent1"/>
+                </a:solidFill>
+              </a14:hiddenFill>
+            </a:ext>
+            <a:ext uri="{91240B29-F687-4F45-9708-019B960494DF}">
+              <a14:hiddenLine xmlns:a14="http://schemas.microsoft.com/office/drawing/2010/main" w="9525">
+                <a:solidFill>
+                  <a:schemeClr val="tx1"/>
+                </a:solidFill>
+                <a:miter lim="800000"/>
+                <a:headEnd/>
+                <a:tailEnd/>
+              </a14:hiddenLine>
+            </a:ext>
+            <a:ext uri="{AF507438-7753-43E0-B8FC-AC1667EBCBE1}">
+              <a14:hiddenEffects xmlns:a14="http://schemas.microsoft.com/office/drawing/2010/main">
+                <a:effectLst>
+                  <a:outerShdw dist="35921" dir="2700000" algn="ctr" rotWithShape="0">
+                    <a:schemeClr val="bg2"/>
+                  </a:outerShdw>
+                </a:effectLst>
+              </a14:hiddenEffects>
+            </a:ext>
+          </a:extLst>
+        </p:spPr>
+        <p:txBody>
+          <a:bodyPr vert="horz" wrap="none" lIns="91440" tIns="45720" rIns="91440" bIns="45720" numCol="1" anchor="ctr" anchorCtr="0" compatLnSpc="1">
+            <a:prstTxWarp prst="textNoShape">
+              <a:avLst/>
+            </a:prstTxWarp>
+            <a:spAutoFit/>
+          </a:bodyPr>
+          <a:lstStyle/>
+          <a:p>
+            <a:endParaRPr lang="zh-CN" altLang="en-US">
+              <a:latin typeface="微软雅黑" panose="020B0503020204020204" pitchFamily="34" charset="-122"/>
+              <a:ea typeface="微软雅黑" panose="020B0503020204020204" pitchFamily="34" charset="-122"/>
+            </a:endParaRPr>
+          </a:p>
+        </p:txBody>
+      </p:sp>
+      <p:sp>
+        <p:nvSpPr>
+          <p:cNvPr id="14" name="内容占位符 2"/>
+          <p:cNvSpPr>
+            <a:spLocks noGrp="1"/>
+          </p:cNvSpPr>
+          <p:nvPr>
+            <p:ph idx="1"/>
+          </p:nvPr>
+        </p:nvSpPr>
+        <p:spPr>
+          <a:xfrm>
+            <a:off x="467544" y="1303932"/>
+            <a:ext cx="8234363" cy="1557343"/>
+          </a:xfrm>
+        </p:spPr>
+        <p:txBody>
+          <a:bodyPr>
+            <a:spAutoFit/>
+          </a:bodyPr>
+          <a:lstStyle/>
+          <a:p>
+            <a:pPr marL="0" indent="0">
+              <a:lnSpc>
+                <a:spcPct val="150000"/>
+              </a:lnSpc>
+              <a:buNone/>
+            </a:pPr>
+            <a:r>
+              <a:rPr lang="zh-CN" altLang="en-US" sz="1600" dirty="0" smtClean="0"/>
+              <a:t>得益于分布式这个特点，</a:t>
+            </a:r>
+            <a:r>
+              <a:rPr lang="zh-CN" altLang="en-US" sz="1600" dirty="0"/>
+              <a:t>在 </a:t>
+            </a:r>
+            <a:r>
+              <a:rPr lang="en-US" altLang="zh-CN" sz="1600" dirty="0" err="1"/>
+              <a:t>Git</a:t>
+            </a:r>
+            <a:r>
+              <a:rPr lang="en-US" altLang="zh-CN" sz="1600" dirty="0"/>
+              <a:t> </a:t>
+            </a:r>
+            <a:r>
+              <a:rPr lang="zh-CN" altLang="en-US" sz="1600" dirty="0"/>
+              <a:t>中的绝大多数操作都只需要访问本地文件和资源，不用连网。因为 </a:t>
+            </a:r>
+            <a:r>
+              <a:rPr lang="en-US" altLang="zh-CN" sz="1600" dirty="0" err="1"/>
+              <a:t>Git</a:t>
+            </a:r>
+            <a:r>
+              <a:rPr lang="en-US" altLang="zh-CN" sz="1600" dirty="0"/>
+              <a:t> </a:t>
+            </a:r>
+            <a:r>
+              <a:rPr lang="zh-CN" altLang="en-US" sz="1600" dirty="0"/>
               <a:t>在本地磁盘上就保存着所有当前项目的历史更新，所以处理起来速度飞快</a:t>
             </a:r>
             <a:r>
-              <a:rPr lang="zh-CN" altLang="en-US" sz="1400" dirty="0" smtClean="0"/>
+              <a:rPr lang="zh-CN" altLang="en-US" sz="1600" dirty="0" smtClean="0"/>
               <a:t>。我们可以在本地翻阅历史更新摘要，比对当前版本的文件和一个月前</a:t>
             </a:r>
             <a:r>
-              <a:rPr lang="zh-CN" altLang="en-US" sz="1400" dirty="0"/>
+              <a:rPr lang="zh-CN" altLang="en-US" sz="1600" dirty="0"/>
               <a:t>的版本之间有何</a:t>
             </a:r>
             <a:r>
-              <a:rPr lang="zh-CN" altLang="en-US" sz="1400" dirty="0" smtClean="0"/>
+              <a:rPr lang="zh-CN" altLang="en-US" sz="1600" dirty="0" smtClean="0"/>
               <a:t>差异，修改文件并提交更新，然后在连接网络的时候再“推”到远程版本库。</a:t>
             </a:r>
-            <a:endParaRPr lang="en-US" altLang="zh-CN" sz="1400" dirty="0" smtClean="0"/>
+            <a:endParaRPr lang="en-US" altLang="zh-CN" sz="1600" dirty="0" smtClean="0"/>
           </a:p>
         </p:txBody>
       </p:sp>
@@ -5700,8 +6635,8 @@
         </p:nvSpPr>
         <p:spPr bwMode="auto">
           <a:xfrm>
-            <a:off x="464477" y="2857500"/>
-            <a:ext cx="8234363" cy="403181"/>
+            <a:off x="464477" y="3289548"/>
+            <a:ext cx="8234363" cy="818680"/>
           </a:xfrm>
           <a:prstGeom prst="rect">
             <a:avLst/>
@@ -5872,18 +6807,18 @@
               <a:buNone/>
             </a:pPr>
             <a:r>
-              <a:rPr lang="zh-CN" altLang="en-US" sz="1400" b="0" kern="0" dirty="0" smtClean="0"/>
+              <a:rPr lang="zh-CN" altLang="en-US" sz="1600" b="0" kern="0" dirty="0" smtClean="0"/>
               <a:t>问题：</a:t>
             </a:r>
             <a:r>
-              <a:rPr lang="en-US" altLang="zh-CN" sz="1400" b="0" kern="0" dirty="0" smtClean="0"/>
+              <a:rPr lang="en-US" altLang="zh-CN" sz="1600" b="0" kern="0" dirty="0" smtClean="0"/>
               <a:t>SVN</a:t>
             </a:r>
             <a:r>
-              <a:rPr lang="zh-CN" altLang="en-US" sz="1400" b="0" kern="0" dirty="0" smtClean="0"/>
+              <a:rPr lang="zh-CN" altLang="en-US" sz="1600" b="0" kern="0" dirty="0" smtClean="0"/>
               <a:t>也可以在本地修改代码，然后等连接网络时再提交，那么能够本地提交可以带来什么好处？</a:t>
             </a:r>
-            <a:endParaRPr lang="en-US" altLang="zh-CN" sz="1400" b="0" kern="0" dirty="0" smtClean="0"/>
+            <a:endParaRPr lang="en-US" altLang="zh-CN" sz="1600" b="0" kern="0" dirty="0" smtClean="0"/>
           </a:p>
         </p:txBody>
       </p:sp>
@@ -5897,8 +6832,8 @@
         </p:nvSpPr>
         <p:spPr bwMode="auto">
           <a:xfrm>
-            <a:off x="464477" y="3435215"/>
-            <a:ext cx="8234363" cy="1049512"/>
+            <a:off x="464477" y="4153644"/>
+            <a:ext cx="8234363" cy="1188011"/>
           </a:xfrm>
           <a:prstGeom prst="rect">
             <a:avLst/>
@@ -6069,18 +7004,18 @@
               <a:buNone/>
             </a:pPr>
             <a:r>
-              <a:rPr lang="zh-CN" altLang="en-US" sz="1400" b="0" kern="0" dirty="0" smtClean="0"/>
+              <a:rPr lang="zh-CN" altLang="en-US" sz="1600" b="0" kern="0" dirty="0" smtClean="0"/>
               <a:t>可以详细记录每一个改动。而</a:t>
             </a:r>
             <a:r>
-              <a:rPr lang="en-US" altLang="zh-CN" sz="1400" b="0" kern="0" dirty="0" smtClean="0"/>
+              <a:rPr lang="en-US" altLang="zh-CN" sz="1600" b="0" kern="0" dirty="0" smtClean="0"/>
               <a:t>SVN</a:t>
             </a:r>
             <a:r>
-              <a:rPr lang="zh-CN" altLang="en-US" sz="1400" b="0" kern="0" dirty="0" smtClean="0"/>
+              <a:rPr lang="zh-CN" altLang="en-US" sz="1600" b="0" kern="0" dirty="0" smtClean="0"/>
               <a:t>要不就是多个改动合并到一起提交，要不就等连接网络后再一个个处理后提交。而分布式版本库本身就拥有完整的版本管理功能，可以执行本地提交、分支合并等操作，而在想与他人共享项目文件时，才需要与远程版本库同步。</a:t>
             </a:r>
-            <a:endParaRPr lang="en-US" altLang="zh-CN" sz="1400" b="0" kern="0" dirty="0" smtClean="0"/>
+            <a:endParaRPr lang="en-US" altLang="zh-CN" sz="1600" b="0" kern="0" dirty="0" smtClean="0"/>
           </a:p>
         </p:txBody>
       </p:sp>
@@ -6240,7 +7175,7 @@
 </p:sld>
 </file>
 
-<file path=ppt/slides/slide12.xml><?xml version="1.0" encoding="utf-8"?>
+<file path=ppt/slides/slide13.xml><?xml version="1.0" encoding="utf-8"?>
 <p:sld xmlns:a="http://schemas.openxmlformats.org/drawingml/2006/main" xmlns:r="http://schemas.openxmlformats.org/officeDocument/2006/relationships" xmlns:p="http://schemas.openxmlformats.org/presentationml/2006/main">
   <p:cSld>
     <p:spTree>
@@ -6281,7 +7216,7 @@
                 <a:ea typeface="微软雅黑" panose="020B0503020204020204" pitchFamily="34" charset="-122"/>
               </a:rPr>
               <a:pPr/>
-              <a:t>12</a:t>
+              <a:t>13</a:t>
             </a:fld>
             <a:endParaRPr lang="zh-CN" altLang="en-US" dirty="0">
               <a:solidFill>
@@ -6505,7 +7440,7 @@
         <p:spPr>
           <a:xfrm>
             <a:off x="467544" y="1303932"/>
-            <a:ext cx="8234363" cy="2148274"/>
+            <a:ext cx="8234363" cy="2813072"/>
           </a:xfrm>
         </p:spPr>
         <p:txBody>
@@ -6521,34 +7456,34 @@
               <a:buNone/>
             </a:pPr>
             <a:r>
-              <a:rPr lang="zh-CN" altLang="en-US" sz="1400" dirty="0"/>
+              <a:rPr lang="zh-CN" altLang="en-US" sz="1600" dirty="0"/>
               <a:t>在保存到 </a:t>
             </a:r>
             <a:r>
-              <a:rPr lang="en-US" altLang="zh-CN" sz="1400" dirty="0" err="1"/>
+              <a:rPr lang="en-US" altLang="zh-CN" sz="1600" dirty="0" err="1"/>
               <a:t>Git</a:t>
             </a:r>
             <a:r>
-              <a:rPr lang="en-US" altLang="zh-CN" sz="1400" dirty="0"/>
+              <a:rPr lang="en-US" altLang="zh-CN" sz="1600" dirty="0"/>
               <a:t> </a:t>
             </a:r>
             <a:r>
-              <a:rPr lang="zh-CN" altLang="en-US" sz="1400" dirty="0"/>
+              <a:rPr lang="zh-CN" altLang="en-US" sz="1600" dirty="0"/>
               <a:t>之前，所有数据都要进行内容的校验和（</a:t>
             </a:r>
             <a:r>
-              <a:rPr lang="en-US" altLang="zh-CN" sz="1400" dirty="0"/>
+              <a:rPr lang="en-US" altLang="zh-CN" sz="1600" dirty="0"/>
               <a:t>checksum</a:t>
             </a:r>
             <a:r>
-              <a:rPr lang="zh-CN" altLang="en-US" sz="1400" dirty="0"/>
+              <a:rPr lang="zh-CN" altLang="en-US" sz="1600" dirty="0"/>
               <a:t>）计算，并将此结果作为数据的唯一标识和索引</a:t>
             </a:r>
             <a:r>
-              <a:rPr lang="zh-CN" altLang="en-US" sz="1400" dirty="0" smtClean="0"/>
+              <a:rPr lang="zh-CN" altLang="en-US" sz="1600" dirty="0" smtClean="0"/>
               <a:t>。</a:t>
             </a:r>
-            <a:endParaRPr lang="en-US" altLang="zh-CN" sz="1400" dirty="0" smtClean="0"/>
+            <a:endParaRPr lang="en-US" altLang="zh-CN" sz="1600" dirty="0" smtClean="0"/>
           </a:p>
           <a:p>
             <a:pPr marL="0" indent="0">
@@ -6558,30 +7493,30 @@
               <a:buNone/>
             </a:pPr>
             <a:r>
-              <a:rPr lang="zh-CN" altLang="en-US" sz="1400" dirty="0" smtClean="0"/>
+              <a:rPr lang="zh-CN" altLang="en-US" sz="1600" dirty="0" smtClean="0"/>
               <a:t>所以</a:t>
             </a:r>
             <a:r>
-              <a:rPr lang="zh-CN" altLang="en-US" sz="1400" dirty="0"/>
+              <a:rPr lang="zh-CN" altLang="en-US" sz="1600" dirty="0"/>
               <a:t>如果文件在传输时变得不完整，或者磁盘损坏导致文件数据缺失，</a:t>
             </a:r>
             <a:r>
-              <a:rPr lang="en-US" altLang="zh-CN" sz="1400" dirty="0" err="1"/>
+              <a:rPr lang="en-US" altLang="zh-CN" sz="1600" dirty="0" err="1"/>
               <a:t>Git</a:t>
             </a:r>
             <a:r>
-              <a:rPr lang="en-US" altLang="zh-CN" sz="1400" dirty="0"/>
+              <a:rPr lang="en-US" altLang="zh-CN" sz="1600" dirty="0"/>
               <a:t> </a:t>
             </a:r>
             <a:r>
-              <a:rPr lang="zh-CN" altLang="en-US" sz="1400" dirty="0"/>
+              <a:rPr lang="zh-CN" altLang="en-US" sz="1600" dirty="0"/>
               <a:t>都能立即察觉</a:t>
             </a:r>
             <a:r>
-              <a:rPr lang="zh-CN" altLang="en-US" sz="1400" dirty="0" smtClean="0"/>
+              <a:rPr lang="zh-CN" altLang="en-US" sz="1600" dirty="0" smtClean="0"/>
               <a:t>。</a:t>
             </a:r>
-            <a:endParaRPr lang="en-US" altLang="zh-CN" sz="1400" dirty="0" smtClean="0"/>
+            <a:endParaRPr lang="en-US" altLang="zh-CN" sz="1600" dirty="0" smtClean="0"/>
           </a:p>
           <a:p>
             <a:pPr marL="0" indent="0">
@@ -6591,62 +7526,62 @@
               <a:buNone/>
             </a:pPr>
             <a:r>
-              <a:rPr lang="en-US" altLang="zh-CN" sz="1400" dirty="0" err="1"/>
+              <a:rPr lang="en-US" altLang="zh-CN" sz="1600" dirty="0" err="1"/>
               <a:t>Git</a:t>
             </a:r>
             <a:r>
-              <a:rPr lang="en-US" altLang="zh-CN" sz="1400" dirty="0"/>
+              <a:rPr lang="en-US" altLang="zh-CN" sz="1600" dirty="0"/>
               <a:t> </a:t>
             </a:r>
             <a:r>
-              <a:rPr lang="zh-CN" altLang="en-US" sz="1400" dirty="0"/>
+              <a:rPr lang="zh-CN" altLang="en-US" sz="1600" dirty="0"/>
               <a:t>使用 </a:t>
             </a:r>
             <a:r>
-              <a:rPr lang="en-US" altLang="zh-CN" sz="1400" dirty="0"/>
+              <a:rPr lang="en-US" altLang="zh-CN" sz="1600" dirty="0"/>
               <a:t>SHA-1 </a:t>
             </a:r>
             <a:r>
-              <a:rPr lang="zh-CN" altLang="en-US" sz="1400" dirty="0"/>
+              <a:rPr lang="zh-CN" altLang="en-US" sz="1600" dirty="0"/>
               <a:t>算法计算数据的校验和，通过对文件的内容或目录的结构计算出一个 </a:t>
             </a:r>
             <a:r>
-              <a:rPr lang="en-US" altLang="zh-CN" sz="1400" dirty="0"/>
+              <a:rPr lang="en-US" altLang="zh-CN" sz="1600" dirty="0"/>
               <a:t>SHA-1 </a:t>
             </a:r>
             <a:r>
-              <a:rPr lang="zh-CN" altLang="en-US" sz="1400" dirty="0"/>
+              <a:rPr lang="zh-CN" altLang="en-US" sz="1600" dirty="0"/>
               <a:t>哈希值，作为指纹字符串。该字串由 </a:t>
             </a:r>
             <a:r>
-              <a:rPr lang="en-US" altLang="zh-CN" sz="1400" dirty="0"/>
+              <a:rPr lang="en-US" altLang="zh-CN" sz="1600" dirty="0"/>
               <a:t>40 </a:t>
             </a:r>
             <a:r>
-              <a:rPr lang="zh-CN" altLang="en-US" sz="1400" dirty="0"/>
+              <a:rPr lang="zh-CN" altLang="en-US" sz="1600" dirty="0"/>
               <a:t>个十六进制字符（</a:t>
             </a:r>
             <a:r>
-              <a:rPr lang="en-US" altLang="zh-CN" sz="1400" dirty="0"/>
+              <a:rPr lang="en-US" altLang="zh-CN" sz="1600" dirty="0"/>
               <a:t>0-9 </a:t>
             </a:r>
             <a:r>
-              <a:rPr lang="zh-CN" altLang="en-US" sz="1400" dirty="0"/>
+              <a:rPr lang="zh-CN" altLang="en-US" sz="1600" dirty="0"/>
               <a:t>及 </a:t>
             </a:r>
             <a:r>
-              <a:rPr lang="en-US" altLang="zh-CN" sz="1400" dirty="0"/>
+              <a:rPr lang="en-US" altLang="zh-CN" sz="1600" dirty="0"/>
               <a:t>a-f</a:t>
             </a:r>
             <a:r>
-              <a:rPr lang="zh-CN" altLang="en-US" sz="1400" dirty="0"/>
+              <a:rPr lang="zh-CN" altLang="en-US" sz="1600" dirty="0"/>
               <a:t>）组成，看起来就像是</a:t>
             </a:r>
             <a:r>
-              <a:rPr lang="zh-CN" altLang="en-US" sz="1400" dirty="0" smtClean="0"/>
+              <a:rPr lang="zh-CN" altLang="en-US" sz="1600" dirty="0" smtClean="0"/>
               <a:t>：</a:t>
             </a:r>
-            <a:endParaRPr lang="en-US" altLang="zh-CN" sz="1400" dirty="0" smtClean="0"/>
+            <a:endParaRPr lang="en-US" altLang="zh-CN" sz="1600" dirty="0" smtClean="0"/>
           </a:p>
           <a:p>
             <a:pPr marL="0" indent="0">
@@ -6656,10 +7591,10 @@
               <a:buNone/>
             </a:pPr>
             <a:r>
-              <a:rPr lang="en-US" altLang="zh-CN" sz="1400" dirty="0"/>
+              <a:rPr lang="en-US" altLang="zh-CN" sz="1600" dirty="0"/>
               <a:t>24b9da6552252987aa493b52f8696cd6d3b00373</a:t>
             </a:r>
-            <a:endParaRPr lang="en-US" altLang="zh-CN" sz="1400" dirty="0" smtClean="0"/>
+            <a:endParaRPr lang="en-US" altLang="zh-CN" sz="1600" dirty="0" smtClean="0"/>
           </a:p>
         </p:txBody>
       </p:sp>
@@ -6875,7 +7810,7 @@
 </p:sld>
 </file>
 
-<file path=ppt/slides/slide13.xml><?xml version="1.0" encoding="utf-8"?>
+<file path=ppt/slides/slide14.xml><?xml version="1.0" encoding="utf-8"?>
 <p:sld xmlns:a="http://schemas.openxmlformats.org/drawingml/2006/main" xmlns:r="http://schemas.openxmlformats.org/officeDocument/2006/relationships" xmlns:p="http://schemas.openxmlformats.org/presentationml/2006/main">
   <p:cSld>
     <p:spTree>
@@ -6916,7 +7851,7 @@
                 <a:ea typeface="微软雅黑" panose="020B0503020204020204" pitchFamily="34" charset="-122"/>
               </a:rPr>
               <a:pPr/>
-              <a:t>13</a:t>
+              <a:t>14</a:t>
             </a:fld>
             <a:endParaRPr lang="zh-CN" altLang="en-US" dirty="0">
               <a:solidFill>
@@ -7199,7 +8134,7 @@
         <p:spPr>
           <a:xfrm>
             <a:off x="467544" y="1303932"/>
-            <a:ext cx="8234363" cy="365094"/>
+            <a:ext cx="8234363" cy="449348"/>
           </a:xfrm>
         </p:spPr>
         <p:txBody>
@@ -7215,30 +8150,30 @@
               <a:buNone/>
             </a:pPr>
             <a:r>
-              <a:rPr lang="en-US" altLang="zh-CN" sz="1400" dirty="0" err="1"/>
+              <a:rPr lang="en-US" altLang="zh-CN" sz="1600" dirty="0" err="1"/>
               <a:t>Git</a:t>
             </a:r>
             <a:r>
-              <a:rPr lang="en-US" altLang="zh-CN" sz="1400" dirty="0"/>
+              <a:rPr lang="en-US" altLang="zh-CN" sz="1600" dirty="0"/>
               <a:t> </a:t>
             </a:r>
             <a:r>
-              <a:rPr lang="zh-CN" altLang="en-US" sz="1400" dirty="0"/>
+              <a:rPr lang="zh-CN" altLang="en-US" sz="1600" dirty="0"/>
               <a:t>管理项目时，文件流转的三个工作区域：</a:t>
             </a:r>
             <a:r>
-              <a:rPr lang="en-US" altLang="zh-CN" sz="1400" dirty="0" err="1"/>
+              <a:rPr lang="en-US" altLang="zh-CN" sz="1600" dirty="0" err="1"/>
               <a:t>Git</a:t>
             </a:r>
             <a:r>
-              <a:rPr lang="en-US" altLang="zh-CN" sz="1400" dirty="0"/>
+              <a:rPr lang="en-US" altLang="zh-CN" sz="1600" dirty="0"/>
               <a:t> </a:t>
             </a:r>
             <a:r>
-              <a:rPr lang="zh-CN" altLang="en-US" sz="1400" dirty="0"/>
+              <a:rPr lang="zh-CN" altLang="en-US" sz="1600" dirty="0"/>
               <a:t>的工作目录，暂存区域，以及本地仓库。</a:t>
             </a:r>
-            <a:endParaRPr lang="en-US" altLang="zh-CN" sz="1400" dirty="0" smtClean="0"/>
+            <a:endParaRPr lang="en-US" altLang="zh-CN" sz="1600" dirty="0" smtClean="0"/>
           </a:p>
         </p:txBody>
       </p:sp>
@@ -7482,8 +8417,8 @@
         </p:nvSpPr>
         <p:spPr bwMode="auto">
           <a:xfrm>
-            <a:off x="4788024" y="1811943"/>
-            <a:ext cx="3910816" cy="2751516"/>
+            <a:off x="4788024" y="2050200"/>
+            <a:ext cx="3910816" cy="3133159"/>
           </a:xfrm>
           <a:prstGeom prst="rect">
             <a:avLst/>
@@ -7652,19 +8587,19 @@
               </a:lnSpc>
             </a:pPr>
             <a:r>
-              <a:rPr lang="en-US" altLang="zh-CN" sz="1400" kern="0" dirty="0" err="1" smtClean="0"/>
+              <a:rPr lang="en-US" altLang="zh-CN" sz="1600" kern="0" dirty="0" err="1" smtClean="0"/>
               <a:t>Git</a:t>
             </a:r>
             <a:r>
-              <a:rPr lang="zh-CN" altLang="en-US" sz="1400" kern="0" dirty="0" smtClean="0"/>
+              <a:rPr lang="zh-CN" altLang="en-US" sz="1600" kern="0" dirty="0" smtClean="0"/>
               <a:t>目录</a:t>
             </a:r>
             <a:r>
-              <a:rPr lang="zh-CN" altLang="en-US" sz="1400" b="0" kern="0" dirty="0" smtClean="0"/>
+              <a:rPr lang="zh-CN" altLang="en-US" sz="1600" b="0" kern="0" dirty="0" smtClean="0"/>
               <a:t>：项目目录下的一个隐藏目录</a:t>
             </a:r>
             <a:r>
-              <a:rPr lang="en-US" altLang="zh-CN" sz="1400" b="0" kern="0" dirty="0" smtClean="0">
+              <a:rPr lang="en-US" altLang="zh-CN" sz="1600" b="0" kern="0" dirty="0" smtClean="0">
                 <a:solidFill>
                   <a:srgbClr val="FF0000"/>
                 </a:solidFill>
@@ -7672,7 +8607,7 @@
               <a:t>.</a:t>
             </a:r>
             <a:r>
-              <a:rPr lang="en-US" altLang="zh-CN" sz="1400" b="0" kern="0" dirty="0" err="1" smtClean="0">
+              <a:rPr lang="en-US" altLang="zh-CN" sz="1600" b="0" kern="0" dirty="0" err="1" smtClean="0">
                 <a:solidFill>
                   <a:srgbClr val="FF0000"/>
                 </a:solidFill>
@@ -7680,30 +8615,30 @@
               <a:t>git</a:t>
             </a:r>
             <a:r>
-              <a:rPr lang="zh-CN" altLang="en-US" sz="1400" b="0" kern="0" dirty="0" smtClean="0"/>
+              <a:rPr lang="zh-CN" altLang="en-US" sz="1600" b="0" kern="0" dirty="0" smtClean="0"/>
               <a:t>，</a:t>
             </a:r>
             <a:r>
-              <a:rPr lang="zh-CN" altLang="en-US" sz="1400" b="0" dirty="0"/>
+              <a:rPr lang="zh-CN" altLang="en-US" sz="1600" b="0" dirty="0"/>
               <a:t>它是 </a:t>
             </a:r>
             <a:r>
-              <a:rPr lang="en-US" altLang="zh-CN" sz="1400" b="0" dirty="0" err="1"/>
+              <a:rPr lang="en-US" altLang="zh-CN" sz="1600" b="0" dirty="0" err="1"/>
               <a:t>Git</a:t>
             </a:r>
             <a:r>
-              <a:rPr lang="en-US" altLang="zh-CN" sz="1400" b="0" dirty="0"/>
+              <a:rPr lang="en-US" altLang="zh-CN" sz="1600" b="0" dirty="0"/>
               <a:t> </a:t>
             </a:r>
             <a:r>
-              <a:rPr lang="zh-CN" altLang="en-US" sz="1400" b="0" dirty="0"/>
+              <a:rPr lang="zh-CN" altLang="en-US" sz="1600" b="0" dirty="0"/>
               <a:t>用来保存元数据和对象数据库的地方</a:t>
             </a:r>
             <a:r>
-              <a:rPr lang="zh-CN" altLang="en-US" sz="1400" b="0" dirty="0" smtClean="0"/>
+              <a:rPr lang="zh-CN" altLang="en-US" sz="1600" b="0" dirty="0" smtClean="0"/>
               <a:t>。非常重要。</a:t>
             </a:r>
-            <a:endParaRPr lang="en-US" altLang="zh-CN" sz="1400" b="0" dirty="0" smtClean="0"/>
+            <a:endParaRPr lang="en-US" altLang="zh-CN" sz="1600" b="0" dirty="0" smtClean="0"/>
           </a:p>
           <a:p>
             <a:pPr>
@@ -7712,22 +8647,22 @@
               </a:lnSpc>
             </a:pPr>
             <a:r>
-              <a:rPr lang="zh-CN" altLang="en-US" sz="1400" kern="0" dirty="0" smtClean="0"/>
+              <a:rPr lang="zh-CN" altLang="en-US" sz="1600" kern="0" dirty="0" smtClean="0"/>
               <a:t>工作目录</a:t>
             </a:r>
             <a:r>
-              <a:rPr lang="zh-CN" altLang="en-US" sz="1400" b="0" kern="0" dirty="0" smtClean="0"/>
+              <a:rPr lang="zh-CN" altLang="en-US" sz="1600" b="0" kern="0" dirty="0" smtClean="0"/>
               <a:t>：</a:t>
             </a:r>
             <a:r>
-              <a:rPr lang="zh-CN" altLang="en-US" sz="1400" b="0" kern="0" dirty="0"/>
+              <a:rPr lang="zh-CN" altLang="en-US" sz="1600" b="0" kern="0" dirty="0"/>
               <a:t>从项目中取出某个版本的所有文件和目录，用以开始后续工作的叫做工作目录</a:t>
             </a:r>
             <a:r>
-              <a:rPr lang="zh-CN" altLang="en-US" sz="1400" b="0" kern="0" dirty="0" smtClean="0"/>
+              <a:rPr lang="zh-CN" altLang="en-US" sz="1600" b="0" kern="0" dirty="0" smtClean="0"/>
               <a:t>。</a:t>
             </a:r>
-            <a:endParaRPr lang="en-US" altLang="zh-CN" sz="1400" b="0" kern="0" dirty="0" smtClean="0"/>
+            <a:endParaRPr lang="en-US" altLang="zh-CN" sz="1600" b="0" kern="0" dirty="0" smtClean="0"/>
           </a:p>
           <a:p>
             <a:pPr>
@@ -7736,38 +8671,38 @@
               </a:lnSpc>
             </a:pPr>
             <a:r>
-              <a:rPr lang="zh-CN" altLang="en-US" sz="1400" b="0" kern="0" dirty="0"/>
+              <a:rPr lang="zh-CN" altLang="en-US" sz="1600" b="0" kern="0" dirty="0"/>
               <a:t>暂</a:t>
             </a:r>
             <a:r>
-              <a:rPr lang="zh-CN" altLang="en-US" sz="1400" b="0" kern="0" dirty="0" smtClean="0"/>
+              <a:rPr lang="zh-CN" altLang="en-US" sz="1600" b="0" kern="0" dirty="0" smtClean="0"/>
               <a:t>存区域：</a:t>
             </a:r>
             <a:r>
-              <a:rPr lang="zh-CN" altLang="en-US" sz="1400" b="0" dirty="0"/>
+              <a:rPr lang="zh-CN" altLang="en-US" sz="1600" b="0" dirty="0"/>
               <a:t>暂存</a:t>
             </a:r>
             <a:r>
-              <a:rPr lang="zh-CN" altLang="en-US" sz="1400" b="0" dirty="0" smtClean="0"/>
+              <a:rPr lang="zh-CN" altLang="en-US" sz="1600" b="0" dirty="0" smtClean="0"/>
               <a:t>区域是</a:t>
             </a:r>
             <a:r>
-              <a:rPr lang="zh-CN" altLang="en-US" sz="1400" b="0" dirty="0"/>
+              <a:rPr lang="zh-CN" altLang="en-US" sz="1600" b="0" dirty="0"/>
               <a:t>个简单的文件，一般都放在 </a:t>
             </a:r>
             <a:r>
-              <a:rPr lang="en-US" altLang="zh-CN" sz="1400" b="0" dirty="0" err="1"/>
+              <a:rPr lang="en-US" altLang="zh-CN" sz="1600" b="0" dirty="0" err="1"/>
               <a:t>Git</a:t>
             </a:r>
             <a:r>
-              <a:rPr lang="en-US" altLang="zh-CN" sz="1400" b="0" dirty="0"/>
+              <a:rPr lang="en-US" altLang="zh-CN" sz="1600" b="0" dirty="0"/>
               <a:t> </a:t>
             </a:r>
             <a:r>
-              <a:rPr lang="zh-CN" altLang="en-US" sz="1400" b="0" dirty="0"/>
+              <a:rPr lang="zh-CN" altLang="en-US" sz="1600" b="0" dirty="0"/>
               <a:t>目录中</a:t>
             </a:r>
-            <a:endParaRPr lang="en-US" altLang="zh-CN" sz="1400" b="0" kern="0" dirty="0" smtClean="0"/>
+            <a:endParaRPr lang="en-US" altLang="zh-CN" sz="1600" b="0" kern="0" dirty="0" smtClean="0"/>
           </a:p>
         </p:txBody>
       </p:sp>
@@ -7917,7 +8852,7 @@
 </p:sld>
 </file>
 
-<file path=ppt/slides/slide14.xml><?xml version="1.0" encoding="utf-8"?>
+<file path=ppt/slides/slide15.xml><?xml version="1.0" encoding="utf-8"?>
 <p:sld xmlns:a="http://schemas.openxmlformats.org/drawingml/2006/main" xmlns:r="http://schemas.openxmlformats.org/officeDocument/2006/relationships" xmlns:p="http://schemas.openxmlformats.org/presentationml/2006/main">
   <p:cSld>
     <p:spTree>
@@ -8946,7 +9881,7 @@
                 <a:ea typeface="微软雅黑" panose="020B0503020204020204" pitchFamily="34" charset="-122"/>
               </a:rPr>
               <a:pPr/>
-              <a:t>14</a:t>
+              <a:t>15</a:t>
             </a:fld>
             <a:endParaRPr lang="zh-CN" altLang="en-US" dirty="0">
               <a:solidFill>
@@ -8981,7 +9916,7 @@
 </p:sld>
 </file>
 
-<file path=ppt/slides/slide15.xml><?xml version="1.0" encoding="utf-8"?>
+<file path=ppt/slides/slide16.xml><?xml version="1.0" encoding="utf-8"?>
 <p:sld xmlns:a="http://schemas.openxmlformats.org/drawingml/2006/main" xmlns:r="http://schemas.openxmlformats.org/officeDocument/2006/relationships" xmlns:p="http://schemas.openxmlformats.org/presentationml/2006/main">
   <p:cSld>
     <p:spTree>
@@ -9022,7 +9957,7 @@
                 <a:ea typeface="微软雅黑" panose="020B0503020204020204" pitchFamily="34" charset="-122"/>
               </a:rPr>
               <a:pPr/>
-              <a:t>15</a:t>
+              <a:t>16</a:t>
             </a:fld>
             <a:endParaRPr lang="zh-CN" altLang="en-US" dirty="0">
               <a:solidFill>
@@ -9547,7 +10482,7 @@
 </p:sld>
 </file>
 
-<file path=ppt/slides/slide16.xml><?xml version="1.0" encoding="utf-8"?>
+<file path=ppt/slides/slide17.xml><?xml version="1.0" encoding="utf-8"?>
 <p:sld xmlns:a="http://schemas.openxmlformats.org/drawingml/2006/main" xmlns:r="http://schemas.openxmlformats.org/officeDocument/2006/relationships" xmlns:p="http://schemas.openxmlformats.org/presentationml/2006/main">
   <p:cSld>
     <p:spTree>
@@ -9588,7 +10523,7 @@
                 <a:ea typeface="微软雅黑" panose="020B0503020204020204" pitchFamily="34" charset="-122"/>
               </a:rPr>
               <a:pPr/>
-              <a:t>16</a:t>
+              <a:t>17</a:t>
             </a:fld>
             <a:endParaRPr lang="zh-CN" altLang="en-US" dirty="0">
               <a:solidFill>
@@ -10431,7 +11366,7 @@
 </p:sld>
 </file>
 
-<file path=ppt/slides/slide17.xml><?xml version="1.0" encoding="utf-8"?>
+<file path=ppt/slides/slide18.xml><?xml version="1.0" encoding="utf-8"?>
 <p:sld xmlns:a="http://schemas.openxmlformats.org/drawingml/2006/main" xmlns:r="http://schemas.openxmlformats.org/officeDocument/2006/relationships" xmlns:p="http://schemas.openxmlformats.org/presentationml/2006/main">
   <p:cSld>
     <p:spTree>
@@ -10472,7 +11407,7 @@
                 <a:ea typeface="微软雅黑" panose="020B0503020204020204" pitchFamily="34" charset="-122"/>
               </a:rPr>
               <a:pPr/>
-              <a:t>17</a:t>
+              <a:t>18</a:t>
             </a:fld>
             <a:endParaRPr lang="zh-CN" altLang="en-US" dirty="0">
               <a:solidFill>
@@ -10704,7 +11639,7 @@
         <p:spPr bwMode="auto">
           <a:xfrm>
             <a:off x="464477" y="793750"/>
-            <a:ext cx="8234363" cy="1526566"/>
+            <a:ext cx="8234363" cy="1329589"/>
           </a:xfrm>
           <a:prstGeom prst="rect">
             <a:avLst/>
@@ -10888,26 +11823,26 @@
               <a:buNone/>
             </a:pPr>
             <a:r>
-              <a:rPr lang="en-US" altLang="zh-CN" sz="2000" b="0" dirty="0" err="1"/>
+              <a:rPr lang="en-US" altLang="zh-CN" sz="1600" b="0" dirty="0" err="1"/>
               <a:t>Git</a:t>
             </a:r>
             <a:r>
-              <a:rPr lang="en-US" altLang="zh-CN" sz="2000" b="0" dirty="0"/>
+              <a:rPr lang="en-US" altLang="zh-CN" sz="1600" b="0" dirty="0"/>
               <a:t> </a:t>
             </a:r>
             <a:r>
-              <a:rPr lang="zh-CN" altLang="en-US" sz="2000" b="0" dirty="0"/>
+              <a:rPr lang="zh-CN" altLang="en-US" sz="1600" b="0" dirty="0"/>
               <a:t>只关心文件数据的整体是否发生变化，而</a:t>
             </a:r>
             <a:r>
-              <a:rPr lang="en-US" altLang="zh-CN" sz="2000" b="0" dirty="0"/>
+              <a:rPr lang="en-US" altLang="zh-CN" sz="1600" b="0" dirty="0"/>
               <a:t>SVN</a:t>
             </a:r>
             <a:r>
-              <a:rPr lang="zh-CN" altLang="en-US" sz="2000" b="0" dirty="0"/>
+              <a:rPr lang="zh-CN" altLang="en-US" sz="1600" b="0" dirty="0"/>
               <a:t>这类版本控制系统则只关心文件内容的具体差异。</a:t>
             </a:r>
-            <a:endParaRPr lang="en-US" altLang="zh-CN" sz="2000" kern="0" dirty="0" smtClean="0"/>
+            <a:endParaRPr lang="en-US" altLang="zh-CN" sz="1600" kern="0" dirty="0" smtClean="0"/>
           </a:p>
         </p:txBody>
       </p:sp>
@@ -11139,7 +12074,7 @@
 </p:sld>
 </file>
 
-<file path=ppt/slides/slide18.xml><?xml version="1.0" encoding="utf-8"?>
+<file path=ppt/slides/slide19.xml><?xml version="1.0" encoding="utf-8"?>
 <p:sld xmlns:a="http://schemas.openxmlformats.org/drawingml/2006/main" xmlns:r="http://schemas.openxmlformats.org/officeDocument/2006/relationships" xmlns:p="http://schemas.openxmlformats.org/presentationml/2006/main">
   <p:cSld>
     <p:spTree>
@@ -11180,7 +12115,7 @@
                 <a:ea typeface="微软雅黑" panose="020B0503020204020204" pitchFamily="34" charset="-122"/>
               </a:rPr>
               <a:pPr/>
-              <a:t>18</a:t>
+              <a:t>19</a:t>
             </a:fld>
             <a:endParaRPr lang="zh-CN" altLang="en-US" dirty="0">
               <a:solidFill>
@@ -11588,15 +12523,15 @@
             </a:r>
             <a:r>
               <a:rPr lang="zh-CN" altLang="en-US" sz="2000" kern="0" dirty="0" smtClean="0"/>
-              <a:t>的分支比</a:t>
-            </a:r>
-            <a:r>
-              <a:rPr lang="en-US" altLang="zh-CN" sz="2000" kern="0" dirty="0" smtClean="0"/>
-              <a:t>SVN</a:t>
+              <a:t>的</a:t>
             </a:r>
             <a:r>
               <a:rPr lang="zh-CN" altLang="en-US" sz="2000" kern="0" dirty="0" smtClean="0"/>
-              <a:t>更强大</a:t>
+              <a:t>分支更</a:t>
+            </a:r>
+            <a:r>
+              <a:rPr lang="zh-CN" altLang="en-US" sz="2000" kern="0" dirty="0" smtClean="0"/>
+              <a:t>强大</a:t>
             </a:r>
             <a:endParaRPr lang="en-US" altLang="zh-CN" sz="2000" kern="0" dirty="0" smtClean="0"/>
           </a:p>
@@ -11775,767 +12710,6 @@
     <p:extLst>
       <p:ext uri="{BB962C8B-B14F-4D97-AF65-F5344CB8AC3E}">
         <p14:creationId xmlns:p14="http://schemas.microsoft.com/office/powerpoint/2010/main" val="3529750378"/>
-      </p:ext>
-    </p:extLst>
-  </p:cSld>
-  <p:clrMapOvr>
-    <a:masterClrMapping/>
-  </p:clrMapOvr>
-  <p:transition spd="med">
-    <p:wipe dir="r"/>
-  </p:transition>
-  <p:timing>
-    <p:tnLst>
-      <p:par>
-        <p:cTn id="1" dur="indefinite" restart="never" nodeType="tmRoot"/>
-      </p:par>
-    </p:tnLst>
-  </p:timing>
-</p:sld>
-</file>
-
-<file path=ppt/slides/slide19.xml><?xml version="1.0" encoding="utf-8"?>
-<p:sld xmlns:a="http://schemas.openxmlformats.org/drawingml/2006/main" xmlns:r="http://schemas.openxmlformats.org/officeDocument/2006/relationships" xmlns:p="http://schemas.openxmlformats.org/presentationml/2006/main">
-  <p:cSld>
-    <p:spTree>
-      <p:nvGrpSpPr>
-        <p:cNvPr id="1" name=""/>
-        <p:cNvGrpSpPr/>
-        <p:nvPr/>
-      </p:nvGrpSpPr>
-      <p:grpSpPr>
-        <a:xfrm>
-          <a:off x="0" y="0"/>
-          <a:ext cx="0" cy="0"/>
-          <a:chOff x="0" y="0"/>
-          <a:chExt cx="0" cy="0"/>
-        </a:xfrm>
-      </p:grpSpPr>
-      <p:sp>
-        <p:nvSpPr>
-          <p:cNvPr id="10" name="灯片编号占位符 9"/>
-          <p:cNvSpPr>
-            <a:spLocks noGrp="1"/>
-          </p:cNvSpPr>
-          <p:nvPr>
-            <p:ph type="sldNum" sz="quarter" idx="12"/>
-          </p:nvPr>
-        </p:nvSpPr>
-        <p:spPr/>
-        <p:txBody>
-          <a:bodyPr/>
-          <a:lstStyle/>
-          <a:p>
-            <a:fld id="{86F0E3FA-EBE8-4184-B68E-FC61E6CBEA65}" type="slidenum">
-              <a:rPr lang="zh-CN" altLang="en-US" smtClean="0">
-                <a:solidFill>
-                  <a:prstClr val="black"/>
-                </a:solidFill>
-                <a:latin typeface="微软雅黑" panose="020B0503020204020204" pitchFamily="34" charset="-122"/>
-                <a:ea typeface="微软雅黑" panose="020B0503020204020204" pitchFamily="34" charset="-122"/>
-              </a:rPr>
-              <a:pPr/>
-              <a:t>19</a:t>
-            </a:fld>
-            <a:endParaRPr lang="zh-CN" altLang="en-US" dirty="0">
-              <a:solidFill>
-                <a:prstClr val="black"/>
-              </a:solidFill>
-              <a:latin typeface="微软雅黑" panose="020B0503020204020204" pitchFamily="34" charset="-122"/>
-              <a:ea typeface="微软雅黑" panose="020B0503020204020204" pitchFamily="34" charset="-122"/>
-            </a:endParaRPr>
-          </a:p>
-        </p:txBody>
-      </p:sp>
-      <p:sp>
-        <p:nvSpPr>
-          <p:cNvPr id="25" name="矩形 24"/>
-          <p:cNvSpPr/>
-          <p:nvPr/>
-        </p:nvSpPr>
-        <p:spPr>
-          <a:xfrm>
-            <a:off x="35496" y="212957"/>
-            <a:ext cx="1271464" cy="504056"/>
-          </a:xfrm>
-          <a:prstGeom prst="rect">
-            <a:avLst/>
-          </a:prstGeom>
-          <a:solidFill>
-            <a:schemeClr val="accent4"/>
-          </a:solidFill>
-          <a:ln>
-            <a:noFill/>
-          </a:ln>
-        </p:spPr>
-        <p:style>
-          <a:lnRef idx="2">
-            <a:schemeClr val="accent1">
-              <a:shade val="50000"/>
-            </a:schemeClr>
-          </a:lnRef>
-          <a:fillRef idx="1">
-            <a:schemeClr val="accent1"/>
-          </a:fillRef>
-          <a:effectRef idx="0">
-            <a:schemeClr val="accent1"/>
-          </a:effectRef>
-          <a:fontRef idx="minor">
-            <a:schemeClr val="lt1"/>
-          </a:fontRef>
-        </p:style>
-        <p:txBody>
-          <a:bodyPr rtlCol="0" anchor="ctr"/>
-          <a:lstStyle/>
-          <a:p>
-            <a:pPr algn="ctr"/>
-            <a:endParaRPr lang="zh-CN" altLang="en-US" dirty="0">
-              <a:latin typeface="微软雅黑" panose="020B0503020204020204" pitchFamily="34" charset="-122"/>
-              <a:ea typeface="微软雅黑" panose="020B0503020204020204" pitchFamily="34" charset="-122"/>
-            </a:endParaRPr>
-          </a:p>
-        </p:txBody>
-      </p:sp>
-      <p:sp>
-        <p:nvSpPr>
-          <p:cNvPr id="26" name="矩形 25"/>
-          <p:cNvSpPr/>
-          <p:nvPr/>
-        </p:nvSpPr>
-        <p:spPr>
-          <a:xfrm>
-            <a:off x="1378968" y="212957"/>
-            <a:ext cx="72008" cy="504056"/>
-          </a:xfrm>
-          <a:prstGeom prst="rect">
-            <a:avLst/>
-          </a:prstGeom>
-          <a:solidFill>
-            <a:schemeClr val="accent4"/>
-          </a:solidFill>
-          <a:ln>
-            <a:noFill/>
-          </a:ln>
-        </p:spPr>
-        <p:style>
-          <a:lnRef idx="2">
-            <a:schemeClr val="accent1">
-              <a:shade val="50000"/>
-            </a:schemeClr>
-          </a:lnRef>
-          <a:fillRef idx="1">
-            <a:schemeClr val="accent1"/>
-          </a:fillRef>
-          <a:effectRef idx="0">
-            <a:schemeClr val="accent1"/>
-          </a:effectRef>
-          <a:fontRef idx="minor">
-            <a:schemeClr val="lt1"/>
-          </a:fontRef>
-        </p:style>
-        <p:txBody>
-          <a:bodyPr rtlCol="0" anchor="ctr"/>
-          <a:lstStyle/>
-          <a:p>
-            <a:pPr algn="ctr"/>
-            <a:endParaRPr lang="zh-CN" altLang="en-US" dirty="0">
-              <a:latin typeface="微软雅黑" panose="020B0503020204020204" pitchFamily="34" charset="-122"/>
-              <a:ea typeface="微软雅黑" panose="020B0503020204020204" pitchFamily="34" charset="-122"/>
-            </a:endParaRPr>
-          </a:p>
-        </p:txBody>
-      </p:sp>
-      <p:sp>
-        <p:nvSpPr>
-          <p:cNvPr id="31" name="矩形 30"/>
-          <p:cNvSpPr/>
-          <p:nvPr/>
-        </p:nvSpPr>
-        <p:spPr>
-          <a:xfrm>
-            <a:off x="1516292" y="416607"/>
-            <a:ext cx="78700" cy="300406"/>
-          </a:xfrm>
-          <a:prstGeom prst="rect">
-            <a:avLst/>
-          </a:prstGeom>
-          <a:solidFill>
-            <a:schemeClr val="accent4"/>
-          </a:solidFill>
-          <a:ln>
-            <a:noFill/>
-          </a:ln>
-        </p:spPr>
-        <p:style>
-          <a:lnRef idx="2">
-            <a:schemeClr val="accent1">
-              <a:shade val="50000"/>
-            </a:schemeClr>
-          </a:lnRef>
-          <a:fillRef idx="1">
-            <a:schemeClr val="accent1"/>
-          </a:fillRef>
-          <a:effectRef idx="0">
-            <a:schemeClr val="accent1"/>
-          </a:effectRef>
-          <a:fontRef idx="minor">
-            <a:schemeClr val="lt1"/>
-          </a:fontRef>
-        </p:style>
-        <p:txBody>
-          <a:bodyPr rtlCol="0" anchor="ctr"/>
-          <a:lstStyle/>
-          <a:p>
-            <a:pPr algn="ctr"/>
-            <a:endParaRPr lang="zh-CN" altLang="en-US" dirty="0">
-              <a:latin typeface="微软雅黑" panose="020B0503020204020204" pitchFamily="34" charset="-122"/>
-              <a:ea typeface="微软雅黑" panose="020B0503020204020204" pitchFamily="34" charset="-122"/>
-            </a:endParaRPr>
-          </a:p>
-        </p:txBody>
-      </p:sp>
-      <p:sp>
-        <p:nvSpPr>
-          <p:cNvPr id="32" name="文本框 31"/>
-          <p:cNvSpPr txBox="1"/>
-          <p:nvPr/>
-        </p:nvSpPr>
-        <p:spPr>
-          <a:xfrm>
-            <a:off x="1619672" y="246048"/>
-            <a:ext cx="4032448" cy="523220"/>
-          </a:xfrm>
-          <a:prstGeom prst="rect">
-            <a:avLst/>
-          </a:prstGeom>
-          <a:noFill/>
-        </p:spPr>
-        <p:txBody>
-          <a:bodyPr wrap="square" rtlCol="0">
-            <a:spAutoFit/>
-          </a:bodyPr>
-          <a:lstStyle/>
-          <a:p>
-            <a:r>
-              <a:rPr lang="en-US" altLang="zh-CN" sz="2800" dirty="0" err="1" smtClean="0">
-                <a:solidFill>
-                  <a:schemeClr val="accent4"/>
-                </a:solidFill>
-                <a:latin typeface="微软雅黑" panose="020B0503020204020204" pitchFamily="34" charset="-122"/>
-                <a:ea typeface="微软雅黑" panose="020B0503020204020204" pitchFamily="34" charset="-122"/>
-              </a:rPr>
-              <a:t>Git</a:t>
-            </a:r>
-            <a:r>
-              <a:rPr lang="zh-CN" altLang="en-US" sz="2800" dirty="0" smtClean="0">
-                <a:solidFill>
-                  <a:schemeClr val="accent4"/>
-                </a:solidFill>
-                <a:latin typeface="微软雅黑" panose="020B0503020204020204" pitchFamily="34" charset="-122"/>
-                <a:ea typeface="微软雅黑" panose="020B0503020204020204" pitchFamily="34" charset="-122"/>
-              </a:rPr>
-              <a:t>与</a:t>
-            </a:r>
-            <a:r>
-              <a:rPr lang="en-US" altLang="zh-CN" sz="2800" dirty="0" smtClean="0">
-                <a:solidFill>
-                  <a:schemeClr val="accent4"/>
-                </a:solidFill>
-                <a:latin typeface="微软雅黑" panose="020B0503020204020204" pitchFamily="34" charset="-122"/>
-                <a:ea typeface="微软雅黑" panose="020B0503020204020204" pitchFamily="34" charset="-122"/>
-              </a:rPr>
-              <a:t>SVN</a:t>
-            </a:r>
-            <a:endParaRPr lang="zh-CN" altLang="en-US" sz="2800" dirty="0">
-              <a:solidFill>
-                <a:schemeClr val="accent4"/>
-              </a:solidFill>
-              <a:latin typeface="微软雅黑" panose="020B0503020204020204" pitchFamily="34" charset="-122"/>
-              <a:ea typeface="微软雅黑" panose="020B0503020204020204" pitchFamily="34" charset="-122"/>
-            </a:endParaRPr>
-          </a:p>
-        </p:txBody>
-      </p:sp>
-      <p:sp>
-        <p:nvSpPr>
-          <p:cNvPr id="12" name="内容占位符 2"/>
-          <p:cNvSpPr txBox="1">
-            <a:spLocks/>
-          </p:cNvSpPr>
-          <p:nvPr/>
-        </p:nvSpPr>
-        <p:spPr bwMode="auto">
-          <a:xfrm>
-            <a:off x="464477" y="793750"/>
-            <a:ext cx="8234363" cy="1526566"/>
-          </a:xfrm>
-          <a:prstGeom prst="rect">
-            <a:avLst/>
-          </a:prstGeom>
-          <a:noFill/>
-          <a:ln w="9525">
-            <a:noFill/>
-            <a:miter lim="800000"/>
-          </a:ln>
-        </p:spPr>
-        <p:txBody>
-          <a:bodyPr vert="horz" wrap="square" lIns="79242" tIns="39621" rIns="79242" bIns="39621" numCol="1" anchor="t" anchorCtr="0" compatLnSpc="1">
-            <a:spAutoFit/>
-          </a:bodyPr>
-          <a:lstStyle>
-            <a:lvl1pPr marL="323212" indent="-323212" algn="l" rtl="0" eaLnBrk="1" fontAlgn="base" hangingPunct="1">
-              <a:spcBef>
-                <a:spcPct val="20000"/>
-              </a:spcBef>
-              <a:spcAft>
-                <a:spcPct val="0"/>
-              </a:spcAft>
-              <a:buChar char="•"/>
-              <a:defRPr sz="1700">
-                <a:solidFill>
-                  <a:schemeClr val="tx1"/>
-                </a:solidFill>
-                <a:latin typeface="微软雅黑" panose="020B0503020204020204" pitchFamily="34" charset="-122"/>
-                <a:ea typeface="微软雅黑" panose="020B0503020204020204" pitchFamily="34" charset="-122"/>
-                <a:cs typeface="+mn-cs"/>
-              </a:defRPr>
-            </a:lvl1pPr>
-            <a:lvl2pPr marL="699763" indent="-269238" algn="l" rtl="0" eaLnBrk="1" fontAlgn="base" hangingPunct="1">
-              <a:spcBef>
-                <a:spcPct val="20000"/>
-              </a:spcBef>
-              <a:spcAft>
-                <a:spcPct val="0"/>
-              </a:spcAft>
-              <a:buChar char="–"/>
-              <a:defRPr sz="1500">
-                <a:solidFill>
-                  <a:schemeClr val="tx1"/>
-                </a:solidFill>
-                <a:latin typeface="微软雅黑" panose="020B0503020204020204" pitchFamily="34" charset="-122"/>
-                <a:ea typeface="微软雅黑" panose="020B0503020204020204" pitchFamily="34" charset="-122"/>
-              </a:defRPr>
-            </a:lvl2pPr>
-            <a:lvl3pPr marL="1076949" indent="-215263" algn="l" rtl="0" eaLnBrk="1" fontAlgn="base" hangingPunct="1">
-              <a:spcBef>
-                <a:spcPct val="20000"/>
-              </a:spcBef>
-              <a:spcAft>
-                <a:spcPct val="0"/>
-              </a:spcAft>
-              <a:buChar char="•"/>
-              <a:defRPr sz="1500">
-                <a:solidFill>
-                  <a:schemeClr val="tx1"/>
-                </a:solidFill>
-                <a:latin typeface="微软雅黑" panose="020B0503020204020204" pitchFamily="34" charset="-122"/>
-                <a:ea typeface="微软雅黑" panose="020B0503020204020204" pitchFamily="34" charset="-122"/>
-              </a:defRPr>
-            </a:lvl3pPr>
-            <a:lvl4pPr marL="1507475" indent="-215263" algn="l" rtl="0" eaLnBrk="1" fontAlgn="base" hangingPunct="1">
-              <a:spcBef>
-                <a:spcPct val="20000"/>
-              </a:spcBef>
-              <a:spcAft>
-                <a:spcPct val="0"/>
-              </a:spcAft>
-              <a:buChar char="–"/>
-              <a:defRPr sz="1500">
-                <a:solidFill>
-                  <a:schemeClr val="tx1"/>
-                </a:solidFill>
-                <a:latin typeface="微软雅黑" panose="020B0503020204020204" pitchFamily="34" charset="-122"/>
-                <a:ea typeface="微软雅黑" panose="020B0503020204020204" pitchFamily="34" charset="-122"/>
-              </a:defRPr>
-            </a:lvl4pPr>
-            <a:lvl5pPr marL="1938001" indent="-215263" algn="l" rtl="0" eaLnBrk="1" fontAlgn="base" hangingPunct="1">
-              <a:spcBef>
-                <a:spcPct val="20000"/>
-              </a:spcBef>
-              <a:spcAft>
-                <a:spcPct val="0"/>
-              </a:spcAft>
-              <a:buChar char="»"/>
-              <a:defRPr sz="1500">
-                <a:solidFill>
-                  <a:schemeClr val="tx1"/>
-                </a:solidFill>
-                <a:latin typeface="微软雅黑" panose="020B0503020204020204" pitchFamily="34" charset="-122"/>
-                <a:ea typeface="微软雅黑" panose="020B0503020204020204" pitchFamily="34" charset="-122"/>
-              </a:defRPr>
-            </a:lvl5pPr>
-            <a:lvl6pPr marL="2368526" indent="-215263" algn="l" rtl="0" eaLnBrk="1" fontAlgn="base" hangingPunct="1">
-              <a:spcBef>
-                <a:spcPct val="20000"/>
-              </a:spcBef>
-              <a:spcAft>
-                <a:spcPct val="0"/>
-              </a:spcAft>
-              <a:buChar char="»"/>
-              <a:defRPr sz="1900">
-                <a:solidFill>
-                  <a:schemeClr val="tx1"/>
-                </a:solidFill>
-                <a:latin typeface="+mn-lt"/>
-                <a:ea typeface="+mn-ea"/>
-              </a:defRPr>
-            </a:lvl6pPr>
-            <a:lvl7pPr marL="2799687" indent="-215263" algn="l" rtl="0" eaLnBrk="1" fontAlgn="base" hangingPunct="1">
-              <a:spcBef>
-                <a:spcPct val="20000"/>
-              </a:spcBef>
-              <a:spcAft>
-                <a:spcPct val="0"/>
-              </a:spcAft>
-              <a:buChar char="»"/>
-              <a:defRPr sz="1900">
-                <a:solidFill>
-                  <a:schemeClr val="tx1"/>
-                </a:solidFill>
-                <a:latin typeface="+mn-lt"/>
-                <a:ea typeface="+mn-ea"/>
-              </a:defRPr>
-            </a:lvl7pPr>
-            <a:lvl8pPr marL="3230213" indent="-215263" algn="l" rtl="0" eaLnBrk="1" fontAlgn="base" hangingPunct="1">
-              <a:spcBef>
-                <a:spcPct val="20000"/>
-              </a:spcBef>
-              <a:spcAft>
-                <a:spcPct val="0"/>
-              </a:spcAft>
-              <a:buChar char="»"/>
-              <a:defRPr sz="1900">
-                <a:solidFill>
-                  <a:schemeClr val="tx1"/>
-                </a:solidFill>
-                <a:latin typeface="+mn-lt"/>
-                <a:ea typeface="+mn-ea"/>
-              </a:defRPr>
-            </a:lvl8pPr>
-            <a:lvl9pPr marL="3660738" indent="-215263" algn="l" rtl="0" eaLnBrk="1" fontAlgn="base" hangingPunct="1">
-              <a:spcBef>
-                <a:spcPct val="20000"/>
-              </a:spcBef>
-              <a:spcAft>
-                <a:spcPct val="0"/>
-              </a:spcAft>
-              <a:buChar char="»"/>
-              <a:defRPr sz="1900">
-                <a:solidFill>
-                  <a:schemeClr val="tx1"/>
-                </a:solidFill>
-                <a:latin typeface="+mn-lt"/>
-                <a:ea typeface="+mn-ea"/>
-              </a:defRPr>
-            </a:lvl9pPr>
-          </a:lstStyle>
-          <a:p>
-            <a:pPr marL="457200" indent="-457200">
-              <a:lnSpc>
-                <a:spcPct val="150000"/>
-              </a:lnSpc>
-              <a:buFont typeface="+mj-lt"/>
-              <a:buAutoNum type="arabicPeriod" startAt="4"/>
-            </a:pPr>
-            <a:r>
-              <a:rPr lang="en-US" altLang="zh-CN" sz="2000" kern="0" dirty="0" err="1" smtClean="0"/>
-              <a:t>Git</a:t>
-            </a:r>
-            <a:r>
-              <a:rPr lang="zh-CN" altLang="en-US" sz="2000" kern="0" dirty="0" smtClean="0"/>
-              <a:t>内容完整性优于</a:t>
-            </a:r>
-            <a:r>
-              <a:rPr lang="en-US" altLang="zh-CN" sz="2000" kern="0" dirty="0" smtClean="0"/>
-              <a:t>SVN</a:t>
-            </a:r>
-          </a:p>
-          <a:p>
-            <a:pPr marL="0" indent="0">
-              <a:lnSpc>
-                <a:spcPct val="150000"/>
-              </a:lnSpc>
-              <a:buNone/>
-            </a:pPr>
-            <a:r>
-              <a:rPr lang="en-US" altLang="zh-CN" sz="2000" b="0" dirty="0"/>
-              <a:t>GIT</a:t>
-            </a:r>
-            <a:r>
-              <a:rPr lang="zh-CN" altLang="en-US" sz="2000" b="0" dirty="0"/>
-              <a:t>的内容存储使用的是</a:t>
-            </a:r>
-            <a:r>
-              <a:rPr lang="en-US" altLang="zh-CN" sz="2000" b="0" dirty="0"/>
-              <a:t>SHA-1</a:t>
-            </a:r>
-            <a:r>
-              <a:rPr lang="zh-CN" altLang="en-US" sz="2000" b="0" dirty="0"/>
-              <a:t>哈希算法。这能确保代码内容的完整性，确保在遇到磁盘故障和网络问题</a:t>
-            </a:r>
-            <a:r>
-              <a:rPr lang="zh-CN" altLang="en-US" sz="2000" b="0" dirty="0" smtClean="0"/>
-              <a:t>时，降低</a:t>
-            </a:r>
-            <a:r>
-              <a:rPr lang="zh-CN" altLang="en-US" sz="2000" b="0" dirty="0"/>
-              <a:t>对版本库的破坏。</a:t>
-            </a:r>
-            <a:endParaRPr lang="en-US" altLang="zh-CN" sz="2000" kern="0" dirty="0" smtClean="0"/>
-          </a:p>
-        </p:txBody>
-      </p:sp>
-      <p:sp>
-        <p:nvSpPr>
-          <p:cNvPr id="8" name="内容占位符 2"/>
-          <p:cNvSpPr txBox="1">
-            <a:spLocks/>
-          </p:cNvSpPr>
-          <p:nvPr/>
-        </p:nvSpPr>
-        <p:spPr bwMode="auto">
-          <a:xfrm>
-            <a:off x="464477" y="2978407"/>
-            <a:ext cx="8234363" cy="1588121"/>
-          </a:xfrm>
-          <a:prstGeom prst="rect">
-            <a:avLst/>
-          </a:prstGeom>
-          <a:noFill/>
-          <a:ln w="9525">
-            <a:noFill/>
-            <a:miter lim="800000"/>
-          </a:ln>
-        </p:spPr>
-        <p:txBody>
-          <a:bodyPr vert="horz" wrap="square" lIns="79242" tIns="39621" rIns="79242" bIns="39621" numCol="1" anchor="t" anchorCtr="0" compatLnSpc="1">
-            <a:spAutoFit/>
-          </a:bodyPr>
-          <a:lstStyle>
-            <a:lvl1pPr marL="323212" indent="-323212" algn="l" rtl="0" eaLnBrk="1" fontAlgn="base" hangingPunct="1">
-              <a:spcBef>
-                <a:spcPct val="20000"/>
-              </a:spcBef>
-              <a:spcAft>
-                <a:spcPct val="0"/>
-              </a:spcAft>
-              <a:buChar char="•"/>
-              <a:defRPr sz="1700">
-                <a:solidFill>
-                  <a:schemeClr val="tx1"/>
-                </a:solidFill>
-                <a:latin typeface="微软雅黑" panose="020B0503020204020204" pitchFamily="34" charset="-122"/>
-                <a:ea typeface="微软雅黑" panose="020B0503020204020204" pitchFamily="34" charset="-122"/>
-                <a:cs typeface="+mn-cs"/>
-              </a:defRPr>
-            </a:lvl1pPr>
-            <a:lvl2pPr marL="699763" indent="-269238" algn="l" rtl="0" eaLnBrk="1" fontAlgn="base" hangingPunct="1">
-              <a:spcBef>
-                <a:spcPct val="20000"/>
-              </a:spcBef>
-              <a:spcAft>
-                <a:spcPct val="0"/>
-              </a:spcAft>
-              <a:buChar char="–"/>
-              <a:defRPr sz="1500">
-                <a:solidFill>
-                  <a:schemeClr val="tx1"/>
-                </a:solidFill>
-                <a:latin typeface="微软雅黑" panose="020B0503020204020204" pitchFamily="34" charset="-122"/>
-                <a:ea typeface="微软雅黑" panose="020B0503020204020204" pitchFamily="34" charset="-122"/>
-              </a:defRPr>
-            </a:lvl2pPr>
-            <a:lvl3pPr marL="1076949" indent="-215263" algn="l" rtl="0" eaLnBrk="1" fontAlgn="base" hangingPunct="1">
-              <a:spcBef>
-                <a:spcPct val="20000"/>
-              </a:spcBef>
-              <a:spcAft>
-                <a:spcPct val="0"/>
-              </a:spcAft>
-              <a:buChar char="•"/>
-              <a:defRPr sz="1500">
-                <a:solidFill>
-                  <a:schemeClr val="tx1"/>
-                </a:solidFill>
-                <a:latin typeface="微软雅黑" panose="020B0503020204020204" pitchFamily="34" charset="-122"/>
-                <a:ea typeface="微软雅黑" panose="020B0503020204020204" pitchFamily="34" charset="-122"/>
-              </a:defRPr>
-            </a:lvl3pPr>
-            <a:lvl4pPr marL="1507475" indent="-215263" algn="l" rtl="0" eaLnBrk="1" fontAlgn="base" hangingPunct="1">
-              <a:spcBef>
-                <a:spcPct val="20000"/>
-              </a:spcBef>
-              <a:spcAft>
-                <a:spcPct val="0"/>
-              </a:spcAft>
-              <a:buChar char="–"/>
-              <a:defRPr sz="1500">
-                <a:solidFill>
-                  <a:schemeClr val="tx1"/>
-                </a:solidFill>
-                <a:latin typeface="微软雅黑" panose="020B0503020204020204" pitchFamily="34" charset="-122"/>
-                <a:ea typeface="微软雅黑" panose="020B0503020204020204" pitchFamily="34" charset="-122"/>
-              </a:defRPr>
-            </a:lvl4pPr>
-            <a:lvl5pPr marL="1938001" indent="-215263" algn="l" rtl="0" eaLnBrk="1" fontAlgn="base" hangingPunct="1">
-              <a:spcBef>
-                <a:spcPct val="20000"/>
-              </a:spcBef>
-              <a:spcAft>
-                <a:spcPct val="0"/>
-              </a:spcAft>
-              <a:buChar char="»"/>
-              <a:defRPr sz="1500">
-                <a:solidFill>
-                  <a:schemeClr val="tx1"/>
-                </a:solidFill>
-                <a:latin typeface="微软雅黑" panose="020B0503020204020204" pitchFamily="34" charset="-122"/>
-                <a:ea typeface="微软雅黑" panose="020B0503020204020204" pitchFamily="34" charset="-122"/>
-              </a:defRPr>
-            </a:lvl5pPr>
-            <a:lvl6pPr marL="2368526" indent="-215263" algn="l" rtl="0" eaLnBrk="1" fontAlgn="base" hangingPunct="1">
-              <a:spcBef>
-                <a:spcPct val="20000"/>
-              </a:spcBef>
-              <a:spcAft>
-                <a:spcPct val="0"/>
-              </a:spcAft>
-              <a:buChar char="»"/>
-              <a:defRPr sz="1900">
-                <a:solidFill>
-                  <a:schemeClr val="tx1"/>
-                </a:solidFill>
-                <a:latin typeface="+mn-lt"/>
-                <a:ea typeface="+mn-ea"/>
-              </a:defRPr>
-            </a:lvl6pPr>
-            <a:lvl7pPr marL="2799687" indent="-215263" algn="l" rtl="0" eaLnBrk="1" fontAlgn="base" hangingPunct="1">
-              <a:spcBef>
-                <a:spcPct val="20000"/>
-              </a:spcBef>
-              <a:spcAft>
-                <a:spcPct val="0"/>
-              </a:spcAft>
-              <a:buChar char="»"/>
-              <a:defRPr sz="1900">
-                <a:solidFill>
-                  <a:schemeClr val="tx1"/>
-                </a:solidFill>
-                <a:latin typeface="+mn-lt"/>
-                <a:ea typeface="+mn-ea"/>
-              </a:defRPr>
-            </a:lvl7pPr>
-            <a:lvl8pPr marL="3230213" indent="-215263" algn="l" rtl="0" eaLnBrk="1" fontAlgn="base" hangingPunct="1">
-              <a:spcBef>
-                <a:spcPct val="20000"/>
-              </a:spcBef>
-              <a:spcAft>
-                <a:spcPct val="0"/>
-              </a:spcAft>
-              <a:buChar char="»"/>
-              <a:defRPr sz="1900">
-                <a:solidFill>
-                  <a:schemeClr val="tx1"/>
-                </a:solidFill>
-                <a:latin typeface="+mn-lt"/>
-                <a:ea typeface="+mn-ea"/>
-              </a:defRPr>
-            </a:lvl8pPr>
-            <a:lvl9pPr marL="3660738" indent="-215263" algn="l" rtl="0" eaLnBrk="1" fontAlgn="base" hangingPunct="1">
-              <a:spcBef>
-                <a:spcPct val="20000"/>
-              </a:spcBef>
-              <a:spcAft>
-                <a:spcPct val="0"/>
-              </a:spcAft>
-              <a:buChar char="»"/>
-              <a:defRPr sz="1900">
-                <a:solidFill>
-                  <a:schemeClr val="tx1"/>
-                </a:solidFill>
-                <a:latin typeface="+mn-lt"/>
-                <a:ea typeface="+mn-ea"/>
-              </a:defRPr>
-            </a:lvl9pPr>
-          </a:lstStyle>
-          <a:p>
-            <a:pPr marL="457200" indent="-457200">
-              <a:lnSpc>
-                <a:spcPct val="150000"/>
-              </a:lnSpc>
-              <a:buFont typeface="+mj-lt"/>
-              <a:buAutoNum type="arabicPeriod" startAt="5"/>
-            </a:pPr>
-            <a:r>
-              <a:rPr lang="zh-CN" altLang="en-US" sz="2000" kern="0" dirty="0" smtClean="0"/>
-              <a:t>其他区别：</a:t>
-            </a:r>
-            <a:endParaRPr lang="en-US" altLang="zh-CN" sz="2000" kern="0" dirty="0" smtClean="0"/>
-          </a:p>
-          <a:p>
-            <a:pPr marL="0" indent="0">
-              <a:lnSpc>
-                <a:spcPct val="150000"/>
-              </a:lnSpc>
-              <a:buNone/>
-            </a:pPr>
-            <a:r>
-              <a:rPr lang="en-US" altLang="zh-CN" sz="2000" b="0" dirty="0" err="1"/>
-              <a:t>Git</a:t>
-            </a:r>
-            <a:r>
-              <a:rPr lang="zh-CN" altLang="en-US" sz="2000" b="0" dirty="0"/>
-              <a:t>把内容按元数据方式存储，而</a:t>
-            </a:r>
-            <a:r>
-              <a:rPr lang="en-US" altLang="zh-CN" sz="2000" b="0" dirty="0"/>
-              <a:t>SVN</a:t>
-            </a:r>
-            <a:r>
-              <a:rPr lang="zh-CN" altLang="en-US" sz="2000" b="0" dirty="0"/>
-              <a:t>是按</a:t>
-            </a:r>
-            <a:r>
-              <a:rPr lang="zh-CN" altLang="en-US" sz="2000" b="0" dirty="0" smtClean="0"/>
-              <a:t>文件</a:t>
-            </a:r>
-            <a:r>
-              <a:rPr lang="zh-CN" altLang="en-US" sz="2000" kern="0" dirty="0" smtClean="0"/>
-              <a:t>；</a:t>
-            </a:r>
-            <a:endParaRPr lang="en-US" altLang="zh-CN" sz="2000" kern="0" dirty="0" smtClean="0"/>
-          </a:p>
-          <a:p>
-            <a:pPr marL="0" indent="0">
-              <a:lnSpc>
-                <a:spcPct val="150000"/>
-              </a:lnSpc>
-              <a:buNone/>
-            </a:pPr>
-            <a:r>
-              <a:rPr lang="en-US" altLang="zh-CN" sz="2000" b="0" dirty="0" err="1"/>
-              <a:t>Git</a:t>
-            </a:r>
-            <a:r>
-              <a:rPr lang="zh-CN" altLang="en-US" sz="2000" b="0" dirty="0"/>
-              <a:t>没有一个全局版本号，而</a:t>
-            </a:r>
-            <a:r>
-              <a:rPr lang="en-US" altLang="zh-CN" sz="2000" b="0" dirty="0"/>
-              <a:t>SVN</a:t>
-            </a:r>
-            <a:r>
-              <a:rPr lang="zh-CN" altLang="en-US" sz="2000" b="0" dirty="0" smtClean="0"/>
-              <a:t>有；</a:t>
-            </a:r>
-            <a:endParaRPr lang="en-US" altLang="zh-CN" sz="2000" b="0" dirty="0" smtClean="0"/>
-          </a:p>
-        </p:txBody>
-      </p:sp>
-    </p:spTree>
-    <p:extLst>
-      <p:ext uri="{BB962C8B-B14F-4D97-AF65-F5344CB8AC3E}">
-        <p14:creationId xmlns:p14="http://schemas.microsoft.com/office/powerpoint/2010/main" val="1149102286"/>
       </p:ext>
     </p:extLst>
   </p:cSld>
@@ -13911,7 +14085,7 @@
         <p:spPr bwMode="auto">
           <a:xfrm>
             <a:off x="464477" y="793750"/>
-            <a:ext cx="8234363" cy="1526566"/>
+            <a:ext cx="8234363" cy="1329589"/>
           </a:xfrm>
           <a:prstGeom prst="rect">
             <a:avLst/>
@@ -14074,6 +14248,27 @@
             </a:lvl9pPr>
           </a:lstStyle>
           <a:p>
+            <a:pPr marL="457200" indent="-457200">
+              <a:lnSpc>
+                <a:spcPct val="150000"/>
+              </a:lnSpc>
+              <a:buFont typeface="+mj-lt"/>
+              <a:buAutoNum type="arabicPeriod" startAt="4"/>
+            </a:pPr>
+            <a:r>
+              <a:rPr lang="en-US" altLang="zh-CN" sz="2000" kern="0" dirty="0" err="1" smtClean="0"/>
+              <a:t>Git</a:t>
+            </a:r>
+            <a:r>
+              <a:rPr lang="zh-CN" altLang="en-US" sz="2000" kern="0" dirty="0" smtClean="0"/>
+              <a:t>内容完整性优于</a:t>
+            </a:r>
+            <a:r>
+              <a:rPr lang="en-US" altLang="zh-CN" sz="2000" kern="0" dirty="0" smtClean="0"/>
+              <a:t>SVN</a:t>
+            </a:r>
+          </a:p>
+          <a:p>
             <a:pPr marL="0" indent="0">
               <a:lnSpc>
                 <a:spcPct val="150000"/>
@@ -14081,47 +14276,30 @@
               <a:buNone/>
             </a:pPr>
             <a:r>
-              <a:rPr lang="en-US" altLang="zh-CN" sz="2000" kern="0" dirty="0" err="1" smtClean="0"/>
-              <a:t>Git</a:t>
-            </a:r>
-            <a:r>
-              <a:rPr lang="zh-CN" altLang="en-US" sz="2000" kern="0" dirty="0" smtClean="0"/>
-              <a:t>的适用场景：</a:t>
-            </a:r>
-            <a:endParaRPr lang="en-US" altLang="zh-CN" sz="2000" kern="0" dirty="0" smtClean="0"/>
-          </a:p>
-          <a:p>
-            <a:pPr marL="0" indent="0">
-              <a:lnSpc>
-                <a:spcPct val="150000"/>
-              </a:lnSpc>
-              <a:buNone/>
-            </a:pPr>
-            <a:r>
-              <a:rPr lang="en-US" altLang="zh-CN" sz="2000" b="0" dirty="0"/>
+              <a:rPr lang="en-US" altLang="zh-CN" sz="1600" b="0" dirty="0"/>
               <a:t>GIT</a:t>
             </a:r>
             <a:r>
-              <a:rPr lang="zh-CN" altLang="en-US" sz="2000" b="0" dirty="0"/>
+              <a:rPr lang="zh-CN" altLang="en-US" sz="1600" b="0" dirty="0"/>
               <a:t>的内容存储使用的是</a:t>
             </a:r>
             <a:r>
-              <a:rPr lang="en-US" altLang="zh-CN" sz="2000" b="0" dirty="0"/>
+              <a:rPr lang="en-US" altLang="zh-CN" sz="1600" b="0" dirty="0"/>
               <a:t>SHA-1</a:t>
             </a:r>
             <a:r>
-              <a:rPr lang="zh-CN" altLang="en-US" sz="2000" b="0" dirty="0"/>
+              <a:rPr lang="zh-CN" altLang="en-US" sz="1600" b="0" dirty="0"/>
               <a:t>哈希算法。这能确保代码内容的完整性，确保在遇到磁盘故障和网络问题</a:t>
             </a:r>
             <a:r>
-              <a:rPr lang="zh-CN" altLang="en-US" sz="2000" b="0" dirty="0" smtClean="0"/>
+              <a:rPr lang="zh-CN" altLang="en-US" sz="1600" b="0" dirty="0" smtClean="0"/>
               <a:t>时，降低</a:t>
             </a:r>
             <a:r>
-              <a:rPr lang="zh-CN" altLang="en-US" sz="2000" b="0" dirty="0"/>
+              <a:rPr lang="zh-CN" altLang="en-US" sz="1600" b="0" dirty="0"/>
               <a:t>对版本库的破坏。</a:t>
             </a:r>
-            <a:endParaRPr lang="en-US" altLang="zh-CN" sz="2000" kern="0" dirty="0" smtClean="0"/>
+            <a:endParaRPr lang="en-US" altLang="zh-CN" sz="1600" kern="0" dirty="0" smtClean="0"/>
           </a:p>
         </p:txBody>
       </p:sp>
@@ -14135,8 +14313,8 @@
         </p:nvSpPr>
         <p:spPr bwMode="auto">
           <a:xfrm>
-            <a:off x="464477" y="2978407"/>
-            <a:ext cx="8234363" cy="1588121"/>
+            <a:off x="464477" y="2785492"/>
+            <a:ext cx="8234363" cy="2166741"/>
           </a:xfrm>
           <a:prstGeom prst="rect">
             <a:avLst/>
@@ -14299,6 +14477,20 @@
             </a:lvl9pPr>
           </a:lstStyle>
           <a:p>
+            <a:pPr marL="457200" indent="-457200">
+              <a:lnSpc>
+                <a:spcPct val="150000"/>
+              </a:lnSpc>
+              <a:buFont typeface="+mj-lt"/>
+              <a:buAutoNum type="arabicPeriod" startAt="5"/>
+            </a:pPr>
+            <a:r>
+              <a:rPr lang="zh-CN" altLang="en-US" sz="2000" kern="0" dirty="0" smtClean="0"/>
+              <a:t>其他区别：</a:t>
+            </a:r>
+            <a:endParaRPr lang="en-US" altLang="zh-CN" sz="2000" kern="0" dirty="0" smtClean="0"/>
+          </a:p>
+          <a:p>
             <a:pPr marL="0" indent="0">
               <a:lnSpc>
                 <a:spcPct val="150000"/>
@@ -14306,14 +14498,30 @@
               <a:buNone/>
             </a:pPr>
             <a:r>
-              <a:rPr lang="en-US" altLang="zh-CN" sz="2000" kern="0" dirty="0" smtClean="0"/>
+              <a:rPr lang="en-US" altLang="zh-CN" sz="1600" b="0" dirty="0" err="1"/>
+              <a:t>Git</a:t>
+            </a:r>
+            <a:r>
+              <a:rPr lang="zh-CN" altLang="en-US" sz="1600" b="0" dirty="0"/>
+              <a:t>把内容按元数据方式存储，而</a:t>
+            </a:r>
+            <a:r>
+              <a:rPr lang="en-US" altLang="zh-CN" sz="1600" b="0" dirty="0"/>
               <a:t>SVN</a:t>
             </a:r>
             <a:r>
-              <a:rPr lang="zh-CN" altLang="en-US" sz="2000" kern="0" dirty="0" smtClean="0"/>
-              <a:t>的适用场景：</a:t>
-            </a:r>
-            <a:endParaRPr lang="en-US" altLang="zh-CN" sz="2000" kern="0" dirty="0" smtClean="0"/>
+              <a:rPr lang="zh-CN" altLang="en-US" sz="1600" b="0" dirty="0"/>
+              <a:t>是按</a:t>
+            </a:r>
+            <a:r>
+              <a:rPr lang="zh-CN" altLang="en-US" sz="1600" b="0" dirty="0" smtClean="0"/>
+              <a:t>文件</a:t>
+            </a:r>
+            <a:r>
+              <a:rPr lang="zh-CN" altLang="en-US" sz="1600" kern="0" dirty="0" smtClean="0"/>
+              <a:t>；</a:t>
+            </a:r>
+            <a:endParaRPr lang="en-US" altLang="zh-CN" sz="1600" kern="0" dirty="0" smtClean="0"/>
           </a:p>
           <a:p>
             <a:pPr marL="0" indent="0">
@@ -14323,30 +14531,25 @@
               <a:buNone/>
             </a:pPr>
             <a:r>
-              <a:rPr lang="en-US" altLang="zh-CN" sz="2000" b="0" dirty="0" err="1"/>
+              <a:rPr lang="en-US" altLang="zh-CN" sz="1600" b="0" dirty="0" err="1"/>
               <a:t>Git</a:t>
             </a:r>
             <a:r>
-              <a:rPr lang="zh-CN" altLang="en-US" sz="2000" b="0" dirty="0"/>
-              <a:t>把内容按元数据方式存储，而</a:t>
-            </a:r>
-            <a:r>
-              <a:rPr lang="en-US" altLang="zh-CN" sz="2000" b="0" dirty="0"/>
+              <a:rPr lang="zh-CN" altLang="en-US" sz="1600" b="0" dirty="0"/>
+              <a:t>没有一个全局版本号，而</a:t>
+            </a:r>
+            <a:r>
+              <a:rPr lang="en-US" altLang="zh-CN" sz="1600" b="0" dirty="0"/>
               <a:t>SVN</a:t>
             </a:r>
             <a:r>
-              <a:rPr lang="zh-CN" altLang="en-US" sz="2000" b="0" dirty="0"/>
-              <a:t>是按</a:t>
-            </a:r>
-            <a:r>
-              <a:rPr lang="zh-CN" altLang="en-US" sz="2000" b="0" dirty="0" smtClean="0"/>
-              <a:t>文件</a:t>
-            </a:r>
-            <a:r>
-              <a:rPr lang="zh-CN" altLang="en-US" sz="2000" kern="0" dirty="0" smtClean="0"/>
+              <a:rPr lang="zh-CN" altLang="en-US" sz="1600" b="0" dirty="0" smtClean="0"/>
+              <a:t>有</a:t>
+            </a:r>
+            <a:r>
+              <a:rPr lang="zh-CN" altLang="en-US" sz="1600" b="0" dirty="0" smtClean="0"/>
               <a:t>；</a:t>
             </a:r>
-            <a:endParaRPr lang="en-US" altLang="zh-CN" sz="2000" kern="0" dirty="0" smtClean="0"/>
           </a:p>
           <a:p>
             <a:pPr marL="0" indent="0">
@@ -14356,29 +14559,29 @@
               <a:buNone/>
             </a:pPr>
             <a:r>
-              <a:rPr lang="en-US" altLang="zh-CN" sz="2000" b="0" dirty="0" err="1"/>
+              <a:rPr lang="en-US" altLang="zh-CN" sz="1600" b="0" dirty="0" err="1" smtClean="0"/>
               <a:t>Git</a:t>
             </a:r>
             <a:r>
-              <a:rPr lang="zh-CN" altLang="en-US" sz="2000" b="0" dirty="0"/>
-              <a:t>没有一个全局版本号，而</a:t>
-            </a:r>
-            <a:r>
-              <a:rPr lang="en-US" altLang="zh-CN" sz="2000" b="0" dirty="0"/>
+              <a:rPr lang="zh-CN" altLang="en-US" sz="1600" b="0" dirty="0" smtClean="0"/>
+              <a:t>基于版本库授权，一经授权即可获取整个版本库的文件，而</a:t>
+            </a:r>
+            <a:r>
+              <a:rPr lang="en-US" altLang="zh-CN" sz="1600" b="0" dirty="0" smtClean="0"/>
               <a:t>SVN</a:t>
             </a:r>
             <a:r>
-              <a:rPr lang="zh-CN" altLang="en-US" sz="2000" b="0" dirty="0" smtClean="0"/>
-              <a:t>有；</a:t>
-            </a:r>
-            <a:endParaRPr lang="en-US" altLang="zh-CN" sz="2000" b="0" dirty="0" smtClean="0"/>
+              <a:rPr lang="zh-CN" altLang="en-US" sz="1600" b="0" dirty="0" smtClean="0"/>
+              <a:t>则更灵活，可按文件目录授权，子目录默认继承父目录的权限。</a:t>
+            </a:r>
+            <a:endParaRPr lang="en-US" altLang="zh-CN" sz="1600" b="0" dirty="0" smtClean="0"/>
           </a:p>
         </p:txBody>
       </p:sp>
     </p:spTree>
     <p:extLst>
       <p:ext uri="{BB962C8B-B14F-4D97-AF65-F5344CB8AC3E}">
-        <p14:creationId xmlns:p14="http://schemas.microsoft.com/office/powerpoint/2010/main" val="2229058914"/>
+        <p14:creationId xmlns:p14="http://schemas.microsoft.com/office/powerpoint/2010/main" val="1149102286"/>
       </p:ext>
     </p:extLst>
   </p:cSld>
@@ -14607,6 +14810,2357 @@
         <p:spPr>
           <a:xfrm>
             <a:off x="1619672" y="246048"/>
+            <a:ext cx="4032448" cy="523220"/>
+          </a:xfrm>
+          <a:prstGeom prst="rect">
+            <a:avLst/>
+          </a:prstGeom>
+          <a:noFill/>
+        </p:spPr>
+        <p:txBody>
+          <a:bodyPr wrap="square" rtlCol="0">
+            <a:spAutoFit/>
+          </a:bodyPr>
+          <a:lstStyle/>
+          <a:p>
+            <a:r>
+              <a:rPr lang="en-US" altLang="zh-CN" sz="2800" dirty="0" err="1" smtClean="0">
+                <a:solidFill>
+                  <a:schemeClr val="accent4"/>
+                </a:solidFill>
+                <a:latin typeface="微软雅黑" panose="020B0503020204020204" pitchFamily="34" charset="-122"/>
+                <a:ea typeface="微软雅黑" panose="020B0503020204020204" pitchFamily="34" charset="-122"/>
+              </a:rPr>
+              <a:t>Git</a:t>
+            </a:r>
+            <a:r>
+              <a:rPr lang="zh-CN" altLang="en-US" sz="2800" dirty="0" smtClean="0">
+                <a:solidFill>
+                  <a:schemeClr val="accent4"/>
+                </a:solidFill>
+                <a:latin typeface="微软雅黑" panose="020B0503020204020204" pitchFamily="34" charset="-122"/>
+                <a:ea typeface="微软雅黑" panose="020B0503020204020204" pitchFamily="34" charset="-122"/>
+              </a:rPr>
+              <a:t>与</a:t>
+            </a:r>
+            <a:r>
+              <a:rPr lang="en-US" altLang="zh-CN" sz="2800" dirty="0" smtClean="0">
+                <a:solidFill>
+                  <a:schemeClr val="accent4"/>
+                </a:solidFill>
+                <a:latin typeface="微软雅黑" panose="020B0503020204020204" pitchFamily="34" charset="-122"/>
+                <a:ea typeface="微软雅黑" panose="020B0503020204020204" pitchFamily="34" charset="-122"/>
+              </a:rPr>
+              <a:t>SVN</a:t>
+            </a:r>
+            <a:endParaRPr lang="zh-CN" altLang="en-US" sz="2800" dirty="0">
+              <a:solidFill>
+                <a:schemeClr val="accent4"/>
+              </a:solidFill>
+              <a:latin typeface="微软雅黑" panose="020B0503020204020204" pitchFamily="34" charset="-122"/>
+              <a:ea typeface="微软雅黑" panose="020B0503020204020204" pitchFamily="34" charset="-122"/>
+            </a:endParaRPr>
+          </a:p>
+        </p:txBody>
+      </p:sp>
+      <p:sp>
+        <p:nvSpPr>
+          <p:cNvPr id="12" name="内容占位符 2"/>
+          <p:cNvSpPr txBox="1">
+            <a:spLocks/>
+          </p:cNvSpPr>
+          <p:nvPr/>
+        </p:nvSpPr>
+        <p:spPr bwMode="auto">
+          <a:xfrm>
+            <a:off x="464477" y="793750"/>
+            <a:ext cx="8234363" cy="2634561"/>
+          </a:xfrm>
+          <a:prstGeom prst="rect">
+            <a:avLst/>
+          </a:prstGeom>
+          <a:noFill/>
+          <a:ln w="9525">
+            <a:noFill/>
+            <a:miter lim="800000"/>
+          </a:ln>
+        </p:spPr>
+        <p:txBody>
+          <a:bodyPr vert="horz" wrap="square" lIns="79242" tIns="39621" rIns="79242" bIns="39621" numCol="1" anchor="t" anchorCtr="0" compatLnSpc="1">
+            <a:spAutoFit/>
+          </a:bodyPr>
+          <a:lstStyle>
+            <a:lvl1pPr marL="323212" indent="-323212" algn="l" rtl="0" eaLnBrk="1" fontAlgn="base" hangingPunct="1">
+              <a:spcBef>
+                <a:spcPct val="20000"/>
+              </a:spcBef>
+              <a:spcAft>
+                <a:spcPct val="0"/>
+              </a:spcAft>
+              <a:buChar char="•"/>
+              <a:defRPr sz="1700">
+                <a:solidFill>
+                  <a:schemeClr val="tx1"/>
+                </a:solidFill>
+                <a:latin typeface="微软雅黑" panose="020B0503020204020204" pitchFamily="34" charset="-122"/>
+                <a:ea typeface="微软雅黑" panose="020B0503020204020204" pitchFamily="34" charset="-122"/>
+                <a:cs typeface="+mn-cs"/>
+              </a:defRPr>
+            </a:lvl1pPr>
+            <a:lvl2pPr marL="699763" indent="-269238" algn="l" rtl="0" eaLnBrk="1" fontAlgn="base" hangingPunct="1">
+              <a:spcBef>
+                <a:spcPct val="20000"/>
+              </a:spcBef>
+              <a:spcAft>
+                <a:spcPct val="0"/>
+              </a:spcAft>
+              <a:buChar char="–"/>
+              <a:defRPr sz="1500">
+                <a:solidFill>
+                  <a:schemeClr val="tx1"/>
+                </a:solidFill>
+                <a:latin typeface="微软雅黑" panose="020B0503020204020204" pitchFamily="34" charset="-122"/>
+                <a:ea typeface="微软雅黑" panose="020B0503020204020204" pitchFamily="34" charset="-122"/>
+              </a:defRPr>
+            </a:lvl2pPr>
+            <a:lvl3pPr marL="1076949" indent="-215263" algn="l" rtl="0" eaLnBrk="1" fontAlgn="base" hangingPunct="1">
+              <a:spcBef>
+                <a:spcPct val="20000"/>
+              </a:spcBef>
+              <a:spcAft>
+                <a:spcPct val="0"/>
+              </a:spcAft>
+              <a:buChar char="•"/>
+              <a:defRPr sz="1500">
+                <a:solidFill>
+                  <a:schemeClr val="tx1"/>
+                </a:solidFill>
+                <a:latin typeface="微软雅黑" panose="020B0503020204020204" pitchFamily="34" charset="-122"/>
+                <a:ea typeface="微软雅黑" panose="020B0503020204020204" pitchFamily="34" charset="-122"/>
+              </a:defRPr>
+            </a:lvl3pPr>
+            <a:lvl4pPr marL="1507475" indent="-215263" algn="l" rtl="0" eaLnBrk="1" fontAlgn="base" hangingPunct="1">
+              <a:spcBef>
+                <a:spcPct val="20000"/>
+              </a:spcBef>
+              <a:spcAft>
+                <a:spcPct val="0"/>
+              </a:spcAft>
+              <a:buChar char="–"/>
+              <a:defRPr sz="1500">
+                <a:solidFill>
+                  <a:schemeClr val="tx1"/>
+                </a:solidFill>
+                <a:latin typeface="微软雅黑" panose="020B0503020204020204" pitchFamily="34" charset="-122"/>
+                <a:ea typeface="微软雅黑" panose="020B0503020204020204" pitchFamily="34" charset="-122"/>
+              </a:defRPr>
+            </a:lvl4pPr>
+            <a:lvl5pPr marL="1938001" indent="-215263" algn="l" rtl="0" eaLnBrk="1" fontAlgn="base" hangingPunct="1">
+              <a:spcBef>
+                <a:spcPct val="20000"/>
+              </a:spcBef>
+              <a:spcAft>
+                <a:spcPct val="0"/>
+              </a:spcAft>
+              <a:buChar char="»"/>
+              <a:defRPr sz="1500">
+                <a:solidFill>
+                  <a:schemeClr val="tx1"/>
+                </a:solidFill>
+                <a:latin typeface="微软雅黑" panose="020B0503020204020204" pitchFamily="34" charset="-122"/>
+                <a:ea typeface="微软雅黑" panose="020B0503020204020204" pitchFamily="34" charset="-122"/>
+              </a:defRPr>
+            </a:lvl5pPr>
+            <a:lvl6pPr marL="2368526" indent="-215263" algn="l" rtl="0" eaLnBrk="1" fontAlgn="base" hangingPunct="1">
+              <a:spcBef>
+                <a:spcPct val="20000"/>
+              </a:spcBef>
+              <a:spcAft>
+                <a:spcPct val="0"/>
+              </a:spcAft>
+              <a:buChar char="»"/>
+              <a:defRPr sz="1900">
+                <a:solidFill>
+                  <a:schemeClr val="tx1"/>
+                </a:solidFill>
+                <a:latin typeface="+mn-lt"/>
+                <a:ea typeface="+mn-ea"/>
+              </a:defRPr>
+            </a:lvl6pPr>
+            <a:lvl7pPr marL="2799687" indent="-215263" algn="l" rtl="0" eaLnBrk="1" fontAlgn="base" hangingPunct="1">
+              <a:spcBef>
+                <a:spcPct val="20000"/>
+              </a:spcBef>
+              <a:spcAft>
+                <a:spcPct val="0"/>
+              </a:spcAft>
+              <a:buChar char="»"/>
+              <a:defRPr sz="1900">
+                <a:solidFill>
+                  <a:schemeClr val="tx1"/>
+                </a:solidFill>
+                <a:latin typeface="+mn-lt"/>
+                <a:ea typeface="+mn-ea"/>
+              </a:defRPr>
+            </a:lvl7pPr>
+            <a:lvl8pPr marL="3230213" indent="-215263" algn="l" rtl="0" eaLnBrk="1" fontAlgn="base" hangingPunct="1">
+              <a:spcBef>
+                <a:spcPct val="20000"/>
+              </a:spcBef>
+              <a:spcAft>
+                <a:spcPct val="0"/>
+              </a:spcAft>
+              <a:buChar char="»"/>
+              <a:defRPr sz="1900">
+                <a:solidFill>
+                  <a:schemeClr val="tx1"/>
+                </a:solidFill>
+                <a:latin typeface="+mn-lt"/>
+                <a:ea typeface="+mn-ea"/>
+              </a:defRPr>
+            </a:lvl8pPr>
+            <a:lvl9pPr marL="3660738" indent="-215263" algn="l" rtl="0" eaLnBrk="1" fontAlgn="base" hangingPunct="1">
+              <a:spcBef>
+                <a:spcPct val="20000"/>
+              </a:spcBef>
+              <a:spcAft>
+                <a:spcPct val="0"/>
+              </a:spcAft>
+              <a:buChar char="»"/>
+              <a:defRPr sz="1900">
+                <a:solidFill>
+                  <a:schemeClr val="tx1"/>
+                </a:solidFill>
+                <a:latin typeface="+mn-lt"/>
+                <a:ea typeface="+mn-ea"/>
+              </a:defRPr>
+            </a:lvl9pPr>
+          </a:lstStyle>
+          <a:p>
+            <a:pPr marL="0" indent="0">
+              <a:lnSpc>
+                <a:spcPct val="150000"/>
+              </a:lnSpc>
+              <a:buNone/>
+            </a:pPr>
+            <a:r>
+              <a:rPr lang="en-US" altLang="zh-CN" sz="2000" kern="0" dirty="0" err="1" smtClean="0"/>
+              <a:t>Git</a:t>
+            </a:r>
+            <a:r>
+              <a:rPr lang="zh-CN" altLang="en-US" sz="2000" kern="0" dirty="0" smtClean="0"/>
+              <a:t>的适用场景：</a:t>
+            </a:r>
+            <a:endParaRPr lang="en-US" altLang="zh-CN" sz="2000" kern="0" dirty="0" smtClean="0"/>
+          </a:p>
+          <a:p>
+            <a:pPr marL="0" indent="0">
+              <a:lnSpc>
+                <a:spcPct val="150000"/>
+              </a:lnSpc>
+              <a:buNone/>
+            </a:pPr>
+            <a:r>
+              <a:rPr lang="zh-CN" altLang="en-US" sz="1600" b="0" kern="0" dirty="0" smtClean="0"/>
+              <a:t>分布式开发，参与人数非常非常多的项目，尤其是开源项目</a:t>
+            </a:r>
+          </a:p>
+          <a:p>
+            <a:pPr marL="0" indent="0">
+              <a:lnSpc>
+                <a:spcPct val="150000"/>
+              </a:lnSpc>
+              <a:buNone/>
+            </a:pPr>
+            <a:r>
+              <a:rPr lang="zh-CN" altLang="en-US" sz="1600" b="0" kern="0" dirty="0" smtClean="0"/>
+              <a:t>离线工作，或者网络条件较差</a:t>
+            </a:r>
+          </a:p>
+          <a:p>
+            <a:pPr marL="0" indent="0">
+              <a:lnSpc>
+                <a:spcPct val="150000"/>
+              </a:lnSpc>
+              <a:buNone/>
+            </a:pPr>
+            <a:r>
+              <a:rPr lang="zh-CN" altLang="en-US" sz="1600" b="0" kern="0" dirty="0" smtClean="0"/>
+              <a:t>项目文件不细分权限</a:t>
+            </a:r>
+          </a:p>
+          <a:p>
+            <a:pPr marL="0" indent="0">
+              <a:lnSpc>
+                <a:spcPct val="150000"/>
+              </a:lnSpc>
+              <a:buNone/>
+            </a:pPr>
+            <a:r>
+              <a:rPr lang="zh-CN" altLang="en-US" sz="1600" b="0" kern="0" dirty="0" smtClean="0"/>
+              <a:t>多分支版本控制</a:t>
+            </a:r>
+          </a:p>
+          <a:p>
+            <a:pPr marL="0" indent="0">
+              <a:lnSpc>
+                <a:spcPct val="150000"/>
+              </a:lnSpc>
+              <a:buNone/>
+            </a:pPr>
+            <a:r>
+              <a:rPr lang="zh-CN" altLang="en-US" sz="1600" b="0" kern="0" dirty="0" smtClean="0"/>
+              <a:t>项目</a:t>
+            </a:r>
+            <a:r>
+              <a:rPr lang="zh-CN" altLang="en-US" sz="1600" b="0" kern="0" dirty="0" smtClean="0"/>
+              <a:t>数据量</a:t>
+            </a:r>
+            <a:r>
+              <a:rPr lang="zh-CN" altLang="en-US" sz="1600" b="0" kern="0" dirty="0"/>
+              <a:t>较</a:t>
+            </a:r>
+            <a:r>
+              <a:rPr lang="zh-CN" altLang="en-US" sz="1600" b="0" kern="0" dirty="0" smtClean="0"/>
+              <a:t>小（</a:t>
+            </a:r>
+            <a:r>
+              <a:rPr lang="en-US" altLang="zh-CN" sz="1600" b="0" kern="0" dirty="0" smtClean="0"/>
+              <a:t>10G</a:t>
+            </a:r>
+            <a:r>
+              <a:rPr lang="zh-CN" altLang="en-US" sz="1600" b="0" kern="0" dirty="0" smtClean="0"/>
+              <a:t>内）</a:t>
+            </a:r>
+            <a:endParaRPr lang="zh-CN" altLang="en-US" sz="1600" b="0" kern="0" dirty="0"/>
+          </a:p>
+        </p:txBody>
+      </p:sp>
+    </p:spTree>
+    <p:extLst>
+      <p:ext uri="{BB962C8B-B14F-4D97-AF65-F5344CB8AC3E}">
+        <p14:creationId xmlns:p14="http://schemas.microsoft.com/office/powerpoint/2010/main" val="830758439"/>
+      </p:ext>
+    </p:extLst>
+  </p:cSld>
+  <p:clrMapOvr>
+    <a:masterClrMapping/>
+  </p:clrMapOvr>
+  <p:transition spd="med">
+    <p:wipe dir="r"/>
+  </p:transition>
+  <p:timing>
+    <p:tnLst>
+      <p:par>
+        <p:cTn id="1" dur="indefinite" restart="never" nodeType="tmRoot"/>
+      </p:par>
+    </p:tnLst>
+  </p:timing>
+</p:sld>
+</file>
+
+<file path=ppt/slides/slide22.xml><?xml version="1.0" encoding="utf-8"?>
+<p:sld xmlns:a="http://schemas.openxmlformats.org/drawingml/2006/main" xmlns:r="http://schemas.openxmlformats.org/officeDocument/2006/relationships" xmlns:p="http://schemas.openxmlformats.org/presentationml/2006/main">
+  <p:cSld>
+    <p:spTree>
+      <p:nvGrpSpPr>
+        <p:cNvPr id="1" name=""/>
+        <p:cNvGrpSpPr/>
+        <p:nvPr/>
+      </p:nvGrpSpPr>
+      <p:grpSpPr>
+        <a:xfrm>
+          <a:off x="0" y="0"/>
+          <a:ext cx="0" cy="0"/>
+          <a:chOff x="0" y="0"/>
+          <a:chExt cx="0" cy="0"/>
+        </a:xfrm>
+      </p:grpSpPr>
+      <p:sp>
+        <p:nvSpPr>
+          <p:cNvPr id="10" name="灯片编号占位符 9"/>
+          <p:cNvSpPr>
+            <a:spLocks noGrp="1"/>
+          </p:cNvSpPr>
+          <p:nvPr>
+            <p:ph type="sldNum" sz="quarter" idx="12"/>
+          </p:nvPr>
+        </p:nvSpPr>
+        <p:spPr/>
+        <p:txBody>
+          <a:bodyPr/>
+          <a:lstStyle/>
+          <a:p>
+            <a:fld id="{86F0E3FA-EBE8-4184-B68E-FC61E6CBEA65}" type="slidenum">
+              <a:rPr lang="zh-CN" altLang="en-US" smtClean="0">
+                <a:solidFill>
+                  <a:prstClr val="black"/>
+                </a:solidFill>
+                <a:latin typeface="微软雅黑" panose="020B0503020204020204" pitchFamily="34" charset="-122"/>
+                <a:ea typeface="微软雅黑" panose="020B0503020204020204" pitchFamily="34" charset="-122"/>
+              </a:rPr>
+              <a:pPr/>
+              <a:t>22</a:t>
+            </a:fld>
+            <a:endParaRPr lang="zh-CN" altLang="en-US" dirty="0">
+              <a:solidFill>
+                <a:prstClr val="black"/>
+              </a:solidFill>
+              <a:latin typeface="微软雅黑" panose="020B0503020204020204" pitchFamily="34" charset="-122"/>
+              <a:ea typeface="微软雅黑" panose="020B0503020204020204" pitchFamily="34" charset="-122"/>
+            </a:endParaRPr>
+          </a:p>
+        </p:txBody>
+      </p:sp>
+      <p:sp>
+        <p:nvSpPr>
+          <p:cNvPr id="25" name="矩形 24"/>
+          <p:cNvSpPr/>
+          <p:nvPr/>
+        </p:nvSpPr>
+        <p:spPr>
+          <a:xfrm>
+            <a:off x="35496" y="212957"/>
+            <a:ext cx="1271464" cy="504056"/>
+          </a:xfrm>
+          <a:prstGeom prst="rect">
+            <a:avLst/>
+          </a:prstGeom>
+          <a:solidFill>
+            <a:schemeClr val="accent4"/>
+          </a:solidFill>
+          <a:ln>
+            <a:noFill/>
+          </a:ln>
+        </p:spPr>
+        <p:style>
+          <a:lnRef idx="2">
+            <a:schemeClr val="accent1">
+              <a:shade val="50000"/>
+            </a:schemeClr>
+          </a:lnRef>
+          <a:fillRef idx="1">
+            <a:schemeClr val="accent1"/>
+          </a:fillRef>
+          <a:effectRef idx="0">
+            <a:schemeClr val="accent1"/>
+          </a:effectRef>
+          <a:fontRef idx="minor">
+            <a:schemeClr val="lt1"/>
+          </a:fontRef>
+        </p:style>
+        <p:txBody>
+          <a:bodyPr rtlCol="0" anchor="ctr"/>
+          <a:lstStyle/>
+          <a:p>
+            <a:pPr algn="ctr"/>
+            <a:endParaRPr lang="zh-CN" altLang="en-US" dirty="0">
+              <a:latin typeface="微软雅黑" panose="020B0503020204020204" pitchFamily="34" charset="-122"/>
+              <a:ea typeface="微软雅黑" panose="020B0503020204020204" pitchFamily="34" charset="-122"/>
+            </a:endParaRPr>
+          </a:p>
+        </p:txBody>
+      </p:sp>
+      <p:sp>
+        <p:nvSpPr>
+          <p:cNvPr id="26" name="矩形 25"/>
+          <p:cNvSpPr/>
+          <p:nvPr/>
+        </p:nvSpPr>
+        <p:spPr>
+          <a:xfrm>
+            <a:off x="1378968" y="212957"/>
+            <a:ext cx="72008" cy="504056"/>
+          </a:xfrm>
+          <a:prstGeom prst="rect">
+            <a:avLst/>
+          </a:prstGeom>
+          <a:solidFill>
+            <a:schemeClr val="accent4"/>
+          </a:solidFill>
+          <a:ln>
+            <a:noFill/>
+          </a:ln>
+        </p:spPr>
+        <p:style>
+          <a:lnRef idx="2">
+            <a:schemeClr val="accent1">
+              <a:shade val="50000"/>
+            </a:schemeClr>
+          </a:lnRef>
+          <a:fillRef idx="1">
+            <a:schemeClr val="accent1"/>
+          </a:fillRef>
+          <a:effectRef idx="0">
+            <a:schemeClr val="accent1"/>
+          </a:effectRef>
+          <a:fontRef idx="minor">
+            <a:schemeClr val="lt1"/>
+          </a:fontRef>
+        </p:style>
+        <p:txBody>
+          <a:bodyPr rtlCol="0" anchor="ctr"/>
+          <a:lstStyle/>
+          <a:p>
+            <a:pPr algn="ctr"/>
+            <a:endParaRPr lang="zh-CN" altLang="en-US" dirty="0">
+              <a:latin typeface="微软雅黑" panose="020B0503020204020204" pitchFamily="34" charset="-122"/>
+              <a:ea typeface="微软雅黑" panose="020B0503020204020204" pitchFamily="34" charset="-122"/>
+            </a:endParaRPr>
+          </a:p>
+        </p:txBody>
+      </p:sp>
+      <p:sp>
+        <p:nvSpPr>
+          <p:cNvPr id="31" name="矩形 30"/>
+          <p:cNvSpPr/>
+          <p:nvPr/>
+        </p:nvSpPr>
+        <p:spPr>
+          <a:xfrm>
+            <a:off x="1516292" y="416607"/>
+            <a:ext cx="78700" cy="300406"/>
+          </a:xfrm>
+          <a:prstGeom prst="rect">
+            <a:avLst/>
+          </a:prstGeom>
+          <a:solidFill>
+            <a:schemeClr val="accent4"/>
+          </a:solidFill>
+          <a:ln>
+            <a:noFill/>
+          </a:ln>
+        </p:spPr>
+        <p:style>
+          <a:lnRef idx="2">
+            <a:schemeClr val="accent1">
+              <a:shade val="50000"/>
+            </a:schemeClr>
+          </a:lnRef>
+          <a:fillRef idx="1">
+            <a:schemeClr val="accent1"/>
+          </a:fillRef>
+          <a:effectRef idx="0">
+            <a:schemeClr val="accent1"/>
+          </a:effectRef>
+          <a:fontRef idx="minor">
+            <a:schemeClr val="lt1"/>
+          </a:fontRef>
+        </p:style>
+        <p:txBody>
+          <a:bodyPr rtlCol="0" anchor="ctr"/>
+          <a:lstStyle/>
+          <a:p>
+            <a:pPr algn="ctr"/>
+            <a:endParaRPr lang="zh-CN" altLang="en-US" dirty="0">
+              <a:latin typeface="微软雅黑" panose="020B0503020204020204" pitchFamily="34" charset="-122"/>
+              <a:ea typeface="微软雅黑" panose="020B0503020204020204" pitchFamily="34" charset="-122"/>
+            </a:endParaRPr>
+          </a:p>
+        </p:txBody>
+      </p:sp>
+      <p:sp>
+        <p:nvSpPr>
+          <p:cNvPr id="32" name="文本框 31"/>
+          <p:cNvSpPr txBox="1"/>
+          <p:nvPr/>
+        </p:nvSpPr>
+        <p:spPr>
+          <a:xfrm>
+            <a:off x="1619672" y="246048"/>
+            <a:ext cx="4032448" cy="523220"/>
+          </a:xfrm>
+          <a:prstGeom prst="rect">
+            <a:avLst/>
+          </a:prstGeom>
+          <a:noFill/>
+        </p:spPr>
+        <p:txBody>
+          <a:bodyPr wrap="square" rtlCol="0">
+            <a:spAutoFit/>
+          </a:bodyPr>
+          <a:lstStyle/>
+          <a:p>
+            <a:r>
+              <a:rPr lang="en-US" altLang="zh-CN" sz="2800" dirty="0" err="1" smtClean="0">
+                <a:solidFill>
+                  <a:schemeClr val="accent4"/>
+                </a:solidFill>
+                <a:latin typeface="微软雅黑" panose="020B0503020204020204" pitchFamily="34" charset="-122"/>
+                <a:ea typeface="微软雅黑" panose="020B0503020204020204" pitchFamily="34" charset="-122"/>
+              </a:rPr>
+              <a:t>Git</a:t>
+            </a:r>
+            <a:r>
+              <a:rPr lang="zh-CN" altLang="en-US" sz="2800" dirty="0" smtClean="0">
+                <a:solidFill>
+                  <a:schemeClr val="accent4"/>
+                </a:solidFill>
+                <a:latin typeface="微软雅黑" panose="020B0503020204020204" pitchFamily="34" charset="-122"/>
+                <a:ea typeface="微软雅黑" panose="020B0503020204020204" pitchFamily="34" charset="-122"/>
+              </a:rPr>
+              <a:t>与</a:t>
+            </a:r>
+            <a:r>
+              <a:rPr lang="en-US" altLang="zh-CN" sz="2800" dirty="0" smtClean="0">
+                <a:solidFill>
+                  <a:schemeClr val="accent4"/>
+                </a:solidFill>
+                <a:latin typeface="微软雅黑" panose="020B0503020204020204" pitchFamily="34" charset="-122"/>
+                <a:ea typeface="微软雅黑" panose="020B0503020204020204" pitchFamily="34" charset="-122"/>
+              </a:rPr>
+              <a:t>SVN</a:t>
+            </a:r>
+            <a:endParaRPr lang="zh-CN" altLang="en-US" sz="2800" dirty="0">
+              <a:solidFill>
+                <a:schemeClr val="accent4"/>
+              </a:solidFill>
+              <a:latin typeface="微软雅黑" panose="020B0503020204020204" pitchFamily="34" charset="-122"/>
+              <a:ea typeface="微软雅黑" panose="020B0503020204020204" pitchFamily="34" charset="-122"/>
+            </a:endParaRPr>
+          </a:p>
+        </p:txBody>
+      </p:sp>
+      <p:sp>
+        <p:nvSpPr>
+          <p:cNvPr id="8" name="内容占位符 2"/>
+          <p:cNvSpPr txBox="1">
+            <a:spLocks/>
+          </p:cNvSpPr>
+          <p:nvPr/>
+        </p:nvSpPr>
+        <p:spPr bwMode="auto">
+          <a:xfrm>
+            <a:off x="464476" y="791264"/>
+            <a:ext cx="8234363" cy="2634561"/>
+          </a:xfrm>
+          <a:prstGeom prst="rect">
+            <a:avLst/>
+          </a:prstGeom>
+          <a:noFill/>
+          <a:ln w="9525">
+            <a:noFill/>
+            <a:miter lim="800000"/>
+          </a:ln>
+        </p:spPr>
+        <p:txBody>
+          <a:bodyPr vert="horz" wrap="square" lIns="79242" tIns="39621" rIns="79242" bIns="39621" numCol="1" anchor="t" anchorCtr="0" compatLnSpc="1">
+            <a:spAutoFit/>
+          </a:bodyPr>
+          <a:lstStyle>
+            <a:lvl1pPr marL="323212" indent="-323212" algn="l" rtl="0" eaLnBrk="1" fontAlgn="base" hangingPunct="1">
+              <a:spcBef>
+                <a:spcPct val="20000"/>
+              </a:spcBef>
+              <a:spcAft>
+                <a:spcPct val="0"/>
+              </a:spcAft>
+              <a:buChar char="•"/>
+              <a:defRPr sz="1700">
+                <a:solidFill>
+                  <a:schemeClr val="tx1"/>
+                </a:solidFill>
+                <a:latin typeface="微软雅黑" panose="020B0503020204020204" pitchFamily="34" charset="-122"/>
+                <a:ea typeface="微软雅黑" panose="020B0503020204020204" pitchFamily="34" charset="-122"/>
+                <a:cs typeface="+mn-cs"/>
+              </a:defRPr>
+            </a:lvl1pPr>
+            <a:lvl2pPr marL="699763" indent="-269238" algn="l" rtl="0" eaLnBrk="1" fontAlgn="base" hangingPunct="1">
+              <a:spcBef>
+                <a:spcPct val="20000"/>
+              </a:spcBef>
+              <a:spcAft>
+                <a:spcPct val="0"/>
+              </a:spcAft>
+              <a:buChar char="–"/>
+              <a:defRPr sz="1500">
+                <a:solidFill>
+                  <a:schemeClr val="tx1"/>
+                </a:solidFill>
+                <a:latin typeface="微软雅黑" panose="020B0503020204020204" pitchFamily="34" charset="-122"/>
+                <a:ea typeface="微软雅黑" panose="020B0503020204020204" pitchFamily="34" charset="-122"/>
+              </a:defRPr>
+            </a:lvl2pPr>
+            <a:lvl3pPr marL="1076949" indent="-215263" algn="l" rtl="0" eaLnBrk="1" fontAlgn="base" hangingPunct="1">
+              <a:spcBef>
+                <a:spcPct val="20000"/>
+              </a:spcBef>
+              <a:spcAft>
+                <a:spcPct val="0"/>
+              </a:spcAft>
+              <a:buChar char="•"/>
+              <a:defRPr sz="1500">
+                <a:solidFill>
+                  <a:schemeClr val="tx1"/>
+                </a:solidFill>
+                <a:latin typeface="微软雅黑" panose="020B0503020204020204" pitchFamily="34" charset="-122"/>
+                <a:ea typeface="微软雅黑" panose="020B0503020204020204" pitchFamily="34" charset="-122"/>
+              </a:defRPr>
+            </a:lvl3pPr>
+            <a:lvl4pPr marL="1507475" indent="-215263" algn="l" rtl="0" eaLnBrk="1" fontAlgn="base" hangingPunct="1">
+              <a:spcBef>
+                <a:spcPct val="20000"/>
+              </a:spcBef>
+              <a:spcAft>
+                <a:spcPct val="0"/>
+              </a:spcAft>
+              <a:buChar char="–"/>
+              <a:defRPr sz="1500">
+                <a:solidFill>
+                  <a:schemeClr val="tx1"/>
+                </a:solidFill>
+                <a:latin typeface="微软雅黑" panose="020B0503020204020204" pitchFamily="34" charset="-122"/>
+                <a:ea typeface="微软雅黑" panose="020B0503020204020204" pitchFamily="34" charset="-122"/>
+              </a:defRPr>
+            </a:lvl4pPr>
+            <a:lvl5pPr marL="1938001" indent="-215263" algn="l" rtl="0" eaLnBrk="1" fontAlgn="base" hangingPunct="1">
+              <a:spcBef>
+                <a:spcPct val="20000"/>
+              </a:spcBef>
+              <a:spcAft>
+                <a:spcPct val="0"/>
+              </a:spcAft>
+              <a:buChar char="»"/>
+              <a:defRPr sz="1500">
+                <a:solidFill>
+                  <a:schemeClr val="tx1"/>
+                </a:solidFill>
+                <a:latin typeface="微软雅黑" panose="020B0503020204020204" pitchFamily="34" charset="-122"/>
+                <a:ea typeface="微软雅黑" panose="020B0503020204020204" pitchFamily="34" charset="-122"/>
+              </a:defRPr>
+            </a:lvl5pPr>
+            <a:lvl6pPr marL="2368526" indent="-215263" algn="l" rtl="0" eaLnBrk="1" fontAlgn="base" hangingPunct="1">
+              <a:spcBef>
+                <a:spcPct val="20000"/>
+              </a:spcBef>
+              <a:spcAft>
+                <a:spcPct val="0"/>
+              </a:spcAft>
+              <a:buChar char="»"/>
+              <a:defRPr sz="1900">
+                <a:solidFill>
+                  <a:schemeClr val="tx1"/>
+                </a:solidFill>
+                <a:latin typeface="+mn-lt"/>
+                <a:ea typeface="+mn-ea"/>
+              </a:defRPr>
+            </a:lvl6pPr>
+            <a:lvl7pPr marL="2799687" indent="-215263" algn="l" rtl="0" eaLnBrk="1" fontAlgn="base" hangingPunct="1">
+              <a:spcBef>
+                <a:spcPct val="20000"/>
+              </a:spcBef>
+              <a:spcAft>
+                <a:spcPct val="0"/>
+              </a:spcAft>
+              <a:buChar char="»"/>
+              <a:defRPr sz="1900">
+                <a:solidFill>
+                  <a:schemeClr val="tx1"/>
+                </a:solidFill>
+                <a:latin typeface="+mn-lt"/>
+                <a:ea typeface="+mn-ea"/>
+              </a:defRPr>
+            </a:lvl7pPr>
+            <a:lvl8pPr marL="3230213" indent="-215263" algn="l" rtl="0" eaLnBrk="1" fontAlgn="base" hangingPunct="1">
+              <a:spcBef>
+                <a:spcPct val="20000"/>
+              </a:spcBef>
+              <a:spcAft>
+                <a:spcPct val="0"/>
+              </a:spcAft>
+              <a:buChar char="»"/>
+              <a:defRPr sz="1900">
+                <a:solidFill>
+                  <a:schemeClr val="tx1"/>
+                </a:solidFill>
+                <a:latin typeface="+mn-lt"/>
+                <a:ea typeface="+mn-ea"/>
+              </a:defRPr>
+            </a:lvl8pPr>
+            <a:lvl9pPr marL="3660738" indent="-215263" algn="l" rtl="0" eaLnBrk="1" fontAlgn="base" hangingPunct="1">
+              <a:spcBef>
+                <a:spcPct val="20000"/>
+              </a:spcBef>
+              <a:spcAft>
+                <a:spcPct val="0"/>
+              </a:spcAft>
+              <a:buChar char="»"/>
+              <a:defRPr sz="1900">
+                <a:solidFill>
+                  <a:schemeClr val="tx1"/>
+                </a:solidFill>
+                <a:latin typeface="+mn-lt"/>
+                <a:ea typeface="+mn-ea"/>
+              </a:defRPr>
+            </a:lvl9pPr>
+          </a:lstStyle>
+          <a:p>
+            <a:pPr marL="0" indent="0">
+              <a:lnSpc>
+                <a:spcPct val="150000"/>
+              </a:lnSpc>
+              <a:buNone/>
+            </a:pPr>
+            <a:r>
+              <a:rPr lang="en-US" altLang="zh-CN" sz="2000" kern="0" dirty="0" smtClean="0"/>
+              <a:t>SVN</a:t>
+            </a:r>
+            <a:r>
+              <a:rPr lang="zh-CN" altLang="en-US" sz="2000" kern="0" dirty="0" smtClean="0"/>
+              <a:t>的适用场景</a:t>
+            </a:r>
+            <a:r>
+              <a:rPr lang="zh-CN" altLang="en-US" sz="2000" kern="0" dirty="0" smtClean="0"/>
+              <a:t>：</a:t>
+            </a:r>
+          </a:p>
+          <a:p>
+            <a:pPr marL="0" indent="0">
+              <a:lnSpc>
+                <a:spcPct val="150000"/>
+              </a:lnSpc>
+              <a:buNone/>
+            </a:pPr>
+            <a:r>
+              <a:rPr lang="zh-CN" altLang="en-US" sz="1600" b="0" dirty="0" smtClean="0"/>
+              <a:t>适合人数不多的项目开发，低频提交，中央服务器压力较小</a:t>
+            </a:r>
+          </a:p>
+          <a:p>
+            <a:pPr marL="0" indent="0">
+              <a:lnSpc>
+                <a:spcPct val="150000"/>
+              </a:lnSpc>
+              <a:buNone/>
+            </a:pPr>
+            <a:r>
+              <a:rPr lang="zh-CN" altLang="en-US" sz="1600" b="0" dirty="0" smtClean="0"/>
+              <a:t>项目对数据安全性要求更高，可按目录细分权限</a:t>
+            </a:r>
+            <a:endParaRPr lang="en-US" altLang="zh-CN" sz="1600" kern="0" dirty="0" smtClean="0"/>
+          </a:p>
+          <a:p>
+            <a:pPr marL="0" indent="0">
+              <a:lnSpc>
+                <a:spcPct val="150000"/>
+              </a:lnSpc>
+              <a:buNone/>
+            </a:pPr>
+            <a:r>
+              <a:rPr lang="zh-CN" altLang="en-US" sz="1600" b="0" dirty="0" smtClean="0"/>
+              <a:t>更平民化，</a:t>
+            </a:r>
+            <a:r>
+              <a:rPr lang="en-US" altLang="zh-CN" sz="1600" b="0" dirty="0" smtClean="0"/>
+              <a:t>SVN</a:t>
+            </a:r>
+            <a:r>
+              <a:rPr lang="zh-CN" altLang="en-US" sz="1600" b="0" dirty="0" smtClean="0"/>
+              <a:t>的设计逻辑更符合一般人的思维习惯</a:t>
+            </a:r>
+          </a:p>
+          <a:p>
+            <a:pPr marL="0" indent="0">
+              <a:lnSpc>
+                <a:spcPct val="150000"/>
+              </a:lnSpc>
+              <a:buNone/>
+            </a:pPr>
+            <a:r>
+              <a:rPr lang="zh-CN" altLang="en-US" sz="1600" b="0" dirty="0" smtClean="0"/>
+              <a:t>版本库较大时，按目录或文件检出和提交更方便</a:t>
+            </a:r>
+          </a:p>
+          <a:p>
+            <a:pPr marL="0" indent="0">
+              <a:lnSpc>
+                <a:spcPct val="150000"/>
+              </a:lnSpc>
+              <a:buNone/>
+            </a:pPr>
+            <a:r>
+              <a:rPr lang="zh-CN" altLang="en-US" sz="1600" b="0" dirty="0" smtClean="0"/>
+              <a:t>数据量巨大（</a:t>
+            </a:r>
+            <a:r>
+              <a:rPr lang="en-US" altLang="zh-CN" sz="1600" b="0" dirty="0" smtClean="0"/>
+              <a:t>10</a:t>
+            </a:r>
+            <a:r>
+              <a:rPr lang="en-US" altLang="zh-CN" sz="1600" b="0" dirty="0" smtClean="0"/>
+              <a:t>G</a:t>
+            </a:r>
+            <a:r>
+              <a:rPr lang="zh-CN" altLang="en-US" sz="1600" b="0" dirty="0" smtClean="0"/>
+              <a:t>以上</a:t>
+            </a:r>
+            <a:r>
+              <a:rPr lang="zh-CN" altLang="en-US" sz="1600" b="0" dirty="0" smtClean="0"/>
+              <a:t>），内容大多数是较大的二进制文件，例如图片视频，更适用</a:t>
+            </a:r>
+            <a:r>
+              <a:rPr lang="en-US" altLang="zh-CN" sz="1600" b="0" dirty="0" err="1" smtClean="0"/>
+              <a:t>svn</a:t>
+            </a:r>
+            <a:endParaRPr lang="en-US" altLang="zh-CN" sz="1600" b="0" dirty="0" smtClean="0"/>
+          </a:p>
+        </p:txBody>
+      </p:sp>
+      <p:sp>
+        <p:nvSpPr>
+          <p:cNvPr id="2" name="文本框 1"/>
+          <p:cNvSpPr txBox="1"/>
+          <p:nvPr/>
+        </p:nvSpPr>
+        <p:spPr>
+          <a:xfrm>
+            <a:off x="464476" y="4081636"/>
+            <a:ext cx="5752216" cy="1323439"/>
+          </a:xfrm>
+          <a:prstGeom prst="rect">
+            <a:avLst/>
+          </a:prstGeom>
+          <a:noFill/>
+        </p:spPr>
+        <p:txBody>
+          <a:bodyPr wrap="none" rtlCol="0">
+            <a:spAutoFit/>
+          </a:bodyPr>
+          <a:lstStyle/>
+          <a:p>
+            <a:r>
+              <a:rPr kumimoji="1" lang="zh-CN" altLang="en-US" b="0" dirty="0" smtClean="0">
+                <a:solidFill>
+                  <a:schemeClr val="tx1"/>
+                </a:solidFill>
+                <a:latin typeface="Microsoft YaHei" charset="0"/>
+                <a:ea typeface="Microsoft YaHei" charset="0"/>
+                <a:cs typeface="Microsoft YaHei" charset="0"/>
+              </a:rPr>
+              <a:t>参考链接：</a:t>
+            </a:r>
+            <a:endParaRPr kumimoji="1" lang="zh-CN" altLang="en-US" b="0" dirty="0" smtClean="0">
+              <a:solidFill>
+                <a:schemeClr val="tx1"/>
+              </a:solidFill>
+              <a:latin typeface="Microsoft YaHei" charset="0"/>
+              <a:ea typeface="Microsoft YaHei" charset="0"/>
+              <a:cs typeface="Microsoft YaHei" charset="0"/>
+            </a:endParaRPr>
+          </a:p>
+          <a:p>
+            <a:r>
+              <a:rPr kumimoji="1" lang="en-US" altLang="zh-CN" b="0" dirty="0" smtClean="0">
+                <a:solidFill>
+                  <a:schemeClr val="tx1"/>
+                </a:solidFill>
+                <a:latin typeface="Microsoft YaHei" charset="0"/>
+                <a:ea typeface="Microsoft YaHei" charset="0"/>
+                <a:cs typeface="Microsoft YaHei" charset="0"/>
+                <a:hlinkClick r:id="rId3"/>
+              </a:rPr>
+              <a:t>https</a:t>
+            </a:r>
+            <a:r>
+              <a:rPr kumimoji="1" lang="en-US" altLang="zh-CN" b="0" dirty="0">
+                <a:solidFill>
+                  <a:schemeClr val="tx1"/>
+                </a:solidFill>
+                <a:latin typeface="Microsoft YaHei" charset="0"/>
+                <a:ea typeface="Microsoft YaHei" charset="0"/>
+                <a:cs typeface="Microsoft YaHei" charset="0"/>
+                <a:hlinkClick r:id="rId3"/>
+              </a:rPr>
+              <a:t>://</a:t>
+            </a:r>
+            <a:r>
+              <a:rPr kumimoji="1" lang="en-US" altLang="zh-CN" b="0" dirty="0" smtClean="0">
+                <a:solidFill>
+                  <a:schemeClr val="tx1"/>
+                </a:solidFill>
+                <a:latin typeface="Microsoft YaHei" charset="0"/>
+                <a:ea typeface="Microsoft YaHei" charset="0"/>
+                <a:cs typeface="Microsoft YaHei" charset="0"/>
+                <a:hlinkClick r:id="rId3"/>
+              </a:rPr>
+              <a:t>www.cnblogs.com/Sungeek/p/9152223.html#sg2</a:t>
+            </a:r>
+            <a:endParaRPr kumimoji="1" lang="zh-CN" altLang="en-US" b="0" dirty="0" smtClean="0">
+              <a:solidFill>
+                <a:schemeClr val="tx1"/>
+              </a:solidFill>
+              <a:latin typeface="Microsoft YaHei" charset="0"/>
+              <a:ea typeface="Microsoft YaHei" charset="0"/>
+              <a:cs typeface="Microsoft YaHei" charset="0"/>
+            </a:endParaRPr>
+          </a:p>
+          <a:p>
+            <a:r>
+              <a:rPr kumimoji="1" lang="en-US" altLang="zh-CN" b="0" dirty="0">
+                <a:solidFill>
+                  <a:schemeClr val="tx1"/>
+                </a:solidFill>
+                <a:latin typeface="Microsoft YaHei" charset="0"/>
+                <a:ea typeface="Microsoft YaHei" charset="0"/>
+                <a:cs typeface="Microsoft YaHei" charset="0"/>
+                <a:hlinkClick r:id="rId4"/>
+              </a:rPr>
+              <a:t>https://</a:t>
+            </a:r>
+            <a:r>
+              <a:rPr kumimoji="1" lang="en-US" altLang="zh-CN" b="0" dirty="0" smtClean="0">
+                <a:solidFill>
+                  <a:schemeClr val="tx1"/>
+                </a:solidFill>
+                <a:latin typeface="Microsoft YaHei" charset="0"/>
+                <a:ea typeface="Microsoft YaHei" charset="0"/>
+                <a:cs typeface="Microsoft YaHei" charset="0"/>
+                <a:hlinkClick r:id="rId4"/>
+              </a:rPr>
+              <a:t>www.v2ex.com/amp/t/432187/2</a:t>
+            </a:r>
+            <a:endParaRPr kumimoji="1" lang="zh-CN" altLang="en-US" b="0" dirty="0" smtClean="0">
+              <a:solidFill>
+                <a:schemeClr val="tx1"/>
+              </a:solidFill>
+              <a:latin typeface="Microsoft YaHei" charset="0"/>
+              <a:ea typeface="Microsoft YaHei" charset="0"/>
+              <a:cs typeface="Microsoft YaHei" charset="0"/>
+            </a:endParaRPr>
+          </a:p>
+          <a:p>
+            <a:r>
+              <a:rPr kumimoji="1" lang="en-US" altLang="zh-CN" b="0" dirty="0">
+                <a:solidFill>
+                  <a:schemeClr val="tx1"/>
+                </a:solidFill>
+                <a:latin typeface="Microsoft YaHei" charset="0"/>
+                <a:ea typeface="Microsoft YaHei" charset="0"/>
+                <a:cs typeface="Microsoft YaHei" charset="0"/>
+                <a:hlinkClick r:id="rId5"/>
+              </a:rPr>
+              <a:t>https://</a:t>
+            </a:r>
+            <a:r>
+              <a:rPr kumimoji="1" lang="en-US" altLang="zh-CN" b="0" dirty="0" smtClean="0">
+                <a:solidFill>
+                  <a:schemeClr val="tx1"/>
+                </a:solidFill>
+                <a:latin typeface="Microsoft YaHei" charset="0"/>
+                <a:ea typeface="Microsoft YaHei" charset="0"/>
+                <a:cs typeface="Microsoft YaHei" charset="0"/>
+                <a:hlinkClick r:id="rId5"/>
+              </a:rPr>
+              <a:t>www.cnblogs.com/kevingrace/p/5904595.html</a:t>
+            </a:r>
+            <a:endParaRPr kumimoji="1" lang="zh-CN" altLang="en-US" b="0" smtClean="0">
+              <a:solidFill>
+                <a:schemeClr val="tx1"/>
+              </a:solidFill>
+              <a:latin typeface="Microsoft YaHei" charset="0"/>
+              <a:ea typeface="Microsoft YaHei" charset="0"/>
+              <a:cs typeface="Microsoft YaHei" charset="0"/>
+            </a:endParaRPr>
+          </a:p>
+          <a:p>
+            <a:endParaRPr kumimoji="1" lang="zh-CN" altLang="en-US" b="0" dirty="0" smtClean="0">
+              <a:solidFill>
+                <a:schemeClr val="tx1"/>
+              </a:solidFill>
+              <a:latin typeface="Microsoft YaHei" charset="0"/>
+              <a:ea typeface="Microsoft YaHei" charset="0"/>
+              <a:cs typeface="Microsoft YaHei" charset="0"/>
+            </a:endParaRPr>
+          </a:p>
+        </p:txBody>
+      </p:sp>
+    </p:spTree>
+    <p:extLst>
+      <p:ext uri="{BB962C8B-B14F-4D97-AF65-F5344CB8AC3E}">
+        <p14:creationId xmlns:p14="http://schemas.microsoft.com/office/powerpoint/2010/main" val="2229058914"/>
+      </p:ext>
+    </p:extLst>
+  </p:cSld>
+  <p:clrMapOvr>
+    <a:masterClrMapping/>
+  </p:clrMapOvr>
+  <p:transition spd="med">
+    <p:wipe dir="r"/>
+  </p:transition>
+  <p:timing>
+    <p:tnLst>
+      <p:par>
+        <p:cTn id="1" dur="indefinite" restart="never" nodeType="tmRoot"/>
+      </p:par>
+    </p:tnLst>
+  </p:timing>
+</p:sld>
+</file>
+
+<file path=ppt/slides/slide23.xml><?xml version="1.0" encoding="utf-8"?>
+<p:sld xmlns:a="http://schemas.openxmlformats.org/drawingml/2006/main" xmlns:r="http://schemas.openxmlformats.org/officeDocument/2006/relationships" xmlns:p="http://schemas.openxmlformats.org/presentationml/2006/main">
+  <p:cSld>
+    <p:spTree>
+      <p:nvGrpSpPr>
+        <p:cNvPr id="1" name=""/>
+        <p:cNvGrpSpPr/>
+        <p:nvPr/>
+      </p:nvGrpSpPr>
+      <p:grpSpPr>
+        <a:xfrm>
+          <a:off x="0" y="0"/>
+          <a:ext cx="0" cy="0"/>
+          <a:chOff x="0" y="0"/>
+          <a:chExt cx="0" cy="0"/>
+        </a:xfrm>
+      </p:grpSpPr>
+      <p:sp>
+        <p:nvSpPr>
+          <p:cNvPr id="80" name="任意多边形 79"/>
+          <p:cNvSpPr/>
+          <p:nvPr/>
+        </p:nvSpPr>
+        <p:spPr>
+          <a:xfrm>
+            <a:off x="0" y="769268"/>
+            <a:ext cx="4644008" cy="4608512"/>
+          </a:xfrm>
+          <a:custGeom>
+            <a:avLst/>
+            <a:gdLst>
+              <a:gd name="connsiteX0" fmla="*/ 0 w 2376264"/>
+              <a:gd name="connsiteY0" fmla="*/ 0 h 2312630"/>
+              <a:gd name="connsiteX1" fmla="*/ 648073 w 2376264"/>
+              <a:gd name="connsiteY1" fmla="*/ 0 h 2312630"/>
+              <a:gd name="connsiteX2" fmla="*/ 2376264 w 2376264"/>
+              <a:gd name="connsiteY2" fmla="*/ 2312629 h 2312630"/>
+              <a:gd name="connsiteX3" fmla="*/ 2376264 w 2376264"/>
+              <a:gd name="connsiteY3" fmla="*/ 2312630 h 2312630"/>
+              <a:gd name="connsiteX4" fmla="*/ 0 w 2376264"/>
+              <a:gd name="connsiteY4" fmla="*/ 2312630 h 2312630"/>
+            </a:gdLst>
+            <a:ahLst/>
+            <a:cxnLst>
+              <a:cxn ang="0">
+                <a:pos x="connsiteX0" y="connsiteY0"/>
+              </a:cxn>
+              <a:cxn ang="0">
+                <a:pos x="connsiteX1" y="connsiteY1"/>
+              </a:cxn>
+              <a:cxn ang="0">
+                <a:pos x="connsiteX2" y="connsiteY2"/>
+              </a:cxn>
+              <a:cxn ang="0">
+                <a:pos x="connsiteX3" y="connsiteY3"/>
+              </a:cxn>
+              <a:cxn ang="0">
+                <a:pos x="connsiteX4" y="connsiteY4"/>
+              </a:cxn>
+            </a:cxnLst>
+            <a:rect l="l" t="t" r="r" b="b"/>
+            <a:pathLst>
+              <a:path w="2376264" h="2312630">
+                <a:moveTo>
+                  <a:pt x="0" y="0"/>
+                </a:moveTo>
+                <a:lnTo>
+                  <a:pt x="648073" y="0"/>
+                </a:lnTo>
+                <a:lnTo>
+                  <a:pt x="2376264" y="2312629"/>
+                </a:lnTo>
+                <a:lnTo>
+                  <a:pt x="2376264" y="2312630"/>
+                </a:lnTo>
+                <a:lnTo>
+                  <a:pt x="0" y="2312630"/>
+                </a:lnTo>
+                <a:close/>
+              </a:path>
+            </a:pathLst>
+          </a:custGeom>
+          <a:solidFill>
+            <a:srgbClr val="F39D2B"/>
+          </a:solidFill>
+          <a:ln>
+            <a:noFill/>
+          </a:ln>
+          <a:effectLst/>
+        </p:spPr>
+        <p:style>
+          <a:lnRef idx="1">
+            <a:schemeClr val="accent1"/>
+          </a:lnRef>
+          <a:fillRef idx="2">
+            <a:schemeClr val="accent1"/>
+          </a:fillRef>
+          <a:effectRef idx="1">
+            <a:schemeClr val="accent1"/>
+          </a:effectRef>
+          <a:fontRef idx="minor">
+            <a:schemeClr val="dk1"/>
+          </a:fontRef>
+        </p:style>
+        <p:txBody>
+          <a:bodyPr rtlCol="0" anchor="ctr"/>
+          <a:lstStyle/>
+          <a:p>
+            <a:pPr algn="ctr"/>
+            <a:endParaRPr lang="zh-CN" altLang="en-US">
+              <a:latin typeface="微软雅黑" panose="020B0503020204020204" pitchFamily="34" charset="-122"/>
+              <a:ea typeface="微软雅黑" panose="020B0503020204020204" pitchFamily="34" charset="-122"/>
+            </a:endParaRPr>
+          </a:p>
+        </p:txBody>
+      </p:sp>
+      <p:sp>
+        <p:nvSpPr>
+          <p:cNvPr id="5" name="矩形 4"/>
+          <p:cNvSpPr/>
+          <p:nvPr/>
+        </p:nvSpPr>
+        <p:spPr>
+          <a:xfrm>
+            <a:off x="35496" y="212957"/>
+            <a:ext cx="1271464" cy="504056"/>
+          </a:xfrm>
+          <a:prstGeom prst="rect">
+            <a:avLst/>
+          </a:prstGeom>
+          <a:solidFill>
+            <a:schemeClr val="accent4"/>
+          </a:solidFill>
+          <a:ln>
+            <a:noFill/>
+          </a:ln>
+        </p:spPr>
+        <p:style>
+          <a:lnRef idx="2">
+            <a:schemeClr val="accent1">
+              <a:shade val="50000"/>
+            </a:schemeClr>
+          </a:lnRef>
+          <a:fillRef idx="1">
+            <a:schemeClr val="accent1"/>
+          </a:fillRef>
+          <a:effectRef idx="0">
+            <a:schemeClr val="accent1"/>
+          </a:effectRef>
+          <a:fontRef idx="minor">
+            <a:schemeClr val="lt1"/>
+          </a:fontRef>
+        </p:style>
+        <p:txBody>
+          <a:bodyPr rtlCol="0" anchor="ctr"/>
+          <a:lstStyle/>
+          <a:p>
+            <a:pPr algn="ctr"/>
+            <a:endParaRPr lang="zh-CN" altLang="en-US" dirty="0">
+              <a:latin typeface="微软雅黑" panose="020B0503020204020204" pitchFamily="34" charset="-122"/>
+              <a:ea typeface="微软雅黑" panose="020B0503020204020204" pitchFamily="34" charset="-122"/>
+            </a:endParaRPr>
+          </a:p>
+        </p:txBody>
+      </p:sp>
+      <p:sp>
+        <p:nvSpPr>
+          <p:cNvPr id="6" name="矩形 5"/>
+          <p:cNvSpPr/>
+          <p:nvPr/>
+        </p:nvSpPr>
+        <p:spPr>
+          <a:xfrm>
+            <a:off x="1378968" y="212957"/>
+            <a:ext cx="72008" cy="504056"/>
+          </a:xfrm>
+          <a:prstGeom prst="rect">
+            <a:avLst/>
+          </a:prstGeom>
+          <a:solidFill>
+            <a:schemeClr val="accent4"/>
+          </a:solidFill>
+          <a:ln>
+            <a:noFill/>
+          </a:ln>
+        </p:spPr>
+        <p:style>
+          <a:lnRef idx="2">
+            <a:schemeClr val="accent1">
+              <a:shade val="50000"/>
+            </a:schemeClr>
+          </a:lnRef>
+          <a:fillRef idx="1">
+            <a:schemeClr val="accent1"/>
+          </a:fillRef>
+          <a:effectRef idx="0">
+            <a:schemeClr val="accent1"/>
+          </a:effectRef>
+          <a:fontRef idx="minor">
+            <a:schemeClr val="lt1"/>
+          </a:fontRef>
+        </p:style>
+        <p:txBody>
+          <a:bodyPr rtlCol="0" anchor="ctr"/>
+          <a:lstStyle/>
+          <a:p>
+            <a:pPr algn="ctr"/>
+            <a:endParaRPr lang="zh-CN" altLang="en-US" dirty="0">
+              <a:latin typeface="微软雅黑" panose="020B0503020204020204" pitchFamily="34" charset="-122"/>
+              <a:ea typeface="微软雅黑" panose="020B0503020204020204" pitchFamily="34" charset="-122"/>
+            </a:endParaRPr>
+          </a:p>
+        </p:txBody>
+      </p:sp>
+      <p:sp>
+        <p:nvSpPr>
+          <p:cNvPr id="7" name="矩形 6"/>
+          <p:cNvSpPr/>
+          <p:nvPr/>
+        </p:nvSpPr>
+        <p:spPr>
+          <a:xfrm>
+            <a:off x="1516292" y="416607"/>
+            <a:ext cx="78700" cy="300406"/>
+          </a:xfrm>
+          <a:prstGeom prst="rect">
+            <a:avLst/>
+          </a:prstGeom>
+          <a:solidFill>
+            <a:schemeClr val="accent4"/>
+          </a:solidFill>
+          <a:ln>
+            <a:noFill/>
+          </a:ln>
+        </p:spPr>
+        <p:style>
+          <a:lnRef idx="2">
+            <a:schemeClr val="accent1">
+              <a:shade val="50000"/>
+            </a:schemeClr>
+          </a:lnRef>
+          <a:fillRef idx="1">
+            <a:schemeClr val="accent1"/>
+          </a:fillRef>
+          <a:effectRef idx="0">
+            <a:schemeClr val="accent1"/>
+          </a:effectRef>
+          <a:fontRef idx="minor">
+            <a:schemeClr val="lt1"/>
+          </a:fontRef>
+        </p:style>
+        <p:txBody>
+          <a:bodyPr rtlCol="0" anchor="ctr"/>
+          <a:lstStyle/>
+          <a:p>
+            <a:pPr algn="ctr"/>
+            <a:endParaRPr lang="zh-CN" altLang="en-US" dirty="0">
+              <a:latin typeface="微软雅黑" panose="020B0503020204020204" pitchFamily="34" charset="-122"/>
+              <a:ea typeface="微软雅黑" panose="020B0503020204020204" pitchFamily="34" charset="-122"/>
+            </a:endParaRPr>
+          </a:p>
+        </p:txBody>
+      </p:sp>
+      <p:sp>
+        <p:nvSpPr>
+          <p:cNvPr id="8" name="文本框 7"/>
+          <p:cNvSpPr txBox="1"/>
+          <p:nvPr/>
+        </p:nvSpPr>
+        <p:spPr>
+          <a:xfrm>
+            <a:off x="1619672" y="246048"/>
+            <a:ext cx="3672408" cy="523220"/>
+          </a:xfrm>
+          <a:prstGeom prst="rect">
+            <a:avLst/>
+          </a:prstGeom>
+          <a:noFill/>
+        </p:spPr>
+        <p:txBody>
+          <a:bodyPr wrap="square" rtlCol="0">
+            <a:spAutoFit/>
+          </a:bodyPr>
+          <a:lstStyle/>
+          <a:p>
+            <a:r>
+              <a:rPr lang="zh-CN" altLang="en-US" sz="2800" dirty="0">
+                <a:solidFill>
+                  <a:schemeClr val="accent4"/>
+                </a:solidFill>
+                <a:latin typeface="微软雅黑" panose="020B0503020204020204" pitchFamily="34" charset="-122"/>
+                <a:ea typeface="微软雅黑" panose="020B0503020204020204" pitchFamily="34" charset="-122"/>
+              </a:rPr>
+              <a:t>目录</a:t>
+            </a:r>
+          </a:p>
+        </p:txBody>
+      </p:sp>
+      <p:grpSp>
+        <p:nvGrpSpPr>
+          <p:cNvPr id="47" name="组合 46"/>
+          <p:cNvGrpSpPr/>
+          <p:nvPr/>
+        </p:nvGrpSpPr>
+        <p:grpSpPr>
+          <a:xfrm>
+            <a:off x="1259632" y="1057300"/>
+            <a:ext cx="828000" cy="828000"/>
+            <a:chOff x="1827149" y="1625954"/>
+            <a:chExt cx="828000" cy="828000"/>
+          </a:xfrm>
+        </p:grpSpPr>
+        <p:sp>
+          <p:nvSpPr>
+            <p:cNvPr id="48" name="椭圆 47"/>
+            <p:cNvSpPr>
+              <a:spLocks noChangeAspect="1"/>
+            </p:cNvSpPr>
+            <p:nvPr/>
+          </p:nvSpPr>
+          <p:spPr>
+            <a:xfrm>
+              <a:off x="1827149" y="1625954"/>
+              <a:ext cx="828000" cy="828000"/>
+            </a:xfrm>
+            <a:prstGeom prst="ellipse">
+              <a:avLst/>
+            </a:prstGeom>
+            <a:solidFill>
+              <a:schemeClr val="bg1"/>
+            </a:solidFill>
+            <a:ln w="38100">
+              <a:solidFill>
+                <a:schemeClr val="accent1"/>
+              </a:solidFill>
+            </a:ln>
+          </p:spPr>
+          <p:style>
+            <a:lnRef idx="2">
+              <a:schemeClr val="accent1">
+                <a:shade val="50000"/>
+              </a:schemeClr>
+            </a:lnRef>
+            <a:fillRef idx="1">
+              <a:schemeClr val="accent1"/>
+            </a:fillRef>
+            <a:effectRef idx="0">
+              <a:schemeClr val="accent1"/>
+            </a:effectRef>
+            <a:fontRef idx="minor">
+              <a:schemeClr val="lt1"/>
+            </a:fontRef>
+          </p:style>
+          <p:txBody>
+            <a:bodyPr rtlCol="0" anchor="ctr"/>
+            <a:lstStyle/>
+            <a:p>
+              <a:pPr algn="ctr"/>
+              <a:endParaRPr lang="zh-CN" altLang="en-US">
+                <a:latin typeface="微软雅黑" panose="020B0503020204020204" pitchFamily="34" charset="-122"/>
+                <a:ea typeface="微软雅黑" panose="020B0503020204020204" pitchFamily="34" charset="-122"/>
+              </a:endParaRPr>
+            </a:p>
+          </p:txBody>
+        </p:sp>
+        <p:sp>
+          <p:nvSpPr>
+            <p:cNvPr id="49" name="文本框 48"/>
+            <p:cNvSpPr txBox="1"/>
+            <p:nvPr/>
+          </p:nvSpPr>
+          <p:spPr>
+            <a:xfrm>
+              <a:off x="1904142" y="1782985"/>
+              <a:ext cx="674014" cy="523220"/>
+            </a:xfrm>
+            <a:prstGeom prst="rect">
+              <a:avLst/>
+            </a:prstGeom>
+            <a:noFill/>
+          </p:spPr>
+          <p:txBody>
+            <a:bodyPr wrap="square" rtlCol="0">
+              <a:spAutoFit/>
+            </a:bodyPr>
+            <a:lstStyle/>
+            <a:p>
+              <a:pPr algn="ctr"/>
+              <a:r>
+                <a:rPr lang="en-US" altLang="zh-CN" sz="2800" b="1" dirty="0" smtClean="0">
+                  <a:solidFill>
+                    <a:schemeClr val="tx1">
+                      <a:lumMod val="85000"/>
+                      <a:lumOff val="15000"/>
+                    </a:schemeClr>
+                  </a:solidFill>
+                  <a:latin typeface="微软雅黑" panose="020B0503020204020204" pitchFamily="34" charset="-122"/>
+                  <a:ea typeface="微软雅黑" panose="020B0503020204020204" pitchFamily="34" charset="-122"/>
+                </a:rPr>
+                <a:t>1</a:t>
+              </a:r>
+              <a:endParaRPr lang="zh-CN" altLang="en-US" sz="2800" b="1" dirty="0">
+                <a:solidFill>
+                  <a:schemeClr val="tx1">
+                    <a:lumMod val="85000"/>
+                    <a:lumOff val="15000"/>
+                  </a:schemeClr>
+                </a:solidFill>
+                <a:latin typeface="微软雅黑" panose="020B0503020204020204" pitchFamily="34" charset="-122"/>
+                <a:ea typeface="微软雅黑" panose="020B0503020204020204" pitchFamily="34" charset="-122"/>
+              </a:endParaRPr>
+            </a:p>
+          </p:txBody>
+        </p:sp>
+      </p:grpSp>
+      <p:grpSp>
+        <p:nvGrpSpPr>
+          <p:cNvPr id="50" name="组合 49"/>
+          <p:cNvGrpSpPr/>
+          <p:nvPr/>
+        </p:nvGrpSpPr>
+        <p:grpSpPr>
+          <a:xfrm>
+            <a:off x="1979712" y="2137420"/>
+            <a:ext cx="828000" cy="828000"/>
+            <a:chOff x="2405971" y="2838627"/>
+            <a:chExt cx="828000" cy="828000"/>
+          </a:xfrm>
+        </p:grpSpPr>
+        <p:sp>
+          <p:nvSpPr>
+            <p:cNvPr id="51" name="椭圆 50"/>
+            <p:cNvSpPr>
+              <a:spLocks noChangeAspect="1"/>
+            </p:cNvSpPr>
+            <p:nvPr/>
+          </p:nvSpPr>
+          <p:spPr>
+            <a:xfrm>
+              <a:off x="2405971" y="2838627"/>
+              <a:ext cx="828000" cy="828000"/>
+            </a:xfrm>
+            <a:prstGeom prst="ellipse">
+              <a:avLst/>
+            </a:prstGeom>
+            <a:solidFill>
+              <a:schemeClr val="bg1"/>
+            </a:solidFill>
+            <a:ln w="38100">
+              <a:solidFill>
+                <a:schemeClr val="accent1"/>
+              </a:solidFill>
+            </a:ln>
+          </p:spPr>
+          <p:style>
+            <a:lnRef idx="2">
+              <a:schemeClr val="accent1">
+                <a:shade val="50000"/>
+              </a:schemeClr>
+            </a:lnRef>
+            <a:fillRef idx="1">
+              <a:schemeClr val="accent1"/>
+            </a:fillRef>
+            <a:effectRef idx="0">
+              <a:schemeClr val="accent1"/>
+            </a:effectRef>
+            <a:fontRef idx="minor">
+              <a:schemeClr val="lt1"/>
+            </a:fontRef>
+          </p:style>
+          <p:txBody>
+            <a:bodyPr rtlCol="0" anchor="ctr"/>
+            <a:lstStyle/>
+            <a:p>
+              <a:pPr algn="ctr"/>
+              <a:endParaRPr lang="zh-CN" altLang="en-US">
+                <a:latin typeface="微软雅黑" panose="020B0503020204020204" pitchFamily="34" charset="-122"/>
+                <a:ea typeface="微软雅黑" panose="020B0503020204020204" pitchFamily="34" charset="-122"/>
+              </a:endParaRPr>
+            </a:p>
+          </p:txBody>
+        </p:sp>
+        <p:sp>
+          <p:nvSpPr>
+            <p:cNvPr id="52" name="文本框 51"/>
+            <p:cNvSpPr txBox="1"/>
+            <p:nvPr/>
+          </p:nvSpPr>
+          <p:spPr>
+            <a:xfrm>
+              <a:off x="2482964" y="2991017"/>
+              <a:ext cx="674014" cy="523220"/>
+            </a:xfrm>
+            <a:prstGeom prst="rect">
+              <a:avLst/>
+            </a:prstGeom>
+            <a:noFill/>
+          </p:spPr>
+          <p:txBody>
+            <a:bodyPr wrap="square" rtlCol="0">
+              <a:spAutoFit/>
+            </a:bodyPr>
+            <a:lstStyle/>
+            <a:p>
+              <a:pPr algn="ctr"/>
+              <a:r>
+                <a:rPr lang="en-US" altLang="zh-CN" sz="2800" b="1" dirty="0" smtClean="0">
+                  <a:solidFill>
+                    <a:schemeClr val="tx1">
+                      <a:lumMod val="85000"/>
+                      <a:lumOff val="15000"/>
+                    </a:schemeClr>
+                  </a:solidFill>
+                  <a:latin typeface="微软雅黑" panose="020B0503020204020204" pitchFamily="34" charset="-122"/>
+                  <a:ea typeface="微软雅黑" panose="020B0503020204020204" pitchFamily="34" charset="-122"/>
+                </a:rPr>
+                <a:t>2</a:t>
+              </a:r>
+              <a:endParaRPr lang="zh-CN" altLang="en-US" sz="2800" b="1" dirty="0">
+                <a:solidFill>
+                  <a:schemeClr val="tx1">
+                    <a:lumMod val="85000"/>
+                    <a:lumOff val="15000"/>
+                  </a:schemeClr>
+                </a:solidFill>
+                <a:latin typeface="微软雅黑" panose="020B0503020204020204" pitchFamily="34" charset="-122"/>
+                <a:ea typeface="微软雅黑" panose="020B0503020204020204" pitchFamily="34" charset="-122"/>
+              </a:endParaRPr>
+            </a:p>
+          </p:txBody>
+        </p:sp>
+      </p:grpSp>
+      <p:grpSp>
+        <p:nvGrpSpPr>
+          <p:cNvPr id="53" name="组合 52"/>
+          <p:cNvGrpSpPr/>
+          <p:nvPr/>
+        </p:nvGrpSpPr>
+        <p:grpSpPr>
+          <a:xfrm>
+            <a:off x="2774833" y="3217540"/>
+            <a:ext cx="828000" cy="828000"/>
+            <a:chOff x="2984793" y="4046659"/>
+            <a:chExt cx="828000" cy="828000"/>
+          </a:xfrm>
+        </p:grpSpPr>
+        <p:sp>
+          <p:nvSpPr>
+            <p:cNvPr id="54" name="椭圆 53"/>
+            <p:cNvSpPr>
+              <a:spLocks noChangeAspect="1"/>
+            </p:cNvSpPr>
+            <p:nvPr/>
+          </p:nvSpPr>
+          <p:spPr>
+            <a:xfrm>
+              <a:off x="2984793" y="4046659"/>
+              <a:ext cx="828000" cy="828000"/>
+            </a:xfrm>
+            <a:prstGeom prst="ellipse">
+              <a:avLst/>
+            </a:prstGeom>
+            <a:solidFill>
+              <a:schemeClr val="bg1"/>
+            </a:solidFill>
+            <a:ln w="38100">
+              <a:solidFill>
+                <a:schemeClr val="accent1"/>
+              </a:solidFill>
+            </a:ln>
+          </p:spPr>
+          <p:style>
+            <a:lnRef idx="2">
+              <a:schemeClr val="accent1">
+                <a:shade val="50000"/>
+              </a:schemeClr>
+            </a:lnRef>
+            <a:fillRef idx="1">
+              <a:schemeClr val="accent1"/>
+            </a:fillRef>
+            <a:effectRef idx="0">
+              <a:schemeClr val="accent1"/>
+            </a:effectRef>
+            <a:fontRef idx="minor">
+              <a:schemeClr val="lt1"/>
+            </a:fontRef>
+          </p:style>
+          <p:txBody>
+            <a:bodyPr rtlCol="0" anchor="ctr"/>
+            <a:lstStyle/>
+            <a:p>
+              <a:pPr algn="ctr"/>
+              <a:endParaRPr lang="zh-CN" altLang="en-US">
+                <a:latin typeface="微软雅黑" panose="020B0503020204020204" pitchFamily="34" charset="-122"/>
+                <a:ea typeface="微软雅黑" panose="020B0503020204020204" pitchFamily="34" charset="-122"/>
+              </a:endParaRPr>
+            </a:p>
+          </p:txBody>
+        </p:sp>
+        <p:sp>
+          <p:nvSpPr>
+            <p:cNvPr id="55" name="文本框 54"/>
+            <p:cNvSpPr txBox="1"/>
+            <p:nvPr/>
+          </p:nvSpPr>
+          <p:spPr>
+            <a:xfrm>
+              <a:off x="3061786" y="4199049"/>
+              <a:ext cx="674014" cy="523220"/>
+            </a:xfrm>
+            <a:prstGeom prst="rect">
+              <a:avLst/>
+            </a:prstGeom>
+            <a:noFill/>
+          </p:spPr>
+          <p:txBody>
+            <a:bodyPr wrap="square" rtlCol="0">
+              <a:spAutoFit/>
+            </a:bodyPr>
+            <a:lstStyle/>
+            <a:p>
+              <a:pPr algn="ctr"/>
+              <a:r>
+                <a:rPr lang="en-US" altLang="zh-CN" sz="2800" b="1" dirty="0" smtClean="0">
+                  <a:solidFill>
+                    <a:schemeClr val="tx1">
+                      <a:lumMod val="85000"/>
+                      <a:lumOff val="15000"/>
+                    </a:schemeClr>
+                  </a:solidFill>
+                  <a:latin typeface="微软雅黑" panose="020B0503020204020204" pitchFamily="34" charset="-122"/>
+                  <a:ea typeface="微软雅黑" panose="020B0503020204020204" pitchFamily="34" charset="-122"/>
+                </a:rPr>
+                <a:t>3</a:t>
+              </a:r>
+              <a:endParaRPr lang="zh-CN" altLang="en-US" sz="2800" b="1" dirty="0">
+                <a:solidFill>
+                  <a:schemeClr val="tx1">
+                    <a:lumMod val="85000"/>
+                    <a:lumOff val="15000"/>
+                  </a:schemeClr>
+                </a:solidFill>
+                <a:latin typeface="微软雅黑" panose="020B0503020204020204" pitchFamily="34" charset="-122"/>
+                <a:ea typeface="微软雅黑" panose="020B0503020204020204" pitchFamily="34" charset="-122"/>
+              </a:endParaRPr>
+            </a:p>
+          </p:txBody>
+        </p:sp>
+      </p:grpSp>
+      <p:sp>
+        <p:nvSpPr>
+          <p:cNvPr id="59" name="文本框 58"/>
+          <p:cNvSpPr txBox="1"/>
+          <p:nvPr/>
+        </p:nvSpPr>
+        <p:spPr>
+          <a:xfrm>
+            <a:off x="2456838" y="1258627"/>
+            <a:ext cx="5582946" cy="461665"/>
+          </a:xfrm>
+          <a:prstGeom prst="rect">
+            <a:avLst/>
+          </a:prstGeom>
+          <a:noFill/>
+        </p:spPr>
+        <p:txBody>
+          <a:bodyPr wrap="square" rtlCol="0">
+            <a:spAutoFit/>
+          </a:bodyPr>
+          <a:lstStyle>
+            <a:defPPr>
+              <a:defRPr lang="zh-CN"/>
+            </a:defPPr>
+            <a:lvl1pPr>
+              <a:defRPr sz="2400">
+                <a:solidFill>
+                  <a:schemeClr val="tx1">
+                    <a:lumMod val="85000"/>
+                    <a:lumOff val="15000"/>
+                  </a:schemeClr>
+                </a:solidFill>
+                <a:latin typeface="微软雅黑" panose="020B0503020204020204" pitchFamily="34" charset="-122"/>
+                <a:ea typeface="微软雅黑" panose="020B0503020204020204" pitchFamily="34" charset="-122"/>
+              </a:defRPr>
+            </a:lvl1pPr>
+          </a:lstStyle>
+          <a:p>
+            <a:r>
+              <a:rPr lang="en-US" altLang="zh-CN" dirty="0" err="1" smtClean="0">
+                <a:solidFill>
+                  <a:schemeClr val="tx1"/>
+                </a:solidFill>
+              </a:rPr>
+              <a:t>Git</a:t>
+            </a:r>
+            <a:r>
+              <a:rPr lang="zh-CN" altLang="en-US" dirty="0" smtClean="0">
+                <a:solidFill>
+                  <a:schemeClr val="tx1"/>
+                </a:solidFill>
+              </a:rPr>
+              <a:t>介绍</a:t>
+            </a:r>
+            <a:endParaRPr lang="da-DK" altLang="zh-CN" dirty="0">
+              <a:solidFill>
+                <a:schemeClr val="tx1"/>
+              </a:solidFill>
+            </a:endParaRPr>
+          </a:p>
+        </p:txBody>
+      </p:sp>
+      <p:sp>
+        <p:nvSpPr>
+          <p:cNvPr id="60" name="文本框 59"/>
+          <p:cNvSpPr txBox="1"/>
+          <p:nvPr/>
+        </p:nvSpPr>
+        <p:spPr>
+          <a:xfrm>
+            <a:off x="3963057" y="3326655"/>
+            <a:ext cx="5001431" cy="461665"/>
+          </a:xfrm>
+          <a:prstGeom prst="rect">
+            <a:avLst/>
+          </a:prstGeom>
+          <a:noFill/>
+        </p:spPr>
+        <p:txBody>
+          <a:bodyPr wrap="square" rtlCol="0">
+            <a:spAutoFit/>
+          </a:bodyPr>
+          <a:lstStyle/>
+          <a:p>
+            <a:r>
+              <a:rPr lang="en-US" altLang="zh-CN" sz="2400" dirty="0" err="1">
+                <a:solidFill>
+                  <a:schemeClr val="accent1"/>
+                </a:solidFill>
+                <a:latin typeface="微软雅黑" panose="020B0503020204020204" pitchFamily="34" charset="-122"/>
+                <a:ea typeface="微软雅黑" panose="020B0503020204020204" pitchFamily="34" charset="-122"/>
+              </a:rPr>
+              <a:t>Git</a:t>
+            </a:r>
+            <a:r>
+              <a:rPr lang="zh-CN" altLang="en-US" sz="2400" dirty="0">
+                <a:solidFill>
+                  <a:schemeClr val="accent1"/>
+                </a:solidFill>
+                <a:latin typeface="微软雅黑" panose="020B0503020204020204" pitchFamily="34" charset="-122"/>
+                <a:ea typeface="微软雅黑" panose="020B0503020204020204" pitchFamily="34" charset="-122"/>
+              </a:rPr>
+              <a:t>基本操作</a:t>
+            </a:r>
+            <a:endParaRPr lang="en-US" altLang="zh-CN" sz="2400" dirty="0">
+              <a:solidFill>
+                <a:schemeClr val="accent1"/>
+              </a:solidFill>
+              <a:latin typeface="微软雅黑" panose="020B0503020204020204" pitchFamily="34" charset="-122"/>
+              <a:ea typeface="微软雅黑" panose="020B0503020204020204" pitchFamily="34" charset="-122"/>
+            </a:endParaRPr>
+          </a:p>
+        </p:txBody>
+      </p:sp>
+      <p:sp>
+        <p:nvSpPr>
+          <p:cNvPr id="62" name="文本框 61"/>
+          <p:cNvSpPr txBox="1"/>
+          <p:nvPr/>
+        </p:nvSpPr>
+        <p:spPr>
+          <a:xfrm>
+            <a:off x="3127996" y="2307261"/>
+            <a:ext cx="4414660" cy="461665"/>
+          </a:xfrm>
+          <a:prstGeom prst="rect">
+            <a:avLst/>
+          </a:prstGeom>
+          <a:noFill/>
+        </p:spPr>
+        <p:txBody>
+          <a:bodyPr wrap="square" rtlCol="0">
+            <a:spAutoFit/>
+          </a:bodyPr>
+          <a:lstStyle/>
+          <a:p>
+            <a:r>
+              <a:rPr lang="en-US" altLang="zh-CN" sz="2400" dirty="0" err="1">
+                <a:solidFill>
+                  <a:schemeClr val="tx1"/>
+                </a:solidFill>
+                <a:latin typeface="微软雅黑" panose="020B0503020204020204" pitchFamily="34" charset="-122"/>
+                <a:ea typeface="微软雅黑" panose="020B0503020204020204" pitchFamily="34" charset="-122"/>
+              </a:rPr>
+              <a:t>Git</a:t>
+            </a:r>
+            <a:r>
+              <a:rPr lang="zh-CN" altLang="en-US" sz="2400" dirty="0">
+                <a:solidFill>
+                  <a:schemeClr val="tx1"/>
+                </a:solidFill>
+                <a:latin typeface="微软雅黑" panose="020B0503020204020204" pitchFamily="34" charset="-122"/>
+                <a:ea typeface="微软雅黑" panose="020B0503020204020204" pitchFamily="34" charset="-122"/>
+              </a:rPr>
+              <a:t>与</a:t>
+            </a:r>
+            <a:r>
+              <a:rPr lang="en-US" altLang="zh-CN" sz="2400" dirty="0">
+                <a:solidFill>
+                  <a:schemeClr val="tx1"/>
+                </a:solidFill>
+                <a:latin typeface="微软雅黑" panose="020B0503020204020204" pitchFamily="34" charset="-122"/>
+                <a:ea typeface="微软雅黑" panose="020B0503020204020204" pitchFamily="34" charset="-122"/>
+              </a:rPr>
+              <a:t>SVN</a:t>
+            </a:r>
+          </a:p>
+        </p:txBody>
+      </p:sp>
+      <p:grpSp>
+        <p:nvGrpSpPr>
+          <p:cNvPr id="67" name="组合 66"/>
+          <p:cNvGrpSpPr/>
+          <p:nvPr/>
+        </p:nvGrpSpPr>
+        <p:grpSpPr>
+          <a:xfrm>
+            <a:off x="3571822" y="4297660"/>
+            <a:ext cx="828000" cy="828000"/>
+            <a:chOff x="3563616" y="5254690"/>
+            <a:chExt cx="828000" cy="828000"/>
+          </a:xfrm>
+        </p:grpSpPr>
+        <p:sp>
+          <p:nvSpPr>
+            <p:cNvPr id="68" name="椭圆 67"/>
+            <p:cNvSpPr>
+              <a:spLocks noChangeAspect="1"/>
+            </p:cNvSpPr>
+            <p:nvPr/>
+          </p:nvSpPr>
+          <p:spPr>
+            <a:xfrm>
+              <a:off x="3563616" y="5254690"/>
+              <a:ext cx="828000" cy="828000"/>
+            </a:xfrm>
+            <a:prstGeom prst="ellipse">
+              <a:avLst/>
+            </a:prstGeom>
+            <a:solidFill>
+              <a:schemeClr val="bg1"/>
+            </a:solidFill>
+            <a:ln w="38100">
+              <a:solidFill>
+                <a:schemeClr val="accent1"/>
+              </a:solidFill>
+            </a:ln>
+          </p:spPr>
+          <p:style>
+            <a:lnRef idx="2">
+              <a:schemeClr val="accent1">
+                <a:shade val="50000"/>
+              </a:schemeClr>
+            </a:lnRef>
+            <a:fillRef idx="1">
+              <a:schemeClr val="accent1"/>
+            </a:fillRef>
+            <a:effectRef idx="0">
+              <a:schemeClr val="accent1"/>
+            </a:effectRef>
+            <a:fontRef idx="minor">
+              <a:schemeClr val="lt1"/>
+            </a:fontRef>
+          </p:style>
+          <p:txBody>
+            <a:bodyPr rtlCol="0" anchor="ctr"/>
+            <a:lstStyle/>
+            <a:p>
+              <a:pPr algn="ctr"/>
+              <a:endParaRPr lang="zh-CN" altLang="en-US">
+                <a:latin typeface="微软雅黑" panose="020B0503020204020204" pitchFamily="34" charset="-122"/>
+                <a:ea typeface="微软雅黑" panose="020B0503020204020204" pitchFamily="34" charset="-122"/>
+              </a:endParaRPr>
+            </a:p>
+          </p:txBody>
+        </p:sp>
+        <p:sp>
+          <p:nvSpPr>
+            <p:cNvPr id="69" name="文本框 68"/>
+            <p:cNvSpPr txBox="1"/>
+            <p:nvPr/>
+          </p:nvSpPr>
+          <p:spPr>
+            <a:xfrm>
+              <a:off x="3640609" y="5407080"/>
+              <a:ext cx="674014" cy="523220"/>
+            </a:xfrm>
+            <a:prstGeom prst="rect">
+              <a:avLst/>
+            </a:prstGeom>
+            <a:noFill/>
+          </p:spPr>
+          <p:txBody>
+            <a:bodyPr wrap="square" rtlCol="0">
+              <a:spAutoFit/>
+            </a:bodyPr>
+            <a:lstStyle/>
+            <a:p>
+              <a:pPr algn="ctr"/>
+              <a:r>
+                <a:rPr lang="en-US" altLang="zh-CN" sz="2800" b="1" dirty="0" smtClean="0">
+                  <a:solidFill>
+                    <a:schemeClr val="tx1">
+                      <a:lumMod val="85000"/>
+                      <a:lumOff val="15000"/>
+                    </a:schemeClr>
+                  </a:solidFill>
+                  <a:latin typeface="微软雅黑" panose="020B0503020204020204" pitchFamily="34" charset="-122"/>
+                  <a:ea typeface="微软雅黑" panose="020B0503020204020204" pitchFamily="34" charset="-122"/>
+                </a:rPr>
+                <a:t>4</a:t>
+              </a:r>
+              <a:endParaRPr lang="zh-CN" altLang="en-US" sz="2800" b="1" dirty="0">
+                <a:solidFill>
+                  <a:schemeClr val="tx1">
+                    <a:lumMod val="85000"/>
+                    <a:lumOff val="15000"/>
+                  </a:schemeClr>
+                </a:solidFill>
+                <a:latin typeface="微软雅黑" panose="020B0503020204020204" pitchFamily="34" charset="-122"/>
+                <a:ea typeface="微软雅黑" panose="020B0503020204020204" pitchFamily="34" charset="-122"/>
+              </a:endParaRPr>
+            </a:p>
+          </p:txBody>
+        </p:sp>
+      </p:grpSp>
+      <p:sp>
+        <p:nvSpPr>
+          <p:cNvPr id="70" name="文本框 69"/>
+          <p:cNvSpPr txBox="1"/>
+          <p:nvPr/>
+        </p:nvSpPr>
+        <p:spPr>
+          <a:xfrm>
+            <a:off x="4540751" y="4450050"/>
+            <a:ext cx="3441446" cy="461665"/>
+          </a:xfrm>
+          <a:prstGeom prst="rect">
+            <a:avLst/>
+          </a:prstGeom>
+          <a:noFill/>
+        </p:spPr>
+        <p:txBody>
+          <a:bodyPr wrap="square" rtlCol="0">
+            <a:spAutoFit/>
+          </a:bodyPr>
+          <a:lstStyle/>
+          <a:p>
+            <a:r>
+              <a:rPr lang="en-US" altLang="zh-CN" sz="2400" dirty="0" smtClean="0">
+                <a:solidFill>
+                  <a:schemeClr val="tx1">
+                    <a:lumMod val="85000"/>
+                    <a:lumOff val="15000"/>
+                  </a:schemeClr>
+                </a:solidFill>
+                <a:latin typeface="微软雅黑" panose="020B0503020204020204" pitchFamily="34" charset="-122"/>
+                <a:ea typeface="微软雅黑" panose="020B0503020204020204" pitchFamily="34" charset="-122"/>
+              </a:rPr>
+              <a:t>HR</a:t>
+            </a:r>
+            <a:r>
+              <a:rPr lang="zh-CN" altLang="en-US" sz="2400" dirty="0" smtClean="0">
+                <a:solidFill>
+                  <a:schemeClr val="tx1">
+                    <a:lumMod val="85000"/>
+                    <a:lumOff val="15000"/>
+                  </a:schemeClr>
+                </a:solidFill>
+                <a:latin typeface="微软雅黑" panose="020B0503020204020204" pitchFamily="34" charset="-122"/>
+                <a:ea typeface="微软雅黑" panose="020B0503020204020204" pitchFamily="34" charset="-122"/>
+              </a:rPr>
+              <a:t>门户实践分享</a:t>
+            </a:r>
+            <a:endParaRPr lang="en-US" altLang="zh-CN" sz="2400" b="1" dirty="0">
+              <a:solidFill>
+                <a:schemeClr val="tx1">
+                  <a:lumMod val="85000"/>
+                  <a:lumOff val="15000"/>
+                </a:schemeClr>
+              </a:solidFill>
+              <a:latin typeface="微软雅黑" panose="020B0503020204020204" pitchFamily="34" charset="-122"/>
+              <a:ea typeface="微软雅黑" panose="020B0503020204020204" pitchFamily="34" charset="-122"/>
+            </a:endParaRPr>
+          </a:p>
+        </p:txBody>
+      </p:sp>
+      <p:sp>
+        <p:nvSpPr>
+          <p:cNvPr id="13" name="灯片编号占位符 12"/>
+          <p:cNvSpPr>
+            <a:spLocks noGrp="1"/>
+          </p:cNvSpPr>
+          <p:nvPr>
+            <p:ph type="sldNum" sz="quarter" idx="12"/>
+          </p:nvPr>
+        </p:nvSpPr>
+        <p:spPr/>
+        <p:txBody>
+          <a:bodyPr/>
+          <a:lstStyle/>
+          <a:p>
+            <a:fld id="{86F0E3FA-EBE8-4184-B68E-FC61E6CBEA65}" type="slidenum">
+              <a:rPr lang="zh-CN" altLang="en-US" smtClean="0">
+                <a:solidFill>
+                  <a:prstClr val="black"/>
+                </a:solidFill>
+                <a:latin typeface="微软雅黑" panose="020B0503020204020204" pitchFamily="34" charset="-122"/>
+                <a:ea typeface="微软雅黑" panose="020B0503020204020204" pitchFamily="34" charset="-122"/>
+              </a:rPr>
+              <a:pPr/>
+              <a:t>23</a:t>
+            </a:fld>
+            <a:endParaRPr lang="zh-CN" altLang="en-US" dirty="0">
+              <a:solidFill>
+                <a:prstClr val="black"/>
+              </a:solidFill>
+              <a:latin typeface="微软雅黑" panose="020B0503020204020204" pitchFamily="34" charset="-122"/>
+              <a:ea typeface="微软雅黑" panose="020B0503020204020204" pitchFamily="34" charset="-122"/>
+            </a:endParaRPr>
+          </a:p>
+        </p:txBody>
+      </p:sp>
+    </p:spTree>
+    <p:extLst>
+      <p:ext uri="{BB962C8B-B14F-4D97-AF65-F5344CB8AC3E}">
+        <p14:creationId xmlns:p14="http://schemas.microsoft.com/office/powerpoint/2010/main" val="697768692"/>
+      </p:ext>
+    </p:extLst>
+  </p:cSld>
+  <p:clrMapOvr>
+    <a:masterClrMapping/>
+  </p:clrMapOvr>
+  <p:transition spd="med">
+    <p:wipe dir="r"/>
+  </p:transition>
+  <p:timing>
+    <p:tnLst>
+      <p:par>
+        <p:cTn id="1" dur="indefinite" restart="never" nodeType="tmRoot"/>
+      </p:par>
+    </p:tnLst>
+  </p:timing>
+</p:sld>
+</file>
+
+<file path=ppt/slides/slide24.xml><?xml version="1.0" encoding="utf-8"?>
+<p:sld xmlns:a="http://schemas.openxmlformats.org/drawingml/2006/main" xmlns:r="http://schemas.openxmlformats.org/officeDocument/2006/relationships" xmlns:p="http://schemas.openxmlformats.org/presentationml/2006/main">
+  <p:cSld>
+    <p:spTree>
+      <p:nvGrpSpPr>
+        <p:cNvPr id="1" name=""/>
+        <p:cNvGrpSpPr/>
+        <p:nvPr/>
+      </p:nvGrpSpPr>
+      <p:grpSpPr>
+        <a:xfrm>
+          <a:off x="0" y="0"/>
+          <a:ext cx="0" cy="0"/>
+          <a:chOff x="0" y="0"/>
+          <a:chExt cx="0" cy="0"/>
+        </a:xfrm>
+      </p:grpSpPr>
+      <p:sp>
+        <p:nvSpPr>
+          <p:cNvPr id="10" name="灯片编号占位符 9"/>
+          <p:cNvSpPr>
+            <a:spLocks noGrp="1"/>
+          </p:cNvSpPr>
+          <p:nvPr>
+            <p:ph type="sldNum" sz="quarter" idx="12"/>
+          </p:nvPr>
+        </p:nvSpPr>
+        <p:spPr/>
+        <p:txBody>
+          <a:bodyPr/>
+          <a:lstStyle/>
+          <a:p>
+            <a:fld id="{86F0E3FA-EBE8-4184-B68E-FC61E6CBEA65}" type="slidenum">
+              <a:rPr lang="zh-CN" altLang="en-US" smtClean="0">
+                <a:solidFill>
+                  <a:prstClr val="black"/>
+                </a:solidFill>
+                <a:latin typeface="微软雅黑" panose="020B0503020204020204" pitchFamily="34" charset="-122"/>
+                <a:ea typeface="微软雅黑" panose="020B0503020204020204" pitchFamily="34" charset="-122"/>
+              </a:rPr>
+              <a:pPr/>
+              <a:t>24</a:t>
+            </a:fld>
+            <a:endParaRPr lang="zh-CN" altLang="en-US" dirty="0">
+              <a:solidFill>
+                <a:prstClr val="black"/>
+              </a:solidFill>
+              <a:latin typeface="微软雅黑" panose="020B0503020204020204" pitchFamily="34" charset="-122"/>
+              <a:ea typeface="微软雅黑" panose="020B0503020204020204" pitchFamily="34" charset="-122"/>
+            </a:endParaRPr>
+          </a:p>
+        </p:txBody>
+      </p:sp>
+      <p:sp>
+        <p:nvSpPr>
+          <p:cNvPr id="25" name="矩形 24"/>
+          <p:cNvSpPr/>
+          <p:nvPr/>
+        </p:nvSpPr>
+        <p:spPr>
+          <a:xfrm>
+            <a:off x="35496" y="212957"/>
+            <a:ext cx="1271464" cy="504056"/>
+          </a:xfrm>
+          <a:prstGeom prst="rect">
+            <a:avLst/>
+          </a:prstGeom>
+          <a:solidFill>
+            <a:schemeClr val="accent4"/>
+          </a:solidFill>
+          <a:ln>
+            <a:noFill/>
+          </a:ln>
+        </p:spPr>
+        <p:style>
+          <a:lnRef idx="2">
+            <a:schemeClr val="accent1">
+              <a:shade val="50000"/>
+            </a:schemeClr>
+          </a:lnRef>
+          <a:fillRef idx="1">
+            <a:schemeClr val="accent1"/>
+          </a:fillRef>
+          <a:effectRef idx="0">
+            <a:schemeClr val="accent1"/>
+          </a:effectRef>
+          <a:fontRef idx="minor">
+            <a:schemeClr val="lt1"/>
+          </a:fontRef>
+        </p:style>
+        <p:txBody>
+          <a:bodyPr rtlCol="0" anchor="ctr"/>
+          <a:lstStyle/>
+          <a:p>
+            <a:pPr algn="ctr"/>
+            <a:endParaRPr lang="zh-CN" altLang="en-US" dirty="0">
+              <a:latin typeface="微软雅黑" panose="020B0503020204020204" pitchFamily="34" charset="-122"/>
+              <a:ea typeface="微软雅黑" panose="020B0503020204020204" pitchFamily="34" charset="-122"/>
+            </a:endParaRPr>
+          </a:p>
+        </p:txBody>
+      </p:sp>
+      <p:sp>
+        <p:nvSpPr>
+          <p:cNvPr id="26" name="矩形 25"/>
+          <p:cNvSpPr/>
+          <p:nvPr/>
+        </p:nvSpPr>
+        <p:spPr>
+          <a:xfrm>
+            <a:off x="1378968" y="212957"/>
+            <a:ext cx="72008" cy="504056"/>
+          </a:xfrm>
+          <a:prstGeom prst="rect">
+            <a:avLst/>
+          </a:prstGeom>
+          <a:solidFill>
+            <a:schemeClr val="accent4"/>
+          </a:solidFill>
+          <a:ln>
+            <a:noFill/>
+          </a:ln>
+        </p:spPr>
+        <p:style>
+          <a:lnRef idx="2">
+            <a:schemeClr val="accent1">
+              <a:shade val="50000"/>
+            </a:schemeClr>
+          </a:lnRef>
+          <a:fillRef idx="1">
+            <a:schemeClr val="accent1"/>
+          </a:fillRef>
+          <a:effectRef idx="0">
+            <a:schemeClr val="accent1"/>
+          </a:effectRef>
+          <a:fontRef idx="minor">
+            <a:schemeClr val="lt1"/>
+          </a:fontRef>
+        </p:style>
+        <p:txBody>
+          <a:bodyPr rtlCol="0" anchor="ctr"/>
+          <a:lstStyle/>
+          <a:p>
+            <a:pPr algn="ctr"/>
+            <a:endParaRPr lang="zh-CN" altLang="en-US" dirty="0">
+              <a:latin typeface="微软雅黑" panose="020B0503020204020204" pitchFamily="34" charset="-122"/>
+              <a:ea typeface="微软雅黑" panose="020B0503020204020204" pitchFamily="34" charset="-122"/>
+            </a:endParaRPr>
+          </a:p>
+        </p:txBody>
+      </p:sp>
+      <p:sp>
+        <p:nvSpPr>
+          <p:cNvPr id="31" name="矩形 30"/>
+          <p:cNvSpPr/>
+          <p:nvPr/>
+        </p:nvSpPr>
+        <p:spPr>
+          <a:xfrm>
+            <a:off x="1516292" y="416607"/>
+            <a:ext cx="78700" cy="300406"/>
+          </a:xfrm>
+          <a:prstGeom prst="rect">
+            <a:avLst/>
+          </a:prstGeom>
+          <a:solidFill>
+            <a:schemeClr val="accent4"/>
+          </a:solidFill>
+          <a:ln>
+            <a:noFill/>
+          </a:ln>
+        </p:spPr>
+        <p:style>
+          <a:lnRef idx="2">
+            <a:schemeClr val="accent1">
+              <a:shade val="50000"/>
+            </a:schemeClr>
+          </a:lnRef>
+          <a:fillRef idx="1">
+            <a:schemeClr val="accent1"/>
+          </a:fillRef>
+          <a:effectRef idx="0">
+            <a:schemeClr val="accent1"/>
+          </a:effectRef>
+          <a:fontRef idx="minor">
+            <a:schemeClr val="lt1"/>
+          </a:fontRef>
+        </p:style>
+        <p:txBody>
+          <a:bodyPr rtlCol="0" anchor="ctr"/>
+          <a:lstStyle/>
+          <a:p>
+            <a:pPr algn="ctr"/>
+            <a:endParaRPr lang="zh-CN" altLang="en-US" dirty="0">
+              <a:latin typeface="微软雅黑" panose="020B0503020204020204" pitchFamily="34" charset="-122"/>
+              <a:ea typeface="微软雅黑" panose="020B0503020204020204" pitchFamily="34" charset="-122"/>
+            </a:endParaRPr>
+          </a:p>
+        </p:txBody>
+      </p:sp>
+      <p:sp>
+        <p:nvSpPr>
+          <p:cNvPr id="32" name="文本框 31"/>
+          <p:cNvSpPr txBox="1"/>
+          <p:nvPr/>
+        </p:nvSpPr>
+        <p:spPr>
+          <a:xfrm>
+            <a:off x="1619672" y="246048"/>
             <a:ext cx="6552728" cy="523220"/>
           </a:xfrm>
           <a:prstGeom prst="rect">
@@ -14740,7 +17294,7 @@
 </p:sld>
 </file>
 
-<file path=ppt/slides/slide22.xml><?xml version="1.0" encoding="utf-8"?>
+<file path=ppt/slides/slide25.xml><?xml version="1.0" encoding="utf-8"?>
 <p:sld xmlns:a="http://schemas.openxmlformats.org/drawingml/2006/main" xmlns:r="http://schemas.openxmlformats.org/officeDocument/2006/relationships" xmlns:p="http://schemas.openxmlformats.org/presentationml/2006/main">
   <p:cSld>
     <p:spTree>
@@ -15340,7 +17894,7 @@
                 <a:ea typeface="微软雅黑" panose="020B0503020204020204" pitchFamily="34" charset="-122"/>
               </a:rPr>
               <a:pPr/>
-              <a:t>22</a:t>
+              <a:t>25</a:t>
             </a:fld>
             <a:endParaRPr lang="zh-CN" altLang="en-US" sz="800" dirty="0">
               <a:solidFill>
@@ -15639,8 +18193,8 @@
         </p:nvSpPr>
         <p:spPr>
           <a:xfrm>
-            <a:off x="467544" y="778669"/>
-            <a:ext cx="8234363" cy="1286743"/>
+            <a:off x="467544" y="913284"/>
+            <a:ext cx="8234363" cy="638521"/>
           </a:xfrm>
         </p:spPr>
         <p:txBody>
@@ -15654,15 +18208,15 @@
               <a:buNone/>
             </a:pPr>
             <a:r>
-              <a:rPr lang="en-US" altLang="zh-CN" sz="1400" dirty="0" err="1"/>
+              <a:rPr lang="en-US" altLang="zh-CN" sz="1600" dirty="0" err="1"/>
               <a:t>Git</a:t>
             </a:r>
             <a:r>
-              <a:rPr lang="zh-CN" altLang="en-US" sz="1400" dirty="0"/>
+              <a:rPr lang="zh-CN" altLang="en-US" sz="1600" dirty="0"/>
               <a:t>是目前世界上最先进的</a:t>
             </a:r>
             <a:r>
-              <a:rPr lang="zh-CN" altLang="en-US" sz="1800" u="sng" dirty="0">
+              <a:rPr lang="zh-CN" altLang="en-US" sz="2000" u="sng" dirty="0">
                 <a:solidFill>
                   <a:srgbClr val="00B050"/>
                 </a:solidFill>
@@ -15670,7 +18224,7 @@
               <a:t>分布式</a:t>
             </a:r>
             <a:r>
-              <a:rPr lang="zh-CN" altLang="en-US" sz="1800" u="sng" dirty="0">
+              <a:rPr lang="zh-CN" altLang="en-US" sz="2000" u="sng" dirty="0">
                 <a:solidFill>
                   <a:srgbClr val="00B0F0"/>
                 </a:solidFill>
@@ -15678,14 +18232,14 @@
               <a:t>版本控制</a:t>
             </a:r>
             <a:r>
-              <a:rPr lang="zh-CN" altLang="en-US" sz="1400" dirty="0"/>
+              <a:rPr lang="zh-CN" altLang="en-US" sz="1600" dirty="0"/>
               <a:t>系统（没有之一</a:t>
             </a:r>
             <a:r>
-              <a:rPr lang="zh-CN" altLang="en-US" sz="1400" dirty="0" smtClean="0"/>
+              <a:rPr lang="zh-CN" altLang="en-US" sz="1600" dirty="0" smtClean="0"/>
               <a:t>）。</a:t>
             </a:r>
-            <a:endParaRPr lang="en-US" altLang="zh-CN" sz="1400" dirty="0" smtClean="0"/>
+            <a:endParaRPr lang="en-US" altLang="zh-CN" sz="1600" dirty="0" smtClean="0"/>
           </a:p>
         </p:txBody>
       </p:sp>
@@ -15778,7 +18332,7 @@
         </p:blipFill>
         <p:spPr bwMode="auto">
           <a:xfrm>
-            <a:off x="755576" y="1489348"/>
+            <a:off x="755576" y="2127869"/>
             <a:ext cx="4333875" cy="1809751"/>
           </a:xfrm>
           <a:prstGeom prst="rect">
@@ -16206,8 +18760,8 @@
         </p:blipFill>
         <p:spPr>
           <a:xfrm>
-            <a:off x="755576" y="1921396"/>
-            <a:ext cx="4464495" cy="2100938"/>
+            <a:off x="755576" y="2569468"/>
+            <a:ext cx="5814648" cy="2736304"/>
           </a:xfrm>
           <a:prstGeom prst="rect">
             <a:avLst/>
@@ -16226,8 +18780,8 @@
         </p:nvSpPr>
         <p:spPr>
           <a:xfrm>
-            <a:off x="352203" y="828795"/>
-            <a:ext cx="8462177" cy="1092601"/>
+            <a:off x="352203" y="890872"/>
+            <a:ext cx="8462177" cy="1606588"/>
           </a:xfrm>
         </p:spPr>
         <p:txBody>
@@ -16243,14 +18797,14 @@
               <a:buNone/>
             </a:pPr>
             <a:r>
-              <a:rPr lang="zh-CN" altLang="en-US" sz="1400" dirty="0"/>
+              <a:rPr lang="zh-CN" altLang="en-US" sz="1600" dirty="0"/>
               <a:t>假设</a:t>
             </a:r>
             <a:r>
-              <a:rPr lang="zh-CN" altLang="en-US" sz="1400" dirty="0" smtClean="0"/>
+              <a:rPr lang="zh-CN" altLang="en-US" sz="1600" dirty="0" smtClean="0"/>
               <a:t>一个场景，我需要长期维护一个文档，那么将会遇到以下状况：</a:t>
             </a:r>
-            <a:endParaRPr lang="en-US" altLang="zh-CN" sz="1400" dirty="0" smtClean="0"/>
+            <a:endParaRPr lang="en-US" altLang="zh-CN" sz="1600" dirty="0" smtClean="0"/>
           </a:p>
           <a:p>
             <a:pPr marL="342900" indent="-342900">
@@ -16261,265 +18815,54 @@
               <a:buAutoNum type="arabicPeriod"/>
             </a:pPr>
             <a:r>
-              <a:rPr lang="zh-CN" altLang="en-US" sz="1400" dirty="0" smtClean="0"/>
+              <a:rPr lang="zh-CN" altLang="en-US" sz="1600" dirty="0" smtClean="0"/>
               <a:t>想</a:t>
             </a:r>
             <a:r>
-              <a:rPr lang="zh-CN" altLang="en-US" sz="1400" dirty="0"/>
+              <a:rPr lang="zh-CN" altLang="en-US" sz="1600" dirty="0"/>
               <a:t>删除一个段落，又怕将来想恢复找不</a:t>
             </a:r>
             <a:r>
-              <a:rPr lang="zh-CN" altLang="en-US" sz="1400" dirty="0" smtClean="0"/>
+              <a:rPr lang="zh-CN" altLang="en-US" sz="1600" dirty="0" smtClean="0"/>
               <a:t>回来？</a:t>
             </a:r>
             <a:r>
-              <a:rPr lang="zh-CN" altLang="en-US" sz="1400" dirty="0"/>
+              <a:rPr lang="zh-CN" altLang="en-US" sz="1600" dirty="0"/>
               <a:t>有办法，先把当前文件“另存为</a:t>
             </a:r>
             <a:r>
-              <a:rPr lang="en-US" altLang="zh-CN" sz="1400" dirty="0"/>
+              <a:rPr lang="en-US" altLang="zh-CN" sz="1600" dirty="0"/>
               <a:t>……”</a:t>
             </a:r>
             <a:r>
-              <a:rPr lang="zh-CN" altLang="en-US" sz="1400" dirty="0"/>
+              <a:rPr lang="zh-CN" altLang="en-US" sz="1600" dirty="0"/>
               <a:t>一个新</a:t>
             </a:r>
             <a:r>
-              <a:rPr lang="zh-CN" altLang="en-US" sz="1400" dirty="0" smtClean="0"/>
+              <a:rPr lang="zh-CN" altLang="en-US" sz="1600" dirty="0" smtClean="0"/>
               <a:t>的文件</a:t>
             </a:r>
             <a:r>
-              <a:rPr lang="zh-CN" altLang="en-US" sz="1400" dirty="0"/>
+              <a:rPr lang="zh-CN" altLang="en-US" sz="1600" dirty="0"/>
               <a:t>，再接着改，改到一定程度，再“另存为</a:t>
             </a:r>
             <a:r>
-              <a:rPr lang="en-US" altLang="zh-CN" sz="1400" dirty="0"/>
+              <a:rPr lang="en-US" altLang="zh-CN" sz="1600" dirty="0"/>
               <a:t>……”</a:t>
             </a:r>
             <a:r>
-              <a:rPr lang="zh-CN" altLang="en-US" sz="1400" dirty="0"/>
+              <a:rPr lang="zh-CN" altLang="en-US" sz="1600" dirty="0"/>
               <a:t>一个新文件，这样一直改下去，</a:t>
             </a:r>
             <a:r>
-              <a:rPr lang="zh-CN" altLang="en-US" sz="1400" dirty="0" smtClean="0"/>
+              <a:rPr lang="zh-CN" altLang="en-US" sz="1600" dirty="0" smtClean="0"/>
               <a:t>最后我的文档变成</a:t>
             </a:r>
             <a:r>
-              <a:rPr lang="zh-CN" altLang="en-US" sz="1400" dirty="0"/>
+              <a:rPr lang="zh-CN" altLang="en-US" sz="1600" dirty="0"/>
               <a:t>了这样：</a:t>
             </a:r>
-            <a:endParaRPr lang="en-US" altLang="zh-CN" sz="1400" dirty="0" smtClean="0"/>
-          </a:p>
-        </p:txBody>
-      </p:sp>
-      <p:sp>
-        <p:nvSpPr>
-          <p:cNvPr id="15" name="内容占位符 2"/>
-          <p:cNvSpPr txBox="1">
-            <a:spLocks/>
-          </p:cNvSpPr>
-          <p:nvPr/>
-        </p:nvSpPr>
-        <p:spPr bwMode="auto">
-          <a:xfrm>
-            <a:off x="352203" y="4034022"/>
-            <a:ext cx="8462177" cy="1415766"/>
-          </a:xfrm>
-          <a:prstGeom prst="rect">
-            <a:avLst/>
-          </a:prstGeom>
-          <a:noFill/>
-          <a:ln w="9525">
-            <a:noFill/>
-            <a:miter lim="800000"/>
-          </a:ln>
-        </p:spPr>
-        <p:txBody>
-          <a:bodyPr vert="horz" wrap="square" lIns="79242" tIns="39621" rIns="79242" bIns="39621" numCol="1" anchor="t" anchorCtr="0" compatLnSpc="1">
-            <a:spAutoFit/>
-          </a:bodyPr>
-          <a:lstStyle>
-            <a:lvl1pPr marL="323212" indent="-323212" algn="l" rtl="0" eaLnBrk="1" fontAlgn="base" hangingPunct="1">
-              <a:spcBef>
-                <a:spcPct val="20000"/>
-              </a:spcBef>
-              <a:spcAft>
-                <a:spcPct val="0"/>
-              </a:spcAft>
-              <a:buChar char="•"/>
-              <a:defRPr sz="1700">
-                <a:solidFill>
-                  <a:schemeClr val="tx1"/>
-                </a:solidFill>
-                <a:latin typeface="微软雅黑" panose="020B0503020204020204" pitchFamily="34" charset="-122"/>
-                <a:ea typeface="微软雅黑" panose="020B0503020204020204" pitchFamily="34" charset="-122"/>
-                <a:cs typeface="+mn-cs"/>
-              </a:defRPr>
-            </a:lvl1pPr>
-            <a:lvl2pPr marL="699763" indent="-269238" algn="l" rtl="0" eaLnBrk="1" fontAlgn="base" hangingPunct="1">
-              <a:spcBef>
-                <a:spcPct val="20000"/>
-              </a:spcBef>
-              <a:spcAft>
-                <a:spcPct val="0"/>
-              </a:spcAft>
-              <a:buChar char="–"/>
-              <a:defRPr sz="1500">
-                <a:solidFill>
-                  <a:schemeClr val="tx1"/>
-                </a:solidFill>
-                <a:latin typeface="微软雅黑" panose="020B0503020204020204" pitchFamily="34" charset="-122"/>
-                <a:ea typeface="微软雅黑" panose="020B0503020204020204" pitchFamily="34" charset="-122"/>
-              </a:defRPr>
-            </a:lvl2pPr>
-            <a:lvl3pPr marL="1076949" indent="-215263" algn="l" rtl="0" eaLnBrk="1" fontAlgn="base" hangingPunct="1">
-              <a:spcBef>
-                <a:spcPct val="20000"/>
-              </a:spcBef>
-              <a:spcAft>
-                <a:spcPct val="0"/>
-              </a:spcAft>
-              <a:buChar char="•"/>
-              <a:defRPr sz="1500">
-                <a:solidFill>
-                  <a:schemeClr val="tx1"/>
-                </a:solidFill>
-                <a:latin typeface="微软雅黑" panose="020B0503020204020204" pitchFamily="34" charset="-122"/>
-                <a:ea typeface="微软雅黑" panose="020B0503020204020204" pitchFamily="34" charset="-122"/>
-              </a:defRPr>
-            </a:lvl3pPr>
-            <a:lvl4pPr marL="1507475" indent="-215263" algn="l" rtl="0" eaLnBrk="1" fontAlgn="base" hangingPunct="1">
-              <a:spcBef>
-                <a:spcPct val="20000"/>
-              </a:spcBef>
-              <a:spcAft>
-                <a:spcPct val="0"/>
-              </a:spcAft>
-              <a:buChar char="–"/>
-              <a:defRPr sz="1500">
-                <a:solidFill>
-                  <a:schemeClr val="tx1"/>
-                </a:solidFill>
-                <a:latin typeface="微软雅黑" panose="020B0503020204020204" pitchFamily="34" charset="-122"/>
-                <a:ea typeface="微软雅黑" panose="020B0503020204020204" pitchFamily="34" charset="-122"/>
-              </a:defRPr>
-            </a:lvl4pPr>
-            <a:lvl5pPr marL="1938001" indent="-215263" algn="l" rtl="0" eaLnBrk="1" fontAlgn="base" hangingPunct="1">
-              <a:spcBef>
-                <a:spcPct val="20000"/>
-              </a:spcBef>
-              <a:spcAft>
-                <a:spcPct val="0"/>
-              </a:spcAft>
-              <a:buChar char="»"/>
-              <a:defRPr sz="1500">
-                <a:solidFill>
-                  <a:schemeClr val="tx1"/>
-                </a:solidFill>
-                <a:latin typeface="微软雅黑" panose="020B0503020204020204" pitchFamily="34" charset="-122"/>
-                <a:ea typeface="微软雅黑" panose="020B0503020204020204" pitchFamily="34" charset="-122"/>
-              </a:defRPr>
-            </a:lvl5pPr>
-            <a:lvl6pPr marL="2368526" indent="-215263" algn="l" rtl="0" eaLnBrk="1" fontAlgn="base" hangingPunct="1">
-              <a:spcBef>
-                <a:spcPct val="20000"/>
-              </a:spcBef>
-              <a:spcAft>
-                <a:spcPct val="0"/>
-              </a:spcAft>
-              <a:buChar char="»"/>
-              <a:defRPr sz="1900">
-                <a:solidFill>
-                  <a:schemeClr val="tx1"/>
-                </a:solidFill>
-                <a:latin typeface="+mn-lt"/>
-                <a:ea typeface="+mn-ea"/>
-              </a:defRPr>
-            </a:lvl6pPr>
-            <a:lvl7pPr marL="2799687" indent="-215263" algn="l" rtl="0" eaLnBrk="1" fontAlgn="base" hangingPunct="1">
-              <a:spcBef>
-                <a:spcPct val="20000"/>
-              </a:spcBef>
-              <a:spcAft>
-                <a:spcPct val="0"/>
-              </a:spcAft>
-              <a:buChar char="»"/>
-              <a:defRPr sz="1900">
-                <a:solidFill>
-                  <a:schemeClr val="tx1"/>
-                </a:solidFill>
-                <a:latin typeface="+mn-lt"/>
-                <a:ea typeface="+mn-ea"/>
-              </a:defRPr>
-            </a:lvl7pPr>
-            <a:lvl8pPr marL="3230213" indent="-215263" algn="l" rtl="0" eaLnBrk="1" fontAlgn="base" hangingPunct="1">
-              <a:spcBef>
-                <a:spcPct val="20000"/>
-              </a:spcBef>
-              <a:spcAft>
-                <a:spcPct val="0"/>
-              </a:spcAft>
-              <a:buChar char="»"/>
-              <a:defRPr sz="1900">
-                <a:solidFill>
-                  <a:schemeClr val="tx1"/>
-                </a:solidFill>
-                <a:latin typeface="+mn-lt"/>
-                <a:ea typeface="+mn-ea"/>
-              </a:defRPr>
-            </a:lvl8pPr>
-            <a:lvl9pPr marL="3660738" indent="-215263" algn="l" rtl="0" eaLnBrk="1" fontAlgn="base" hangingPunct="1">
-              <a:spcBef>
-                <a:spcPct val="20000"/>
-              </a:spcBef>
-              <a:spcAft>
-                <a:spcPct val="0"/>
-              </a:spcAft>
-              <a:buChar char="»"/>
-              <a:defRPr sz="1900">
-                <a:solidFill>
-                  <a:schemeClr val="tx1"/>
-                </a:solidFill>
-                <a:latin typeface="+mn-lt"/>
-                <a:ea typeface="+mn-ea"/>
-              </a:defRPr>
-            </a:lvl9pPr>
-          </a:lstStyle>
-          <a:p>
-            <a:pPr marL="342900" indent="-342900">
-              <a:lnSpc>
-                <a:spcPct val="150000"/>
-              </a:lnSpc>
-              <a:buFont typeface="+mj-lt"/>
-              <a:buAutoNum type="arabicPeriod" startAt="2"/>
-            </a:pPr>
-            <a:r>
-              <a:rPr lang="zh-CN" altLang="en-US" sz="1400" b="0" kern="0" dirty="0" smtClean="0"/>
-              <a:t>随着文件越存越多，这时我想找回被删除的文字，但是已经记不清删除前保存在哪个文件里了，只好一个一个文件去找。同时我又不敢删除历史文件，怕哪天会用上。</a:t>
-            </a:r>
-            <a:endParaRPr lang="en-US" altLang="zh-CN" sz="1400" b="0" kern="0" dirty="0"/>
-          </a:p>
-          <a:p>
-            <a:pPr marL="342900" indent="-342900">
-              <a:lnSpc>
-                <a:spcPct val="150000"/>
-              </a:lnSpc>
-              <a:buFont typeface="+mj-lt"/>
-              <a:buAutoNum type="arabicPeriod" startAt="2"/>
-            </a:pPr>
-            <a:r>
-              <a:rPr lang="zh-CN" altLang="en-US" sz="1400" b="0" kern="0" dirty="0" smtClean="0"/>
-              <a:t>文档有一部分需要财务同事填写，我把文件拷贝给她之后，继续修改文档。经过一段时间，同事将文档发回给我，这时我就得好好</a:t>
-            </a:r>
-            <a:r>
-              <a:rPr lang="zh-CN" altLang="en-US" sz="1400" b="0" kern="0" dirty="0"/>
-              <a:t>想想</a:t>
-            </a:r>
-            <a:r>
-              <a:rPr lang="zh-CN" altLang="en-US" sz="1400" b="0" kern="0" dirty="0" smtClean="0"/>
-              <a:t>，这期间我对文档做了哪些改动，要把我的改动和她的部分合并。</a:t>
-            </a:r>
-            <a:endParaRPr lang="en-US" altLang="zh-CN" sz="1400" b="0" kern="0" dirty="0"/>
+            <a:endParaRPr lang="en-US" altLang="zh-CN" sz="1600" dirty="0" smtClean="0"/>
           </a:p>
         </p:txBody>
       </p:sp>
@@ -16856,55 +19199,190 @@
       </p:sp>
       <p:sp>
         <p:nvSpPr>
-          <p:cNvPr id="14" name="内容占位符 2"/>
-          <p:cNvSpPr>
-            <a:spLocks noGrp="1"/>
+          <p:cNvPr id="15" name="内容占位符 2"/>
+          <p:cNvSpPr txBox="1">
+            <a:spLocks/>
           </p:cNvSpPr>
-          <p:nvPr>
-            <p:ph idx="1"/>
-          </p:nvPr>
-        </p:nvSpPr>
-        <p:spPr>
+          <p:nvPr/>
+        </p:nvSpPr>
+        <p:spPr bwMode="auto">
           <a:xfrm>
-            <a:off x="467544" y="769268"/>
-            <a:ext cx="8234363" cy="1501944"/>
+            <a:off x="323528" y="913284"/>
+            <a:ext cx="8462177" cy="1975919"/>
           </a:xfrm>
+          <a:prstGeom prst="rect">
+            <a:avLst/>
+          </a:prstGeom>
+          <a:noFill/>
+          <a:ln w="9525">
+            <a:noFill/>
+            <a:miter lim="800000"/>
+          </a:ln>
         </p:spPr>
         <p:txBody>
-          <a:bodyPr>
+          <a:bodyPr vert="horz" wrap="square" lIns="79242" tIns="39621" rIns="79242" bIns="39621" numCol="1" anchor="t" anchorCtr="0" compatLnSpc="1">
             <a:spAutoFit/>
           </a:bodyPr>
-          <a:lstStyle/>
-          <a:p>
-            <a:pPr marL="0" indent="0">
-              <a:lnSpc>
-                <a:spcPct val="150000"/>
-              </a:lnSpc>
-              <a:buNone/>
-            </a:pPr>
-            <a:r>
-              <a:rPr lang="zh-CN" altLang="en-US" sz="1400" dirty="0" smtClean="0"/>
-              <a:t>如果有这样的一个软件，它能够：</a:t>
-            </a:r>
-            <a:endParaRPr lang="en-US" altLang="zh-CN" sz="1400" dirty="0" smtClean="0"/>
-          </a:p>
+          <a:lstStyle>
+            <a:lvl1pPr marL="323212" indent="-323212" algn="l" rtl="0" eaLnBrk="1" fontAlgn="base" hangingPunct="1">
+              <a:spcBef>
+                <a:spcPct val="20000"/>
+              </a:spcBef>
+              <a:spcAft>
+                <a:spcPct val="0"/>
+              </a:spcAft>
+              <a:buChar char="•"/>
+              <a:defRPr sz="1700">
+                <a:solidFill>
+                  <a:schemeClr val="tx1"/>
+                </a:solidFill>
+                <a:latin typeface="微软雅黑" panose="020B0503020204020204" pitchFamily="34" charset="-122"/>
+                <a:ea typeface="微软雅黑" panose="020B0503020204020204" pitchFamily="34" charset="-122"/>
+                <a:cs typeface="+mn-cs"/>
+              </a:defRPr>
+            </a:lvl1pPr>
+            <a:lvl2pPr marL="699763" indent="-269238" algn="l" rtl="0" eaLnBrk="1" fontAlgn="base" hangingPunct="1">
+              <a:spcBef>
+                <a:spcPct val="20000"/>
+              </a:spcBef>
+              <a:spcAft>
+                <a:spcPct val="0"/>
+              </a:spcAft>
+              <a:buChar char="–"/>
+              <a:defRPr sz="1500">
+                <a:solidFill>
+                  <a:schemeClr val="tx1"/>
+                </a:solidFill>
+                <a:latin typeface="微软雅黑" panose="020B0503020204020204" pitchFamily="34" charset="-122"/>
+                <a:ea typeface="微软雅黑" panose="020B0503020204020204" pitchFamily="34" charset="-122"/>
+              </a:defRPr>
+            </a:lvl2pPr>
+            <a:lvl3pPr marL="1076949" indent="-215263" algn="l" rtl="0" eaLnBrk="1" fontAlgn="base" hangingPunct="1">
+              <a:spcBef>
+                <a:spcPct val="20000"/>
+              </a:spcBef>
+              <a:spcAft>
+                <a:spcPct val="0"/>
+              </a:spcAft>
+              <a:buChar char="•"/>
+              <a:defRPr sz="1500">
+                <a:solidFill>
+                  <a:schemeClr val="tx1"/>
+                </a:solidFill>
+                <a:latin typeface="微软雅黑" panose="020B0503020204020204" pitchFamily="34" charset="-122"/>
+                <a:ea typeface="微软雅黑" panose="020B0503020204020204" pitchFamily="34" charset="-122"/>
+              </a:defRPr>
+            </a:lvl3pPr>
+            <a:lvl4pPr marL="1507475" indent="-215263" algn="l" rtl="0" eaLnBrk="1" fontAlgn="base" hangingPunct="1">
+              <a:spcBef>
+                <a:spcPct val="20000"/>
+              </a:spcBef>
+              <a:spcAft>
+                <a:spcPct val="0"/>
+              </a:spcAft>
+              <a:buChar char="–"/>
+              <a:defRPr sz="1500">
+                <a:solidFill>
+                  <a:schemeClr val="tx1"/>
+                </a:solidFill>
+                <a:latin typeface="微软雅黑" panose="020B0503020204020204" pitchFamily="34" charset="-122"/>
+                <a:ea typeface="微软雅黑" panose="020B0503020204020204" pitchFamily="34" charset="-122"/>
+              </a:defRPr>
+            </a:lvl4pPr>
+            <a:lvl5pPr marL="1938001" indent="-215263" algn="l" rtl="0" eaLnBrk="1" fontAlgn="base" hangingPunct="1">
+              <a:spcBef>
+                <a:spcPct val="20000"/>
+              </a:spcBef>
+              <a:spcAft>
+                <a:spcPct val="0"/>
+              </a:spcAft>
+              <a:buChar char="»"/>
+              <a:defRPr sz="1500">
+                <a:solidFill>
+                  <a:schemeClr val="tx1"/>
+                </a:solidFill>
+                <a:latin typeface="微软雅黑" panose="020B0503020204020204" pitchFamily="34" charset="-122"/>
+                <a:ea typeface="微软雅黑" panose="020B0503020204020204" pitchFamily="34" charset="-122"/>
+              </a:defRPr>
+            </a:lvl5pPr>
+            <a:lvl6pPr marL="2368526" indent="-215263" algn="l" rtl="0" eaLnBrk="1" fontAlgn="base" hangingPunct="1">
+              <a:spcBef>
+                <a:spcPct val="20000"/>
+              </a:spcBef>
+              <a:spcAft>
+                <a:spcPct val="0"/>
+              </a:spcAft>
+              <a:buChar char="»"/>
+              <a:defRPr sz="1900">
+                <a:solidFill>
+                  <a:schemeClr val="tx1"/>
+                </a:solidFill>
+                <a:latin typeface="+mn-lt"/>
+                <a:ea typeface="+mn-ea"/>
+              </a:defRPr>
+            </a:lvl6pPr>
+            <a:lvl7pPr marL="2799687" indent="-215263" algn="l" rtl="0" eaLnBrk="1" fontAlgn="base" hangingPunct="1">
+              <a:spcBef>
+                <a:spcPct val="20000"/>
+              </a:spcBef>
+              <a:spcAft>
+                <a:spcPct val="0"/>
+              </a:spcAft>
+              <a:buChar char="»"/>
+              <a:defRPr sz="1900">
+                <a:solidFill>
+                  <a:schemeClr val="tx1"/>
+                </a:solidFill>
+                <a:latin typeface="+mn-lt"/>
+                <a:ea typeface="+mn-ea"/>
+              </a:defRPr>
+            </a:lvl7pPr>
+            <a:lvl8pPr marL="3230213" indent="-215263" algn="l" rtl="0" eaLnBrk="1" fontAlgn="base" hangingPunct="1">
+              <a:spcBef>
+                <a:spcPct val="20000"/>
+              </a:spcBef>
+              <a:spcAft>
+                <a:spcPct val="0"/>
+              </a:spcAft>
+              <a:buChar char="»"/>
+              <a:defRPr sz="1900">
+                <a:solidFill>
+                  <a:schemeClr val="tx1"/>
+                </a:solidFill>
+                <a:latin typeface="+mn-lt"/>
+                <a:ea typeface="+mn-ea"/>
+              </a:defRPr>
+            </a:lvl8pPr>
+            <a:lvl9pPr marL="3660738" indent="-215263" algn="l" rtl="0" eaLnBrk="1" fontAlgn="base" hangingPunct="1">
+              <a:spcBef>
+                <a:spcPct val="20000"/>
+              </a:spcBef>
+              <a:spcAft>
+                <a:spcPct val="0"/>
+              </a:spcAft>
+              <a:buChar char="»"/>
+              <a:defRPr sz="1900">
+                <a:solidFill>
+                  <a:schemeClr val="tx1"/>
+                </a:solidFill>
+                <a:latin typeface="+mn-lt"/>
+                <a:ea typeface="+mn-ea"/>
+              </a:defRPr>
+            </a:lvl9pPr>
+          </a:lstStyle>
           <a:p>
             <a:pPr marL="342900" indent="-342900">
               <a:lnSpc>
                 <a:spcPct val="150000"/>
               </a:lnSpc>
               <a:buFont typeface="+mj-lt"/>
-              <a:buAutoNum type="arabicPeriod"/>
+              <a:buAutoNum type="arabicPeriod" startAt="2"/>
             </a:pPr>
             <a:r>
-              <a:rPr lang="zh-CN" altLang="en-US" sz="1400" dirty="0"/>
-              <a:t>管理</a:t>
-            </a:r>
-            <a:r>
-              <a:rPr lang="zh-CN" altLang="en-US" sz="1400" dirty="0" smtClean="0"/>
-              <a:t>文件，自动记录每次文件的改动；</a:t>
-            </a:r>
-            <a:endParaRPr lang="en-US" altLang="zh-CN" sz="1400" dirty="0" smtClean="0"/>
+              <a:rPr lang="zh-CN" altLang="en-US" sz="1600" b="0" kern="0" dirty="0" smtClean="0"/>
+              <a:t>随着文件越存越多，这时我想找回被删除的文字，但是已经记不清删除前保存在哪个文件里了，只好一个一个文件去找。同时我又不敢删除历史文件，怕哪天会用上。</a:t>
+            </a:r>
+            <a:endParaRPr lang="en-US" altLang="zh-CN" sz="1600" b="0" kern="0" dirty="0"/>
           </a:p>
           <a:p>
             <a:pPr marL="342900" indent="-342900">
@@ -16912,241 +19390,28 @@
                 <a:spcPct val="150000"/>
               </a:lnSpc>
               <a:buFont typeface="+mj-lt"/>
-              <a:buAutoNum type="arabicPeriod"/>
+              <a:buAutoNum type="arabicPeriod" startAt="2"/>
             </a:pPr>
             <a:r>
-              <a:rPr lang="zh-CN" altLang="en-US" sz="1400" dirty="0" smtClean="0"/>
-              <a:t>保存文件的所有修订版本，且能回溯到之前某个时间点的状态；</a:t>
-            </a:r>
-            <a:endParaRPr lang="en-US" altLang="zh-CN" sz="1400" dirty="0" smtClean="0"/>
-          </a:p>
-          <a:p>
-            <a:pPr marL="342900" indent="-342900">
-              <a:lnSpc>
-                <a:spcPct val="150000"/>
-              </a:lnSpc>
-              <a:buFont typeface="+mj-lt"/>
-              <a:buAutoNum type="arabicPeriod"/>
-            </a:pPr>
-            <a:r>
-              <a:rPr lang="zh-CN" altLang="en-US" sz="1400" dirty="0" smtClean="0"/>
-              <a:t>支持多用户协助编辑；</a:t>
-            </a:r>
-            <a:endParaRPr lang="en-US" altLang="zh-CN" sz="1400" dirty="0" smtClean="0"/>
-          </a:p>
-        </p:txBody>
-      </p:sp>
-      <p:sp>
-        <p:nvSpPr>
-          <p:cNvPr id="2" name="矩形 1"/>
-          <p:cNvSpPr/>
-          <p:nvPr/>
-        </p:nvSpPr>
-        <p:spPr>
-          <a:xfrm>
-            <a:off x="577193" y="4640870"/>
-            <a:ext cx="5128327" cy="523220"/>
-          </a:xfrm>
-          <a:prstGeom prst="rect">
-            <a:avLst/>
-          </a:prstGeom>
-          <a:noFill/>
-        </p:spPr>
-        <p:txBody>
-          <a:bodyPr wrap="none" lIns="91440" tIns="45720" rIns="91440" bIns="45720">
-            <a:spAutoFit/>
-          </a:bodyPr>
-          <a:lstStyle/>
-          <a:p>
-            <a:pPr algn="ctr"/>
-            <a:r>
-              <a:rPr lang="en-US" altLang="zh-CN" sz="2800" b="0" cap="none" spc="0" dirty="0" smtClean="0">
-                <a:ln w="0"/>
-                <a:solidFill>
-                  <a:schemeClr val="accent1"/>
-                </a:solidFill>
-                <a:effectLst>
-                  <a:outerShdw blurRad="38100" dist="25400" dir="5400000" algn="ctr" rotWithShape="0">
-                    <a:srgbClr val="6E747A">
-                      <a:alpha val="43000"/>
-                    </a:srgbClr>
-                  </a:outerShdw>
-                </a:effectLst>
-              </a:rPr>
-              <a:t>VSS</a:t>
-            </a:r>
-            <a:r>
-              <a:rPr lang="zh-CN" altLang="en-US" sz="2800" b="0" cap="none" spc="0" dirty="0" smtClean="0">
-                <a:ln w="0"/>
-                <a:solidFill>
-                  <a:schemeClr val="accent1"/>
-                </a:solidFill>
-                <a:effectLst>
-                  <a:outerShdw blurRad="38100" dist="25400" dir="5400000" algn="ctr" rotWithShape="0">
-                    <a:srgbClr val="6E747A">
-                      <a:alpha val="43000"/>
-                    </a:srgbClr>
-                  </a:outerShdw>
-                </a:effectLst>
-              </a:rPr>
-              <a:t>、</a:t>
-            </a:r>
-            <a:r>
-              <a:rPr lang="en-US" altLang="zh-CN" sz="2800" b="0" dirty="0" smtClean="0">
-                <a:ln w="0"/>
-                <a:solidFill>
-                  <a:schemeClr val="accent1"/>
-                </a:solidFill>
-                <a:effectLst>
-                  <a:outerShdw blurRad="38100" dist="25400" dir="5400000" algn="ctr" rotWithShape="0">
-                    <a:srgbClr val="6E747A">
-                      <a:alpha val="43000"/>
-                    </a:srgbClr>
-                  </a:outerShdw>
-                </a:effectLst>
-              </a:rPr>
-              <a:t>CVS</a:t>
-            </a:r>
-            <a:r>
-              <a:rPr lang="zh-CN" altLang="en-US" sz="2800" b="0" dirty="0" smtClean="0">
-                <a:ln w="0"/>
-                <a:solidFill>
-                  <a:schemeClr val="accent1"/>
-                </a:solidFill>
-                <a:effectLst>
-                  <a:outerShdw blurRad="38100" dist="25400" dir="5400000" algn="ctr" rotWithShape="0">
-                    <a:srgbClr val="6E747A">
-                      <a:alpha val="43000"/>
-                    </a:srgbClr>
-                  </a:outerShdw>
-                </a:effectLst>
-              </a:rPr>
-              <a:t>、</a:t>
-            </a:r>
-            <a:r>
-              <a:rPr lang="en-US" altLang="zh-CN" sz="2800" b="0" dirty="0" smtClean="0">
-                <a:ln w="0"/>
-                <a:solidFill>
-                  <a:schemeClr val="accent1"/>
-                </a:solidFill>
-                <a:effectLst>
-                  <a:outerShdw blurRad="38100" dist="25400" dir="5400000" algn="ctr" rotWithShape="0">
-                    <a:srgbClr val="6E747A">
-                      <a:alpha val="43000"/>
-                    </a:srgbClr>
-                  </a:outerShdw>
-                </a:effectLst>
-              </a:rPr>
-              <a:t>SVN</a:t>
-            </a:r>
-            <a:r>
-              <a:rPr lang="zh-CN" altLang="en-US" sz="2800" b="0" dirty="0" smtClean="0">
-                <a:ln w="0"/>
-                <a:solidFill>
-                  <a:schemeClr val="accent1"/>
-                </a:solidFill>
-                <a:effectLst>
-                  <a:outerShdw blurRad="38100" dist="25400" dir="5400000" algn="ctr" rotWithShape="0">
-                    <a:srgbClr val="6E747A">
-                      <a:alpha val="43000"/>
-                    </a:srgbClr>
-                  </a:outerShdw>
-                </a:effectLst>
-              </a:rPr>
-              <a:t>、</a:t>
-            </a:r>
-            <a:r>
-              <a:rPr lang="en-US" altLang="zh-CN" sz="2800" b="0" dirty="0" smtClean="0">
-                <a:ln w="0"/>
-                <a:solidFill>
-                  <a:schemeClr val="accent1"/>
-                </a:solidFill>
-                <a:effectLst>
-                  <a:outerShdw blurRad="38100" dist="25400" dir="5400000" algn="ctr" rotWithShape="0">
-                    <a:srgbClr val="6E747A">
-                      <a:alpha val="43000"/>
-                    </a:srgbClr>
-                  </a:outerShdw>
-                </a:effectLst>
-              </a:rPr>
-              <a:t>GIT</a:t>
-            </a:r>
-            <a:r>
-              <a:rPr lang="zh-CN" altLang="en-US" sz="2800" b="0" dirty="0" smtClean="0">
-                <a:ln w="0"/>
-                <a:solidFill>
-                  <a:schemeClr val="accent1"/>
-                </a:solidFill>
-                <a:effectLst>
-                  <a:outerShdw blurRad="38100" dist="25400" dir="5400000" algn="ctr" rotWithShape="0">
-                    <a:srgbClr val="6E747A">
-                      <a:alpha val="43000"/>
-                    </a:srgbClr>
-                  </a:outerShdw>
-                </a:effectLst>
-              </a:rPr>
-              <a:t>、</a:t>
-            </a:r>
-            <a:r>
-              <a:rPr lang="en-US" altLang="zh-CN" sz="2800" b="0" dirty="0">
-                <a:ln w="0"/>
-                <a:solidFill>
-                  <a:schemeClr val="accent1"/>
-                </a:solidFill>
-                <a:effectLst>
-                  <a:outerShdw blurRad="38100" dist="25400" dir="5400000" algn="ctr" rotWithShape="0">
-                    <a:srgbClr val="6E747A">
-                      <a:alpha val="43000"/>
-                    </a:srgbClr>
-                  </a:outerShdw>
-                </a:effectLst>
-              </a:rPr>
-              <a:t>……</a:t>
-            </a:r>
-            <a:endParaRPr lang="zh-CN" altLang="en-US" sz="2800" b="0" cap="none" spc="0" dirty="0">
-              <a:ln w="0"/>
-              <a:solidFill>
-                <a:schemeClr val="accent1"/>
-              </a:solidFill>
-              <a:effectLst>
-                <a:outerShdw blurRad="38100" dist="25400" dir="5400000" algn="ctr" rotWithShape="0">
-                  <a:srgbClr val="6E747A">
-                    <a:alpha val="43000"/>
-                  </a:srgbClr>
-                </a:outerShdw>
-              </a:effectLst>
-            </a:endParaRPr>
-          </a:p>
-        </p:txBody>
-      </p:sp>
-      <p:pic>
-        <p:nvPicPr>
-          <p:cNvPr id="4" name="图片 3"/>
-          <p:cNvPicPr>
-            <a:picLocks noChangeAspect="1"/>
-          </p:cNvPicPr>
-          <p:nvPr/>
-        </p:nvPicPr>
-        <p:blipFill>
-          <a:blip r:embed="rId3"/>
-          <a:stretch>
-            <a:fillRect/>
-          </a:stretch>
-        </p:blipFill>
-        <p:spPr>
-          <a:xfrm>
-            <a:off x="551257" y="2481598"/>
-            <a:ext cx="7019048" cy="1828571"/>
-          </a:xfrm>
-          <a:prstGeom prst="rect">
-            <a:avLst/>
-          </a:prstGeom>
-        </p:spPr>
-      </p:pic>
+              <a:rPr lang="zh-CN" altLang="en-US" sz="1600" b="0" kern="0" dirty="0" smtClean="0"/>
+              <a:t>文档有一部分需要财务同事填写，我把文件拷贝给她之后，继续修改文档。经过一段时间，同事将文档发回给我，这时我就得好好</a:t>
+            </a:r>
+            <a:r>
+              <a:rPr lang="zh-CN" altLang="en-US" sz="1600" b="0" kern="0" dirty="0"/>
+              <a:t>想想</a:t>
+            </a:r>
+            <a:r>
+              <a:rPr lang="zh-CN" altLang="en-US" sz="1600" b="0" kern="0" dirty="0" smtClean="0"/>
+              <a:t>，这期间我对文档做了哪些改动，要把我的改动和她的部分合并。</a:t>
+            </a:r>
+            <a:endParaRPr lang="en-US" altLang="zh-CN" sz="1600" b="0" kern="0" dirty="0"/>
+          </a:p>
+        </p:txBody>
+      </p:sp>
     </p:spTree>
     <p:extLst>
       <p:ext uri="{BB962C8B-B14F-4D97-AF65-F5344CB8AC3E}">
-        <p14:creationId xmlns:p14="http://schemas.microsoft.com/office/powerpoint/2010/main" val="1480356987"/>
+        <p14:creationId xmlns:p14="http://schemas.microsoft.com/office/powerpoint/2010/main" val="299763853"/>
       </p:ext>
     </p:extLst>
   </p:cSld>
@@ -17396,7 +19661,7 @@
                 <a:latin typeface="微软雅黑" panose="020B0503020204020204" pitchFamily="34" charset="-122"/>
                 <a:ea typeface="微软雅黑" panose="020B0503020204020204" pitchFamily="34" charset="-122"/>
               </a:rPr>
-              <a:t>版本控制系统</a:t>
+              <a:t>版本控制</a:t>
             </a:r>
             <a:endParaRPr lang="zh-CN" altLang="en-US" sz="2800" dirty="0">
               <a:solidFill>
@@ -17486,8 +19751,8 @@
         </p:nvSpPr>
         <p:spPr>
           <a:xfrm>
-            <a:off x="467544" y="769268"/>
-            <a:ext cx="8234363" cy="365094"/>
+            <a:off x="467544" y="913284"/>
+            <a:ext cx="8234363" cy="1705076"/>
           </a:xfrm>
         </p:spPr>
         <p:txBody>
@@ -17503,249 +19768,270 @@
               <a:buNone/>
             </a:pPr>
             <a:r>
-              <a:rPr lang="zh-CN" altLang="en-US" sz="1400" dirty="0" smtClean="0"/>
-              <a:t>本地版本控制系统</a:t>
-            </a:r>
-            <a:endParaRPr lang="en-US" altLang="zh-CN" sz="1400" dirty="0" smtClean="0"/>
-          </a:p>
-        </p:txBody>
-      </p:sp>
-      <p:pic>
-        <p:nvPicPr>
-          <p:cNvPr id="4098" name="Picture 2" descr="https://git-scm.com/figures/18333fig0101-tn.png"/>
-          <p:cNvPicPr>
-            <a:picLocks noChangeAspect="1" noChangeArrowheads="1"/>
-          </p:cNvPicPr>
+              <a:rPr lang="zh-CN" altLang="en-US" sz="1600" dirty="0" smtClean="0"/>
+              <a:t>如果有这样的一个软件，它能够：</a:t>
+            </a:r>
+            <a:endParaRPr lang="en-US" altLang="zh-CN" sz="1600" dirty="0" smtClean="0"/>
+          </a:p>
+          <a:p>
+            <a:pPr marL="342900" indent="-342900">
+              <a:lnSpc>
+                <a:spcPct val="150000"/>
+              </a:lnSpc>
+              <a:buFont typeface="+mj-lt"/>
+              <a:buAutoNum type="arabicPeriod"/>
+            </a:pPr>
+            <a:r>
+              <a:rPr lang="zh-CN" altLang="en-US" sz="1600" dirty="0"/>
+              <a:t>管理</a:t>
+            </a:r>
+            <a:r>
+              <a:rPr lang="zh-CN" altLang="en-US" sz="1600" dirty="0" smtClean="0"/>
+              <a:t>文件，自动记录每次文件的改动；</a:t>
+            </a:r>
+            <a:endParaRPr lang="en-US" altLang="zh-CN" sz="1600" dirty="0" smtClean="0"/>
+          </a:p>
+          <a:p>
+            <a:pPr marL="342900" indent="-342900">
+              <a:lnSpc>
+                <a:spcPct val="150000"/>
+              </a:lnSpc>
+              <a:buFont typeface="+mj-lt"/>
+              <a:buAutoNum type="arabicPeriod"/>
+            </a:pPr>
+            <a:r>
+              <a:rPr lang="zh-CN" altLang="en-US" sz="1600" dirty="0" smtClean="0"/>
+              <a:t>保存文件的所有修订版本，且能回溯到之前某个时间点的状态；</a:t>
+            </a:r>
+            <a:endParaRPr lang="en-US" altLang="zh-CN" sz="1600" dirty="0" smtClean="0"/>
+          </a:p>
+          <a:p>
+            <a:pPr marL="342900" indent="-342900">
+              <a:lnSpc>
+                <a:spcPct val="150000"/>
+              </a:lnSpc>
+              <a:buFont typeface="+mj-lt"/>
+              <a:buAutoNum type="arabicPeriod"/>
+            </a:pPr>
+            <a:r>
+              <a:rPr lang="zh-CN" altLang="en-US" sz="1600" dirty="0" smtClean="0"/>
+              <a:t>支持多用户协助编辑；</a:t>
+            </a:r>
+            <a:endParaRPr lang="en-US" altLang="zh-CN" sz="1600" dirty="0" smtClean="0"/>
+          </a:p>
+        </p:txBody>
+      </p:sp>
+      <p:sp>
+        <p:nvSpPr>
+          <p:cNvPr id="2" name="矩形 1"/>
+          <p:cNvSpPr/>
           <p:nvPr/>
-        </p:nvPicPr>
-        <p:blipFill>
-          <a:blip r:embed="rId3">
-            <a:extLst>
-              <a:ext uri="{28A0092B-C50C-407E-A947-70E740481C1C}">
-                <a14:useLocalDpi xmlns:a14="http://schemas.microsoft.com/office/drawing/2010/main" val="0"/>
-              </a:ext>
-            </a:extLst>
-          </a:blip>
-          <a:srcRect/>
-          <a:stretch>
-            <a:fillRect/>
-          </a:stretch>
-        </p:blipFill>
-        <p:spPr bwMode="auto">
+        </p:nvSpPr>
+        <p:spPr>
           <a:xfrm>
-            <a:off x="467544" y="1561356"/>
-            <a:ext cx="3810000" cy="3200401"/>
+            <a:off x="577193" y="4729708"/>
+            <a:ext cx="5128327" cy="523220"/>
           </a:xfrm>
           <a:prstGeom prst="rect">
             <a:avLst/>
           </a:prstGeom>
           <a:noFill/>
-          <a:extLst>
-            <a:ext uri="{909E8E84-426E-40DD-AFC4-6F175D3DCCD1}">
-              <a14:hiddenFill xmlns:a14="http://schemas.microsoft.com/office/drawing/2010/main">
-                <a:solidFill>
-                  <a:srgbClr val="FFFFFF"/>
-                </a:solidFill>
-              </a14:hiddenFill>
-            </a:ext>
-          </a:extLst>
         </p:spPr>
-      </p:pic>
-      <p:sp>
-        <p:nvSpPr>
-          <p:cNvPr id="12" name="内容占位符 2"/>
-          <p:cNvSpPr txBox="1">
-            <a:spLocks/>
-          </p:cNvSpPr>
+        <p:txBody>
+          <a:bodyPr wrap="none" lIns="91440" tIns="45720" rIns="91440" bIns="45720">
+            <a:spAutoFit/>
+          </a:bodyPr>
+          <a:lstStyle/>
+          <a:p>
+            <a:pPr algn="ctr"/>
+            <a:r>
+              <a:rPr lang="en-US" altLang="zh-CN" sz="2800" b="0" cap="none" spc="0" dirty="0" smtClean="0">
+                <a:ln w="0"/>
+                <a:solidFill>
+                  <a:schemeClr val="accent1"/>
+                </a:solidFill>
+                <a:effectLst>
+                  <a:outerShdw blurRad="38100" dist="25400" dir="5400000" algn="ctr" rotWithShape="0">
+                    <a:srgbClr val="6E747A">
+                      <a:alpha val="43000"/>
+                    </a:srgbClr>
+                  </a:outerShdw>
+                </a:effectLst>
+              </a:rPr>
+              <a:t>VSS</a:t>
+            </a:r>
+            <a:r>
+              <a:rPr lang="zh-CN" altLang="en-US" sz="2800" b="0" cap="none" spc="0" dirty="0" smtClean="0">
+                <a:ln w="0"/>
+                <a:solidFill>
+                  <a:schemeClr val="accent1"/>
+                </a:solidFill>
+                <a:effectLst>
+                  <a:outerShdw blurRad="38100" dist="25400" dir="5400000" algn="ctr" rotWithShape="0">
+                    <a:srgbClr val="6E747A">
+                      <a:alpha val="43000"/>
+                    </a:srgbClr>
+                  </a:outerShdw>
+                </a:effectLst>
+              </a:rPr>
+              <a:t>、</a:t>
+            </a:r>
+            <a:r>
+              <a:rPr lang="en-US" altLang="zh-CN" sz="2800" b="0" dirty="0" smtClean="0">
+                <a:ln w="0"/>
+                <a:solidFill>
+                  <a:schemeClr val="accent1"/>
+                </a:solidFill>
+                <a:effectLst>
+                  <a:outerShdw blurRad="38100" dist="25400" dir="5400000" algn="ctr" rotWithShape="0">
+                    <a:srgbClr val="6E747A">
+                      <a:alpha val="43000"/>
+                    </a:srgbClr>
+                  </a:outerShdw>
+                </a:effectLst>
+              </a:rPr>
+              <a:t>CVS</a:t>
+            </a:r>
+            <a:r>
+              <a:rPr lang="zh-CN" altLang="en-US" sz="2800" b="0" dirty="0" smtClean="0">
+                <a:ln w="0"/>
+                <a:solidFill>
+                  <a:schemeClr val="accent1"/>
+                </a:solidFill>
+                <a:effectLst>
+                  <a:outerShdw blurRad="38100" dist="25400" dir="5400000" algn="ctr" rotWithShape="0">
+                    <a:srgbClr val="6E747A">
+                      <a:alpha val="43000"/>
+                    </a:srgbClr>
+                  </a:outerShdw>
+                </a:effectLst>
+              </a:rPr>
+              <a:t>、</a:t>
+            </a:r>
+            <a:r>
+              <a:rPr lang="en-US" altLang="zh-CN" sz="2800" b="0" dirty="0" smtClean="0">
+                <a:ln w="0"/>
+                <a:solidFill>
+                  <a:schemeClr val="accent1"/>
+                </a:solidFill>
+                <a:effectLst>
+                  <a:outerShdw blurRad="38100" dist="25400" dir="5400000" algn="ctr" rotWithShape="0">
+                    <a:srgbClr val="6E747A">
+                      <a:alpha val="43000"/>
+                    </a:srgbClr>
+                  </a:outerShdw>
+                </a:effectLst>
+              </a:rPr>
+              <a:t>SVN</a:t>
+            </a:r>
+            <a:r>
+              <a:rPr lang="zh-CN" altLang="en-US" sz="2800" b="0" dirty="0" smtClean="0">
+                <a:ln w="0"/>
+                <a:solidFill>
+                  <a:schemeClr val="accent1"/>
+                </a:solidFill>
+                <a:effectLst>
+                  <a:outerShdw blurRad="38100" dist="25400" dir="5400000" algn="ctr" rotWithShape="0">
+                    <a:srgbClr val="6E747A">
+                      <a:alpha val="43000"/>
+                    </a:srgbClr>
+                  </a:outerShdw>
+                </a:effectLst>
+              </a:rPr>
+              <a:t>、</a:t>
+            </a:r>
+            <a:r>
+              <a:rPr lang="en-US" altLang="zh-CN" sz="2800" b="0" dirty="0" smtClean="0">
+                <a:ln w="0"/>
+                <a:solidFill>
+                  <a:schemeClr val="accent1"/>
+                </a:solidFill>
+                <a:effectLst>
+                  <a:outerShdw blurRad="38100" dist="25400" dir="5400000" algn="ctr" rotWithShape="0">
+                    <a:srgbClr val="6E747A">
+                      <a:alpha val="43000"/>
+                    </a:srgbClr>
+                  </a:outerShdw>
+                </a:effectLst>
+              </a:rPr>
+              <a:t>GIT</a:t>
+            </a:r>
+            <a:r>
+              <a:rPr lang="zh-CN" altLang="en-US" sz="2800" b="0" dirty="0" smtClean="0">
+                <a:ln w="0"/>
+                <a:solidFill>
+                  <a:schemeClr val="accent1"/>
+                </a:solidFill>
+                <a:effectLst>
+                  <a:outerShdw blurRad="38100" dist="25400" dir="5400000" algn="ctr" rotWithShape="0">
+                    <a:srgbClr val="6E747A">
+                      <a:alpha val="43000"/>
+                    </a:srgbClr>
+                  </a:outerShdw>
+                </a:effectLst>
+              </a:rPr>
+              <a:t>、</a:t>
+            </a:r>
+            <a:r>
+              <a:rPr lang="en-US" altLang="zh-CN" sz="2800" b="0" dirty="0">
+                <a:ln w="0"/>
+                <a:solidFill>
+                  <a:schemeClr val="accent1"/>
+                </a:solidFill>
+                <a:effectLst>
+                  <a:outerShdw blurRad="38100" dist="25400" dir="5400000" algn="ctr" rotWithShape="0">
+                    <a:srgbClr val="6E747A">
+                      <a:alpha val="43000"/>
+                    </a:srgbClr>
+                  </a:outerShdw>
+                </a:effectLst>
+              </a:rPr>
+              <a:t>……</a:t>
+            </a:r>
+            <a:endParaRPr lang="zh-CN" altLang="en-US" sz="2800" b="0" cap="none" spc="0" dirty="0">
+              <a:ln w="0"/>
+              <a:solidFill>
+                <a:schemeClr val="accent1"/>
+              </a:solidFill>
+              <a:effectLst>
+                <a:outerShdw blurRad="38100" dist="25400" dir="5400000" algn="ctr" rotWithShape="0">
+                  <a:srgbClr val="6E747A">
+                    <a:alpha val="43000"/>
+                  </a:srgbClr>
+                </a:outerShdw>
+              </a:effectLst>
+            </a:endParaRPr>
+          </a:p>
+        </p:txBody>
+      </p:sp>
+      <p:pic>
+        <p:nvPicPr>
+          <p:cNvPr id="4" name="图片 3"/>
+          <p:cNvPicPr>
+            <a:picLocks noChangeAspect="1"/>
+          </p:cNvPicPr>
           <p:nvPr/>
-        </p:nvSpPr>
-        <p:spPr bwMode="auto">
+        </p:nvPicPr>
+        <p:blipFill>
+          <a:blip r:embed="rId3"/>
+          <a:stretch>
+            <a:fillRect/>
+          </a:stretch>
+        </p:blipFill>
+        <p:spPr>
           <a:xfrm>
-            <a:off x="5611655" y="1345332"/>
-            <a:ext cx="3024336" cy="1372677"/>
+            <a:off x="551257" y="2829129"/>
+            <a:ext cx="7019048" cy="1828571"/>
           </a:xfrm>
           <a:prstGeom prst="rect">
             <a:avLst/>
           </a:prstGeom>
-          <a:noFill/>
-          <a:ln w="9525">
-            <a:noFill/>
-            <a:miter lim="800000"/>
-          </a:ln>
         </p:spPr>
-        <p:txBody>
-          <a:bodyPr vert="horz" wrap="square" lIns="79242" tIns="39621" rIns="79242" bIns="39621" numCol="1" anchor="t" anchorCtr="0" compatLnSpc="1">
-            <a:spAutoFit/>
-          </a:bodyPr>
-          <a:lstStyle>
-            <a:lvl1pPr marL="323212" indent="-323212" algn="l" rtl="0" eaLnBrk="1" fontAlgn="base" hangingPunct="1">
-              <a:spcBef>
-                <a:spcPct val="20000"/>
-              </a:spcBef>
-              <a:spcAft>
-                <a:spcPct val="0"/>
-              </a:spcAft>
-              <a:buChar char="•"/>
-              <a:defRPr sz="1700">
-                <a:solidFill>
-                  <a:schemeClr val="tx1"/>
-                </a:solidFill>
-                <a:latin typeface="微软雅黑" panose="020B0503020204020204" pitchFamily="34" charset="-122"/>
-                <a:ea typeface="微软雅黑" panose="020B0503020204020204" pitchFamily="34" charset="-122"/>
-                <a:cs typeface="+mn-cs"/>
-              </a:defRPr>
-            </a:lvl1pPr>
-            <a:lvl2pPr marL="699763" indent="-269238" algn="l" rtl="0" eaLnBrk="1" fontAlgn="base" hangingPunct="1">
-              <a:spcBef>
-                <a:spcPct val="20000"/>
-              </a:spcBef>
-              <a:spcAft>
-                <a:spcPct val="0"/>
-              </a:spcAft>
-              <a:buChar char="–"/>
-              <a:defRPr sz="1500">
-                <a:solidFill>
-                  <a:schemeClr val="tx1"/>
-                </a:solidFill>
-                <a:latin typeface="微软雅黑" panose="020B0503020204020204" pitchFamily="34" charset="-122"/>
-                <a:ea typeface="微软雅黑" panose="020B0503020204020204" pitchFamily="34" charset="-122"/>
-              </a:defRPr>
-            </a:lvl2pPr>
-            <a:lvl3pPr marL="1076949" indent="-215263" algn="l" rtl="0" eaLnBrk="1" fontAlgn="base" hangingPunct="1">
-              <a:spcBef>
-                <a:spcPct val="20000"/>
-              </a:spcBef>
-              <a:spcAft>
-                <a:spcPct val="0"/>
-              </a:spcAft>
-              <a:buChar char="•"/>
-              <a:defRPr sz="1500">
-                <a:solidFill>
-                  <a:schemeClr val="tx1"/>
-                </a:solidFill>
-                <a:latin typeface="微软雅黑" panose="020B0503020204020204" pitchFamily="34" charset="-122"/>
-                <a:ea typeface="微软雅黑" panose="020B0503020204020204" pitchFamily="34" charset="-122"/>
-              </a:defRPr>
-            </a:lvl3pPr>
-            <a:lvl4pPr marL="1507475" indent="-215263" algn="l" rtl="0" eaLnBrk="1" fontAlgn="base" hangingPunct="1">
-              <a:spcBef>
-                <a:spcPct val="20000"/>
-              </a:spcBef>
-              <a:spcAft>
-                <a:spcPct val="0"/>
-              </a:spcAft>
-              <a:buChar char="–"/>
-              <a:defRPr sz="1500">
-                <a:solidFill>
-                  <a:schemeClr val="tx1"/>
-                </a:solidFill>
-                <a:latin typeface="微软雅黑" panose="020B0503020204020204" pitchFamily="34" charset="-122"/>
-                <a:ea typeface="微软雅黑" panose="020B0503020204020204" pitchFamily="34" charset="-122"/>
-              </a:defRPr>
-            </a:lvl4pPr>
-            <a:lvl5pPr marL="1938001" indent="-215263" algn="l" rtl="0" eaLnBrk="1" fontAlgn="base" hangingPunct="1">
-              <a:spcBef>
-                <a:spcPct val="20000"/>
-              </a:spcBef>
-              <a:spcAft>
-                <a:spcPct val="0"/>
-              </a:spcAft>
-              <a:buChar char="»"/>
-              <a:defRPr sz="1500">
-                <a:solidFill>
-                  <a:schemeClr val="tx1"/>
-                </a:solidFill>
-                <a:latin typeface="微软雅黑" panose="020B0503020204020204" pitchFamily="34" charset="-122"/>
-                <a:ea typeface="微软雅黑" panose="020B0503020204020204" pitchFamily="34" charset="-122"/>
-              </a:defRPr>
-            </a:lvl5pPr>
-            <a:lvl6pPr marL="2368526" indent="-215263" algn="l" rtl="0" eaLnBrk="1" fontAlgn="base" hangingPunct="1">
-              <a:spcBef>
-                <a:spcPct val="20000"/>
-              </a:spcBef>
-              <a:spcAft>
-                <a:spcPct val="0"/>
-              </a:spcAft>
-              <a:buChar char="»"/>
-              <a:defRPr sz="1900">
-                <a:solidFill>
-                  <a:schemeClr val="tx1"/>
-                </a:solidFill>
-                <a:latin typeface="+mn-lt"/>
-                <a:ea typeface="+mn-ea"/>
-              </a:defRPr>
-            </a:lvl6pPr>
-            <a:lvl7pPr marL="2799687" indent="-215263" algn="l" rtl="0" eaLnBrk="1" fontAlgn="base" hangingPunct="1">
-              <a:spcBef>
-                <a:spcPct val="20000"/>
-              </a:spcBef>
-              <a:spcAft>
-                <a:spcPct val="0"/>
-              </a:spcAft>
-              <a:buChar char="»"/>
-              <a:defRPr sz="1900">
-                <a:solidFill>
-                  <a:schemeClr val="tx1"/>
-                </a:solidFill>
-                <a:latin typeface="+mn-lt"/>
-                <a:ea typeface="+mn-ea"/>
-              </a:defRPr>
-            </a:lvl7pPr>
-            <a:lvl8pPr marL="3230213" indent="-215263" algn="l" rtl="0" eaLnBrk="1" fontAlgn="base" hangingPunct="1">
-              <a:spcBef>
-                <a:spcPct val="20000"/>
-              </a:spcBef>
-              <a:spcAft>
-                <a:spcPct val="0"/>
-              </a:spcAft>
-              <a:buChar char="»"/>
-              <a:defRPr sz="1900">
-                <a:solidFill>
-                  <a:schemeClr val="tx1"/>
-                </a:solidFill>
-                <a:latin typeface="+mn-lt"/>
-                <a:ea typeface="+mn-ea"/>
-              </a:defRPr>
-            </a:lvl8pPr>
-            <a:lvl9pPr marL="3660738" indent="-215263" algn="l" rtl="0" eaLnBrk="1" fontAlgn="base" hangingPunct="1">
-              <a:spcBef>
-                <a:spcPct val="20000"/>
-              </a:spcBef>
-              <a:spcAft>
-                <a:spcPct val="0"/>
-              </a:spcAft>
-              <a:buChar char="»"/>
-              <a:defRPr sz="1900">
-                <a:solidFill>
-                  <a:schemeClr val="tx1"/>
-                </a:solidFill>
-                <a:latin typeface="+mn-lt"/>
-                <a:ea typeface="+mn-ea"/>
-              </a:defRPr>
-            </a:lvl9pPr>
-          </a:lstStyle>
-          <a:p>
-            <a:pPr>
-              <a:lnSpc>
-                <a:spcPct val="150000"/>
-              </a:lnSpc>
-            </a:pPr>
-            <a:r>
-              <a:rPr lang="zh-CN" altLang="en-US" sz="1400" b="0" dirty="0"/>
-              <a:t>采用某种简单的数据库来记录文件的历次更新</a:t>
-            </a:r>
-            <a:r>
-              <a:rPr lang="zh-CN" altLang="en-US" sz="1400" b="0" dirty="0" smtClean="0"/>
-              <a:t>差异，避免了采用复制整个项目目录的方式造成的混乱</a:t>
-            </a:r>
-            <a:endParaRPr lang="en-US" altLang="zh-CN" sz="1400" b="0" kern="0" dirty="0" smtClean="0"/>
-          </a:p>
-        </p:txBody>
-      </p:sp>
+      </p:pic>
     </p:spTree>
     <p:extLst>
       <p:ext uri="{BB962C8B-B14F-4D97-AF65-F5344CB8AC3E}">
-        <p14:creationId xmlns:p14="http://schemas.microsoft.com/office/powerpoint/2010/main" val="2282212223"/>
+        <p14:creationId xmlns:p14="http://schemas.microsoft.com/office/powerpoint/2010/main" val="1480356987"/>
       </p:ext>
     </p:extLst>
   </p:cSld>
@@ -18086,7 +20372,7 @@
         <p:spPr>
           <a:xfrm>
             <a:off x="467544" y="769268"/>
-            <a:ext cx="8234363" cy="403181"/>
+            <a:ext cx="8234363" cy="365094"/>
           </a:xfrm>
         </p:spPr>
         <p:txBody>
@@ -18102,8 +20388,8 @@
               <a:buNone/>
             </a:pPr>
             <a:r>
-              <a:rPr lang="zh-CN" altLang="en-US" sz="1400" dirty="0"/>
-              <a:t>集中化的版本控制系统</a:t>
+              <a:rPr lang="zh-CN" altLang="en-US" sz="1400" dirty="0" smtClean="0"/>
+              <a:t>本地版本控制系统</a:t>
             </a:r>
             <a:endParaRPr lang="en-US" altLang="zh-CN" sz="1400" dirty="0" smtClean="0"/>
           </a:p>
@@ -18111,7 +20397,7 @@
       </p:sp>
       <p:pic>
         <p:nvPicPr>
-          <p:cNvPr id="6146" name="Picture 2" descr="https://git-scm.com/figures/18333fig0102-tn.png"/>
+          <p:cNvPr id="4098" name="Picture 2" descr="https://git-scm.com/figures/18333fig0101-tn.png"/>
           <p:cNvPicPr>
             <a:picLocks noChangeAspect="1" noChangeArrowheads="1"/>
           </p:cNvPicPr>
@@ -18132,8 +20418,8 @@
         </p:blipFill>
         <p:spPr bwMode="auto">
           <a:xfrm>
-            <a:off x="497886" y="1408963"/>
-            <a:ext cx="4762500" cy="3733800"/>
+            <a:off x="467544" y="1561356"/>
+            <a:ext cx="3810000" cy="3200401"/>
           </a:xfrm>
           <a:prstGeom prst="rect">
             <a:avLst/>
@@ -18152,7 +20438,7 @@
       </p:pic>
       <p:sp>
         <p:nvSpPr>
-          <p:cNvPr id="11" name="内容占位符 2"/>
+          <p:cNvPr id="12" name="内容占位符 2"/>
           <p:cNvSpPr txBox="1">
             <a:spLocks/>
           </p:cNvSpPr>
@@ -18160,8 +20446,8 @@
         </p:nvSpPr>
         <p:spPr bwMode="auto">
           <a:xfrm>
-            <a:off x="5611655" y="1417340"/>
-            <a:ext cx="2920785" cy="3656380"/>
+            <a:off x="5611655" y="1345332"/>
+            <a:ext cx="3024336" cy="1372677"/>
           </a:xfrm>
           <a:prstGeom prst="rect">
             <a:avLst/>
@@ -18324,47 +20610,27 @@
             </a:lvl9pPr>
           </a:lstStyle>
           <a:p>
+            <a:pPr>
+              <a:lnSpc>
+                <a:spcPct val="150000"/>
+              </a:lnSpc>
+            </a:pPr>
             <a:r>
               <a:rPr lang="zh-CN" altLang="en-US" sz="1400" b="0" dirty="0"/>
-              <a:t>事分两面，有好有坏。</a:t>
-            </a:r>
-            <a:endParaRPr lang="en-US" altLang="zh-CN" sz="1400" b="0" dirty="0"/>
-          </a:p>
-          <a:p>
-            <a:r>
-              <a:rPr lang="zh-CN" altLang="en-US" sz="1400" b="0" dirty="0"/>
-              <a:t>最显而易见的缺点是中央服务器的单点故障。如果宕机一小时，那么在这一小时内，谁都无法提交更新，也就无法协同工作。</a:t>
-            </a:r>
-            <a:endParaRPr lang="en-US" altLang="zh-CN" sz="1400" b="0" dirty="0"/>
-          </a:p>
-          <a:p>
-            <a:r>
-              <a:rPr lang="zh-CN" altLang="en-US" sz="1400" b="0" dirty="0"/>
-              <a:t>要是中央服务器的磁盘发生故障，碰巧没做备份，或者备份不够及时，就会有丢失数据的风险。最坏的情况是彻底丢失整个项目的所有历史更改记录，而被客户端偶然提取出来的保存在本地的某些快照数据就成了恢复数据的希望</a:t>
+              <a:t>采用某种简单的数据库来记录文件的历次更新</a:t>
             </a:r>
             <a:r>
               <a:rPr lang="zh-CN" altLang="en-US" sz="1400" b="0" dirty="0" smtClean="0"/>
-              <a:t>。</a:t>
-            </a:r>
-            <a:endParaRPr lang="en-US" altLang="zh-CN" sz="1400" b="0" dirty="0" smtClean="0"/>
-          </a:p>
-          <a:p>
-            <a:r>
-              <a:rPr lang="zh-CN" altLang="en-US" sz="1400" b="0" dirty="0" smtClean="0"/>
-              <a:t>简单</a:t>
-            </a:r>
-            <a:r>
-              <a:rPr lang="zh-CN" altLang="en-US" sz="1400" b="0" dirty="0"/>
-              <a:t>的说，鸡蛋都放在一个篮子里，风险太大。</a:t>
-            </a:r>
-            <a:endParaRPr lang="en-US" altLang="zh-CN" sz="1400" b="0" dirty="0"/>
+              <a:t>差异，避免了采用复制整个项目目录的方式造成的混乱</a:t>
+            </a:r>
+            <a:endParaRPr lang="en-US" altLang="zh-CN" sz="1400" b="0" kern="0" dirty="0" smtClean="0"/>
           </a:p>
         </p:txBody>
       </p:sp>
     </p:spTree>
     <p:extLst>
       <p:ext uri="{BB962C8B-B14F-4D97-AF65-F5344CB8AC3E}">
-        <p14:creationId xmlns:p14="http://schemas.microsoft.com/office/powerpoint/2010/main" val="2045969021"/>
+        <p14:creationId xmlns:p14="http://schemas.microsoft.com/office/powerpoint/2010/main" val="2282212223"/>
       </p:ext>
     </p:extLst>
   </p:cSld>
@@ -18705,7 +20971,7 @@
         <p:spPr>
           <a:xfrm>
             <a:off x="467544" y="769268"/>
-            <a:ext cx="8234363" cy="365094"/>
+            <a:ext cx="8234363" cy="403181"/>
           </a:xfrm>
         </p:spPr>
         <p:txBody>
@@ -18722,7 +20988,7 @@
             </a:pPr>
             <a:r>
               <a:rPr lang="zh-CN" altLang="en-US" sz="1400" dirty="0"/>
-              <a:t>分布式版本控制系统</a:t>
+              <a:t>集中化的版本控制系统</a:t>
             </a:r>
             <a:endParaRPr lang="en-US" altLang="zh-CN" sz="1400" dirty="0" smtClean="0"/>
           </a:p>
@@ -18730,7 +20996,7 @@
       </p:sp>
       <p:pic>
         <p:nvPicPr>
-          <p:cNvPr id="7170" name="Picture 2" descr="https://git-scm.com/figures/18333fig0103-tn.png"/>
+          <p:cNvPr id="6146" name="Picture 2" descr="https://git-scm.com/figures/18333fig0102-tn.png"/>
           <p:cNvPicPr>
             <a:picLocks noChangeAspect="1" noChangeArrowheads="1"/>
           </p:cNvPicPr>
@@ -18751,8 +21017,8 @@
         </p:blipFill>
         <p:spPr bwMode="auto">
           <a:xfrm>
-            <a:off x="467544" y="1177384"/>
-            <a:ext cx="3794319" cy="4272404"/>
+            <a:off x="497886" y="1408963"/>
+            <a:ext cx="4762500" cy="3733800"/>
           </a:xfrm>
           <a:prstGeom prst="rect">
             <a:avLst/>
@@ -18780,7 +21046,7 @@
         <p:spPr bwMode="auto">
           <a:xfrm>
             <a:off x="5611655" y="1417340"/>
-            <a:ext cx="2920785" cy="2019008"/>
+            <a:ext cx="2920785" cy="3656380"/>
           </a:xfrm>
           <a:prstGeom prst="rect">
             <a:avLst/>
@@ -18945,11 +21211,36 @@
           <a:p>
             <a:r>
               <a:rPr lang="zh-CN" altLang="en-US" sz="1400" b="0" dirty="0"/>
-              <a:t>客户端并不只提取最新版本的文件快照，而是把代码仓库完整地镜像下来。这么一来，任何一处协同工作用的服务器发生故障，事后都可以用任何一个镜像出来的本地仓库恢复。因为每一次的提取操作，实际上都是一次对代码仓库的完整</a:t>
+              <a:t>事分两面，有好有坏。</a:t>
+            </a:r>
+            <a:endParaRPr lang="en-US" altLang="zh-CN" sz="1400" b="0" dirty="0"/>
+          </a:p>
+          <a:p>
+            <a:r>
+              <a:rPr lang="zh-CN" altLang="en-US" sz="1400" b="0" dirty="0"/>
+              <a:t>最显而易见的缺点是中央服务器的单点故障。如果宕机一小时，那么在这一小时内，谁都无法提交更新，也就无法协同工作。</a:t>
+            </a:r>
+            <a:endParaRPr lang="en-US" altLang="zh-CN" sz="1400" b="0" dirty="0"/>
+          </a:p>
+          <a:p>
+            <a:r>
+              <a:rPr lang="zh-CN" altLang="en-US" sz="1400" b="0" dirty="0"/>
+              <a:t>要是中央服务器的磁盘发生故障，碰巧没做备份，或者备份不够及时，就会有丢失数据的风险。最坏的情况是彻底丢失整个项目的所有历史更改记录，而被客户端偶然提取出来的保存在本地的某些快照数据就成了恢复数据的希望</a:t>
             </a:r>
             <a:r>
               <a:rPr lang="zh-CN" altLang="en-US" sz="1400" b="0" dirty="0" smtClean="0"/>
-              <a:t>备份。</a:t>
+              <a:t>。</a:t>
+            </a:r>
+            <a:endParaRPr lang="en-US" altLang="zh-CN" sz="1400" b="0" dirty="0" smtClean="0"/>
+          </a:p>
+          <a:p>
+            <a:r>
+              <a:rPr lang="zh-CN" altLang="en-US" sz="1400" b="0" dirty="0" smtClean="0"/>
+              <a:t>简单</a:t>
+            </a:r>
+            <a:r>
+              <a:rPr lang="zh-CN" altLang="en-US" sz="1400" b="0" dirty="0"/>
+              <a:t>的说，鸡蛋都放在一个篮子里，风险太大。</a:t>
             </a:r>
             <a:endParaRPr lang="en-US" altLang="zh-CN" sz="1400" b="0" dirty="0"/>
           </a:p>
@@ -18958,7 +21249,7 @@
     </p:spTree>
     <p:extLst>
       <p:ext uri="{BB962C8B-B14F-4D97-AF65-F5344CB8AC3E}">
-        <p14:creationId xmlns:p14="http://schemas.microsoft.com/office/powerpoint/2010/main" val="4040755750"/>
+        <p14:creationId xmlns:p14="http://schemas.microsoft.com/office/powerpoint/2010/main" val="2045969021"/>
       </p:ext>
     </p:extLst>
   </p:cSld>
@@ -19201,25 +21492,22 @@
           <a:lstStyle/>
           <a:p>
             <a:r>
-              <a:rPr lang="en-US" altLang="zh-CN" sz="2800" dirty="0" err="1" smtClean="0">
+              <a:rPr lang="zh-CN" altLang="en-US" sz="2800" dirty="0" smtClean="0">
                 <a:solidFill>
                   <a:schemeClr val="accent4"/>
                 </a:solidFill>
                 <a:latin typeface="微软雅黑" panose="020B0503020204020204" pitchFamily="34" charset="-122"/>
                 <a:ea typeface="微软雅黑" panose="020B0503020204020204" pitchFamily="34" charset="-122"/>
               </a:rPr>
-              <a:t>Git</a:t>
-            </a:r>
-            <a:r>
-              <a:rPr lang="zh-CN" altLang="en-US" sz="2800" dirty="0">
-                <a:solidFill>
-                  <a:schemeClr val="accent4"/>
-                </a:solidFill>
-                <a:latin typeface="微软雅黑" panose="020B0503020204020204" pitchFamily="34" charset="-122"/>
-                <a:ea typeface="微软雅黑" panose="020B0503020204020204" pitchFamily="34" charset="-122"/>
-              </a:rPr>
-              <a:t>系统</a:t>
-            </a:r>
+              <a:t>版本控制系统</a:t>
+            </a:r>
+            <a:endParaRPr lang="zh-CN" altLang="en-US" sz="2800" dirty="0">
+              <a:solidFill>
+                <a:schemeClr val="accent4"/>
+              </a:solidFill>
+              <a:latin typeface="微软雅黑" panose="020B0503020204020204" pitchFamily="34" charset="-122"/>
+              <a:ea typeface="微软雅黑" panose="020B0503020204020204" pitchFamily="34" charset="-122"/>
+            </a:endParaRPr>
           </a:p>
         </p:txBody>
       </p:sp>
@@ -19301,8 +21589,8 @@
         </p:nvSpPr>
         <p:spPr>
           <a:xfrm>
-            <a:off x="467544" y="1273324"/>
-            <a:ext cx="8234363" cy="1049512"/>
+            <a:off x="467544" y="769268"/>
+            <a:ext cx="8234363" cy="365094"/>
           </a:xfrm>
         </p:spPr>
         <p:txBody>
@@ -19318,60 +21606,8 @@
               <a:buNone/>
             </a:pPr>
             <a:r>
-              <a:rPr lang="en-US" altLang="zh-CN" sz="1400" dirty="0" err="1"/>
-              <a:t>Git</a:t>
-            </a:r>
-            <a:r>
-              <a:rPr lang="en-US" altLang="zh-CN" sz="1400" dirty="0"/>
-              <a:t> </a:t>
-            </a:r>
-            <a:r>
               <a:rPr lang="zh-CN" altLang="en-US" sz="1400" dirty="0"/>
-              <a:t>只关心文件数据的整体是否发生变化，而大多数其他系统则只关心文件内容的具体</a:t>
-            </a:r>
-            <a:r>
-              <a:rPr lang="zh-CN" altLang="en-US" sz="1400" dirty="0" smtClean="0"/>
-              <a:t>差异。</a:t>
-            </a:r>
-            <a:r>
-              <a:rPr lang="zh-CN" altLang="en-US" sz="1400" dirty="0"/>
-              <a:t>这类系统（</a:t>
-            </a:r>
-            <a:r>
-              <a:rPr lang="en-US" altLang="zh-CN" sz="1400" dirty="0"/>
-              <a:t>CVS</a:t>
-            </a:r>
-            <a:r>
-              <a:rPr lang="zh-CN" altLang="en-US" sz="1400" dirty="0"/>
-              <a:t>，</a:t>
-            </a:r>
-            <a:r>
-              <a:rPr lang="en-US" altLang="zh-CN" sz="1400" dirty="0"/>
-              <a:t>Subversion</a:t>
-            </a:r>
-            <a:r>
-              <a:rPr lang="zh-CN" altLang="en-US" sz="1400" dirty="0"/>
-              <a:t>，</a:t>
-            </a:r>
-            <a:r>
-              <a:rPr lang="en-US" altLang="zh-CN" sz="1400" dirty="0"/>
-              <a:t>Perforce</a:t>
-            </a:r>
-            <a:r>
-              <a:rPr lang="zh-CN" altLang="en-US" sz="1400" dirty="0"/>
-              <a:t>，</a:t>
-            </a:r>
-            <a:r>
-              <a:rPr lang="en-US" altLang="zh-CN" sz="1400" dirty="0"/>
-              <a:t>Bazaar </a:t>
-            </a:r>
-            <a:r>
-              <a:rPr lang="zh-CN" altLang="en-US" sz="1400" dirty="0"/>
-              <a:t>等等）每次记录有哪些文件作了更新，以及都更新了哪些行的什么</a:t>
-            </a:r>
-            <a:r>
-              <a:rPr lang="zh-CN" altLang="en-US" sz="1400" dirty="0" smtClean="0"/>
-              <a:t>内容：</a:t>
+              <a:t>分布式版本控制系统</a:t>
             </a:r>
             <a:endParaRPr lang="en-US" altLang="zh-CN" sz="1400" dirty="0" smtClean="0"/>
           </a:p>
@@ -19379,7 +21615,7 @@
       </p:sp>
       <p:pic>
         <p:nvPicPr>
-          <p:cNvPr id="2050" name="Picture 2" descr="https://git-scm.com/figures/18333fig0104-tn.png"/>
+          <p:cNvPr id="7170" name="Picture 2" descr="https://git-scm.com/figures/18333fig0103-tn.png"/>
           <p:cNvPicPr>
             <a:picLocks noChangeAspect="1" noChangeArrowheads="1"/>
           </p:cNvPicPr>
@@ -19400,8 +21636,8 @@
         </p:blipFill>
         <p:spPr bwMode="auto">
           <a:xfrm>
-            <a:off x="1020329" y="2209428"/>
-            <a:ext cx="7128792" cy="3179441"/>
+            <a:off x="467544" y="1177384"/>
+            <a:ext cx="3794319" cy="4272404"/>
           </a:xfrm>
           <a:prstGeom prst="rect">
             <a:avLst/>
@@ -19420,7 +21656,7 @@
       </p:pic>
       <p:sp>
         <p:nvSpPr>
-          <p:cNvPr id="12" name="内容占位符 2"/>
+          <p:cNvPr id="11" name="内容占位符 2"/>
           <p:cNvSpPr txBox="1">
             <a:spLocks/>
           </p:cNvSpPr>
@@ -19428,8 +21664,8 @@
         </p:nvSpPr>
         <p:spPr bwMode="auto">
           <a:xfrm>
-            <a:off x="464477" y="769268"/>
-            <a:ext cx="8234363" cy="487307"/>
+            <a:off x="5611655" y="1417340"/>
+            <a:ext cx="2920785" cy="2019008"/>
           </a:xfrm>
           <a:prstGeom prst="rect">
             <a:avLst/>
@@ -19592,25 +21828,22 @@
             </a:lvl9pPr>
           </a:lstStyle>
           <a:p>
-            <a:pPr marL="342900" indent="-342900">
-              <a:lnSpc>
-                <a:spcPct val="150000"/>
-              </a:lnSpc>
-              <a:buFont typeface="+mj-lt"/>
-              <a:buAutoNum type="arabicPeriod"/>
-            </a:pPr>
-            <a:r>
-              <a:rPr lang="zh-CN" altLang="en-US" sz="2000" kern="0" dirty="0" smtClean="0"/>
-              <a:t>直接记录快照，而非差异比较</a:t>
-            </a:r>
-            <a:endParaRPr lang="en-US" altLang="zh-CN" sz="2000" kern="0" dirty="0" smtClean="0"/>
+            <a:r>
+              <a:rPr lang="zh-CN" altLang="en-US" sz="1400" b="0" dirty="0"/>
+              <a:t>客户端并不只提取最新版本的文件快照，而是把代码仓库完整地镜像下来。这么一来，任何一处协同工作用的服务器发生故障，事后都可以用任何一个镜像出来的本地仓库恢复。因为每一次的提取操作，实际上都是一次对代码仓库的完整</a:t>
+            </a:r>
+            <a:r>
+              <a:rPr lang="zh-CN" altLang="en-US" sz="1400" b="0" dirty="0" smtClean="0"/>
+              <a:t>备份。</a:t>
+            </a:r>
+            <a:endParaRPr lang="en-US" altLang="zh-CN" sz="1400" b="0" dirty="0"/>
           </a:p>
         </p:txBody>
       </p:sp>
     </p:spTree>
     <p:extLst>
       <p:ext uri="{BB962C8B-B14F-4D97-AF65-F5344CB8AC3E}">
-        <p14:creationId xmlns:p14="http://schemas.microsoft.com/office/powerpoint/2010/main" val="2263522806"/>
+        <p14:creationId xmlns:p14="http://schemas.microsoft.com/office/powerpoint/2010/main" val="4040755750"/>
       </p:ext>
     </p:extLst>
   </p:cSld>

--- a/Git.pptx
+++ b/Git.pptx
@@ -5,10 +5,10 @@
     <p:sldMasterId id="2147483648" r:id="rId1"/>
   </p:sldMasterIdLst>
   <p:notesMasterIdLst>
-    <p:notesMasterId r:id="rId36"/>
+    <p:notesMasterId r:id="rId43"/>
   </p:notesMasterIdLst>
   <p:handoutMasterIdLst>
-    <p:handoutMasterId r:id="rId37"/>
+    <p:handoutMasterId r:id="rId44"/>
   </p:handoutMasterIdLst>
   <p:sldIdLst>
     <p:sldId id="787" r:id="rId2"/>
@@ -42,9 +42,16 @@
     <p:sldId id="1171" r:id="rId30"/>
     <p:sldId id="1169" r:id="rId31"/>
     <p:sldId id="1170" r:id="rId32"/>
-    <p:sldId id="1173" r:id="rId33"/>
-    <p:sldId id="1134" r:id="rId34"/>
-    <p:sldId id="811" r:id="rId35"/>
+    <p:sldId id="1176" r:id="rId33"/>
+    <p:sldId id="1181" r:id="rId34"/>
+    <p:sldId id="1177" r:id="rId35"/>
+    <p:sldId id="1178" r:id="rId36"/>
+    <p:sldId id="1179" r:id="rId37"/>
+    <p:sldId id="1180" r:id="rId38"/>
+    <p:sldId id="1174" r:id="rId39"/>
+    <p:sldId id="1175" r:id="rId40"/>
+    <p:sldId id="1134" r:id="rId41"/>
+    <p:sldId id="811" r:id="rId42"/>
   </p:sldIdLst>
   <p:sldSz cx="9144000" cy="5715000" type="screen16x10"/>
   <p:notesSz cx="6797675" cy="9928225"/>
@@ -346,7 +353,7 @@
               <a:pPr>
                 <a:defRPr/>
               </a:pPr>
-              <a:t>2018/7/24</a:t>
+              <a:t>2018/7/25</a:t>
             </a:fld>
             <a:endParaRPr lang="en-US" altLang="zh-CN" dirty="0"/>
           </a:p>
@@ -594,7 +601,7 @@
               <a:pPr>
                 <a:defRPr/>
               </a:pPr>
-              <a:t>2018/7/24</a:t>
+              <a:t>2018/7/25</a:t>
             </a:fld>
             <a:endParaRPr lang="en-US" altLang="zh-CN" dirty="0"/>
           </a:p>
@@ -1494,19 +1501,7 @@
                 <a:ea typeface="宋体" panose="02010600030101010101" pitchFamily="2" charset="-122"/>
                 <a:cs typeface="+mn-cs"/>
               </a:rPr>
-              <a:t>基本</a:t>
-            </a:r>
-            <a:r>
-              <a:rPr lang="zh-CN" altLang="en-US" sz="1200" b="0" i="0" kern="1200" dirty="0" smtClean="0">
-                <a:solidFill>
-                  <a:schemeClr val="tx1"/>
-                </a:solidFill>
-                <a:effectLst/>
-                <a:latin typeface="Calibri" panose="020F0502020204030204" pitchFamily="34" charset="0"/>
-                <a:ea typeface="宋体" panose="02010600030101010101" pitchFamily="2" charset="-122"/>
-                <a:cs typeface="+mn-cs"/>
-              </a:rPr>
-              <a:t>的 </a:t>
+              <a:t>基本的 </a:t>
             </a:r>
             <a:r>
               <a:rPr lang="en-US" altLang="zh-CN" sz="1200" b="0" i="0" kern="1200" dirty="0" err="1" smtClean="0">
@@ -2883,19 +2878,7 @@
                 <a:ea typeface="宋体" panose="02010600030101010101" pitchFamily="2" charset="-122"/>
                 <a:cs typeface="+mn-cs"/>
               </a:rPr>
-              <a:t>基本</a:t>
-            </a:r>
-            <a:r>
-              <a:rPr lang="zh-CN" altLang="en-US" sz="1200" b="0" i="0" kern="1200" dirty="0" smtClean="0">
-                <a:solidFill>
-                  <a:schemeClr val="tx1"/>
-                </a:solidFill>
-                <a:effectLst/>
-                <a:latin typeface="Calibri" panose="020F0502020204030204" pitchFamily="34" charset="0"/>
-                <a:ea typeface="宋体" panose="02010600030101010101" pitchFamily="2" charset="-122"/>
-                <a:cs typeface="+mn-cs"/>
-              </a:rPr>
-              <a:t>的 </a:t>
+              <a:t>基本的 </a:t>
             </a:r>
             <a:r>
               <a:rPr lang="en-US" altLang="zh-CN" sz="1200" b="0" i="0" kern="1200" dirty="0" err="1" smtClean="0">
@@ -3141,10 +3124,6 @@
           <a:bodyPr/>
           <a:lstStyle/>
           <a:p>
-            <a:r>
-              <a:rPr lang="zh-CN" altLang="en-US" dirty="0" smtClean="0"/>
-              <a:t>大家理解不一</a:t>
-            </a:r>
             <a:endParaRPr lang="zh-CN" altLang="en-US" dirty="0"/>
           </a:p>
         </p:txBody>
@@ -3905,10 +3884,6 @@
           <a:bodyPr/>
           <a:lstStyle/>
           <a:p>
-            <a:r>
-              <a:rPr lang="zh-CN" altLang="en-US" dirty="0" smtClean="0"/>
-              <a:t>大家理解不一</a:t>
-            </a:r>
             <a:endParaRPr lang="zh-CN" altLang="en-US" dirty="0"/>
           </a:p>
         </p:txBody>
@@ -3945,7 +3920,7 @@
     </p:spTree>
     <p:extLst>
       <p:ext uri="{BB962C8B-B14F-4D97-AF65-F5344CB8AC3E}">
-        <p14:creationId xmlns:p14="http://schemas.microsoft.com/office/powerpoint/2010/main" val="4082520453"/>
+        <p14:creationId xmlns:p14="http://schemas.microsoft.com/office/powerpoint/2010/main" val="2742944305"/>
       </p:ext>
     </p:extLst>
   </p:cSld>
@@ -4040,7 +4015,7 @@
     </p:spTree>
     <p:extLst>
       <p:ext uri="{BB962C8B-B14F-4D97-AF65-F5344CB8AC3E}">
-        <p14:creationId xmlns:p14="http://schemas.microsoft.com/office/powerpoint/2010/main" val="3751054374"/>
+        <p14:creationId xmlns:p14="http://schemas.microsoft.com/office/powerpoint/2010/main" val="3803957889"/>
       </p:ext>
     </p:extLst>
   </p:cSld>
@@ -4077,7 +4052,12 @@
             <p:ph type="sldImg"/>
           </p:nvPr>
         </p:nvSpPr>
-        <p:spPr/>
+        <p:spPr>
+          <a:xfrm>
+            <a:off x="419100" y="741363"/>
+            <a:ext cx="5964238" cy="3727450"/>
+          </a:xfrm>
+        </p:spPr>
       </p:sp>
       <p:sp>
         <p:nvSpPr>
@@ -4130,7 +4110,494 @@
     </p:spTree>
     <p:extLst>
       <p:ext uri="{BB962C8B-B14F-4D97-AF65-F5344CB8AC3E}">
-        <p14:creationId xmlns:p14="http://schemas.microsoft.com/office/powerpoint/2010/main" val="3070756527"/>
+        <p14:creationId xmlns:p14="http://schemas.microsoft.com/office/powerpoint/2010/main" val="3828503997"/>
+      </p:ext>
+    </p:extLst>
+  </p:cSld>
+  <p:clrMapOvr>
+    <a:masterClrMapping/>
+  </p:clrMapOvr>
+</p:notes>
+</file>
+
+<file path=ppt/notesSlides/notesSlide35.xml><?xml version="1.0" encoding="utf-8"?>
+<p:notes xmlns:a="http://schemas.openxmlformats.org/drawingml/2006/main" xmlns:r="http://schemas.openxmlformats.org/officeDocument/2006/relationships" xmlns:p="http://schemas.openxmlformats.org/presentationml/2006/main">
+  <p:cSld>
+    <p:spTree>
+      <p:nvGrpSpPr>
+        <p:cNvPr id="1" name=""/>
+        <p:cNvGrpSpPr/>
+        <p:nvPr/>
+      </p:nvGrpSpPr>
+      <p:grpSpPr>
+        <a:xfrm>
+          <a:off x="0" y="0"/>
+          <a:ext cx="0" cy="0"/>
+          <a:chOff x="0" y="0"/>
+          <a:chExt cx="0" cy="0"/>
+        </a:xfrm>
+      </p:grpSpPr>
+      <p:sp>
+        <p:nvSpPr>
+          <p:cNvPr id="2" name="幻灯片图像占位符 1"/>
+          <p:cNvSpPr>
+            <a:spLocks noGrp="1" noRot="1" noChangeAspect="1"/>
+          </p:cNvSpPr>
+          <p:nvPr>
+            <p:ph type="sldImg"/>
+          </p:nvPr>
+        </p:nvSpPr>
+        <p:spPr>
+          <a:xfrm>
+            <a:off x="419100" y="741363"/>
+            <a:ext cx="5964238" cy="3727450"/>
+          </a:xfrm>
+        </p:spPr>
+      </p:sp>
+      <p:sp>
+        <p:nvSpPr>
+          <p:cNvPr id="3" name="备注占位符 2"/>
+          <p:cNvSpPr>
+            <a:spLocks noGrp="1"/>
+          </p:cNvSpPr>
+          <p:nvPr>
+            <p:ph type="body" idx="1"/>
+          </p:nvPr>
+        </p:nvSpPr>
+        <p:spPr/>
+        <p:txBody>
+          <a:bodyPr/>
+          <a:lstStyle/>
+          <a:p>
+            <a:endParaRPr lang="zh-CN" altLang="en-US" dirty="0"/>
+          </a:p>
+        </p:txBody>
+      </p:sp>
+      <p:sp>
+        <p:nvSpPr>
+          <p:cNvPr id="4" name="灯片编号占位符 3"/>
+          <p:cNvSpPr>
+            <a:spLocks noGrp="1"/>
+          </p:cNvSpPr>
+          <p:nvPr>
+            <p:ph type="sldNum" sz="quarter" idx="10"/>
+          </p:nvPr>
+        </p:nvSpPr>
+        <p:spPr/>
+        <p:txBody>
+          <a:bodyPr/>
+          <a:lstStyle/>
+          <a:p>
+            <a:pPr>
+              <a:defRPr/>
+            </a:pPr>
+            <a:fld id="{8D38A83D-84FA-4C8F-BF3C-D7610E318699}" type="slidenum">
+              <a:rPr lang="en-US" altLang="zh-CN" smtClean="0"/>
+              <a:pPr>
+                <a:defRPr/>
+              </a:pPr>
+              <a:t>35</a:t>
+            </a:fld>
+            <a:endParaRPr lang="zh-CN" altLang="zh-CN"/>
+          </a:p>
+        </p:txBody>
+      </p:sp>
+    </p:spTree>
+    <p:extLst>
+      <p:ext uri="{BB962C8B-B14F-4D97-AF65-F5344CB8AC3E}">
+        <p14:creationId xmlns:p14="http://schemas.microsoft.com/office/powerpoint/2010/main" val="2390928073"/>
+      </p:ext>
+    </p:extLst>
+  </p:cSld>
+  <p:clrMapOvr>
+    <a:masterClrMapping/>
+  </p:clrMapOvr>
+</p:notes>
+</file>
+
+<file path=ppt/notesSlides/notesSlide36.xml><?xml version="1.0" encoding="utf-8"?>
+<p:notes xmlns:a="http://schemas.openxmlformats.org/drawingml/2006/main" xmlns:r="http://schemas.openxmlformats.org/officeDocument/2006/relationships" xmlns:p="http://schemas.openxmlformats.org/presentationml/2006/main">
+  <p:cSld>
+    <p:spTree>
+      <p:nvGrpSpPr>
+        <p:cNvPr id="1" name=""/>
+        <p:cNvGrpSpPr/>
+        <p:nvPr/>
+      </p:nvGrpSpPr>
+      <p:grpSpPr>
+        <a:xfrm>
+          <a:off x="0" y="0"/>
+          <a:ext cx="0" cy="0"/>
+          <a:chOff x="0" y="0"/>
+          <a:chExt cx="0" cy="0"/>
+        </a:xfrm>
+      </p:grpSpPr>
+      <p:sp>
+        <p:nvSpPr>
+          <p:cNvPr id="2" name="幻灯片图像占位符 1"/>
+          <p:cNvSpPr>
+            <a:spLocks noGrp="1" noRot="1" noChangeAspect="1"/>
+          </p:cNvSpPr>
+          <p:nvPr>
+            <p:ph type="sldImg"/>
+          </p:nvPr>
+        </p:nvSpPr>
+        <p:spPr>
+          <a:xfrm>
+            <a:off x="419100" y="741363"/>
+            <a:ext cx="5964238" cy="3727450"/>
+          </a:xfrm>
+        </p:spPr>
+      </p:sp>
+      <p:sp>
+        <p:nvSpPr>
+          <p:cNvPr id="3" name="备注占位符 2"/>
+          <p:cNvSpPr>
+            <a:spLocks noGrp="1"/>
+          </p:cNvSpPr>
+          <p:nvPr>
+            <p:ph type="body" idx="1"/>
+          </p:nvPr>
+        </p:nvSpPr>
+        <p:spPr/>
+        <p:txBody>
+          <a:bodyPr/>
+          <a:lstStyle/>
+          <a:p>
+            <a:endParaRPr lang="zh-CN" altLang="en-US" dirty="0"/>
+          </a:p>
+        </p:txBody>
+      </p:sp>
+      <p:sp>
+        <p:nvSpPr>
+          <p:cNvPr id="4" name="灯片编号占位符 3"/>
+          <p:cNvSpPr>
+            <a:spLocks noGrp="1"/>
+          </p:cNvSpPr>
+          <p:nvPr>
+            <p:ph type="sldNum" sz="quarter" idx="10"/>
+          </p:nvPr>
+        </p:nvSpPr>
+        <p:spPr/>
+        <p:txBody>
+          <a:bodyPr/>
+          <a:lstStyle/>
+          <a:p>
+            <a:pPr>
+              <a:defRPr/>
+            </a:pPr>
+            <a:fld id="{8D38A83D-84FA-4C8F-BF3C-D7610E318699}" type="slidenum">
+              <a:rPr lang="en-US" altLang="zh-CN" smtClean="0"/>
+              <a:pPr>
+                <a:defRPr/>
+              </a:pPr>
+              <a:t>36</a:t>
+            </a:fld>
+            <a:endParaRPr lang="zh-CN" altLang="zh-CN"/>
+          </a:p>
+        </p:txBody>
+      </p:sp>
+    </p:spTree>
+    <p:extLst>
+      <p:ext uri="{BB962C8B-B14F-4D97-AF65-F5344CB8AC3E}">
+        <p14:creationId xmlns:p14="http://schemas.microsoft.com/office/powerpoint/2010/main" val="4183944473"/>
+      </p:ext>
+    </p:extLst>
+  </p:cSld>
+  <p:clrMapOvr>
+    <a:masterClrMapping/>
+  </p:clrMapOvr>
+</p:notes>
+</file>
+
+<file path=ppt/notesSlides/notesSlide37.xml><?xml version="1.0" encoding="utf-8"?>
+<p:notes xmlns:a="http://schemas.openxmlformats.org/drawingml/2006/main" xmlns:r="http://schemas.openxmlformats.org/officeDocument/2006/relationships" xmlns:p="http://schemas.openxmlformats.org/presentationml/2006/main">
+  <p:cSld>
+    <p:spTree>
+      <p:nvGrpSpPr>
+        <p:cNvPr id="1" name=""/>
+        <p:cNvGrpSpPr/>
+        <p:nvPr/>
+      </p:nvGrpSpPr>
+      <p:grpSpPr>
+        <a:xfrm>
+          <a:off x="0" y="0"/>
+          <a:ext cx="0" cy="0"/>
+          <a:chOff x="0" y="0"/>
+          <a:chExt cx="0" cy="0"/>
+        </a:xfrm>
+      </p:grpSpPr>
+      <p:sp>
+        <p:nvSpPr>
+          <p:cNvPr id="2" name="幻灯片图像占位符 1"/>
+          <p:cNvSpPr>
+            <a:spLocks noGrp="1" noRot="1" noChangeAspect="1"/>
+          </p:cNvSpPr>
+          <p:nvPr>
+            <p:ph type="sldImg"/>
+          </p:nvPr>
+        </p:nvSpPr>
+        <p:spPr>
+          <a:xfrm>
+            <a:off x="419100" y="741363"/>
+            <a:ext cx="5964238" cy="3727450"/>
+          </a:xfrm>
+        </p:spPr>
+      </p:sp>
+      <p:sp>
+        <p:nvSpPr>
+          <p:cNvPr id="3" name="备注占位符 2"/>
+          <p:cNvSpPr>
+            <a:spLocks noGrp="1"/>
+          </p:cNvSpPr>
+          <p:nvPr>
+            <p:ph type="body" idx="1"/>
+          </p:nvPr>
+        </p:nvSpPr>
+        <p:spPr/>
+        <p:txBody>
+          <a:bodyPr/>
+          <a:lstStyle/>
+          <a:p>
+            <a:r>
+              <a:rPr lang="zh-CN" altLang="en-US" dirty="0" smtClean="0"/>
+              <a:t>大家理解不一</a:t>
+            </a:r>
+            <a:endParaRPr lang="zh-CN" altLang="en-US" dirty="0"/>
+          </a:p>
+        </p:txBody>
+      </p:sp>
+      <p:sp>
+        <p:nvSpPr>
+          <p:cNvPr id="4" name="灯片编号占位符 3"/>
+          <p:cNvSpPr>
+            <a:spLocks noGrp="1"/>
+          </p:cNvSpPr>
+          <p:nvPr>
+            <p:ph type="sldNum" sz="quarter" idx="10"/>
+          </p:nvPr>
+        </p:nvSpPr>
+        <p:spPr/>
+        <p:txBody>
+          <a:bodyPr/>
+          <a:lstStyle/>
+          <a:p>
+            <a:pPr>
+              <a:defRPr/>
+            </a:pPr>
+            <a:fld id="{8D38A83D-84FA-4C8F-BF3C-D7610E318699}" type="slidenum">
+              <a:rPr lang="en-US" altLang="zh-CN" smtClean="0"/>
+              <a:pPr>
+                <a:defRPr/>
+              </a:pPr>
+              <a:t>37</a:t>
+            </a:fld>
+            <a:endParaRPr lang="zh-CN" altLang="zh-CN"/>
+          </a:p>
+        </p:txBody>
+      </p:sp>
+    </p:spTree>
+    <p:extLst>
+      <p:ext uri="{BB962C8B-B14F-4D97-AF65-F5344CB8AC3E}">
+        <p14:creationId xmlns:p14="http://schemas.microsoft.com/office/powerpoint/2010/main" val="554903620"/>
+      </p:ext>
+    </p:extLst>
+  </p:cSld>
+  <p:clrMapOvr>
+    <a:masterClrMapping/>
+  </p:clrMapOvr>
+</p:notes>
+</file>
+
+<file path=ppt/notesSlides/notesSlide38.xml><?xml version="1.0" encoding="utf-8"?>
+<p:notes xmlns:a="http://schemas.openxmlformats.org/drawingml/2006/main" xmlns:r="http://schemas.openxmlformats.org/officeDocument/2006/relationships" xmlns:p="http://schemas.openxmlformats.org/presentationml/2006/main">
+  <p:cSld>
+    <p:spTree>
+      <p:nvGrpSpPr>
+        <p:cNvPr id="1" name=""/>
+        <p:cNvGrpSpPr/>
+        <p:nvPr/>
+      </p:nvGrpSpPr>
+      <p:grpSpPr>
+        <a:xfrm>
+          <a:off x="0" y="0"/>
+          <a:ext cx="0" cy="0"/>
+          <a:chOff x="0" y="0"/>
+          <a:chExt cx="0" cy="0"/>
+        </a:xfrm>
+      </p:grpSpPr>
+      <p:sp>
+        <p:nvSpPr>
+          <p:cNvPr id="2" name="幻灯片图像占位符 1"/>
+          <p:cNvSpPr>
+            <a:spLocks noGrp="1" noRot="1" noChangeAspect="1"/>
+          </p:cNvSpPr>
+          <p:nvPr>
+            <p:ph type="sldImg"/>
+          </p:nvPr>
+        </p:nvSpPr>
+        <p:spPr>
+          <a:xfrm>
+            <a:off x="419100" y="741363"/>
+            <a:ext cx="5964238" cy="3727450"/>
+          </a:xfrm>
+        </p:spPr>
+      </p:sp>
+      <p:sp>
+        <p:nvSpPr>
+          <p:cNvPr id="3" name="备注占位符 2"/>
+          <p:cNvSpPr>
+            <a:spLocks noGrp="1"/>
+          </p:cNvSpPr>
+          <p:nvPr>
+            <p:ph type="body" idx="1"/>
+          </p:nvPr>
+        </p:nvSpPr>
+        <p:spPr/>
+        <p:txBody>
+          <a:bodyPr/>
+          <a:lstStyle/>
+          <a:p>
+            <a:r>
+              <a:rPr lang="zh-CN" altLang="en-US" dirty="0" smtClean="0"/>
+              <a:t>大家理解不一</a:t>
+            </a:r>
+            <a:endParaRPr lang="zh-CN" altLang="en-US" dirty="0"/>
+          </a:p>
+        </p:txBody>
+      </p:sp>
+      <p:sp>
+        <p:nvSpPr>
+          <p:cNvPr id="4" name="灯片编号占位符 3"/>
+          <p:cNvSpPr>
+            <a:spLocks noGrp="1"/>
+          </p:cNvSpPr>
+          <p:nvPr>
+            <p:ph type="sldNum" sz="quarter" idx="10"/>
+          </p:nvPr>
+        </p:nvSpPr>
+        <p:spPr/>
+        <p:txBody>
+          <a:bodyPr/>
+          <a:lstStyle/>
+          <a:p>
+            <a:pPr>
+              <a:defRPr/>
+            </a:pPr>
+            <a:fld id="{8D38A83D-84FA-4C8F-BF3C-D7610E318699}" type="slidenum">
+              <a:rPr lang="en-US" altLang="zh-CN" smtClean="0"/>
+              <a:pPr>
+                <a:defRPr/>
+              </a:pPr>
+              <a:t>38</a:t>
+            </a:fld>
+            <a:endParaRPr lang="zh-CN" altLang="zh-CN"/>
+          </a:p>
+        </p:txBody>
+      </p:sp>
+    </p:spTree>
+    <p:extLst>
+      <p:ext uri="{BB962C8B-B14F-4D97-AF65-F5344CB8AC3E}">
+        <p14:creationId xmlns:p14="http://schemas.microsoft.com/office/powerpoint/2010/main" val="1583215870"/>
+      </p:ext>
+    </p:extLst>
+  </p:cSld>
+  <p:clrMapOvr>
+    <a:masterClrMapping/>
+  </p:clrMapOvr>
+</p:notes>
+</file>
+
+<file path=ppt/notesSlides/notesSlide39.xml><?xml version="1.0" encoding="utf-8"?>
+<p:notes xmlns:a="http://schemas.openxmlformats.org/drawingml/2006/main" xmlns:r="http://schemas.openxmlformats.org/officeDocument/2006/relationships" xmlns:p="http://schemas.openxmlformats.org/presentationml/2006/main">
+  <p:cSld>
+    <p:spTree>
+      <p:nvGrpSpPr>
+        <p:cNvPr id="1" name=""/>
+        <p:cNvGrpSpPr/>
+        <p:nvPr/>
+      </p:nvGrpSpPr>
+      <p:grpSpPr>
+        <a:xfrm>
+          <a:off x="0" y="0"/>
+          <a:ext cx="0" cy="0"/>
+          <a:chOff x="0" y="0"/>
+          <a:chExt cx="0" cy="0"/>
+        </a:xfrm>
+      </p:grpSpPr>
+      <p:sp>
+        <p:nvSpPr>
+          <p:cNvPr id="2" name="幻灯片图像占位符 1"/>
+          <p:cNvSpPr>
+            <a:spLocks noGrp="1" noRot="1" noChangeAspect="1"/>
+          </p:cNvSpPr>
+          <p:nvPr>
+            <p:ph type="sldImg"/>
+          </p:nvPr>
+        </p:nvSpPr>
+        <p:spPr>
+          <a:xfrm>
+            <a:off x="419100" y="741363"/>
+            <a:ext cx="5964238" cy="3727450"/>
+          </a:xfrm>
+        </p:spPr>
+      </p:sp>
+      <p:sp>
+        <p:nvSpPr>
+          <p:cNvPr id="3" name="备注占位符 2"/>
+          <p:cNvSpPr>
+            <a:spLocks noGrp="1"/>
+          </p:cNvSpPr>
+          <p:nvPr>
+            <p:ph type="body" idx="1"/>
+          </p:nvPr>
+        </p:nvSpPr>
+        <p:spPr/>
+        <p:txBody>
+          <a:bodyPr/>
+          <a:lstStyle/>
+          <a:p>
+            <a:r>
+              <a:rPr lang="zh-CN" altLang="en-US" dirty="0" smtClean="0"/>
+              <a:t>大家理解不一</a:t>
+            </a:r>
+            <a:endParaRPr lang="zh-CN" altLang="en-US" dirty="0"/>
+          </a:p>
+        </p:txBody>
+      </p:sp>
+      <p:sp>
+        <p:nvSpPr>
+          <p:cNvPr id="4" name="灯片编号占位符 3"/>
+          <p:cNvSpPr>
+            <a:spLocks noGrp="1"/>
+          </p:cNvSpPr>
+          <p:nvPr>
+            <p:ph type="sldNum" sz="quarter" idx="10"/>
+          </p:nvPr>
+        </p:nvSpPr>
+        <p:spPr/>
+        <p:txBody>
+          <a:bodyPr/>
+          <a:lstStyle/>
+          <a:p>
+            <a:pPr>
+              <a:defRPr/>
+            </a:pPr>
+            <a:fld id="{8D38A83D-84FA-4C8F-BF3C-D7610E318699}" type="slidenum">
+              <a:rPr lang="en-US" altLang="zh-CN" smtClean="0"/>
+              <a:pPr>
+                <a:defRPr/>
+              </a:pPr>
+              <a:t>39</a:t>
+            </a:fld>
+            <a:endParaRPr lang="zh-CN" altLang="zh-CN"/>
+          </a:p>
+        </p:txBody>
+      </p:sp>
+    </p:spTree>
+    <p:extLst>
+      <p:ext uri="{BB962C8B-B14F-4D97-AF65-F5344CB8AC3E}">
+        <p14:creationId xmlns:p14="http://schemas.microsoft.com/office/powerpoint/2010/main" val="442917485"/>
       </p:ext>
     </p:extLst>
   </p:cSld>
@@ -4226,6 +4693,191 @@
     <p:extLst>
       <p:ext uri="{BB962C8B-B14F-4D97-AF65-F5344CB8AC3E}">
         <p14:creationId xmlns:p14="http://schemas.microsoft.com/office/powerpoint/2010/main" val="553575545"/>
+      </p:ext>
+    </p:extLst>
+  </p:cSld>
+  <p:clrMapOvr>
+    <a:masterClrMapping/>
+  </p:clrMapOvr>
+</p:notes>
+</file>
+
+<file path=ppt/notesSlides/notesSlide40.xml><?xml version="1.0" encoding="utf-8"?>
+<p:notes xmlns:a="http://schemas.openxmlformats.org/drawingml/2006/main" xmlns:r="http://schemas.openxmlformats.org/officeDocument/2006/relationships" xmlns:p="http://schemas.openxmlformats.org/presentationml/2006/main">
+  <p:cSld>
+    <p:spTree>
+      <p:nvGrpSpPr>
+        <p:cNvPr id="1" name=""/>
+        <p:cNvGrpSpPr/>
+        <p:nvPr/>
+      </p:nvGrpSpPr>
+      <p:grpSpPr>
+        <a:xfrm>
+          <a:off x="0" y="0"/>
+          <a:ext cx="0" cy="0"/>
+          <a:chOff x="0" y="0"/>
+          <a:chExt cx="0" cy="0"/>
+        </a:xfrm>
+      </p:grpSpPr>
+      <p:sp>
+        <p:nvSpPr>
+          <p:cNvPr id="2" name="幻灯片图像占位符 1"/>
+          <p:cNvSpPr>
+            <a:spLocks noGrp="1" noRot="1" noChangeAspect="1"/>
+          </p:cNvSpPr>
+          <p:nvPr>
+            <p:ph type="sldImg"/>
+          </p:nvPr>
+        </p:nvSpPr>
+        <p:spPr>
+          <a:xfrm>
+            <a:off x="419100" y="741363"/>
+            <a:ext cx="5964238" cy="3727450"/>
+          </a:xfrm>
+        </p:spPr>
+      </p:sp>
+      <p:sp>
+        <p:nvSpPr>
+          <p:cNvPr id="3" name="备注占位符 2"/>
+          <p:cNvSpPr>
+            <a:spLocks noGrp="1"/>
+          </p:cNvSpPr>
+          <p:nvPr>
+            <p:ph type="body" idx="1"/>
+          </p:nvPr>
+        </p:nvSpPr>
+        <p:spPr/>
+        <p:txBody>
+          <a:bodyPr/>
+          <a:lstStyle/>
+          <a:p>
+            <a:endParaRPr lang="zh-CN" altLang="en-US" dirty="0"/>
+          </a:p>
+        </p:txBody>
+      </p:sp>
+      <p:sp>
+        <p:nvSpPr>
+          <p:cNvPr id="4" name="灯片编号占位符 3"/>
+          <p:cNvSpPr>
+            <a:spLocks noGrp="1"/>
+          </p:cNvSpPr>
+          <p:nvPr>
+            <p:ph type="sldNum" sz="quarter" idx="10"/>
+          </p:nvPr>
+        </p:nvSpPr>
+        <p:spPr/>
+        <p:txBody>
+          <a:bodyPr/>
+          <a:lstStyle/>
+          <a:p>
+            <a:pPr>
+              <a:defRPr/>
+            </a:pPr>
+            <a:fld id="{8D38A83D-84FA-4C8F-BF3C-D7610E318699}" type="slidenum">
+              <a:rPr lang="en-US" altLang="zh-CN" smtClean="0"/>
+              <a:pPr>
+                <a:defRPr/>
+              </a:pPr>
+              <a:t>40</a:t>
+            </a:fld>
+            <a:endParaRPr lang="zh-CN" altLang="zh-CN"/>
+          </a:p>
+        </p:txBody>
+      </p:sp>
+    </p:spTree>
+    <p:extLst>
+      <p:ext uri="{BB962C8B-B14F-4D97-AF65-F5344CB8AC3E}">
+        <p14:creationId xmlns:p14="http://schemas.microsoft.com/office/powerpoint/2010/main" val="3751054374"/>
+      </p:ext>
+    </p:extLst>
+  </p:cSld>
+  <p:clrMapOvr>
+    <a:masterClrMapping/>
+  </p:clrMapOvr>
+</p:notes>
+</file>
+
+<file path=ppt/notesSlides/notesSlide41.xml><?xml version="1.0" encoding="utf-8"?>
+<p:notes xmlns:a="http://schemas.openxmlformats.org/drawingml/2006/main" xmlns:r="http://schemas.openxmlformats.org/officeDocument/2006/relationships" xmlns:p="http://schemas.openxmlformats.org/presentationml/2006/main">
+  <p:cSld>
+    <p:spTree>
+      <p:nvGrpSpPr>
+        <p:cNvPr id="1" name=""/>
+        <p:cNvGrpSpPr/>
+        <p:nvPr/>
+      </p:nvGrpSpPr>
+      <p:grpSpPr>
+        <a:xfrm>
+          <a:off x="0" y="0"/>
+          <a:ext cx="0" cy="0"/>
+          <a:chOff x="0" y="0"/>
+          <a:chExt cx="0" cy="0"/>
+        </a:xfrm>
+      </p:grpSpPr>
+      <p:sp>
+        <p:nvSpPr>
+          <p:cNvPr id="2" name="幻灯片图像占位符 1"/>
+          <p:cNvSpPr>
+            <a:spLocks noGrp="1" noRot="1" noChangeAspect="1"/>
+          </p:cNvSpPr>
+          <p:nvPr>
+            <p:ph type="sldImg"/>
+          </p:nvPr>
+        </p:nvSpPr>
+        <p:spPr/>
+      </p:sp>
+      <p:sp>
+        <p:nvSpPr>
+          <p:cNvPr id="3" name="备注占位符 2"/>
+          <p:cNvSpPr>
+            <a:spLocks noGrp="1"/>
+          </p:cNvSpPr>
+          <p:nvPr>
+            <p:ph type="body" idx="1"/>
+          </p:nvPr>
+        </p:nvSpPr>
+        <p:spPr/>
+        <p:txBody>
+          <a:bodyPr/>
+          <a:lstStyle/>
+          <a:p>
+            <a:endParaRPr lang="zh-CN" altLang="en-US" dirty="0"/>
+          </a:p>
+        </p:txBody>
+      </p:sp>
+      <p:sp>
+        <p:nvSpPr>
+          <p:cNvPr id="4" name="灯片编号占位符 3"/>
+          <p:cNvSpPr>
+            <a:spLocks noGrp="1"/>
+          </p:cNvSpPr>
+          <p:nvPr>
+            <p:ph type="sldNum" sz="quarter" idx="10"/>
+          </p:nvPr>
+        </p:nvSpPr>
+        <p:spPr/>
+        <p:txBody>
+          <a:bodyPr/>
+          <a:lstStyle/>
+          <a:p>
+            <a:pPr>
+              <a:defRPr/>
+            </a:pPr>
+            <a:fld id="{8D38A83D-84FA-4C8F-BF3C-D7610E318699}" type="slidenum">
+              <a:rPr lang="en-US" altLang="zh-CN" smtClean="0"/>
+              <a:pPr>
+                <a:defRPr/>
+              </a:pPr>
+              <a:t>41</a:t>
+            </a:fld>
+            <a:endParaRPr lang="zh-CN" altLang="zh-CN"/>
+          </a:p>
+        </p:txBody>
+      </p:sp>
+    </p:spTree>
+    <p:extLst>
+      <p:ext uri="{BB962C8B-B14F-4D97-AF65-F5344CB8AC3E}">
+        <p14:creationId xmlns:p14="http://schemas.microsoft.com/office/powerpoint/2010/main" val="3070756527"/>
       </p:ext>
     </p:extLst>
   </p:cSld>
@@ -21012,11 +21664,7 @@
             </a:r>
             <a:r>
               <a:rPr lang="zh-CN" altLang="en-US" sz="1600" b="0" kern="0" dirty="0" smtClean="0"/>
-              <a:t>：</a:t>
-            </a:r>
-            <a:r>
-              <a:rPr lang="zh-CN" altLang="en-US" sz="1600" b="0" kern="0" dirty="0" smtClean="0"/>
-              <a:t>项目目录下的一个隐藏目录</a:t>
+              <a:t>：项目目录下的一个隐藏目录</a:t>
             </a:r>
             <a:r>
               <a:rPr lang="en-US" altLang="zh-CN" sz="1600" b="0" kern="0" dirty="0" smtClean="0">
@@ -21068,15 +21716,7 @@
             </a:r>
             <a:r>
               <a:rPr lang="zh-CN" altLang="en-US" sz="1600" b="0" dirty="0" smtClean="0"/>
-              <a:t>）。</a:t>
-            </a:r>
-            <a:r>
-              <a:rPr lang="zh-CN" altLang="en-US" sz="1600" b="0" dirty="0" smtClean="0"/>
-              <a:t>非常重要</a:t>
-            </a:r>
-            <a:r>
-              <a:rPr lang="zh-CN" altLang="en-US" sz="1600" b="0" dirty="0" smtClean="0"/>
-              <a:t>。这里指的是储存其中的版本库。</a:t>
+              <a:t>）。非常重要。这里指的是储存其中的版本库。</a:t>
             </a:r>
             <a:endParaRPr lang="en-US" altLang="zh-CN" sz="1600" b="0" dirty="0" smtClean="0"/>
           </a:p>
@@ -23043,7 +23683,6 @@
               <a:rPr lang="zh-CN" altLang="en-US" sz="1600" b="0" kern="0" dirty="0"/>
               <a:t>把文件添加进去，实际上就是把文件修改添加到暂存区；</a:t>
             </a:r>
-            <a:endParaRPr lang="zh-CN" altLang="en-US" sz="1600" b="0" kern="0" dirty="0"/>
           </a:p>
         </p:txBody>
       </p:sp>
@@ -26257,14 +26896,14 @@
           <a:lstStyle/>
           <a:p>
             <a:r>
-              <a:rPr lang="en-US" altLang="zh-CN" sz="2800" dirty="0" smtClean="0">
+              <a:rPr lang="zh-CN" altLang="en-US" sz="2800" dirty="0" smtClean="0">
                 <a:solidFill>
                   <a:schemeClr val="accent4"/>
                 </a:solidFill>
                 <a:latin typeface="微软雅黑" panose="020B0503020204020204" pitchFamily="34" charset="-122"/>
                 <a:ea typeface="微软雅黑" panose="020B0503020204020204" pitchFamily="34" charset="-122"/>
               </a:rPr>
-              <a:t>HEAD</a:t>
+              <a:t>分支</a:t>
             </a:r>
             <a:endParaRPr lang="zh-CN" altLang="en-US" sz="2800" dirty="0">
               <a:solidFill>
@@ -26276,10 +26915,262 @@
           </a:p>
         </p:txBody>
       </p:sp>
+      <p:sp>
+        <p:nvSpPr>
+          <p:cNvPr id="7" name="内容占位符 2"/>
+          <p:cNvSpPr txBox="1">
+            <a:spLocks/>
+          </p:cNvSpPr>
+          <p:nvPr/>
+        </p:nvSpPr>
+        <p:spPr bwMode="auto">
+          <a:xfrm>
+            <a:off x="464477" y="793750"/>
+            <a:ext cx="8234363" cy="726347"/>
+          </a:xfrm>
+          <a:prstGeom prst="rect">
+            <a:avLst/>
+          </a:prstGeom>
+          <a:noFill/>
+          <a:ln w="9525">
+            <a:noFill/>
+            <a:miter lim="800000"/>
+          </a:ln>
+        </p:spPr>
+        <p:txBody>
+          <a:bodyPr vert="horz" wrap="square" lIns="79242" tIns="39621" rIns="79242" bIns="39621" numCol="1" anchor="t" anchorCtr="0" compatLnSpc="1">
+            <a:spAutoFit/>
+          </a:bodyPr>
+          <a:lstStyle>
+            <a:lvl1pPr marL="323212" indent="-323212" algn="l" rtl="0" eaLnBrk="1" fontAlgn="base" hangingPunct="1">
+              <a:spcBef>
+                <a:spcPct val="20000"/>
+              </a:spcBef>
+              <a:spcAft>
+                <a:spcPct val="0"/>
+              </a:spcAft>
+              <a:buChar char="•"/>
+              <a:defRPr sz="1700">
+                <a:solidFill>
+                  <a:schemeClr val="tx1"/>
+                </a:solidFill>
+                <a:latin typeface="微软雅黑" panose="020B0503020204020204" pitchFamily="34" charset="-122"/>
+                <a:ea typeface="微软雅黑" panose="020B0503020204020204" pitchFamily="34" charset="-122"/>
+                <a:cs typeface="+mn-cs"/>
+              </a:defRPr>
+            </a:lvl1pPr>
+            <a:lvl2pPr marL="699763" indent="-269238" algn="l" rtl="0" eaLnBrk="1" fontAlgn="base" hangingPunct="1">
+              <a:spcBef>
+                <a:spcPct val="20000"/>
+              </a:spcBef>
+              <a:spcAft>
+                <a:spcPct val="0"/>
+              </a:spcAft>
+              <a:buChar char="–"/>
+              <a:defRPr sz="1500">
+                <a:solidFill>
+                  <a:schemeClr val="tx1"/>
+                </a:solidFill>
+                <a:latin typeface="微软雅黑" panose="020B0503020204020204" pitchFamily="34" charset="-122"/>
+                <a:ea typeface="微软雅黑" panose="020B0503020204020204" pitchFamily="34" charset="-122"/>
+              </a:defRPr>
+            </a:lvl2pPr>
+            <a:lvl3pPr marL="1076949" indent="-215263" algn="l" rtl="0" eaLnBrk="1" fontAlgn="base" hangingPunct="1">
+              <a:spcBef>
+                <a:spcPct val="20000"/>
+              </a:spcBef>
+              <a:spcAft>
+                <a:spcPct val="0"/>
+              </a:spcAft>
+              <a:buChar char="•"/>
+              <a:defRPr sz="1500">
+                <a:solidFill>
+                  <a:schemeClr val="tx1"/>
+                </a:solidFill>
+                <a:latin typeface="微软雅黑" panose="020B0503020204020204" pitchFamily="34" charset="-122"/>
+                <a:ea typeface="微软雅黑" panose="020B0503020204020204" pitchFamily="34" charset="-122"/>
+              </a:defRPr>
+            </a:lvl3pPr>
+            <a:lvl4pPr marL="1507475" indent="-215263" algn="l" rtl="0" eaLnBrk="1" fontAlgn="base" hangingPunct="1">
+              <a:spcBef>
+                <a:spcPct val="20000"/>
+              </a:spcBef>
+              <a:spcAft>
+                <a:spcPct val="0"/>
+              </a:spcAft>
+              <a:buChar char="–"/>
+              <a:defRPr sz="1500">
+                <a:solidFill>
+                  <a:schemeClr val="tx1"/>
+                </a:solidFill>
+                <a:latin typeface="微软雅黑" panose="020B0503020204020204" pitchFamily="34" charset="-122"/>
+                <a:ea typeface="微软雅黑" panose="020B0503020204020204" pitchFamily="34" charset="-122"/>
+              </a:defRPr>
+            </a:lvl4pPr>
+            <a:lvl5pPr marL="1938001" indent="-215263" algn="l" rtl="0" eaLnBrk="1" fontAlgn="base" hangingPunct="1">
+              <a:spcBef>
+                <a:spcPct val="20000"/>
+              </a:spcBef>
+              <a:spcAft>
+                <a:spcPct val="0"/>
+              </a:spcAft>
+              <a:buChar char="»"/>
+              <a:defRPr sz="1500">
+                <a:solidFill>
+                  <a:schemeClr val="tx1"/>
+                </a:solidFill>
+                <a:latin typeface="微软雅黑" panose="020B0503020204020204" pitchFamily="34" charset="-122"/>
+                <a:ea typeface="微软雅黑" panose="020B0503020204020204" pitchFamily="34" charset="-122"/>
+              </a:defRPr>
+            </a:lvl5pPr>
+            <a:lvl6pPr marL="2368526" indent="-215263" algn="l" rtl="0" eaLnBrk="1" fontAlgn="base" hangingPunct="1">
+              <a:spcBef>
+                <a:spcPct val="20000"/>
+              </a:spcBef>
+              <a:spcAft>
+                <a:spcPct val="0"/>
+              </a:spcAft>
+              <a:buChar char="»"/>
+              <a:defRPr sz="1900">
+                <a:solidFill>
+                  <a:schemeClr val="tx1"/>
+                </a:solidFill>
+                <a:latin typeface="+mn-lt"/>
+                <a:ea typeface="+mn-ea"/>
+              </a:defRPr>
+            </a:lvl6pPr>
+            <a:lvl7pPr marL="2799687" indent="-215263" algn="l" rtl="0" eaLnBrk="1" fontAlgn="base" hangingPunct="1">
+              <a:spcBef>
+                <a:spcPct val="20000"/>
+              </a:spcBef>
+              <a:spcAft>
+                <a:spcPct val="0"/>
+              </a:spcAft>
+              <a:buChar char="»"/>
+              <a:defRPr sz="1900">
+                <a:solidFill>
+                  <a:schemeClr val="tx1"/>
+                </a:solidFill>
+                <a:latin typeface="+mn-lt"/>
+                <a:ea typeface="+mn-ea"/>
+              </a:defRPr>
+            </a:lvl7pPr>
+            <a:lvl8pPr marL="3230213" indent="-215263" algn="l" rtl="0" eaLnBrk="1" fontAlgn="base" hangingPunct="1">
+              <a:spcBef>
+                <a:spcPct val="20000"/>
+              </a:spcBef>
+              <a:spcAft>
+                <a:spcPct val="0"/>
+              </a:spcAft>
+              <a:buChar char="»"/>
+              <a:defRPr sz="1900">
+                <a:solidFill>
+                  <a:schemeClr val="tx1"/>
+                </a:solidFill>
+                <a:latin typeface="+mn-lt"/>
+                <a:ea typeface="+mn-ea"/>
+              </a:defRPr>
+            </a:lvl8pPr>
+            <a:lvl9pPr marL="3660738" indent="-215263" algn="l" rtl="0" eaLnBrk="1" fontAlgn="base" hangingPunct="1">
+              <a:spcBef>
+                <a:spcPct val="20000"/>
+              </a:spcBef>
+              <a:spcAft>
+                <a:spcPct val="0"/>
+              </a:spcAft>
+              <a:buChar char="»"/>
+              <a:defRPr sz="1900">
+                <a:solidFill>
+                  <a:schemeClr val="tx1"/>
+                </a:solidFill>
+                <a:latin typeface="+mn-lt"/>
+                <a:ea typeface="+mn-ea"/>
+              </a:defRPr>
+            </a:lvl9pPr>
+          </a:lstStyle>
+          <a:p>
+            <a:pPr marL="0" indent="0">
+              <a:lnSpc>
+                <a:spcPct val="150000"/>
+              </a:lnSpc>
+              <a:spcBef>
+                <a:spcPts val="0"/>
+              </a:spcBef>
+              <a:buNone/>
+            </a:pPr>
+            <a:r>
+              <a:rPr lang="en-US" altLang="zh-CN" sz="1400" b="0" dirty="0" err="1"/>
+              <a:t>Git</a:t>
+            </a:r>
+            <a:r>
+              <a:rPr lang="en-US" altLang="zh-CN" sz="1400" b="0" dirty="0"/>
+              <a:t> </a:t>
+            </a:r>
+            <a:r>
+              <a:rPr lang="zh-CN" altLang="en-US" sz="1400" b="0" dirty="0"/>
+              <a:t>中的分支，其实本质上仅仅是个指向 </a:t>
+            </a:r>
+            <a:r>
+              <a:rPr lang="en-US" altLang="zh-CN" sz="1400" b="0" dirty="0"/>
+              <a:t>commit </a:t>
+            </a:r>
+            <a:r>
+              <a:rPr lang="zh-CN" altLang="en-US" sz="1400" b="0" dirty="0"/>
+              <a:t>对象的可变</a:t>
+            </a:r>
+            <a:r>
+              <a:rPr lang="zh-CN" altLang="en-US" sz="1400" b="0" dirty="0"/>
+              <a:t>指针，它在每次提交的时候都会自动向前移动。</a:t>
+            </a:r>
+            <a:endParaRPr lang="en-US" altLang="zh-CN" sz="1400" b="0" dirty="0"/>
+          </a:p>
+        </p:txBody>
+      </p:sp>
+      <p:pic>
+        <p:nvPicPr>
+          <p:cNvPr id="11" name="Picture 2" descr="https://git-scm.com/figures/18333fig0105-tn.png"/>
+          <p:cNvPicPr>
+            <a:picLocks noChangeAspect="1" noChangeArrowheads="1"/>
+          </p:cNvPicPr>
+          <p:nvPr/>
+        </p:nvPicPr>
+        <p:blipFill>
+          <a:blip r:embed="rId3">
+            <a:extLst>
+              <a:ext uri="{28A0092B-C50C-407E-A947-70E740481C1C}">
+                <a14:useLocalDpi xmlns:a14="http://schemas.microsoft.com/office/drawing/2010/main" val="0"/>
+              </a:ext>
+            </a:extLst>
+          </a:blip>
+          <a:srcRect/>
+          <a:stretch>
+            <a:fillRect/>
+          </a:stretch>
+        </p:blipFill>
+        <p:spPr bwMode="auto">
+          <a:xfrm>
+            <a:off x="484131" y="1596834"/>
+            <a:ext cx="4541045" cy="2016224"/>
+          </a:xfrm>
+          <a:prstGeom prst="rect">
+            <a:avLst/>
+          </a:prstGeom>
+          <a:noFill/>
+          <a:extLst>
+            <a:ext uri="{909E8E84-426E-40DD-AFC4-6F175D3DCCD1}">
+              <a14:hiddenFill xmlns:a14="http://schemas.microsoft.com/office/drawing/2010/main">
+                <a:solidFill>
+                  <a:srgbClr val="FFFFFF"/>
+                </a:solidFill>
+              </a14:hiddenFill>
+            </a:ext>
+          </a:extLst>
+        </p:spPr>
+      </p:pic>
     </p:spTree>
     <p:extLst>
       <p:ext uri="{BB962C8B-B14F-4D97-AF65-F5344CB8AC3E}">
-        <p14:creationId xmlns:p14="http://schemas.microsoft.com/office/powerpoint/2010/main" val="1118723736"/>
+        <p14:creationId xmlns:p14="http://schemas.microsoft.com/office/powerpoint/2010/main" val="1974010981"/>
       </p:ext>
     </p:extLst>
   </p:cSld>
@@ -26508,6 +27399,4527 @@
         <p:spPr>
           <a:xfrm>
             <a:off x="1619672" y="246048"/>
+            <a:ext cx="4032448" cy="523220"/>
+          </a:xfrm>
+          <a:prstGeom prst="rect">
+            <a:avLst/>
+          </a:prstGeom>
+          <a:noFill/>
+        </p:spPr>
+        <p:txBody>
+          <a:bodyPr wrap="square" rtlCol="0">
+            <a:spAutoFit/>
+          </a:bodyPr>
+          <a:lstStyle/>
+          <a:p>
+            <a:r>
+              <a:rPr lang="zh-CN" altLang="en-US" sz="2800" dirty="0" smtClean="0">
+                <a:solidFill>
+                  <a:schemeClr val="accent4"/>
+                </a:solidFill>
+                <a:latin typeface="微软雅黑" panose="020B0503020204020204" pitchFamily="34" charset="-122"/>
+                <a:ea typeface="微软雅黑" panose="020B0503020204020204" pitchFamily="34" charset="-122"/>
+              </a:rPr>
+              <a:t>分支</a:t>
+            </a:r>
+            <a:endParaRPr lang="zh-CN" altLang="en-US" sz="2800" dirty="0">
+              <a:solidFill>
+                <a:schemeClr val="accent4"/>
+              </a:solidFill>
+              <a:latin typeface="微软雅黑" panose="020B0503020204020204" pitchFamily="34" charset="-122"/>
+              <a:ea typeface="微软雅黑" panose="020B0503020204020204" pitchFamily="34" charset="-122"/>
+            </a:endParaRPr>
+          </a:p>
+        </p:txBody>
+      </p:sp>
+      <p:sp>
+        <p:nvSpPr>
+          <p:cNvPr id="7" name="内容占位符 2"/>
+          <p:cNvSpPr txBox="1">
+            <a:spLocks/>
+          </p:cNvSpPr>
+          <p:nvPr/>
+        </p:nvSpPr>
+        <p:spPr bwMode="auto">
+          <a:xfrm>
+            <a:off x="464477" y="793750"/>
+            <a:ext cx="8234363" cy="726347"/>
+          </a:xfrm>
+          <a:prstGeom prst="rect">
+            <a:avLst/>
+          </a:prstGeom>
+          <a:noFill/>
+          <a:ln w="9525">
+            <a:noFill/>
+            <a:miter lim="800000"/>
+          </a:ln>
+        </p:spPr>
+        <p:txBody>
+          <a:bodyPr vert="horz" wrap="square" lIns="79242" tIns="39621" rIns="79242" bIns="39621" numCol="1" anchor="t" anchorCtr="0" compatLnSpc="1">
+            <a:spAutoFit/>
+          </a:bodyPr>
+          <a:lstStyle>
+            <a:lvl1pPr marL="323212" indent="-323212" algn="l" rtl="0" eaLnBrk="1" fontAlgn="base" hangingPunct="1">
+              <a:spcBef>
+                <a:spcPct val="20000"/>
+              </a:spcBef>
+              <a:spcAft>
+                <a:spcPct val="0"/>
+              </a:spcAft>
+              <a:buChar char="•"/>
+              <a:defRPr sz="1700">
+                <a:solidFill>
+                  <a:schemeClr val="tx1"/>
+                </a:solidFill>
+                <a:latin typeface="微软雅黑" panose="020B0503020204020204" pitchFamily="34" charset="-122"/>
+                <a:ea typeface="微软雅黑" panose="020B0503020204020204" pitchFamily="34" charset="-122"/>
+                <a:cs typeface="+mn-cs"/>
+              </a:defRPr>
+            </a:lvl1pPr>
+            <a:lvl2pPr marL="699763" indent="-269238" algn="l" rtl="0" eaLnBrk="1" fontAlgn="base" hangingPunct="1">
+              <a:spcBef>
+                <a:spcPct val="20000"/>
+              </a:spcBef>
+              <a:spcAft>
+                <a:spcPct val="0"/>
+              </a:spcAft>
+              <a:buChar char="–"/>
+              <a:defRPr sz="1500">
+                <a:solidFill>
+                  <a:schemeClr val="tx1"/>
+                </a:solidFill>
+                <a:latin typeface="微软雅黑" panose="020B0503020204020204" pitchFamily="34" charset="-122"/>
+                <a:ea typeface="微软雅黑" panose="020B0503020204020204" pitchFamily="34" charset="-122"/>
+              </a:defRPr>
+            </a:lvl2pPr>
+            <a:lvl3pPr marL="1076949" indent="-215263" algn="l" rtl="0" eaLnBrk="1" fontAlgn="base" hangingPunct="1">
+              <a:spcBef>
+                <a:spcPct val="20000"/>
+              </a:spcBef>
+              <a:spcAft>
+                <a:spcPct val="0"/>
+              </a:spcAft>
+              <a:buChar char="•"/>
+              <a:defRPr sz="1500">
+                <a:solidFill>
+                  <a:schemeClr val="tx1"/>
+                </a:solidFill>
+                <a:latin typeface="微软雅黑" panose="020B0503020204020204" pitchFamily="34" charset="-122"/>
+                <a:ea typeface="微软雅黑" panose="020B0503020204020204" pitchFamily="34" charset="-122"/>
+              </a:defRPr>
+            </a:lvl3pPr>
+            <a:lvl4pPr marL="1507475" indent="-215263" algn="l" rtl="0" eaLnBrk="1" fontAlgn="base" hangingPunct="1">
+              <a:spcBef>
+                <a:spcPct val="20000"/>
+              </a:spcBef>
+              <a:spcAft>
+                <a:spcPct val="0"/>
+              </a:spcAft>
+              <a:buChar char="–"/>
+              <a:defRPr sz="1500">
+                <a:solidFill>
+                  <a:schemeClr val="tx1"/>
+                </a:solidFill>
+                <a:latin typeface="微软雅黑" panose="020B0503020204020204" pitchFamily="34" charset="-122"/>
+                <a:ea typeface="微软雅黑" panose="020B0503020204020204" pitchFamily="34" charset="-122"/>
+              </a:defRPr>
+            </a:lvl4pPr>
+            <a:lvl5pPr marL="1938001" indent="-215263" algn="l" rtl="0" eaLnBrk="1" fontAlgn="base" hangingPunct="1">
+              <a:spcBef>
+                <a:spcPct val="20000"/>
+              </a:spcBef>
+              <a:spcAft>
+                <a:spcPct val="0"/>
+              </a:spcAft>
+              <a:buChar char="»"/>
+              <a:defRPr sz="1500">
+                <a:solidFill>
+                  <a:schemeClr val="tx1"/>
+                </a:solidFill>
+                <a:latin typeface="微软雅黑" panose="020B0503020204020204" pitchFamily="34" charset="-122"/>
+                <a:ea typeface="微软雅黑" panose="020B0503020204020204" pitchFamily="34" charset="-122"/>
+              </a:defRPr>
+            </a:lvl5pPr>
+            <a:lvl6pPr marL="2368526" indent="-215263" algn="l" rtl="0" eaLnBrk="1" fontAlgn="base" hangingPunct="1">
+              <a:spcBef>
+                <a:spcPct val="20000"/>
+              </a:spcBef>
+              <a:spcAft>
+                <a:spcPct val="0"/>
+              </a:spcAft>
+              <a:buChar char="»"/>
+              <a:defRPr sz="1900">
+                <a:solidFill>
+                  <a:schemeClr val="tx1"/>
+                </a:solidFill>
+                <a:latin typeface="+mn-lt"/>
+                <a:ea typeface="+mn-ea"/>
+              </a:defRPr>
+            </a:lvl6pPr>
+            <a:lvl7pPr marL="2799687" indent="-215263" algn="l" rtl="0" eaLnBrk="1" fontAlgn="base" hangingPunct="1">
+              <a:spcBef>
+                <a:spcPct val="20000"/>
+              </a:spcBef>
+              <a:spcAft>
+                <a:spcPct val="0"/>
+              </a:spcAft>
+              <a:buChar char="»"/>
+              <a:defRPr sz="1900">
+                <a:solidFill>
+                  <a:schemeClr val="tx1"/>
+                </a:solidFill>
+                <a:latin typeface="+mn-lt"/>
+                <a:ea typeface="+mn-ea"/>
+              </a:defRPr>
+            </a:lvl7pPr>
+            <a:lvl8pPr marL="3230213" indent="-215263" algn="l" rtl="0" eaLnBrk="1" fontAlgn="base" hangingPunct="1">
+              <a:spcBef>
+                <a:spcPct val="20000"/>
+              </a:spcBef>
+              <a:spcAft>
+                <a:spcPct val="0"/>
+              </a:spcAft>
+              <a:buChar char="»"/>
+              <a:defRPr sz="1900">
+                <a:solidFill>
+                  <a:schemeClr val="tx1"/>
+                </a:solidFill>
+                <a:latin typeface="+mn-lt"/>
+                <a:ea typeface="+mn-ea"/>
+              </a:defRPr>
+            </a:lvl8pPr>
+            <a:lvl9pPr marL="3660738" indent="-215263" algn="l" rtl="0" eaLnBrk="1" fontAlgn="base" hangingPunct="1">
+              <a:spcBef>
+                <a:spcPct val="20000"/>
+              </a:spcBef>
+              <a:spcAft>
+                <a:spcPct val="0"/>
+              </a:spcAft>
+              <a:buChar char="»"/>
+              <a:defRPr sz="1900">
+                <a:solidFill>
+                  <a:schemeClr val="tx1"/>
+                </a:solidFill>
+                <a:latin typeface="+mn-lt"/>
+                <a:ea typeface="+mn-ea"/>
+              </a:defRPr>
+            </a:lvl9pPr>
+          </a:lstStyle>
+          <a:p>
+            <a:pPr marL="0" indent="0">
+              <a:lnSpc>
+                <a:spcPct val="150000"/>
+              </a:lnSpc>
+              <a:spcBef>
+                <a:spcPts val="0"/>
+              </a:spcBef>
+              <a:buNone/>
+            </a:pPr>
+            <a:r>
+              <a:rPr lang="en-US" altLang="zh-CN" sz="1400" b="0" dirty="0" err="1"/>
+              <a:t>Git</a:t>
+            </a:r>
+            <a:r>
+              <a:rPr lang="en-US" altLang="zh-CN" sz="1400" b="0" dirty="0"/>
+              <a:t> </a:t>
+            </a:r>
+            <a:r>
+              <a:rPr lang="zh-CN" altLang="en-US" sz="1400" b="0" dirty="0"/>
+              <a:t>中的分支，其实本质上仅仅是个指向 </a:t>
+            </a:r>
+            <a:r>
+              <a:rPr lang="en-US" altLang="zh-CN" sz="1400" b="0" dirty="0"/>
+              <a:t>commit </a:t>
+            </a:r>
+            <a:r>
+              <a:rPr lang="zh-CN" altLang="en-US" sz="1400" b="0" dirty="0"/>
+              <a:t>对象的可变</a:t>
+            </a:r>
+            <a:r>
+              <a:rPr lang="zh-CN" altLang="en-US" sz="1400" b="0" dirty="0"/>
+              <a:t>指针，它在每次提交的时候都会自动向前移动。</a:t>
+            </a:r>
+            <a:endParaRPr lang="en-US" altLang="zh-CN" sz="1400" b="0" dirty="0"/>
+          </a:p>
+        </p:txBody>
+      </p:sp>
+      <p:pic>
+        <p:nvPicPr>
+          <p:cNvPr id="1026" name="Picture 2" descr="https://git-scm.com/figures/18333fig0303-tn.png"/>
+          <p:cNvPicPr>
+            <a:picLocks noChangeAspect="1" noChangeArrowheads="1"/>
+          </p:cNvPicPr>
+          <p:nvPr/>
+        </p:nvPicPr>
+        <p:blipFill>
+          <a:blip r:embed="rId3">
+            <a:extLst>
+              <a:ext uri="{28A0092B-C50C-407E-A947-70E740481C1C}">
+                <a14:useLocalDpi xmlns:a14="http://schemas.microsoft.com/office/drawing/2010/main" val="0"/>
+              </a:ext>
+            </a:extLst>
+          </a:blip>
+          <a:srcRect/>
+          <a:stretch>
+            <a:fillRect/>
+          </a:stretch>
+        </p:blipFill>
+        <p:spPr bwMode="auto">
+          <a:xfrm>
+            <a:off x="2200408" y="2065412"/>
+            <a:ext cx="4762500" cy="2390775"/>
+          </a:xfrm>
+          <a:prstGeom prst="rect">
+            <a:avLst/>
+          </a:prstGeom>
+          <a:noFill/>
+          <a:extLst>
+            <a:ext uri="{909E8E84-426E-40DD-AFC4-6F175D3DCCD1}">
+              <a14:hiddenFill xmlns:a14="http://schemas.microsoft.com/office/drawing/2010/main">
+                <a:solidFill>
+                  <a:srgbClr val="FFFFFF"/>
+                </a:solidFill>
+              </a14:hiddenFill>
+            </a:ext>
+          </a:extLst>
+        </p:spPr>
+      </p:pic>
+    </p:spTree>
+    <p:extLst>
+      <p:ext uri="{BB962C8B-B14F-4D97-AF65-F5344CB8AC3E}">
+        <p14:creationId xmlns:p14="http://schemas.microsoft.com/office/powerpoint/2010/main" val="644031781"/>
+      </p:ext>
+    </p:extLst>
+  </p:cSld>
+  <p:clrMapOvr>
+    <a:masterClrMapping/>
+  </p:clrMapOvr>
+  <p:transition spd="med">
+    <p:wipe dir="r"/>
+  </p:transition>
+  <p:timing>
+    <p:tnLst>
+      <p:par>
+        <p:cTn id="1" dur="indefinite" restart="never" nodeType="tmRoot"/>
+      </p:par>
+    </p:tnLst>
+  </p:timing>
+</p:sld>
+</file>
+
+<file path=ppt/slides/slide34.xml><?xml version="1.0" encoding="utf-8"?>
+<p:sld xmlns:a="http://schemas.openxmlformats.org/drawingml/2006/main" xmlns:r="http://schemas.openxmlformats.org/officeDocument/2006/relationships" xmlns:p="http://schemas.openxmlformats.org/presentationml/2006/main">
+  <p:cSld>
+    <p:spTree>
+      <p:nvGrpSpPr>
+        <p:cNvPr id="1" name=""/>
+        <p:cNvGrpSpPr/>
+        <p:nvPr/>
+      </p:nvGrpSpPr>
+      <p:grpSpPr>
+        <a:xfrm>
+          <a:off x="0" y="0"/>
+          <a:ext cx="0" cy="0"/>
+          <a:chOff x="0" y="0"/>
+          <a:chExt cx="0" cy="0"/>
+        </a:xfrm>
+      </p:grpSpPr>
+      <p:sp>
+        <p:nvSpPr>
+          <p:cNvPr id="10" name="灯片编号占位符 9"/>
+          <p:cNvSpPr>
+            <a:spLocks noGrp="1"/>
+          </p:cNvSpPr>
+          <p:nvPr>
+            <p:ph type="sldNum" sz="quarter" idx="12"/>
+          </p:nvPr>
+        </p:nvSpPr>
+        <p:spPr/>
+        <p:txBody>
+          <a:bodyPr/>
+          <a:lstStyle/>
+          <a:p>
+            <a:fld id="{86F0E3FA-EBE8-4184-B68E-FC61E6CBEA65}" type="slidenum">
+              <a:rPr lang="zh-CN" altLang="en-US" smtClean="0">
+                <a:solidFill>
+                  <a:prstClr val="black"/>
+                </a:solidFill>
+                <a:latin typeface="微软雅黑" panose="020B0503020204020204" pitchFamily="34" charset="-122"/>
+                <a:ea typeface="微软雅黑" panose="020B0503020204020204" pitchFamily="34" charset="-122"/>
+              </a:rPr>
+              <a:pPr/>
+              <a:t>34</a:t>
+            </a:fld>
+            <a:endParaRPr lang="zh-CN" altLang="en-US" dirty="0">
+              <a:solidFill>
+                <a:prstClr val="black"/>
+              </a:solidFill>
+              <a:latin typeface="微软雅黑" panose="020B0503020204020204" pitchFamily="34" charset="-122"/>
+              <a:ea typeface="微软雅黑" panose="020B0503020204020204" pitchFamily="34" charset="-122"/>
+            </a:endParaRPr>
+          </a:p>
+        </p:txBody>
+      </p:sp>
+      <p:sp>
+        <p:nvSpPr>
+          <p:cNvPr id="25" name="矩形 24"/>
+          <p:cNvSpPr/>
+          <p:nvPr/>
+        </p:nvSpPr>
+        <p:spPr>
+          <a:xfrm>
+            <a:off x="35496" y="212957"/>
+            <a:ext cx="1271464" cy="504056"/>
+          </a:xfrm>
+          <a:prstGeom prst="rect">
+            <a:avLst/>
+          </a:prstGeom>
+          <a:solidFill>
+            <a:schemeClr val="accent4"/>
+          </a:solidFill>
+          <a:ln>
+            <a:noFill/>
+          </a:ln>
+        </p:spPr>
+        <p:style>
+          <a:lnRef idx="2">
+            <a:schemeClr val="accent1">
+              <a:shade val="50000"/>
+            </a:schemeClr>
+          </a:lnRef>
+          <a:fillRef idx="1">
+            <a:schemeClr val="accent1"/>
+          </a:fillRef>
+          <a:effectRef idx="0">
+            <a:schemeClr val="accent1"/>
+          </a:effectRef>
+          <a:fontRef idx="minor">
+            <a:schemeClr val="lt1"/>
+          </a:fontRef>
+        </p:style>
+        <p:txBody>
+          <a:bodyPr rtlCol="0" anchor="ctr"/>
+          <a:lstStyle/>
+          <a:p>
+            <a:pPr algn="ctr"/>
+            <a:endParaRPr lang="zh-CN" altLang="en-US" dirty="0">
+              <a:latin typeface="微软雅黑" panose="020B0503020204020204" pitchFamily="34" charset="-122"/>
+              <a:ea typeface="微软雅黑" panose="020B0503020204020204" pitchFamily="34" charset="-122"/>
+            </a:endParaRPr>
+          </a:p>
+        </p:txBody>
+      </p:sp>
+      <p:sp>
+        <p:nvSpPr>
+          <p:cNvPr id="26" name="矩形 25"/>
+          <p:cNvSpPr/>
+          <p:nvPr/>
+        </p:nvSpPr>
+        <p:spPr>
+          <a:xfrm>
+            <a:off x="1378968" y="212957"/>
+            <a:ext cx="72008" cy="504056"/>
+          </a:xfrm>
+          <a:prstGeom prst="rect">
+            <a:avLst/>
+          </a:prstGeom>
+          <a:solidFill>
+            <a:schemeClr val="accent4"/>
+          </a:solidFill>
+          <a:ln>
+            <a:noFill/>
+          </a:ln>
+        </p:spPr>
+        <p:style>
+          <a:lnRef idx="2">
+            <a:schemeClr val="accent1">
+              <a:shade val="50000"/>
+            </a:schemeClr>
+          </a:lnRef>
+          <a:fillRef idx="1">
+            <a:schemeClr val="accent1"/>
+          </a:fillRef>
+          <a:effectRef idx="0">
+            <a:schemeClr val="accent1"/>
+          </a:effectRef>
+          <a:fontRef idx="minor">
+            <a:schemeClr val="lt1"/>
+          </a:fontRef>
+        </p:style>
+        <p:txBody>
+          <a:bodyPr rtlCol="0" anchor="ctr"/>
+          <a:lstStyle/>
+          <a:p>
+            <a:pPr algn="ctr"/>
+            <a:endParaRPr lang="zh-CN" altLang="en-US" dirty="0">
+              <a:latin typeface="微软雅黑" panose="020B0503020204020204" pitchFamily="34" charset="-122"/>
+              <a:ea typeface="微软雅黑" panose="020B0503020204020204" pitchFamily="34" charset="-122"/>
+            </a:endParaRPr>
+          </a:p>
+        </p:txBody>
+      </p:sp>
+      <p:sp>
+        <p:nvSpPr>
+          <p:cNvPr id="31" name="矩形 30"/>
+          <p:cNvSpPr/>
+          <p:nvPr/>
+        </p:nvSpPr>
+        <p:spPr>
+          <a:xfrm>
+            <a:off x="1516292" y="416607"/>
+            <a:ext cx="78700" cy="300406"/>
+          </a:xfrm>
+          <a:prstGeom prst="rect">
+            <a:avLst/>
+          </a:prstGeom>
+          <a:solidFill>
+            <a:schemeClr val="accent4"/>
+          </a:solidFill>
+          <a:ln>
+            <a:noFill/>
+          </a:ln>
+        </p:spPr>
+        <p:style>
+          <a:lnRef idx="2">
+            <a:schemeClr val="accent1">
+              <a:shade val="50000"/>
+            </a:schemeClr>
+          </a:lnRef>
+          <a:fillRef idx="1">
+            <a:schemeClr val="accent1"/>
+          </a:fillRef>
+          <a:effectRef idx="0">
+            <a:schemeClr val="accent1"/>
+          </a:effectRef>
+          <a:fontRef idx="minor">
+            <a:schemeClr val="lt1"/>
+          </a:fontRef>
+        </p:style>
+        <p:txBody>
+          <a:bodyPr rtlCol="0" anchor="ctr"/>
+          <a:lstStyle/>
+          <a:p>
+            <a:pPr algn="ctr"/>
+            <a:endParaRPr lang="zh-CN" altLang="en-US" dirty="0">
+              <a:latin typeface="微软雅黑" panose="020B0503020204020204" pitchFamily="34" charset="-122"/>
+              <a:ea typeface="微软雅黑" panose="020B0503020204020204" pitchFamily="34" charset="-122"/>
+            </a:endParaRPr>
+          </a:p>
+        </p:txBody>
+      </p:sp>
+      <p:sp>
+        <p:nvSpPr>
+          <p:cNvPr id="32" name="文本框 31"/>
+          <p:cNvSpPr txBox="1"/>
+          <p:nvPr/>
+        </p:nvSpPr>
+        <p:spPr>
+          <a:xfrm>
+            <a:off x="1619672" y="246048"/>
+            <a:ext cx="4032448" cy="523220"/>
+          </a:xfrm>
+          <a:prstGeom prst="rect">
+            <a:avLst/>
+          </a:prstGeom>
+          <a:noFill/>
+        </p:spPr>
+        <p:txBody>
+          <a:bodyPr wrap="square" rtlCol="0">
+            <a:spAutoFit/>
+          </a:bodyPr>
+          <a:lstStyle/>
+          <a:p>
+            <a:r>
+              <a:rPr lang="zh-CN" altLang="en-US" sz="2800" dirty="0" smtClean="0">
+                <a:solidFill>
+                  <a:schemeClr val="accent4"/>
+                </a:solidFill>
+                <a:latin typeface="微软雅黑" panose="020B0503020204020204" pitchFamily="34" charset="-122"/>
+                <a:ea typeface="微软雅黑" panose="020B0503020204020204" pitchFamily="34" charset="-122"/>
+              </a:rPr>
+              <a:t>分支</a:t>
+            </a:r>
+            <a:endParaRPr lang="zh-CN" altLang="en-US" sz="2800" dirty="0">
+              <a:solidFill>
+                <a:schemeClr val="accent4"/>
+              </a:solidFill>
+              <a:latin typeface="微软雅黑" panose="020B0503020204020204" pitchFamily="34" charset="-122"/>
+              <a:ea typeface="微软雅黑" panose="020B0503020204020204" pitchFamily="34" charset="-122"/>
+            </a:endParaRPr>
+          </a:p>
+        </p:txBody>
+      </p:sp>
+      <p:sp>
+        <p:nvSpPr>
+          <p:cNvPr id="7" name="内容占位符 2"/>
+          <p:cNvSpPr txBox="1">
+            <a:spLocks/>
+          </p:cNvSpPr>
+          <p:nvPr/>
+        </p:nvSpPr>
+        <p:spPr bwMode="auto">
+          <a:xfrm>
+            <a:off x="464477" y="793750"/>
+            <a:ext cx="8234363" cy="726347"/>
+          </a:xfrm>
+          <a:prstGeom prst="rect">
+            <a:avLst/>
+          </a:prstGeom>
+          <a:noFill/>
+          <a:ln w="9525">
+            <a:noFill/>
+            <a:miter lim="800000"/>
+          </a:ln>
+        </p:spPr>
+        <p:txBody>
+          <a:bodyPr vert="horz" wrap="square" lIns="79242" tIns="39621" rIns="79242" bIns="39621" numCol="1" anchor="t" anchorCtr="0" compatLnSpc="1">
+            <a:spAutoFit/>
+          </a:bodyPr>
+          <a:lstStyle>
+            <a:lvl1pPr marL="323212" indent="-323212" algn="l" rtl="0" eaLnBrk="1" fontAlgn="base" hangingPunct="1">
+              <a:spcBef>
+                <a:spcPct val="20000"/>
+              </a:spcBef>
+              <a:spcAft>
+                <a:spcPct val="0"/>
+              </a:spcAft>
+              <a:buChar char="•"/>
+              <a:defRPr sz="1700">
+                <a:solidFill>
+                  <a:schemeClr val="tx1"/>
+                </a:solidFill>
+                <a:latin typeface="微软雅黑" panose="020B0503020204020204" pitchFamily="34" charset="-122"/>
+                <a:ea typeface="微软雅黑" panose="020B0503020204020204" pitchFamily="34" charset="-122"/>
+                <a:cs typeface="+mn-cs"/>
+              </a:defRPr>
+            </a:lvl1pPr>
+            <a:lvl2pPr marL="699763" indent="-269238" algn="l" rtl="0" eaLnBrk="1" fontAlgn="base" hangingPunct="1">
+              <a:spcBef>
+                <a:spcPct val="20000"/>
+              </a:spcBef>
+              <a:spcAft>
+                <a:spcPct val="0"/>
+              </a:spcAft>
+              <a:buChar char="–"/>
+              <a:defRPr sz="1500">
+                <a:solidFill>
+                  <a:schemeClr val="tx1"/>
+                </a:solidFill>
+                <a:latin typeface="微软雅黑" panose="020B0503020204020204" pitchFamily="34" charset="-122"/>
+                <a:ea typeface="微软雅黑" panose="020B0503020204020204" pitchFamily="34" charset="-122"/>
+              </a:defRPr>
+            </a:lvl2pPr>
+            <a:lvl3pPr marL="1076949" indent="-215263" algn="l" rtl="0" eaLnBrk="1" fontAlgn="base" hangingPunct="1">
+              <a:spcBef>
+                <a:spcPct val="20000"/>
+              </a:spcBef>
+              <a:spcAft>
+                <a:spcPct val="0"/>
+              </a:spcAft>
+              <a:buChar char="•"/>
+              <a:defRPr sz="1500">
+                <a:solidFill>
+                  <a:schemeClr val="tx1"/>
+                </a:solidFill>
+                <a:latin typeface="微软雅黑" panose="020B0503020204020204" pitchFamily="34" charset="-122"/>
+                <a:ea typeface="微软雅黑" panose="020B0503020204020204" pitchFamily="34" charset="-122"/>
+              </a:defRPr>
+            </a:lvl3pPr>
+            <a:lvl4pPr marL="1507475" indent="-215263" algn="l" rtl="0" eaLnBrk="1" fontAlgn="base" hangingPunct="1">
+              <a:spcBef>
+                <a:spcPct val="20000"/>
+              </a:spcBef>
+              <a:spcAft>
+                <a:spcPct val="0"/>
+              </a:spcAft>
+              <a:buChar char="–"/>
+              <a:defRPr sz="1500">
+                <a:solidFill>
+                  <a:schemeClr val="tx1"/>
+                </a:solidFill>
+                <a:latin typeface="微软雅黑" panose="020B0503020204020204" pitchFamily="34" charset="-122"/>
+                <a:ea typeface="微软雅黑" panose="020B0503020204020204" pitchFamily="34" charset="-122"/>
+              </a:defRPr>
+            </a:lvl4pPr>
+            <a:lvl5pPr marL="1938001" indent="-215263" algn="l" rtl="0" eaLnBrk="1" fontAlgn="base" hangingPunct="1">
+              <a:spcBef>
+                <a:spcPct val="20000"/>
+              </a:spcBef>
+              <a:spcAft>
+                <a:spcPct val="0"/>
+              </a:spcAft>
+              <a:buChar char="»"/>
+              <a:defRPr sz="1500">
+                <a:solidFill>
+                  <a:schemeClr val="tx1"/>
+                </a:solidFill>
+                <a:latin typeface="微软雅黑" panose="020B0503020204020204" pitchFamily="34" charset="-122"/>
+                <a:ea typeface="微软雅黑" panose="020B0503020204020204" pitchFamily="34" charset="-122"/>
+              </a:defRPr>
+            </a:lvl5pPr>
+            <a:lvl6pPr marL="2368526" indent="-215263" algn="l" rtl="0" eaLnBrk="1" fontAlgn="base" hangingPunct="1">
+              <a:spcBef>
+                <a:spcPct val="20000"/>
+              </a:spcBef>
+              <a:spcAft>
+                <a:spcPct val="0"/>
+              </a:spcAft>
+              <a:buChar char="»"/>
+              <a:defRPr sz="1900">
+                <a:solidFill>
+                  <a:schemeClr val="tx1"/>
+                </a:solidFill>
+                <a:latin typeface="+mn-lt"/>
+                <a:ea typeface="+mn-ea"/>
+              </a:defRPr>
+            </a:lvl6pPr>
+            <a:lvl7pPr marL="2799687" indent="-215263" algn="l" rtl="0" eaLnBrk="1" fontAlgn="base" hangingPunct="1">
+              <a:spcBef>
+                <a:spcPct val="20000"/>
+              </a:spcBef>
+              <a:spcAft>
+                <a:spcPct val="0"/>
+              </a:spcAft>
+              <a:buChar char="»"/>
+              <a:defRPr sz="1900">
+                <a:solidFill>
+                  <a:schemeClr val="tx1"/>
+                </a:solidFill>
+                <a:latin typeface="+mn-lt"/>
+                <a:ea typeface="+mn-ea"/>
+              </a:defRPr>
+            </a:lvl7pPr>
+            <a:lvl8pPr marL="3230213" indent="-215263" algn="l" rtl="0" eaLnBrk="1" fontAlgn="base" hangingPunct="1">
+              <a:spcBef>
+                <a:spcPct val="20000"/>
+              </a:spcBef>
+              <a:spcAft>
+                <a:spcPct val="0"/>
+              </a:spcAft>
+              <a:buChar char="»"/>
+              <a:defRPr sz="1900">
+                <a:solidFill>
+                  <a:schemeClr val="tx1"/>
+                </a:solidFill>
+                <a:latin typeface="+mn-lt"/>
+                <a:ea typeface="+mn-ea"/>
+              </a:defRPr>
+            </a:lvl8pPr>
+            <a:lvl9pPr marL="3660738" indent="-215263" algn="l" rtl="0" eaLnBrk="1" fontAlgn="base" hangingPunct="1">
+              <a:spcBef>
+                <a:spcPct val="20000"/>
+              </a:spcBef>
+              <a:spcAft>
+                <a:spcPct val="0"/>
+              </a:spcAft>
+              <a:buChar char="»"/>
+              <a:defRPr sz="1900">
+                <a:solidFill>
+                  <a:schemeClr val="tx1"/>
+                </a:solidFill>
+                <a:latin typeface="+mn-lt"/>
+                <a:ea typeface="+mn-ea"/>
+              </a:defRPr>
+            </a:lvl9pPr>
+          </a:lstStyle>
+          <a:p>
+            <a:pPr marL="0" indent="0">
+              <a:lnSpc>
+                <a:spcPct val="150000"/>
+              </a:lnSpc>
+              <a:spcBef>
+                <a:spcPts val="0"/>
+              </a:spcBef>
+              <a:buNone/>
+            </a:pPr>
+            <a:r>
+              <a:rPr lang="en-US" altLang="zh-CN" sz="1400" b="0" dirty="0" err="1"/>
+              <a:t>Git</a:t>
+            </a:r>
+            <a:r>
+              <a:rPr lang="en-US" altLang="zh-CN" sz="1400" b="0" dirty="0"/>
+              <a:t> </a:t>
+            </a:r>
+            <a:r>
+              <a:rPr lang="zh-CN" altLang="en-US" sz="1400" b="0" dirty="0"/>
+              <a:t>又是如何创建一个新的分支的呢？答案很简单，创建一个新的分支</a:t>
+            </a:r>
+            <a:r>
+              <a:rPr lang="zh-CN" altLang="en-US" sz="1400" b="0" dirty="0" smtClean="0"/>
+              <a:t>指针：</a:t>
+            </a:r>
+            <a:endParaRPr lang="en-US" altLang="zh-CN" sz="1400" b="0" dirty="0" smtClean="0"/>
+          </a:p>
+          <a:p>
+            <a:pPr marL="0" indent="0">
+              <a:lnSpc>
+                <a:spcPct val="150000"/>
+              </a:lnSpc>
+              <a:spcBef>
+                <a:spcPts val="0"/>
+              </a:spcBef>
+              <a:buNone/>
+            </a:pPr>
+            <a:r>
+              <a:rPr lang="en-US" altLang="zh-CN" sz="1400" b="0" dirty="0" err="1" smtClean="0"/>
+              <a:t>git</a:t>
+            </a:r>
+            <a:r>
+              <a:rPr lang="en-US" altLang="zh-CN" sz="1400" b="0" dirty="0" smtClean="0"/>
+              <a:t> </a:t>
+            </a:r>
+            <a:r>
+              <a:rPr lang="en-US" altLang="zh-CN" sz="1400" b="0" dirty="0"/>
+              <a:t>branch testing</a:t>
+            </a:r>
+          </a:p>
+        </p:txBody>
+      </p:sp>
+      <p:pic>
+        <p:nvPicPr>
+          <p:cNvPr id="2051" name="Picture 3" descr="https://git-scm.com/figures/18333fig0304-tn.png"/>
+          <p:cNvPicPr>
+            <a:picLocks noChangeAspect="1" noChangeArrowheads="1"/>
+          </p:cNvPicPr>
+          <p:nvPr/>
+        </p:nvPicPr>
+        <p:blipFill>
+          <a:blip r:embed="rId3">
+            <a:extLst>
+              <a:ext uri="{28A0092B-C50C-407E-A947-70E740481C1C}">
+                <a14:useLocalDpi xmlns:a14="http://schemas.microsoft.com/office/drawing/2010/main" val="0"/>
+              </a:ext>
+            </a:extLst>
+          </a:blip>
+          <a:srcRect/>
+          <a:stretch>
+            <a:fillRect/>
+          </a:stretch>
+        </p:blipFill>
+        <p:spPr bwMode="auto">
+          <a:xfrm>
+            <a:off x="2462345" y="2281436"/>
+            <a:ext cx="4238625" cy="2124075"/>
+          </a:xfrm>
+          <a:prstGeom prst="rect">
+            <a:avLst/>
+          </a:prstGeom>
+          <a:noFill/>
+          <a:extLst>
+            <a:ext uri="{909E8E84-426E-40DD-AFC4-6F175D3DCCD1}">
+              <a14:hiddenFill xmlns:a14="http://schemas.microsoft.com/office/drawing/2010/main">
+                <a:solidFill>
+                  <a:srgbClr val="FFFFFF"/>
+                </a:solidFill>
+              </a14:hiddenFill>
+            </a:ext>
+          </a:extLst>
+        </p:spPr>
+      </p:pic>
+    </p:spTree>
+    <p:extLst>
+      <p:ext uri="{BB962C8B-B14F-4D97-AF65-F5344CB8AC3E}">
+        <p14:creationId xmlns:p14="http://schemas.microsoft.com/office/powerpoint/2010/main" val="2146862217"/>
+      </p:ext>
+    </p:extLst>
+  </p:cSld>
+  <p:clrMapOvr>
+    <a:masterClrMapping/>
+  </p:clrMapOvr>
+  <p:transition spd="med">
+    <p:wipe dir="r"/>
+  </p:transition>
+  <p:timing>
+    <p:tnLst>
+      <p:par>
+        <p:cTn id="1" dur="indefinite" restart="never" nodeType="tmRoot"/>
+      </p:par>
+    </p:tnLst>
+  </p:timing>
+</p:sld>
+</file>
+
+<file path=ppt/slides/slide35.xml><?xml version="1.0" encoding="utf-8"?>
+<p:sld xmlns:a="http://schemas.openxmlformats.org/drawingml/2006/main" xmlns:r="http://schemas.openxmlformats.org/officeDocument/2006/relationships" xmlns:p="http://schemas.openxmlformats.org/presentationml/2006/main">
+  <p:cSld>
+    <p:spTree>
+      <p:nvGrpSpPr>
+        <p:cNvPr id="1" name=""/>
+        <p:cNvGrpSpPr/>
+        <p:nvPr/>
+      </p:nvGrpSpPr>
+      <p:grpSpPr>
+        <a:xfrm>
+          <a:off x="0" y="0"/>
+          <a:ext cx="0" cy="0"/>
+          <a:chOff x="0" y="0"/>
+          <a:chExt cx="0" cy="0"/>
+        </a:xfrm>
+      </p:grpSpPr>
+      <p:sp>
+        <p:nvSpPr>
+          <p:cNvPr id="10" name="灯片编号占位符 9"/>
+          <p:cNvSpPr>
+            <a:spLocks noGrp="1"/>
+          </p:cNvSpPr>
+          <p:nvPr>
+            <p:ph type="sldNum" sz="quarter" idx="12"/>
+          </p:nvPr>
+        </p:nvSpPr>
+        <p:spPr/>
+        <p:txBody>
+          <a:bodyPr/>
+          <a:lstStyle/>
+          <a:p>
+            <a:fld id="{86F0E3FA-EBE8-4184-B68E-FC61E6CBEA65}" type="slidenum">
+              <a:rPr lang="zh-CN" altLang="en-US" smtClean="0">
+                <a:solidFill>
+                  <a:prstClr val="black"/>
+                </a:solidFill>
+                <a:latin typeface="微软雅黑" panose="020B0503020204020204" pitchFamily="34" charset="-122"/>
+                <a:ea typeface="微软雅黑" panose="020B0503020204020204" pitchFamily="34" charset="-122"/>
+              </a:rPr>
+              <a:pPr/>
+              <a:t>35</a:t>
+            </a:fld>
+            <a:endParaRPr lang="zh-CN" altLang="en-US" dirty="0">
+              <a:solidFill>
+                <a:prstClr val="black"/>
+              </a:solidFill>
+              <a:latin typeface="微软雅黑" panose="020B0503020204020204" pitchFamily="34" charset="-122"/>
+              <a:ea typeface="微软雅黑" panose="020B0503020204020204" pitchFamily="34" charset="-122"/>
+            </a:endParaRPr>
+          </a:p>
+        </p:txBody>
+      </p:sp>
+      <p:sp>
+        <p:nvSpPr>
+          <p:cNvPr id="25" name="矩形 24"/>
+          <p:cNvSpPr/>
+          <p:nvPr/>
+        </p:nvSpPr>
+        <p:spPr>
+          <a:xfrm>
+            <a:off x="35496" y="212957"/>
+            <a:ext cx="1271464" cy="504056"/>
+          </a:xfrm>
+          <a:prstGeom prst="rect">
+            <a:avLst/>
+          </a:prstGeom>
+          <a:solidFill>
+            <a:schemeClr val="accent4"/>
+          </a:solidFill>
+          <a:ln>
+            <a:noFill/>
+          </a:ln>
+        </p:spPr>
+        <p:style>
+          <a:lnRef idx="2">
+            <a:schemeClr val="accent1">
+              <a:shade val="50000"/>
+            </a:schemeClr>
+          </a:lnRef>
+          <a:fillRef idx="1">
+            <a:schemeClr val="accent1"/>
+          </a:fillRef>
+          <a:effectRef idx="0">
+            <a:schemeClr val="accent1"/>
+          </a:effectRef>
+          <a:fontRef idx="minor">
+            <a:schemeClr val="lt1"/>
+          </a:fontRef>
+        </p:style>
+        <p:txBody>
+          <a:bodyPr rtlCol="0" anchor="ctr"/>
+          <a:lstStyle/>
+          <a:p>
+            <a:pPr algn="ctr"/>
+            <a:endParaRPr lang="zh-CN" altLang="en-US" dirty="0">
+              <a:latin typeface="微软雅黑" panose="020B0503020204020204" pitchFamily="34" charset="-122"/>
+              <a:ea typeface="微软雅黑" panose="020B0503020204020204" pitchFamily="34" charset="-122"/>
+            </a:endParaRPr>
+          </a:p>
+        </p:txBody>
+      </p:sp>
+      <p:sp>
+        <p:nvSpPr>
+          <p:cNvPr id="26" name="矩形 25"/>
+          <p:cNvSpPr/>
+          <p:nvPr/>
+        </p:nvSpPr>
+        <p:spPr>
+          <a:xfrm>
+            <a:off x="1378968" y="212957"/>
+            <a:ext cx="72008" cy="504056"/>
+          </a:xfrm>
+          <a:prstGeom prst="rect">
+            <a:avLst/>
+          </a:prstGeom>
+          <a:solidFill>
+            <a:schemeClr val="accent4"/>
+          </a:solidFill>
+          <a:ln>
+            <a:noFill/>
+          </a:ln>
+        </p:spPr>
+        <p:style>
+          <a:lnRef idx="2">
+            <a:schemeClr val="accent1">
+              <a:shade val="50000"/>
+            </a:schemeClr>
+          </a:lnRef>
+          <a:fillRef idx="1">
+            <a:schemeClr val="accent1"/>
+          </a:fillRef>
+          <a:effectRef idx="0">
+            <a:schemeClr val="accent1"/>
+          </a:effectRef>
+          <a:fontRef idx="minor">
+            <a:schemeClr val="lt1"/>
+          </a:fontRef>
+        </p:style>
+        <p:txBody>
+          <a:bodyPr rtlCol="0" anchor="ctr"/>
+          <a:lstStyle/>
+          <a:p>
+            <a:pPr algn="ctr"/>
+            <a:endParaRPr lang="zh-CN" altLang="en-US" dirty="0">
+              <a:latin typeface="微软雅黑" panose="020B0503020204020204" pitchFamily="34" charset="-122"/>
+              <a:ea typeface="微软雅黑" panose="020B0503020204020204" pitchFamily="34" charset="-122"/>
+            </a:endParaRPr>
+          </a:p>
+        </p:txBody>
+      </p:sp>
+      <p:sp>
+        <p:nvSpPr>
+          <p:cNvPr id="31" name="矩形 30"/>
+          <p:cNvSpPr/>
+          <p:nvPr/>
+        </p:nvSpPr>
+        <p:spPr>
+          <a:xfrm>
+            <a:off x="1516292" y="416607"/>
+            <a:ext cx="78700" cy="300406"/>
+          </a:xfrm>
+          <a:prstGeom prst="rect">
+            <a:avLst/>
+          </a:prstGeom>
+          <a:solidFill>
+            <a:schemeClr val="accent4"/>
+          </a:solidFill>
+          <a:ln>
+            <a:noFill/>
+          </a:ln>
+        </p:spPr>
+        <p:style>
+          <a:lnRef idx="2">
+            <a:schemeClr val="accent1">
+              <a:shade val="50000"/>
+            </a:schemeClr>
+          </a:lnRef>
+          <a:fillRef idx="1">
+            <a:schemeClr val="accent1"/>
+          </a:fillRef>
+          <a:effectRef idx="0">
+            <a:schemeClr val="accent1"/>
+          </a:effectRef>
+          <a:fontRef idx="minor">
+            <a:schemeClr val="lt1"/>
+          </a:fontRef>
+        </p:style>
+        <p:txBody>
+          <a:bodyPr rtlCol="0" anchor="ctr"/>
+          <a:lstStyle/>
+          <a:p>
+            <a:pPr algn="ctr"/>
+            <a:endParaRPr lang="zh-CN" altLang="en-US" dirty="0">
+              <a:latin typeface="微软雅黑" panose="020B0503020204020204" pitchFamily="34" charset="-122"/>
+              <a:ea typeface="微软雅黑" panose="020B0503020204020204" pitchFamily="34" charset="-122"/>
+            </a:endParaRPr>
+          </a:p>
+        </p:txBody>
+      </p:sp>
+      <p:sp>
+        <p:nvSpPr>
+          <p:cNvPr id="32" name="文本框 31"/>
+          <p:cNvSpPr txBox="1"/>
+          <p:nvPr/>
+        </p:nvSpPr>
+        <p:spPr>
+          <a:xfrm>
+            <a:off x="1619672" y="246048"/>
+            <a:ext cx="4032448" cy="523220"/>
+          </a:xfrm>
+          <a:prstGeom prst="rect">
+            <a:avLst/>
+          </a:prstGeom>
+          <a:noFill/>
+        </p:spPr>
+        <p:txBody>
+          <a:bodyPr wrap="square" rtlCol="0">
+            <a:spAutoFit/>
+          </a:bodyPr>
+          <a:lstStyle/>
+          <a:p>
+            <a:r>
+              <a:rPr lang="zh-CN" altLang="en-US" sz="2800" dirty="0" smtClean="0">
+                <a:solidFill>
+                  <a:schemeClr val="accent4"/>
+                </a:solidFill>
+                <a:latin typeface="微软雅黑" panose="020B0503020204020204" pitchFamily="34" charset="-122"/>
+                <a:ea typeface="微软雅黑" panose="020B0503020204020204" pitchFamily="34" charset="-122"/>
+              </a:rPr>
+              <a:t>分支</a:t>
+            </a:r>
+            <a:endParaRPr lang="zh-CN" altLang="en-US" sz="2800" dirty="0">
+              <a:solidFill>
+                <a:schemeClr val="accent4"/>
+              </a:solidFill>
+              <a:latin typeface="微软雅黑" panose="020B0503020204020204" pitchFamily="34" charset="-122"/>
+              <a:ea typeface="微软雅黑" panose="020B0503020204020204" pitchFamily="34" charset="-122"/>
+            </a:endParaRPr>
+          </a:p>
+        </p:txBody>
+      </p:sp>
+      <p:sp>
+        <p:nvSpPr>
+          <p:cNvPr id="7" name="内容占位符 2"/>
+          <p:cNvSpPr txBox="1">
+            <a:spLocks/>
+          </p:cNvSpPr>
+          <p:nvPr/>
+        </p:nvSpPr>
+        <p:spPr bwMode="auto">
+          <a:xfrm>
+            <a:off x="464477" y="793750"/>
+            <a:ext cx="8234363" cy="1372677"/>
+          </a:xfrm>
+          <a:prstGeom prst="rect">
+            <a:avLst/>
+          </a:prstGeom>
+          <a:noFill/>
+          <a:ln w="9525">
+            <a:noFill/>
+            <a:miter lim="800000"/>
+          </a:ln>
+        </p:spPr>
+        <p:txBody>
+          <a:bodyPr vert="horz" wrap="square" lIns="79242" tIns="39621" rIns="79242" bIns="39621" numCol="1" anchor="t" anchorCtr="0" compatLnSpc="1">
+            <a:spAutoFit/>
+          </a:bodyPr>
+          <a:lstStyle>
+            <a:lvl1pPr marL="323212" indent="-323212" algn="l" rtl="0" eaLnBrk="1" fontAlgn="base" hangingPunct="1">
+              <a:spcBef>
+                <a:spcPct val="20000"/>
+              </a:spcBef>
+              <a:spcAft>
+                <a:spcPct val="0"/>
+              </a:spcAft>
+              <a:buChar char="•"/>
+              <a:defRPr sz="1700">
+                <a:solidFill>
+                  <a:schemeClr val="tx1"/>
+                </a:solidFill>
+                <a:latin typeface="微软雅黑" panose="020B0503020204020204" pitchFamily="34" charset="-122"/>
+                <a:ea typeface="微软雅黑" panose="020B0503020204020204" pitchFamily="34" charset="-122"/>
+                <a:cs typeface="+mn-cs"/>
+              </a:defRPr>
+            </a:lvl1pPr>
+            <a:lvl2pPr marL="699763" indent="-269238" algn="l" rtl="0" eaLnBrk="1" fontAlgn="base" hangingPunct="1">
+              <a:spcBef>
+                <a:spcPct val="20000"/>
+              </a:spcBef>
+              <a:spcAft>
+                <a:spcPct val="0"/>
+              </a:spcAft>
+              <a:buChar char="–"/>
+              <a:defRPr sz="1500">
+                <a:solidFill>
+                  <a:schemeClr val="tx1"/>
+                </a:solidFill>
+                <a:latin typeface="微软雅黑" panose="020B0503020204020204" pitchFamily="34" charset="-122"/>
+                <a:ea typeface="微软雅黑" panose="020B0503020204020204" pitchFamily="34" charset="-122"/>
+              </a:defRPr>
+            </a:lvl2pPr>
+            <a:lvl3pPr marL="1076949" indent="-215263" algn="l" rtl="0" eaLnBrk="1" fontAlgn="base" hangingPunct="1">
+              <a:spcBef>
+                <a:spcPct val="20000"/>
+              </a:spcBef>
+              <a:spcAft>
+                <a:spcPct val="0"/>
+              </a:spcAft>
+              <a:buChar char="•"/>
+              <a:defRPr sz="1500">
+                <a:solidFill>
+                  <a:schemeClr val="tx1"/>
+                </a:solidFill>
+                <a:latin typeface="微软雅黑" panose="020B0503020204020204" pitchFamily="34" charset="-122"/>
+                <a:ea typeface="微软雅黑" panose="020B0503020204020204" pitchFamily="34" charset="-122"/>
+              </a:defRPr>
+            </a:lvl3pPr>
+            <a:lvl4pPr marL="1507475" indent="-215263" algn="l" rtl="0" eaLnBrk="1" fontAlgn="base" hangingPunct="1">
+              <a:spcBef>
+                <a:spcPct val="20000"/>
+              </a:spcBef>
+              <a:spcAft>
+                <a:spcPct val="0"/>
+              </a:spcAft>
+              <a:buChar char="–"/>
+              <a:defRPr sz="1500">
+                <a:solidFill>
+                  <a:schemeClr val="tx1"/>
+                </a:solidFill>
+                <a:latin typeface="微软雅黑" panose="020B0503020204020204" pitchFamily="34" charset="-122"/>
+                <a:ea typeface="微软雅黑" panose="020B0503020204020204" pitchFamily="34" charset="-122"/>
+              </a:defRPr>
+            </a:lvl4pPr>
+            <a:lvl5pPr marL="1938001" indent="-215263" algn="l" rtl="0" eaLnBrk="1" fontAlgn="base" hangingPunct="1">
+              <a:spcBef>
+                <a:spcPct val="20000"/>
+              </a:spcBef>
+              <a:spcAft>
+                <a:spcPct val="0"/>
+              </a:spcAft>
+              <a:buChar char="»"/>
+              <a:defRPr sz="1500">
+                <a:solidFill>
+                  <a:schemeClr val="tx1"/>
+                </a:solidFill>
+                <a:latin typeface="微软雅黑" panose="020B0503020204020204" pitchFamily="34" charset="-122"/>
+                <a:ea typeface="微软雅黑" panose="020B0503020204020204" pitchFamily="34" charset="-122"/>
+              </a:defRPr>
+            </a:lvl5pPr>
+            <a:lvl6pPr marL="2368526" indent="-215263" algn="l" rtl="0" eaLnBrk="1" fontAlgn="base" hangingPunct="1">
+              <a:spcBef>
+                <a:spcPct val="20000"/>
+              </a:spcBef>
+              <a:spcAft>
+                <a:spcPct val="0"/>
+              </a:spcAft>
+              <a:buChar char="»"/>
+              <a:defRPr sz="1900">
+                <a:solidFill>
+                  <a:schemeClr val="tx1"/>
+                </a:solidFill>
+                <a:latin typeface="+mn-lt"/>
+                <a:ea typeface="+mn-ea"/>
+              </a:defRPr>
+            </a:lvl6pPr>
+            <a:lvl7pPr marL="2799687" indent="-215263" algn="l" rtl="0" eaLnBrk="1" fontAlgn="base" hangingPunct="1">
+              <a:spcBef>
+                <a:spcPct val="20000"/>
+              </a:spcBef>
+              <a:spcAft>
+                <a:spcPct val="0"/>
+              </a:spcAft>
+              <a:buChar char="»"/>
+              <a:defRPr sz="1900">
+                <a:solidFill>
+                  <a:schemeClr val="tx1"/>
+                </a:solidFill>
+                <a:latin typeface="+mn-lt"/>
+                <a:ea typeface="+mn-ea"/>
+              </a:defRPr>
+            </a:lvl7pPr>
+            <a:lvl8pPr marL="3230213" indent="-215263" algn="l" rtl="0" eaLnBrk="1" fontAlgn="base" hangingPunct="1">
+              <a:spcBef>
+                <a:spcPct val="20000"/>
+              </a:spcBef>
+              <a:spcAft>
+                <a:spcPct val="0"/>
+              </a:spcAft>
+              <a:buChar char="»"/>
+              <a:defRPr sz="1900">
+                <a:solidFill>
+                  <a:schemeClr val="tx1"/>
+                </a:solidFill>
+                <a:latin typeface="+mn-lt"/>
+                <a:ea typeface="+mn-ea"/>
+              </a:defRPr>
+            </a:lvl8pPr>
+            <a:lvl9pPr marL="3660738" indent="-215263" algn="l" rtl="0" eaLnBrk="1" fontAlgn="base" hangingPunct="1">
+              <a:spcBef>
+                <a:spcPct val="20000"/>
+              </a:spcBef>
+              <a:spcAft>
+                <a:spcPct val="0"/>
+              </a:spcAft>
+              <a:buChar char="»"/>
+              <a:defRPr sz="1900">
+                <a:solidFill>
+                  <a:schemeClr val="tx1"/>
+                </a:solidFill>
+                <a:latin typeface="+mn-lt"/>
+                <a:ea typeface="+mn-ea"/>
+              </a:defRPr>
+            </a:lvl9pPr>
+          </a:lstStyle>
+          <a:p>
+            <a:pPr marL="0" indent="0">
+              <a:lnSpc>
+                <a:spcPct val="150000"/>
+              </a:lnSpc>
+              <a:spcBef>
+                <a:spcPts val="0"/>
+              </a:spcBef>
+              <a:buNone/>
+            </a:pPr>
+            <a:r>
+              <a:rPr lang="en-US" altLang="zh-CN" sz="1400" b="0" dirty="0" err="1"/>
+              <a:t>Git</a:t>
+            </a:r>
+            <a:r>
+              <a:rPr lang="en-US" altLang="zh-CN" sz="1400" b="0" dirty="0"/>
+              <a:t> </a:t>
+            </a:r>
+            <a:r>
+              <a:rPr lang="zh-CN" altLang="en-US" sz="1400" b="0" dirty="0"/>
+              <a:t>是如何知道你当前在哪个分支上工作的呢</a:t>
+            </a:r>
+            <a:r>
+              <a:rPr lang="zh-CN" altLang="en-US" sz="1400" b="0" dirty="0" smtClean="0"/>
+              <a:t>？</a:t>
+            </a:r>
+            <a:endParaRPr lang="en-US" altLang="zh-CN" sz="1400" b="0" dirty="0" smtClean="0"/>
+          </a:p>
+          <a:p>
+            <a:pPr marL="0" indent="0">
+              <a:lnSpc>
+                <a:spcPct val="150000"/>
+              </a:lnSpc>
+              <a:spcBef>
+                <a:spcPts val="0"/>
+              </a:spcBef>
+              <a:buNone/>
+            </a:pPr>
+            <a:r>
+              <a:rPr lang="zh-CN" altLang="en-US" sz="1400" b="0" dirty="0" smtClean="0"/>
+              <a:t>通过一</a:t>
+            </a:r>
+            <a:r>
+              <a:rPr lang="zh-CN" altLang="en-US" sz="1400" b="0" dirty="0"/>
+              <a:t>个名为 </a:t>
+            </a:r>
+            <a:r>
+              <a:rPr lang="en-US" altLang="zh-CN" sz="1400" b="0" dirty="0">
+                <a:solidFill>
+                  <a:srgbClr val="FF0000"/>
+                </a:solidFill>
+              </a:rPr>
+              <a:t>HEAD</a:t>
+            </a:r>
+            <a:r>
+              <a:rPr lang="en-US" altLang="zh-CN" sz="1400" b="0" dirty="0"/>
+              <a:t> </a:t>
+            </a:r>
+            <a:r>
+              <a:rPr lang="zh-CN" altLang="en-US" sz="1400" b="0" dirty="0"/>
+              <a:t>的特别指针</a:t>
+            </a:r>
+            <a:r>
+              <a:rPr lang="zh-CN" altLang="en-US" sz="1400" b="0" dirty="0" smtClean="0"/>
+              <a:t>。在 </a:t>
+            </a:r>
+            <a:r>
+              <a:rPr lang="en-US" altLang="zh-CN" sz="1400" b="0" dirty="0" err="1"/>
+              <a:t>Git</a:t>
+            </a:r>
+            <a:r>
+              <a:rPr lang="en-US" altLang="zh-CN" sz="1400" b="0" dirty="0"/>
+              <a:t> </a:t>
+            </a:r>
+            <a:r>
+              <a:rPr lang="zh-CN" altLang="en-US" sz="1400" b="0" dirty="0"/>
+              <a:t>中</a:t>
+            </a:r>
+            <a:r>
+              <a:rPr lang="zh-CN" altLang="en-US" sz="1400" b="0" dirty="0" smtClean="0"/>
+              <a:t>，</a:t>
+            </a:r>
+            <a:r>
+              <a:rPr lang="en-US" altLang="zh-CN" sz="1400" b="0" dirty="0" smtClean="0"/>
+              <a:t>HEAD</a:t>
+            </a:r>
+            <a:r>
+              <a:rPr lang="zh-CN" altLang="en-US" sz="1400" b="0" dirty="0" smtClean="0"/>
+              <a:t>是</a:t>
+            </a:r>
+            <a:r>
+              <a:rPr lang="zh-CN" altLang="en-US" sz="1400" b="0" dirty="0"/>
+              <a:t>一个指向你正在工作中的本地分支的</a:t>
+            </a:r>
+            <a:r>
+              <a:rPr lang="zh-CN" altLang="en-US" sz="1400" b="0" dirty="0">
+                <a:solidFill>
+                  <a:srgbClr val="FF0000"/>
+                </a:solidFill>
+              </a:rPr>
+              <a:t>指针</a:t>
+            </a:r>
+            <a:r>
+              <a:rPr lang="zh-CN" altLang="en-US" sz="1400" b="0" dirty="0" smtClean="0"/>
+              <a:t>（可将 </a:t>
+            </a:r>
+            <a:r>
+              <a:rPr lang="en-US" altLang="zh-CN" sz="1400" b="0" dirty="0"/>
+              <a:t>HEAD </a:t>
+            </a:r>
+            <a:r>
+              <a:rPr lang="zh-CN" altLang="en-US" sz="1400" b="0" dirty="0"/>
+              <a:t>想象为当前分支的</a:t>
+            </a:r>
+            <a:r>
+              <a:rPr lang="zh-CN" altLang="en-US" sz="1400" b="0" dirty="0" smtClean="0"/>
+              <a:t>别名）</a:t>
+            </a:r>
+            <a:r>
+              <a:rPr lang="zh-CN" altLang="en-US" sz="1400" b="0" dirty="0"/>
+              <a:t>。运行 </a:t>
+            </a:r>
+            <a:r>
+              <a:rPr lang="en-US" altLang="zh-CN" sz="1400" b="0" dirty="0" err="1"/>
+              <a:t>git</a:t>
+            </a:r>
+            <a:r>
+              <a:rPr lang="en-US" altLang="zh-CN" sz="1400" b="0" dirty="0"/>
+              <a:t> branch </a:t>
+            </a:r>
+            <a:r>
+              <a:rPr lang="zh-CN" altLang="en-US" sz="1400" b="0" dirty="0"/>
+              <a:t>命令，仅仅是建立了一个新的分支，但不会自动切换到这个分支中去，所以在这个例子中，我们依然还在 </a:t>
+            </a:r>
+            <a:r>
+              <a:rPr lang="en-US" altLang="zh-CN" sz="1400" b="0" dirty="0"/>
+              <a:t>master </a:t>
+            </a:r>
+            <a:r>
+              <a:rPr lang="zh-CN" altLang="en-US" sz="1400" b="0" dirty="0"/>
+              <a:t>分支里</a:t>
+            </a:r>
+            <a:r>
+              <a:rPr lang="zh-CN" altLang="en-US" sz="1400" b="0" dirty="0" smtClean="0"/>
+              <a:t>工作。</a:t>
+            </a:r>
+            <a:endParaRPr lang="en-US" altLang="zh-CN" sz="1400" b="0" dirty="0"/>
+          </a:p>
+        </p:txBody>
+      </p:sp>
+      <p:pic>
+        <p:nvPicPr>
+          <p:cNvPr id="3075" name="Picture 3" descr="https://git-scm.com/figures/18333fig0305-tn.png"/>
+          <p:cNvPicPr>
+            <a:picLocks noChangeAspect="1" noChangeArrowheads="1"/>
+          </p:cNvPicPr>
+          <p:nvPr/>
+        </p:nvPicPr>
+        <p:blipFill>
+          <a:blip r:embed="rId3">
+            <a:extLst>
+              <a:ext uri="{28A0092B-C50C-407E-A947-70E740481C1C}">
+                <a14:useLocalDpi xmlns:a14="http://schemas.microsoft.com/office/drawing/2010/main" val="0"/>
+              </a:ext>
+            </a:extLst>
+          </a:blip>
+          <a:srcRect/>
+          <a:stretch>
+            <a:fillRect/>
+          </a:stretch>
+        </p:blipFill>
+        <p:spPr bwMode="auto">
+          <a:xfrm>
+            <a:off x="2462345" y="2353021"/>
+            <a:ext cx="4238625" cy="2952751"/>
+          </a:xfrm>
+          <a:prstGeom prst="rect">
+            <a:avLst/>
+          </a:prstGeom>
+          <a:noFill/>
+          <a:extLst>
+            <a:ext uri="{909E8E84-426E-40DD-AFC4-6F175D3DCCD1}">
+              <a14:hiddenFill xmlns:a14="http://schemas.microsoft.com/office/drawing/2010/main">
+                <a:solidFill>
+                  <a:srgbClr val="FFFFFF"/>
+                </a:solidFill>
+              </a14:hiddenFill>
+            </a:ext>
+          </a:extLst>
+        </p:spPr>
+      </p:pic>
+    </p:spTree>
+    <p:extLst>
+      <p:ext uri="{BB962C8B-B14F-4D97-AF65-F5344CB8AC3E}">
+        <p14:creationId xmlns:p14="http://schemas.microsoft.com/office/powerpoint/2010/main" val="1358774670"/>
+      </p:ext>
+    </p:extLst>
+  </p:cSld>
+  <p:clrMapOvr>
+    <a:masterClrMapping/>
+  </p:clrMapOvr>
+  <p:transition spd="med">
+    <p:wipe dir="r"/>
+  </p:transition>
+  <p:timing>
+    <p:tnLst>
+      <p:par>
+        <p:cTn id="1" dur="indefinite" restart="never" nodeType="tmRoot"/>
+      </p:par>
+    </p:tnLst>
+  </p:timing>
+</p:sld>
+</file>
+
+<file path=ppt/slides/slide36.xml><?xml version="1.0" encoding="utf-8"?>
+<p:sld xmlns:a="http://schemas.openxmlformats.org/drawingml/2006/main" xmlns:r="http://schemas.openxmlformats.org/officeDocument/2006/relationships" xmlns:p="http://schemas.openxmlformats.org/presentationml/2006/main">
+  <p:cSld>
+    <p:spTree>
+      <p:nvGrpSpPr>
+        <p:cNvPr id="1" name=""/>
+        <p:cNvGrpSpPr/>
+        <p:nvPr/>
+      </p:nvGrpSpPr>
+      <p:grpSpPr>
+        <a:xfrm>
+          <a:off x="0" y="0"/>
+          <a:ext cx="0" cy="0"/>
+          <a:chOff x="0" y="0"/>
+          <a:chExt cx="0" cy="0"/>
+        </a:xfrm>
+      </p:grpSpPr>
+      <p:sp>
+        <p:nvSpPr>
+          <p:cNvPr id="10" name="灯片编号占位符 9"/>
+          <p:cNvSpPr>
+            <a:spLocks noGrp="1"/>
+          </p:cNvSpPr>
+          <p:nvPr>
+            <p:ph type="sldNum" sz="quarter" idx="12"/>
+          </p:nvPr>
+        </p:nvSpPr>
+        <p:spPr/>
+        <p:txBody>
+          <a:bodyPr/>
+          <a:lstStyle/>
+          <a:p>
+            <a:fld id="{86F0E3FA-EBE8-4184-B68E-FC61E6CBEA65}" type="slidenum">
+              <a:rPr lang="zh-CN" altLang="en-US" smtClean="0">
+                <a:solidFill>
+                  <a:prstClr val="black"/>
+                </a:solidFill>
+                <a:latin typeface="微软雅黑" panose="020B0503020204020204" pitchFamily="34" charset="-122"/>
+                <a:ea typeface="微软雅黑" panose="020B0503020204020204" pitchFamily="34" charset="-122"/>
+              </a:rPr>
+              <a:pPr/>
+              <a:t>36</a:t>
+            </a:fld>
+            <a:endParaRPr lang="zh-CN" altLang="en-US" dirty="0">
+              <a:solidFill>
+                <a:prstClr val="black"/>
+              </a:solidFill>
+              <a:latin typeface="微软雅黑" panose="020B0503020204020204" pitchFamily="34" charset="-122"/>
+              <a:ea typeface="微软雅黑" panose="020B0503020204020204" pitchFamily="34" charset="-122"/>
+            </a:endParaRPr>
+          </a:p>
+        </p:txBody>
+      </p:sp>
+      <p:sp>
+        <p:nvSpPr>
+          <p:cNvPr id="25" name="矩形 24"/>
+          <p:cNvSpPr/>
+          <p:nvPr/>
+        </p:nvSpPr>
+        <p:spPr>
+          <a:xfrm>
+            <a:off x="35496" y="212957"/>
+            <a:ext cx="1271464" cy="504056"/>
+          </a:xfrm>
+          <a:prstGeom prst="rect">
+            <a:avLst/>
+          </a:prstGeom>
+          <a:solidFill>
+            <a:schemeClr val="accent4"/>
+          </a:solidFill>
+          <a:ln>
+            <a:noFill/>
+          </a:ln>
+        </p:spPr>
+        <p:style>
+          <a:lnRef idx="2">
+            <a:schemeClr val="accent1">
+              <a:shade val="50000"/>
+            </a:schemeClr>
+          </a:lnRef>
+          <a:fillRef idx="1">
+            <a:schemeClr val="accent1"/>
+          </a:fillRef>
+          <a:effectRef idx="0">
+            <a:schemeClr val="accent1"/>
+          </a:effectRef>
+          <a:fontRef idx="minor">
+            <a:schemeClr val="lt1"/>
+          </a:fontRef>
+        </p:style>
+        <p:txBody>
+          <a:bodyPr rtlCol="0" anchor="ctr"/>
+          <a:lstStyle/>
+          <a:p>
+            <a:pPr algn="ctr"/>
+            <a:endParaRPr lang="zh-CN" altLang="en-US" dirty="0">
+              <a:latin typeface="微软雅黑" panose="020B0503020204020204" pitchFamily="34" charset="-122"/>
+              <a:ea typeface="微软雅黑" panose="020B0503020204020204" pitchFamily="34" charset="-122"/>
+            </a:endParaRPr>
+          </a:p>
+        </p:txBody>
+      </p:sp>
+      <p:sp>
+        <p:nvSpPr>
+          <p:cNvPr id="26" name="矩形 25"/>
+          <p:cNvSpPr/>
+          <p:nvPr/>
+        </p:nvSpPr>
+        <p:spPr>
+          <a:xfrm>
+            <a:off x="1378968" y="212957"/>
+            <a:ext cx="72008" cy="504056"/>
+          </a:xfrm>
+          <a:prstGeom prst="rect">
+            <a:avLst/>
+          </a:prstGeom>
+          <a:solidFill>
+            <a:schemeClr val="accent4"/>
+          </a:solidFill>
+          <a:ln>
+            <a:noFill/>
+          </a:ln>
+        </p:spPr>
+        <p:style>
+          <a:lnRef idx="2">
+            <a:schemeClr val="accent1">
+              <a:shade val="50000"/>
+            </a:schemeClr>
+          </a:lnRef>
+          <a:fillRef idx="1">
+            <a:schemeClr val="accent1"/>
+          </a:fillRef>
+          <a:effectRef idx="0">
+            <a:schemeClr val="accent1"/>
+          </a:effectRef>
+          <a:fontRef idx="minor">
+            <a:schemeClr val="lt1"/>
+          </a:fontRef>
+        </p:style>
+        <p:txBody>
+          <a:bodyPr rtlCol="0" anchor="ctr"/>
+          <a:lstStyle/>
+          <a:p>
+            <a:pPr algn="ctr"/>
+            <a:endParaRPr lang="zh-CN" altLang="en-US" dirty="0">
+              <a:latin typeface="微软雅黑" panose="020B0503020204020204" pitchFamily="34" charset="-122"/>
+              <a:ea typeface="微软雅黑" panose="020B0503020204020204" pitchFamily="34" charset="-122"/>
+            </a:endParaRPr>
+          </a:p>
+        </p:txBody>
+      </p:sp>
+      <p:sp>
+        <p:nvSpPr>
+          <p:cNvPr id="31" name="矩形 30"/>
+          <p:cNvSpPr/>
+          <p:nvPr/>
+        </p:nvSpPr>
+        <p:spPr>
+          <a:xfrm>
+            <a:off x="1516292" y="416607"/>
+            <a:ext cx="78700" cy="300406"/>
+          </a:xfrm>
+          <a:prstGeom prst="rect">
+            <a:avLst/>
+          </a:prstGeom>
+          <a:solidFill>
+            <a:schemeClr val="accent4"/>
+          </a:solidFill>
+          <a:ln>
+            <a:noFill/>
+          </a:ln>
+        </p:spPr>
+        <p:style>
+          <a:lnRef idx="2">
+            <a:schemeClr val="accent1">
+              <a:shade val="50000"/>
+            </a:schemeClr>
+          </a:lnRef>
+          <a:fillRef idx="1">
+            <a:schemeClr val="accent1"/>
+          </a:fillRef>
+          <a:effectRef idx="0">
+            <a:schemeClr val="accent1"/>
+          </a:effectRef>
+          <a:fontRef idx="minor">
+            <a:schemeClr val="lt1"/>
+          </a:fontRef>
+        </p:style>
+        <p:txBody>
+          <a:bodyPr rtlCol="0" anchor="ctr"/>
+          <a:lstStyle/>
+          <a:p>
+            <a:pPr algn="ctr"/>
+            <a:endParaRPr lang="zh-CN" altLang="en-US" dirty="0">
+              <a:latin typeface="微软雅黑" panose="020B0503020204020204" pitchFamily="34" charset="-122"/>
+              <a:ea typeface="微软雅黑" panose="020B0503020204020204" pitchFamily="34" charset="-122"/>
+            </a:endParaRPr>
+          </a:p>
+        </p:txBody>
+      </p:sp>
+      <p:sp>
+        <p:nvSpPr>
+          <p:cNvPr id="32" name="文本框 31"/>
+          <p:cNvSpPr txBox="1"/>
+          <p:nvPr/>
+        </p:nvSpPr>
+        <p:spPr>
+          <a:xfrm>
+            <a:off x="1619672" y="246048"/>
+            <a:ext cx="4032448" cy="523220"/>
+          </a:xfrm>
+          <a:prstGeom prst="rect">
+            <a:avLst/>
+          </a:prstGeom>
+          <a:noFill/>
+        </p:spPr>
+        <p:txBody>
+          <a:bodyPr wrap="square" rtlCol="0">
+            <a:spAutoFit/>
+          </a:bodyPr>
+          <a:lstStyle/>
+          <a:p>
+            <a:r>
+              <a:rPr lang="zh-CN" altLang="en-US" sz="2800" dirty="0" smtClean="0">
+                <a:solidFill>
+                  <a:schemeClr val="accent4"/>
+                </a:solidFill>
+                <a:latin typeface="微软雅黑" panose="020B0503020204020204" pitchFamily="34" charset="-122"/>
+                <a:ea typeface="微软雅黑" panose="020B0503020204020204" pitchFamily="34" charset="-122"/>
+              </a:rPr>
+              <a:t>分支</a:t>
+            </a:r>
+            <a:endParaRPr lang="zh-CN" altLang="en-US" sz="2800" dirty="0">
+              <a:solidFill>
+                <a:schemeClr val="accent4"/>
+              </a:solidFill>
+              <a:latin typeface="微软雅黑" panose="020B0503020204020204" pitchFamily="34" charset="-122"/>
+              <a:ea typeface="微软雅黑" panose="020B0503020204020204" pitchFamily="34" charset="-122"/>
+            </a:endParaRPr>
+          </a:p>
+        </p:txBody>
+      </p:sp>
+      <p:sp>
+        <p:nvSpPr>
+          <p:cNvPr id="7" name="内容占位符 2"/>
+          <p:cNvSpPr txBox="1">
+            <a:spLocks/>
+          </p:cNvSpPr>
+          <p:nvPr/>
+        </p:nvSpPr>
+        <p:spPr bwMode="auto">
+          <a:xfrm>
+            <a:off x="464477" y="793750"/>
+            <a:ext cx="8234363" cy="726347"/>
+          </a:xfrm>
+          <a:prstGeom prst="rect">
+            <a:avLst/>
+          </a:prstGeom>
+          <a:noFill/>
+          <a:ln w="9525">
+            <a:noFill/>
+            <a:miter lim="800000"/>
+          </a:ln>
+        </p:spPr>
+        <p:txBody>
+          <a:bodyPr vert="horz" wrap="square" lIns="79242" tIns="39621" rIns="79242" bIns="39621" numCol="1" anchor="t" anchorCtr="0" compatLnSpc="1">
+            <a:spAutoFit/>
+          </a:bodyPr>
+          <a:lstStyle>
+            <a:lvl1pPr marL="323212" indent="-323212" algn="l" rtl="0" eaLnBrk="1" fontAlgn="base" hangingPunct="1">
+              <a:spcBef>
+                <a:spcPct val="20000"/>
+              </a:spcBef>
+              <a:spcAft>
+                <a:spcPct val="0"/>
+              </a:spcAft>
+              <a:buChar char="•"/>
+              <a:defRPr sz="1700">
+                <a:solidFill>
+                  <a:schemeClr val="tx1"/>
+                </a:solidFill>
+                <a:latin typeface="微软雅黑" panose="020B0503020204020204" pitchFamily="34" charset="-122"/>
+                <a:ea typeface="微软雅黑" panose="020B0503020204020204" pitchFamily="34" charset="-122"/>
+                <a:cs typeface="+mn-cs"/>
+              </a:defRPr>
+            </a:lvl1pPr>
+            <a:lvl2pPr marL="699763" indent="-269238" algn="l" rtl="0" eaLnBrk="1" fontAlgn="base" hangingPunct="1">
+              <a:spcBef>
+                <a:spcPct val="20000"/>
+              </a:spcBef>
+              <a:spcAft>
+                <a:spcPct val="0"/>
+              </a:spcAft>
+              <a:buChar char="–"/>
+              <a:defRPr sz="1500">
+                <a:solidFill>
+                  <a:schemeClr val="tx1"/>
+                </a:solidFill>
+                <a:latin typeface="微软雅黑" panose="020B0503020204020204" pitchFamily="34" charset="-122"/>
+                <a:ea typeface="微软雅黑" panose="020B0503020204020204" pitchFamily="34" charset="-122"/>
+              </a:defRPr>
+            </a:lvl2pPr>
+            <a:lvl3pPr marL="1076949" indent="-215263" algn="l" rtl="0" eaLnBrk="1" fontAlgn="base" hangingPunct="1">
+              <a:spcBef>
+                <a:spcPct val="20000"/>
+              </a:spcBef>
+              <a:spcAft>
+                <a:spcPct val="0"/>
+              </a:spcAft>
+              <a:buChar char="•"/>
+              <a:defRPr sz="1500">
+                <a:solidFill>
+                  <a:schemeClr val="tx1"/>
+                </a:solidFill>
+                <a:latin typeface="微软雅黑" panose="020B0503020204020204" pitchFamily="34" charset="-122"/>
+                <a:ea typeface="微软雅黑" panose="020B0503020204020204" pitchFamily="34" charset="-122"/>
+              </a:defRPr>
+            </a:lvl3pPr>
+            <a:lvl4pPr marL="1507475" indent="-215263" algn="l" rtl="0" eaLnBrk="1" fontAlgn="base" hangingPunct="1">
+              <a:spcBef>
+                <a:spcPct val="20000"/>
+              </a:spcBef>
+              <a:spcAft>
+                <a:spcPct val="0"/>
+              </a:spcAft>
+              <a:buChar char="–"/>
+              <a:defRPr sz="1500">
+                <a:solidFill>
+                  <a:schemeClr val="tx1"/>
+                </a:solidFill>
+                <a:latin typeface="微软雅黑" panose="020B0503020204020204" pitchFamily="34" charset="-122"/>
+                <a:ea typeface="微软雅黑" panose="020B0503020204020204" pitchFamily="34" charset="-122"/>
+              </a:defRPr>
+            </a:lvl4pPr>
+            <a:lvl5pPr marL="1938001" indent="-215263" algn="l" rtl="0" eaLnBrk="1" fontAlgn="base" hangingPunct="1">
+              <a:spcBef>
+                <a:spcPct val="20000"/>
+              </a:spcBef>
+              <a:spcAft>
+                <a:spcPct val="0"/>
+              </a:spcAft>
+              <a:buChar char="»"/>
+              <a:defRPr sz="1500">
+                <a:solidFill>
+                  <a:schemeClr val="tx1"/>
+                </a:solidFill>
+                <a:latin typeface="微软雅黑" panose="020B0503020204020204" pitchFamily="34" charset="-122"/>
+                <a:ea typeface="微软雅黑" panose="020B0503020204020204" pitchFamily="34" charset="-122"/>
+              </a:defRPr>
+            </a:lvl5pPr>
+            <a:lvl6pPr marL="2368526" indent="-215263" algn="l" rtl="0" eaLnBrk="1" fontAlgn="base" hangingPunct="1">
+              <a:spcBef>
+                <a:spcPct val="20000"/>
+              </a:spcBef>
+              <a:spcAft>
+                <a:spcPct val="0"/>
+              </a:spcAft>
+              <a:buChar char="»"/>
+              <a:defRPr sz="1900">
+                <a:solidFill>
+                  <a:schemeClr val="tx1"/>
+                </a:solidFill>
+                <a:latin typeface="+mn-lt"/>
+                <a:ea typeface="+mn-ea"/>
+              </a:defRPr>
+            </a:lvl6pPr>
+            <a:lvl7pPr marL="2799687" indent="-215263" algn="l" rtl="0" eaLnBrk="1" fontAlgn="base" hangingPunct="1">
+              <a:spcBef>
+                <a:spcPct val="20000"/>
+              </a:spcBef>
+              <a:spcAft>
+                <a:spcPct val="0"/>
+              </a:spcAft>
+              <a:buChar char="»"/>
+              <a:defRPr sz="1900">
+                <a:solidFill>
+                  <a:schemeClr val="tx1"/>
+                </a:solidFill>
+                <a:latin typeface="+mn-lt"/>
+                <a:ea typeface="+mn-ea"/>
+              </a:defRPr>
+            </a:lvl7pPr>
+            <a:lvl8pPr marL="3230213" indent="-215263" algn="l" rtl="0" eaLnBrk="1" fontAlgn="base" hangingPunct="1">
+              <a:spcBef>
+                <a:spcPct val="20000"/>
+              </a:spcBef>
+              <a:spcAft>
+                <a:spcPct val="0"/>
+              </a:spcAft>
+              <a:buChar char="»"/>
+              <a:defRPr sz="1900">
+                <a:solidFill>
+                  <a:schemeClr val="tx1"/>
+                </a:solidFill>
+                <a:latin typeface="+mn-lt"/>
+                <a:ea typeface="+mn-ea"/>
+              </a:defRPr>
+            </a:lvl8pPr>
+            <a:lvl9pPr marL="3660738" indent="-215263" algn="l" rtl="0" eaLnBrk="1" fontAlgn="base" hangingPunct="1">
+              <a:spcBef>
+                <a:spcPct val="20000"/>
+              </a:spcBef>
+              <a:spcAft>
+                <a:spcPct val="0"/>
+              </a:spcAft>
+              <a:buChar char="»"/>
+              <a:defRPr sz="1900">
+                <a:solidFill>
+                  <a:schemeClr val="tx1"/>
+                </a:solidFill>
+                <a:latin typeface="+mn-lt"/>
+                <a:ea typeface="+mn-ea"/>
+              </a:defRPr>
+            </a:lvl9pPr>
+          </a:lstStyle>
+          <a:p>
+            <a:pPr marL="0" indent="0">
+              <a:lnSpc>
+                <a:spcPct val="150000"/>
+              </a:lnSpc>
+              <a:spcBef>
+                <a:spcPts val="0"/>
+              </a:spcBef>
+              <a:buNone/>
+            </a:pPr>
+            <a:r>
+              <a:rPr lang="zh-CN" altLang="en-US" sz="1400" b="0" dirty="0" smtClean="0"/>
+              <a:t>现在</a:t>
+            </a:r>
+            <a:r>
+              <a:rPr lang="zh-CN" altLang="en-US" sz="1400" b="0" dirty="0"/>
+              <a:t>转换到新建的 </a:t>
+            </a:r>
+            <a:r>
+              <a:rPr lang="en-US" altLang="zh-CN" sz="1400" b="0" dirty="0"/>
+              <a:t>testing </a:t>
+            </a:r>
+            <a:r>
+              <a:rPr lang="zh-CN" altLang="en-US" sz="1400" b="0" dirty="0"/>
+              <a:t>分支</a:t>
+            </a:r>
+            <a:r>
+              <a:rPr lang="zh-CN" altLang="en-US" sz="1400" b="0" dirty="0" smtClean="0"/>
+              <a:t>：</a:t>
+            </a:r>
+            <a:endParaRPr lang="en-US" altLang="zh-CN" sz="1400" b="0" dirty="0" smtClean="0"/>
+          </a:p>
+          <a:p>
+            <a:pPr marL="0" indent="0">
+              <a:lnSpc>
+                <a:spcPct val="150000"/>
+              </a:lnSpc>
+              <a:spcBef>
+                <a:spcPts val="0"/>
+              </a:spcBef>
+              <a:buNone/>
+            </a:pPr>
+            <a:r>
+              <a:rPr lang="en-US" altLang="zh-CN" sz="1400" b="0" dirty="0" err="1"/>
+              <a:t>git</a:t>
+            </a:r>
+            <a:r>
+              <a:rPr lang="en-US" altLang="zh-CN" sz="1400" b="0" dirty="0"/>
+              <a:t> checkout testing</a:t>
+            </a:r>
+            <a:endParaRPr lang="en-US" altLang="zh-CN" sz="1400" b="0" dirty="0"/>
+          </a:p>
+        </p:txBody>
+      </p:sp>
+      <p:pic>
+        <p:nvPicPr>
+          <p:cNvPr id="4099" name="Picture 3" descr="https://git-scm.com/figures/18333fig0306-tn.png"/>
+          <p:cNvPicPr>
+            <a:picLocks noChangeAspect="1" noChangeArrowheads="1"/>
+          </p:cNvPicPr>
+          <p:nvPr/>
+        </p:nvPicPr>
+        <p:blipFill>
+          <a:blip r:embed="rId3">
+            <a:extLst>
+              <a:ext uri="{28A0092B-C50C-407E-A947-70E740481C1C}">
+                <a14:useLocalDpi xmlns:a14="http://schemas.microsoft.com/office/drawing/2010/main" val="0"/>
+              </a:ext>
+            </a:extLst>
+          </a:blip>
+          <a:srcRect/>
+          <a:stretch>
+            <a:fillRect/>
+          </a:stretch>
+        </p:blipFill>
+        <p:spPr bwMode="auto">
+          <a:xfrm>
+            <a:off x="2714758" y="1921396"/>
+            <a:ext cx="3733800" cy="2952751"/>
+          </a:xfrm>
+          <a:prstGeom prst="rect">
+            <a:avLst/>
+          </a:prstGeom>
+          <a:noFill/>
+          <a:extLst>
+            <a:ext uri="{909E8E84-426E-40DD-AFC4-6F175D3DCCD1}">
+              <a14:hiddenFill xmlns:a14="http://schemas.microsoft.com/office/drawing/2010/main">
+                <a:solidFill>
+                  <a:srgbClr val="FFFFFF"/>
+                </a:solidFill>
+              </a14:hiddenFill>
+            </a:ext>
+          </a:extLst>
+        </p:spPr>
+      </p:pic>
+    </p:spTree>
+    <p:extLst>
+      <p:ext uri="{BB962C8B-B14F-4D97-AF65-F5344CB8AC3E}">
+        <p14:creationId xmlns:p14="http://schemas.microsoft.com/office/powerpoint/2010/main" val="3037741949"/>
+      </p:ext>
+    </p:extLst>
+  </p:cSld>
+  <p:clrMapOvr>
+    <a:masterClrMapping/>
+  </p:clrMapOvr>
+  <p:transition spd="med">
+    <p:wipe dir="r"/>
+  </p:transition>
+  <p:timing>
+    <p:tnLst>
+      <p:par>
+        <p:cTn id="1" dur="indefinite" restart="never" nodeType="tmRoot"/>
+      </p:par>
+    </p:tnLst>
+  </p:timing>
+</p:sld>
+</file>
+
+<file path=ppt/slides/slide37.xml><?xml version="1.0" encoding="utf-8"?>
+<p:sld xmlns:a="http://schemas.openxmlformats.org/drawingml/2006/main" xmlns:r="http://schemas.openxmlformats.org/officeDocument/2006/relationships" xmlns:p="http://schemas.openxmlformats.org/presentationml/2006/main">
+  <p:cSld>
+    <p:spTree>
+      <p:nvGrpSpPr>
+        <p:cNvPr id="1" name=""/>
+        <p:cNvGrpSpPr/>
+        <p:nvPr/>
+      </p:nvGrpSpPr>
+      <p:grpSpPr>
+        <a:xfrm>
+          <a:off x="0" y="0"/>
+          <a:ext cx="0" cy="0"/>
+          <a:chOff x="0" y="0"/>
+          <a:chExt cx="0" cy="0"/>
+        </a:xfrm>
+      </p:grpSpPr>
+      <p:sp>
+        <p:nvSpPr>
+          <p:cNvPr id="10" name="灯片编号占位符 9"/>
+          <p:cNvSpPr>
+            <a:spLocks noGrp="1"/>
+          </p:cNvSpPr>
+          <p:nvPr>
+            <p:ph type="sldNum" sz="quarter" idx="12"/>
+          </p:nvPr>
+        </p:nvSpPr>
+        <p:spPr/>
+        <p:txBody>
+          <a:bodyPr/>
+          <a:lstStyle/>
+          <a:p>
+            <a:fld id="{86F0E3FA-EBE8-4184-B68E-FC61E6CBEA65}" type="slidenum">
+              <a:rPr lang="zh-CN" altLang="en-US" smtClean="0">
+                <a:solidFill>
+                  <a:prstClr val="black"/>
+                </a:solidFill>
+                <a:latin typeface="微软雅黑" panose="020B0503020204020204" pitchFamily="34" charset="-122"/>
+                <a:ea typeface="微软雅黑" panose="020B0503020204020204" pitchFamily="34" charset="-122"/>
+              </a:rPr>
+              <a:pPr/>
+              <a:t>37</a:t>
+            </a:fld>
+            <a:endParaRPr lang="zh-CN" altLang="en-US" dirty="0">
+              <a:solidFill>
+                <a:prstClr val="black"/>
+              </a:solidFill>
+              <a:latin typeface="微软雅黑" panose="020B0503020204020204" pitchFamily="34" charset="-122"/>
+              <a:ea typeface="微软雅黑" panose="020B0503020204020204" pitchFamily="34" charset="-122"/>
+            </a:endParaRPr>
+          </a:p>
+        </p:txBody>
+      </p:sp>
+      <p:sp>
+        <p:nvSpPr>
+          <p:cNvPr id="25" name="矩形 24"/>
+          <p:cNvSpPr/>
+          <p:nvPr/>
+        </p:nvSpPr>
+        <p:spPr>
+          <a:xfrm>
+            <a:off x="35496" y="212957"/>
+            <a:ext cx="1271464" cy="504056"/>
+          </a:xfrm>
+          <a:prstGeom prst="rect">
+            <a:avLst/>
+          </a:prstGeom>
+          <a:solidFill>
+            <a:schemeClr val="accent4"/>
+          </a:solidFill>
+          <a:ln>
+            <a:noFill/>
+          </a:ln>
+        </p:spPr>
+        <p:style>
+          <a:lnRef idx="2">
+            <a:schemeClr val="accent1">
+              <a:shade val="50000"/>
+            </a:schemeClr>
+          </a:lnRef>
+          <a:fillRef idx="1">
+            <a:schemeClr val="accent1"/>
+          </a:fillRef>
+          <a:effectRef idx="0">
+            <a:schemeClr val="accent1"/>
+          </a:effectRef>
+          <a:fontRef idx="minor">
+            <a:schemeClr val="lt1"/>
+          </a:fontRef>
+        </p:style>
+        <p:txBody>
+          <a:bodyPr rtlCol="0" anchor="ctr"/>
+          <a:lstStyle/>
+          <a:p>
+            <a:pPr algn="ctr"/>
+            <a:endParaRPr lang="zh-CN" altLang="en-US" dirty="0">
+              <a:latin typeface="微软雅黑" panose="020B0503020204020204" pitchFamily="34" charset="-122"/>
+              <a:ea typeface="微软雅黑" panose="020B0503020204020204" pitchFamily="34" charset="-122"/>
+            </a:endParaRPr>
+          </a:p>
+        </p:txBody>
+      </p:sp>
+      <p:sp>
+        <p:nvSpPr>
+          <p:cNvPr id="26" name="矩形 25"/>
+          <p:cNvSpPr/>
+          <p:nvPr/>
+        </p:nvSpPr>
+        <p:spPr>
+          <a:xfrm>
+            <a:off x="1378968" y="212957"/>
+            <a:ext cx="72008" cy="504056"/>
+          </a:xfrm>
+          <a:prstGeom prst="rect">
+            <a:avLst/>
+          </a:prstGeom>
+          <a:solidFill>
+            <a:schemeClr val="accent4"/>
+          </a:solidFill>
+          <a:ln>
+            <a:noFill/>
+          </a:ln>
+        </p:spPr>
+        <p:style>
+          <a:lnRef idx="2">
+            <a:schemeClr val="accent1">
+              <a:shade val="50000"/>
+            </a:schemeClr>
+          </a:lnRef>
+          <a:fillRef idx="1">
+            <a:schemeClr val="accent1"/>
+          </a:fillRef>
+          <a:effectRef idx="0">
+            <a:schemeClr val="accent1"/>
+          </a:effectRef>
+          <a:fontRef idx="minor">
+            <a:schemeClr val="lt1"/>
+          </a:fontRef>
+        </p:style>
+        <p:txBody>
+          <a:bodyPr rtlCol="0" anchor="ctr"/>
+          <a:lstStyle/>
+          <a:p>
+            <a:pPr algn="ctr"/>
+            <a:endParaRPr lang="zh-CN" altLang="en-US" dirty="0">
+              <a:latin typeface="微软雅黑" panose="020B0503020204020204" pitchFamily="34" charset="-122"/>
+              <a:ea typeface="微软雅黑" panose="020B0503020204020204" pitchFamily="34" charset="-122"/>
+            </a:endParaRPr>
+          </a:p>
+        </p:txBody>
+      </p:sp>
+      <p:sp>
+        <p:nvSpPr>
+          <p:cNvPr id="31" name="矩形 30"/>
+          <p:cNvSpPr/>
+          <p:nvPr/>
+        </p:nvSpPr>
+        <p:spPr>
+          <a:xfrm>
+            <a:off x="1516292" y="416607"/>
+            <a:ext cx="78700" cy="300406"/>
+          </a:xfrm>
+          <a:prstGeom prst="rect">
+            <a:avLst/>
+          </a:prstGeom>
+          <a:solidFill>
+            <a:schemeClr val="accent4"/>
+          </a:solidFill>
+          <a:ln>
+            <a:noFill/>
+          </a:ln>
+        </p:spPr>
+        <p:style>
+          <a:lnRef idx="2">
+            <a:schemeClr val="accent1">
+              <a:shade val="50000"/>
+            </a:schemeClr>
+          </a:lnRef>
+          <a:fillRef idx="1">
+            <a:schemeClr val="accent1"/>
+          </a:fillRef>
+          <a:effectRef idx="0">
+            <a:schemeClr val="accent1"/>
+          </a:effectRef>
+          <a:fontRef idx="minor">
+            <a:schemeClr val="lt1"/>
+          </a:fontRef>
+        </p:style>
+        <p:txBody>
+          <a:bodyPr rtlCol="0" anchor="ctr"/>
+          <a:lstStyle/>
+          <a:p>
+            <a:pPr algn="ctr"/>
+            <a:endParaRPr lang="zh-CN" altLang="en-US" dirty="0">
+              <a:latin typeface="微软雅黑" panose="020B0503020204020204" pitchFamily="34" charset="-122"/>
+              <a:ea typeface="微软雅黑" panose="020B0503020204020204" pitchFamily="34" charset="-122"/>
+            </a:endParaRPr>
+          </a:p>
+        </p:txBody>
+      </p:sp>
+      <p:sp>
+        <p:nvSpPr>
+          <p:cNvPr id="32" name="文本框 31"/>
+          <p:cNvSpPr txBox="1"/>
+          <p:nvPr/>
+        </p:nvSpPr>
+        <p:spPr>
+          <a:xfrm>
+            <a:off x="1619672" y="246048"/>
+            <a:ext cx="4032448" cy="523220"/>
+          </a:xfrm>
+          <a:prstGeom prst="rect">
+            <a:avLst/>
+          </a:prstGeom>
+          <a:noFill/>
+        </p:spPr>
+        <p:txBody>
+          <a:bodyPr wrap="square" rtlCol="0">
+            <a:spAutoFit/>
+          </a:bodyPr>
+          <a:lstStyle/>
+          <a:p>
+            <a:r>
+              <a:rPr lang="zh-CN" altLang="en-US" sz="2800" dirty="0" smtClean="0">
+                <a:solidFill>
+                  <a:schemeClr val="accent4"/>
+                </a:solidFill>
+                <a:latin typeface="微软雅黑" panose="020B0503020204020204" pitchFamily="34" charset="-122"/>
+                <a:ea typeface="微软雅黑" panose="020B0503020204020204" pitchFamily="34" charset="-122"/>
+              </a:rPr>
+              <a:t>分支</a:t>
+            </a:r>
+            <a:endParaRPr lang="zh-CN" altLang="en-US" sz="2800" dirty="0">
+              <a:solidFill>
+                <a:schemeClr val="accent4"/>
+              </a:solidFill>
+              <a:latin typeface="微软雅黑" panose="020B0503020204020204" pitchFamily="34" charset="-122"/>
+              <a:ea typeface="微软雅黑" panose="020B0503020204020204" pitchFamily="34" charset="-122"/>
+            </a:endParaRPr>
+          </a:p>
+        </p:txBody>
+      </p:sp>
+      <p:sp>
+        <p:nvSpPr>
+          <p:cNvPr id="7" name="内容占位符 2"/>
+          <p:cNvSpPr txBox="1">
+            <a:spLocks/>
+          </p:cNvSpPr>
+          <p:nvPr/>
+        </p:nvSpPr>
+        <p:spPr bwMode="auto">
+          <a:xfrm>
+            <a:off x="464477" y="793750"/>
+            <a:ext cx="8234363" cy="365094"/>
+          </a:xfrm>
+          <a:prstGeom prst="rect">
+            <a:avLst/>
+          </a:prstGeom>
+          <a:noFill/>
+          <a:ln w="9525">
+            <a:noFill/>
+            <a:miter lim="800000"/>
+          </a:ln>
+        </p:spPr>
+        <p:txBody>
+          <a:bodyPr vert="horz" wrap="square" lIns="79242" tIns="39621" rIns="79242" bIns="39621" numCol="1" anchor="t" anchorCtr="0" compatLnSpc="1">
+            <a:spAutoFit/>
+          </a:bodyPr>
+          <a:lstStyle>
+            <a:lvl1pPr marL="323212" indent="-323212" algn="l" rtl="0" eaLnBrk="1" fontAlgn="base" hangingPunct="1">
+              <a:spcBef>
+                <a:spcPct val="20000"/>
+              </a:spcBef>
+              <a:spcAft>
+                <a:spcPct val="0"/>
+              </a:spcAft>
+              <a:buChar char="•"/>
+              <a:defRPr sz="1700">
+                <a:solidFill>
+                  <a:schemeClr val="tx1"/>
+                </a:solidFill>
+                <a:latin typeface="微软雅黑" panose="020B0503020204020204" pitchFamily="34" charset="-122"/>
+                <a:ea typeface="微软雅黑" panose="020B0503020204020204" pitchFamily="34" charset="-122"/>
+                <a:cs typeface="+mn-cs"/>
+              </a:defRPr>
+            </a:lvl1pPr>
+            <a:lvl2pPr marL="699763" indent="-269238" algn="l" rtl="0" eaLnBrk="1" fontAlgn="base" hangingPunct="1">
+              <a:spcBef>
+                <a:spcPct val="20000"/>
+              </a:spcBef>
+              <a:spcAft>
+                <a:spcPct val="0"/>
+              </a:spcAft>
+              <a:buChar char="–"/>
+              <a:defRPr sz="1500">
+                <a:solidFill>
+                  <a:schemeClr val="tx1"/>
+                </a:solidFill>
+                <a:latin typeface="微软雅黑" panose="020B0503020204020204" pitchFamily="34" charset="-122"/>
+                <a:ea typeface="微软雅黑" panose="020B0503020204020204" pitchFamily="34" charset="-122"/>
+              </a:defRPr>
+            </a:lvl2pPr>
+            <a:lvl3pPr marL="1076949" indent="-215263" algn="l" rtl="0" eaLnBrk="1" fontAlgn="base" hangingPunct="1">
+              <a:spcBef>
+                <a:spcPct val="20000"/>
+              </a:spcBef>
+              <a:spcAft>
+                <a:spcPct val="0"/>
+              </a:spcAft>
+              <a:buChar char="•"/>
+              <a:defRPr sz="1500">
+                <a:solidFill>
+                  <a:schemeClr val="tx1"/>
+                </a:solidFill>
+                <a:latin typeface="微软雅黑" panose="020B0503020204020204" pitchFamily="34" charset="-122"/>
+                <a:ea typeface="微软雅黑" panose="020B0503020204020204" pitchFamily="34" charset="-122"/>
+              </a:defRPr>
+            </a:lvl3pPr>
+            <a:lvl4pPr marL="1507475" indent="-215263" algn="l" rtl="0" eaLnBrk="1" fontAlgn="base" hangingPunct="1">
+              <a:spcBef>
+                <a:spcPct val="20000"/>
+              </a:spcBef>
+              <a:spcAft>
+                <a:spcPct val="0"/>
+              </a:spcAft>
+              <a:buChar char="–"/>
+              <a:defRPr sz="1500">
+                <a:solidFill>
+                  <a:schemeClr val="tx1"/>
+                </a:solidFill>
+                <a:latin typeface="微软雅黑" panose="020B0503020204020204" pitchFamily="34" charset="-122"/>
+                <a:ea typeface="微软雅黑" panose="020B0503020204020204" pitchFamily="34" charset="-122"/>
+              </a:defRPr>
+            </a:lvl4pPr>
+            <a:lvl5pPr marL="1938001" indent="-215263" algn="l" rtl="0" eaLnBrk="1" fontAlgn="base" hangingPunct="1">
+              <a:spcBef>
+                <a:spcPct val="20000"/>
+              </a:spcBef>
+              <a:spcAft>
+                <a:spcPct val="0"/>
+              </a:spcAft>
+              <a:buChar char="»"/>
+              <a:defRPr sz="1500">
+                <a:solidFill>
+                  <a:schemeClr val="tx1"/>
+                </a:solidFill>
+                <a:latin typeface="微软雅黑" panose="020B0503020204020204" pitchFamily="34" charset="-122"/>
+                <a:ea typeface="微软雅黑" panose="020B0503020204020204" pitchFamily="34" charset="-122"/>
+              </a:defRPr>
+            </a:lvl5pPr>
+            <a:lvl6pPr marL="2368526" indent="-215263" algn="l" rtl="0" eaLnBrk="1" fontAlgn="base" hangingPunct="1">
+              <a:spcBef>
+                <a:spcPct val="20000"/>
+              </a:spcBef>
+              <a:spcAft>
+                <a:spcPct val="0"/>
+              </a:spcAft>
+              <a:buChar char="»"/>
+              <a:defRPr sz="1900">
+                <a:solidFill>
+                  <a:schemeClr val="tx1"/>
+                </a:solidFill>
+                <a:latin typeface="+mn-lt"/>
+                <a:ea typeface="+mn-ea"/>
+              </a:defRPr>
+            </a:lvl6pPr>
+            <a:lvl7pPr marL="2799687" indent="-215263" algn="l" rtl="0" eaLnBrk="1" fontAlgn="base" hangingPunct="1">
+              <a:spcBef>
+                <a:spcPct val="20000"/>
+              </a:spcBef>
+              <a:spcAft>
+                <a:spcPct val="0"/>
+              </a:spcAft>
+              <a:buChar char="»"/>
+              <a:defRPr sz="1900">
+                <a:solidFill>
+                  <a:schemeClr val="tx1"/>
+                </a:solidFill>
+                <a:latin typeface="+mn-lt"/>
+                <a:ea typeface="+mn-ea"/>
+              </a:defRPr>
+            </a:lvl7pPr>
+            <a:lvl8pPr marL="3230213" indent="-215263" algn="l" rtl="0" eaLnBrk="1" fontAlgn="base" hangingPunct="1">
+              <a:spcBef>
+                <a:spcPct val="20000"/>
+              </a:spcBef>
+              <a:spcAft>
+                <a:spcPct val="0"/>
+              </a:spcAft>
+              <a:buChar char="»"/>
+              <a:defRPr sz="1900">
+                <a:solidFill>
+                  <a:schemeClr val="tx1"/>
+                </a:solidFill>
+                <a:latin typeface="+mn-lt"/>
+                <a:ea typeface="+mn-ea"/>
+              </a:defRPr>
+            </a:lvl8pPr>
+            <a:lvl9pPr marL="3660738" indent="-215263" algn="l" rtl="0" eaLnBrk="1" fontAlgn="base" hangingPunct="1">
+              <a:spcBef>
+                <a:spcPct val="20000"/>
+              </a:spcBef>
+              <a:spcAft>
+                <a:spcPct val="0"/>
+              </a:spcAft>
+              <a:buChar char="»"/>
+              <a:defRPr sz="1900">
+                <a:solidFill>
+                  <a:schemeClr val="tx1"/>
+                </a:solidFill>
+                <a:latin typeface="+mn-lt"/>
+                <a:ea typeface="+mn-ea"/>
+              </a:defRPr>
+            </a:lvl9pPr>
+          </a:lstStyle>
+          <a:p>
+            <a:pPr marL="0" indent="0">
+              <a:lnSpc>
+                <a:spcPct val="150000"/>
+              </a:lnSpc>
+              <a:spcBef>
+                <a:spcPts val="0"/>
+              </a:spcBef>
+              <a:buNone/>
+            </a:pPr>
+            <a:r>
+              <a:rPr lang="zh-CN" altLang="en-US" sz="1400" b="0" dirty="0"/>
+              <a:t>不同流向的分支历史</a:t>
+            </a:r>
+            <a:endParaRPr lang="en-US" altLang="zh-CN" sz="1400" b="0" dirty="0"/>
+          </a:p>
+        </p:txBody>
+      </p:sp>
+      <p:pic>
+        <p:nvPicPr>
+          <p:cNvPr id="5122" name="Picture 2" descr="https://git-scm.com/figures/18333fig0307-tn.png"/>
+          <p:cNvPicPr>
+            <a:picLocks noChangeAspect="1" noChangeArrowheads="1"/>
+          </p:cNvPicPr>
+          <p:nvPr/>
+        </p:nvPicPr>
+        <p:blipFill>
+          <a:blip r:embed="rId3">
+            <a:extLst>
+              <a:ext uri="{28A0092B-C50C-407E-A947-70E740481C1C}">
+                <a14:useLocalDpi xmlns:a14="http://schemas.microsoft.com/office/drawing/2010/main" val="0"/>
+              </a:ext>
+            </a:extLst>
+          </a:blip>
+          <a:srcRect/>
+          <a:stretch>
+            <a:fillRect/>
+          </a:stretch>
+        </p:blipFill>
+        <p:spPr bwMode="auto">
+          <a:xfrm>
+            <a:off x="464477" y="1575389"/>
+            <a:ext cx="4762500" cy="2733676"/>
+          </a:xfrm>
+          <a:prstGeom prst="rect">
+            <a:avLst/>
+          </a:prstGeom>
+          <a:noFill/>
+          <a:extLst>
+            <a:ext uri="{909E8E84-426E-40DD-AFC4-6F175D3DCCD1}">
+              <a14:hiddenFill xmlns:a14="http://schemas.microsoft.com/office/drawing/2010/main">
+                <a:solidFill>
+                  <a:srgbClr val="FFFFFF"/>
+                </a:solidFill>
+              </a14:hiddenFill>
+            </a:ext>
+          </a:extLst>
+        </p:spPr>
+      </p:pic>
+      <p:pic>
+        <p:nvPicPr>
+          <p:cNvPr id="5124" name="Picture 4" descr="https://git-scm.com/figures/18333fig0308-tn.png"/>
+          <p:cNvPicPr>
+            <a:picLocks noChangeAspect="1" noChangeArrowheads="1"/>
+          </p:cNvPicPr>
+          <p:nvPr/>
+        </p:nvPicPr>
+        <p:blipFill>
+          <a:blip r:embed="rId4">
+            <a:extLst>
+              <a:ext uri="{28A0092B-C50C-407E-A947-70E740481C1C}">
+                <a14:useLocalDpi xmlns:a14="http://schemas.microsoft.com/office/drawing/2010/main" val="0"/>
+              </a:ext>
+            </a:extLst>
+          </a:blip>
+          <a:srcRect/>
+          <a:stretch>
+            <a:fillRect/>
+          </a:stretch>
+        </p:blipFill>
+        <p:spPr bwMode="auto">
+          <a:xfrm>
+            <a:off x="4211960" y="2425452"/>
+            <a:ext cx="4762500" cy="2733676"/>
+          </a:xfrm>
+          <a:prstGeom prst="rect">
+            <a:avLst/>
+          </a:prstGeom>
+          <a:noFill/>
+          <a:extLst>
+            <a:ext uri="{909E8E84-426E-40DD-AFC4-6F175D3DCCD1}">
+              <a14:hiddenFill xmlns:a14="http://schemas.microsoft.com/office/drawing/2010/main">
+                <a:solidFill>
+                  <a:srgbClr val="FFFFFF"/>
+                </a:solidFill>
+              </a14:hiddenFill>
+            </a:ext>
+          </a:extLst>
+        </p:spPr>
+      </p:pic>
+      <p:pic>
+        <p:nvPicPr>
+          <p:cNvPr id="5126" name="Picture 6" descr="https://git-scm.com/figures/18333fig0309-tn.png"/>
+          <p:cNvPicPr>
+            <a:picLocks noChangeAspect="1" noChangeArrowheads="1"/>
+          </p:cNvPicPr>
+          <p:nvPr/>
+        </p:nvPicPr>
+        <p:blipFill>
+          <a:blip r:embed="rId5">
+            <a:extLst>
+              <a:ext uri="{28A0092B-C50C-407E-A947-70E740481C1C}">
+                <a14:useLocalDpi xmlns:a14="http://schemas.microsoft.com/office/drawing/2010/main" val="0"/>
+              </a:ext>
+            </a:extLst>
+          </a:blip>
+          <a:srcRect/>
+          <a:stretch>
+            <a:fillRect/>
+          </a:stretch>
+        </p:blipFill>
+        <p:spPr bwMode="auto">
+          <a:xfrm>
+            <a:off x="2168445" y="1575389"/>
+            <a:ext cx="4762500" cy="3638551"/>
+          </a:xfrm>
+          <a:prstGeom prst="rect">
+            <a:avLst/>
+          </a:prstGeom>
+          <a:noFill/>
+          <a:extLst>
+            <a:ext uri="{909E8E84-426E-40DD-AFC4-6F175D3DCCD1}">
+              <a14:hiddenFill xmlns:a14="http://schemas.microsoft.com/office/drawing/2010/main">
+                <a:solidFill>
+                  <a:srgbClr val="FFFFFF"/>
+                </a:solidFill>
+              </a14:hiddenFill>
+            </a:ext>
+          </a:extLst>
+        </p:spPr>
+      </p:pic>
+    </p:spTree>
+    <p:extLst>
+      <p:ext uri="{BB962C8B-B14F-4D97-AF65-F5344CB8AC3E}">
+        <p14:creationId xmlns:p14="http://schemas.microsoft.com/office/powerpoint/2010/main" val="2972485931"/>
+      </p:ext>
+    </p:extLst>
+  </p:cSld>
+  <p:clrMapOvr>
+    <a:masterClrMapping/>
+  </p:clrMapOvr>
+  <p:transition spd="med">
+    <p:wipe dir="r"/>
+  </p:transition>
+  <p:timing>
+    <p:tnLst>
+      <p:par>
+        <p:cTn id="1" dur="indefinite" restart="never" nodeType="tmRoot">
+          <p:childTnLst>
+            <p:seq concurrent="1" nextAc="seek">
+              <p:cTn id="2" dur="indefinite" nodeType="mainSeq">
+                <p:childTnLst>
+                  <p:par>
+                    <p:cTn id="3" fill="hold">
+                      <p:stCondLst>
+                        <p:cond delay="indefinite"/>
+                      </p:stCondLst>
+                      <p:childTnLst>
+                        <p:par>
+                          <p:cTn id="4" fill="hold">
+                            <p:stCondLst>
+                              <p:cond delay="0"/>
+                            </p:stCondLst>
+                            <p:childTnLst>
+                              <p:par>
+                                <p:cTn id="5" presetID="10" presetClass="entr" presetSubtype="0" fill="hold" nodeType="clickEffect">
+                                  <p:stCondLst>
+                                    <p:cond delay="0"/>
+                                  </p:stCondLst>
+                                  <p:childTnLst>
+                                    <p:set>
+                                      <p:cBhvr>
+                                        <p:cTn id="6" dur="1" fill="hold">
+                                          <p:stCondLst>
+                                            <p:cond delay="0"/>
+                                          </p:stCondLst>
+                                        </p:cTn>
+                                        <p:tgtEl>
+                                          <p:spTgt spid="5122"/>
+                                        </p:tgtEl>
+                                        <p:attrNameLst>
+                                          <p:attrName>style.visibility</p:attrName>
+                                        </p:attrNameLst>
+                                      </p:cBhvr>
+                                      <p:to>
+                                        <p:strVal val="visible"/>
+                                      </p:to>
+                                    </p:set>
+                                    <p:animEffect transition="in" filter="fade">
+                                      <p:cBhvr>
+                                        <p:cTn id="7" dur="500"/>
+                                        <p:tgtEl>
+                                          <p:spTgt spid="5122"/>
+                                        </p:tgtEl>
+                                      </p:cBhvr>
+                                    </p:animEffect>
+                                  </p:childTnLst>
+                                </p:cTn>
+                              </p:par>
+                            </p:childTnLst>
+                          </p:cTn>
+                        </p:par>
+                      </p:childTnLst>
+                    </p:cTn>
+                  </p:par>
+                  <p:par>
+                    <p:cTn id="8" fill="hold">
+                      <p:stCondLst>
+                        <p:cond delay="indefinite"/>
+                      </p:stCondLst>
+                      <p:childTnLst>
+                        <p:par>
+                          <p:cTn id="9" fill="hold">
+                            <p:stCondLst>
+                              <p:cond delay="0"/>
+                            </p:stCondLst>
+                            <p:childTnLst>
+                              <p:par>
+                                <p:cTn id="10" presetID="10" presetClass="entr" presetSubtype="0" fill="hold" nodeType="clickEffect">
+                                  <p:stCondLst>
+                                    <p:cond delay="0"/>
+                                  </p:stCondLst>
+                                  <p:childTnLst>
+                                    <p:set>
+                                      <p:cBhvr>
+                                        <p:cTn id="11" dur="1" fill="hold">
+                                          <p:stCondLst>
+                                            <p:cond delay="0"/>
+                                          </p:stCondLst>
+                                        </p:cTn>
+                                        <p:tgtEl>
+                                          <p:spTgt spid="5124"/>
+                                        </p:tgtEl>
+                                        <p:attrNameLst>
+                                          <p:attrName>style.visibility</p:attrName>
+                                        </p:attrNameLst>
+                                      </p:cBhvr>
+                                      <p:to>
+                                        <p:strVal val="visible"/>
+                                      </p:to>
+                                    </p:set>
+                                    <p:animEffect transition="in" filter="fade">
+                                      <p:cBhvr>
+                                        <p:cTn id="12" dur="500"/>
+                                        <p:tgtEl>
+                                          <p:spTgt spid="5124"/>
+                                        </p:tgtEl>
+                                      </p:cBhvr>
+                                    </p:animEffect>
+                                  </p:childTnLst>
+                                </p:cTn>
+                              </p:par>
+                              <p:par>
+                                <p:cTn id="13" presetID="10" presetClass="exit" presetSubtype="0" fill="hold" nodeType="withEffect">
+                                  <p:stCondLst>
+                                    <p:cond delay="0"/>
+                                  </p:stCondLst>
+                                  <p:childTnLst>
+                                    <p:animEffect transition="out" filter="fade">
+                                      <p:cBhvr>
+                                        <p:cTn id="14" dur="500"/>
+                                        <p:tgtEl>
+                                          <p:spTgt spid="5122"/>
+                                        </p:tgtEl>
+                                      </p:cBhvr>
+                                    </p:animEffect>
+                                    <p:set>
+                                      <p:cBhvr>
+                                        <p:cTn id="15" dur="1" fill="hold">
+                                          <p:stCondLst>
+                                            <p:cond delay="499"/>
+                                          </p:stCondLst>
+                                        </p:cTn>
+                                        <p:tgtEl>
+                                          <p:spTgt spid="5122"/>
+                                        </p:tgtEl>
+                                        <p:attrNameLst>
+                                          <p:attrName>style.visibility</p:attrName>
+                                        </p:attrNameLst>
+                                      </p:cBhvr>
+                                      <p:to>
+                                        <p:strVal val="hidden"/>
+                                      </p:to>
+                                    </p:set>
+                                  </p:childTnLst>
+                                </p:cTn>
+                              </p:par>
+                            </p:childTnLst>
+                          </p:cTn>
+                        </p:par>
+                      </p:childTnLst>
+                    </p:cTn>
+                  </p:par>
+                  <p:par>
+                    <p:cTn id="16" fill="hold">
+                      <p:stCondLst>
+                        <p:cond delay="indefinite"/>
+                      </p:stCondLst>
+                      <p:childTnLst>
+                        <p:par>
+                          <p:cTn id="17" fill="hold">
+                            <p:stCondLst>
+                              <p:cond delay="0"/>
+                            </p:stCondLst>
+                            <p:childTnLst>
+                              <p:par>
+                                <p:cTn id="18" presetID="10" presetClass="entr" presetSubtype="0" fill="hold" nodeType="clickEffect">
+                                  <p:stCondLst>
+                                    <p:cond delay="0"/>
+                                  </p:stCondLst>
+                                  <p:childTnLst>
+                                    <p:set>
+                                      <p:cBhvr>
+                                        <p:cTn id="19" dur="1" fill="hold">
+                                          <p:stCondLst>
+                                            <p:cond delay="0"/>
+                                          </p:stCondLst>
+                                        </p:cTn>
+                                        <p:tgtEl>
+                                          <p:spTgt spid="5126"/>
+                                        </p:tgtEl>
+                                        <p:attrNameLst>
+                                          <p:attrName>style.visibility</p:attrName>
+                                        </p:attrNameLst>
+                                      </p:cBhvr>
+                                      <p:to>
+                                        <p:strVal val="visible"/>
+                                      </p:to>
+                                    </p:set>
+                                    <p:animEffect transition="in" filter="fade">
+                                      <p:cBhvr>
+                                        <p:cTn id="20" dur="500"/>
+                                        <p:tgtEl>
+                                          <p:spTgt spid="5126"/>
+                                        </p:tgtEl>
+                                      </p:cBhvr>
+                                    </p:animEffect>
+                                  </p:childTnLst>
+                                </p:cTn>
+                              </p:par>
+                              <p:par>
+                                <p:cTn id="21" presetID="10" presetClass="exit" presetSubtype="0" fill="hold" nodeType="withEffect">
+                                  <p:stCondLst>
+                                    <p:cond delay="0"/>
+                                  </p:stCondLst>
+                                  <p:childTnLst>
+                                    <p:animEffect transition="out" filter="fade">
+                                      <p:cBhvr>
+                                        <p:cTn id="22" dur="500"/>
+                                        <p:tgtEl>
+                                          <p:spTgt spid="5124"/>
+                                        </p:tgtEl>
+                                      </p:cBhvr>
+                                    </p:animEffect>
+                                    <p:set>
+                                      <p:cBhvr>
+                                        <p:cTn id="23" dur="1" fill="hold">
+                                          <p:stCondLst>
+                                            <p:cond delay="499"/>
+                                          </p:stCondLst>
+                                        </p:cTn>
+                                        <p:tgtEl>
+                                          <p:spTgt spid="5124"/>
+                                        </p:tgtEl>
+                                        <p:attrNameLst>
+                                          <p:attrName>style.visibility</p:attrName>
+                                        </p:attrNameLst>
+                                      </p:cBhvr>
+                                      <p:to>
+                                        <p:strVal val="hidden"/>
+                                      </p:to>
+                                    </p:set>
+                                  </p:childTnLst>
+                                </p:cTn>
+                              </p:par>
+                            </p:childTnLst>
+                          </p:cTn>
+                        </p:par>
+                      </p:childTnLst>
+                    </p:cTn>
+                  </p:par>
+                </p:childTnLst>
+              </p:cTn>
+              <p:prevCondLst>
+                <p:cond evt="onPrev" delay="0">
+                  <p:tgtEl>
+                    <p:sldTgt/>
+                  </p:tgtEl>
+                </p:cond>
+              </p:prevCondLst>
+              <p:nextCondLst>
+                <p:cond evt="onNext" delay="0">
+                  <p:tgtEl>
+                    <p:sldTgt/>
+                  </p:tgtEl>
+                </p:cond>
+              </p:nextCondLst>
+            </p:seq>
+          </p:childTnLst>
+        </p:cTn>
+      </p:par>
+    </p:tnLst>
+  </p:timing>
+</p:sld>
+</file>
+
+<file path=ppt/slides/slide38.xml><?xml version="1.0" encoding="utf-8"?>
+<p:sld xmlns:a="http://schemas.openxmlformats.org/drawingml/2006/main" xmlns:r="http://schemas.openxmlformats.org/officeDocument/2006/relationships" xmlns:p="http://schemas.openxmlformats.org/presentationml/2006/main">
+  <p:cSld>
+    <p:spTree>
+      <p:nvGrpSpPr>
+        <p:cNvPr id="1" name=""/>
+        <p:cNvGrpSpPr/>
+        <p:nvPr/>
+      </p:nvGrpSpPr>
+      <p:grpSpPr>
+        <a:xfrm>
+          <a:off x="0" y="0"/>
+          <a:ext cx="0" cy="0"/>
+          <a:chOff x="0" y="0"/>
+          <a:chExt cx="0" cy="0"/>
+        </a:xfrm>
+      </p:grpSpPr>
+      <p:sp>
+        <p:nvSpPr>
+          <p:cNvPr id="10" name="灯片编号占位符 9"/>
+          <p:cNvSpPr>
+            <a:spLocks noGrp="1"/>
+          </p:cNvSpPr>
+          <p:nvPr>
+            <p:ph type="sldNum" sz="quarter" idx="12"/>
+          </p:nvPr>
+        </p:nvSpPr>
+        <p:spPr/>
+        <p:txBody>
+          <a:bodyPr/>
+          <a:lstStyle/>
+          <a:p>
+            <a:fld id="{86F0E3FA-EBE8-4184-B68E-FC61E6CBEA65}" type="slidenum">
+              <a:rPr lang="zh-CN" altLang="en-US" smtClean="0">
+                <a:solidFill>
+                  <a:prstClr val="black"/>
+                </a:solidFill>
+                <a:latin typeface="微软雅黑" panose="020B0503020204020204" pitchFamily="34" charset="-122"/>
+                <a:ea typeface="微软雅黑" panose="020B0503020204020204" pitchFamily="34" charset="-122"/>
+              </a:rPr>
+              <a:pPr/>
+              <a:t>38</a:t>
+            </a:fld>
+            <a:endParaRPr lang="zh-CN" altLang="en-US" dirty="0">
+              <a:solidFill>
+                <a:prstClr val="black"/>
+              </a:solidFill>
+              <a:latin typeface="微软雅黑" panose="020B0503020204020204" pitchFamily="34" charset="-122"/>
+              <a:ea typeface="微软雅黑" panose="020B0503020204020204" pitchFamily="34" charset="-122"/>
+            </a:endParaRPr>
+          </a:p>
+        </p:txBody>
+      </p:sp>
+      <p:sp>
+        <p:nvSpPr>
+          <p:cNvPr id="25" name="矩形 24"/>
+          <p:cNvSpPr/>
+          <p:nvPr/>
+        </p:nvSpPr>
+        <p:spPr>
+          <a:xfrm>
+            <a:off x="35496" y="212957"/>
+            <a:ext cx="1271464" cy="504056"/>
+          </a:xfrm>
+          <a:prstGeom prst="rect">
+            <a:avLst/>
+          </a:prstGeom>
+          <a:solidFill>
+            <a:schemeClr val="accent4"/>
+          </a:solidFill>
+          <a:ln>
+            <a:noFill/>
+          </a:ln>
+        </p:spPr>
+        <p:style>
+          <a:lnRef idx="2">
+            <a:schemeClr val="accent1">
+              <a:shade val="50000"/>
+            </a:schemeClr>
+          </a:lnRef>
+          <a:fillRef idx="1">
+            <a:schemeClr val="accent1"/>
+          </a:fillRef>
+          <a:effectRef idx="0">
+            <a:schemeClr val="accent1"/>
+          </a:effectRef>
+          <a:fontRef idx="minor">
+            <a:schemeClr val="lt1"/>
+          </a:fontRef>
+        </p:style>
+        <p:txBody>
+          <a:bodyPr rtlCol="0" anchor="ctr"/>
+          <a:lstStyle/>
+          <a:p>
+            <a:pPr algn="ctr"/>
+            <a:endParaRPr lang="zh-CN" altLang="en-US" dirty="0">
+              <a:latin typeface="微软雅黑" panose="020B0503020204020204" pitchFamily="34" charset="-122"/>
+              <a:ea typeface="微软雅黑" panose="020B0503020204020204" pitchFamily="34" charset="-122"/>
+            </a:endParaRPr>
+          </a:p>
+        </p:txBody>
+      </p:sp>
+      <p:sp>
+        <p:nvSpPr>
+          <p:cNvPr id="26" name="矩形 25"/>
+          <p:cNvSpPr/>
+          <p:nvPr/>
+        </p:nvSpPr>
+        <p:spPr>
+          <a:xfrm>
+            <a:off x="1378968" y="212957"/>
+            <a:ext cx="72008" cy="504056"/>
+          </a:xfrm>
+          <a:prstGeom prst="rect">
+            <a:avLst/>
+          </a:prstGeom>
+          <a:solidFill>
+            <a:schemeClr val="accent4"/>
+          </a:solidFill>
+          <a:ln>
+            <a:noFill/>
+          </a:ln>
+        </p:spPr>
+        <p:style>
+          <a:lnRef idx="2">
+            <a:schemeClr val="accent1">
+              <a:shade val="50000"/>
+            </a:schemeClr>
+          </a:lnRef>
+          <a:fillRef idx="1">
+            <a:schemeClr val="accent1"/>
+          </a:fillRef>
+          <a:effectRef idx="0">
+            <a:schemeClr val="accent1"/>
+          </a:effectRef>
+          <a:fontRef idx="minor">
+            <a:schemeClr val="lt1"/>
+          </a:fontRef>
+        </p:style>
+        <p:txBody>
+          <a:bodyPr rtlCol="0" anchor="ctr"/>
+          <a:lstStyle/>
+          <a:p>
+            <a:pPr algn="ctr"/>
+            <a:endParaRPr lang="zh-CN" altLang="en-US" dirty="0">
+              <a:latin typeface="微软雅黑" panose="020B0503020204020204" pitchFamily="34" charset="-122"/>
+              <a:ea typeface="微软雅黑" panose="020B0503020204020204" pitchFamily="34" charset="-122"/>
+            </a:endParaRPr>
+          </a:p>
+        </p:txBody>
+      </p:sp>
+      <p:sp>
+        <p:nvSpPr>
+          <p:cNvPr id="31" name="矩形 30"/>
+          <p:cNvSpPr/>
+          <p:nvPr/>
+        </p:nvSpPr>
+        <p:spPr>
+          <a:xfrm>
+            <a:off x="1516292" y="416607"/>
+            <a:ext cx="78700" cy="300406"/>
+          </a:xfrm>
+          <a:prstGeom prst="rect">
+            <a:avLst/>
+          </a:prstGeom>
+          <a:solidFill>
+            <a:schemeClr val="accent4"/>
+          </a:solidFill>
+          <a:ln>
+            <a:noFill/>
+          </a:ln>
+        </p:spPr>
+        <p:style>
+          <a:lnRef idx="2">
+            <a:schemeClr val="accent1">
+              <a:shade val="50000"/>
+            </a:schemeClr>
+          </a:lnRef>
+          <a:fillRef idx="1">
+            <a:schemeClr val="accent1"/>
+          </a:fillRef>
+          <a:effectRef idx="0">
+            <a:schemeClr val="accent1"/>
+          </a:effectRef>
+          <a:fontRef idx="minor">
+            <a:schemeClr val="lt1"/>
+          </a:fontRef>
+        </p:style>
+        <p:txBody>
+          <a:bodyPr rtlCol="0" anchor="ctr"/>
+          <a:lstStyle/>
+          <a:p>
+            <a:pPr algn="ctr"/>
+            <a:endParaRPr lang="zh-CN" altLang="en-US" dirty="0">
+              <a:latin typeface="微软雅黑" panose="020B0503020204020204" pitchFamily="34" charset="-122"/>
+              <a:ea typeface="微软雅黑" panose="020B0503020204020204" pitchFamily="34" charset="-122"/>
+            </a:endParaRPr>
+          </a:p>
+        </p:txBody>
+      </p:sp>
+      <p:sp>
+        <p:nvSpPr>
+          <p:cNvPr id="32" name="文本框 31"/>
+          <p:cNvSpPr txBox="1"/>
+          <p:nvPr/>
+        </p:nvSpPr>
+        <p:spPr>
+          <a:xfrm>
+            <a:off x="1619672" y="246048"/>
+            <a:ext cx="4032448" cy="523220"/>
+          </a:xfrm>
+          <a:prstGeom prst="rect">
+            <a:avLst/>
+          </a:prstGeom>
+          <a:noFill/>
+        </p:spPr>
+        <p:txBody>
+          <a:bodyPr wrap="square" rtlCol="0">
+            <a:spAutoFit/>
+          </a:bodyPr>
+          <a:lstStyle/>
+          <a:p>
+            <a:r>
+              <a:rPr lang="en-US" altLang="zh-CN" sz="2800" dirty="0" smtClean="0">
+                <a:solidFill>
+                  <a:schemeClr val="accent4"/>
+                </a:solidFill>
+                <a:latin typeface="微软雅黑" panose="020B0503020204020204" pitchFamily="34" charset="-122"/>
+                <a:ea typeface="微软雅黑" panose="020B0503020204020204" pitchFamily="34" charset="-122"/>
+              </a:rPr>
+              <a:t>HEAD</a:t>
+            </a:r>
+            <a:endParaRPr lang="zh-CN" altLang="en-US" sz="2800" dirty="0">
+              <a:solidFill>
+                <a:schemeClr val="accent4"/>
+              </a:solidFill>
+              <a:latin typeface="微软雅黑" panose="020B0503020204020204" pitchFamily="34" charset="-122"/>
+              <a:ea typeface="微软雅黑" panose="020B0503020204020204" pitchFamily="34" charset="-122"/>
+            </a:endParaRPr>
+          </a:p>
+        </p:txBody>
+      </p:sp>
+      <p:sp>
+        <p:nvSpPr>
+          <p:cNvPr id="7" name="内容占位符 2"/>
+          <p:cNvSpPr txBox="1">
+            <a:spLocks/>
+          </p:cNvSpPr>
+          <p:nvPr/>
+        </p:nvSpPr>
+        <p:spPr bwMode="auto">
+          <a:xfrm>
+            <a:off x="464477" y="793750"/>
+            <a:ext cx="8234363" cy="365094"/>
+          </a:xfrm>
+          <a:prstGeom prst="rect">
+            <a:avLst/>
+          </a:prstGeom>
+          <a:noFill/>
+          <a:ln w="9525">
+            <a:noFill/>
+            <a:miter lim="800000"/>
+          </a:ln>
+        </p:spPr>
+        <p:txBody>
+          <a:bodyPr vert="horz" wrap="square" lIns="79242" tIns="39621" rIns="79242" bIns="39621" numCol="1" anchor="t" anchorCtr="0" compatLnSpc="1">
+            <a:spAutoFit/>
+          </a:bodyPr>
+          <a:lstStyle>
+            <a:lvl1pPr marL="323212" indent="-323212" algn="l" rtl="0" eaLnBrk="1" fontAlgn="base" hangingPunct="1">
+              <a:spcBef>
+                <a:spcPct val="20000"/>
+              </a:spcBef>
+              <a:spcAft>
+                <a:spcPct val="0"/>
+              </a:spcAft>
+              <a:buChar char="•"/>
+              <a:defRPr sz="1700">
+                <a:solidFill>
+                  <a:schemeClr val="tx1"/>
+                </a:solidFill>
+                <a:latin typeface="微软雅黑" panose="020B0503020204020204" pitchFamily="34" charset="-122"/>
+                <a:ea typeface="微软雅黑" panose="020B0503020204020204" pitchFamily="34" charset="-122"/>
+                <a:cs typeface="+mn-cs"/>
+              </a:defRPr>
+            </a:lvl1pPr>
+            <a:lvl2pPr marL="699763" indent="-269238" algn="l" rtl="0" eaLnBrk="1" fontAlgn="base" hangingPunct="1">
+              <a:spcBef>
+                <a:spcPct val="20000"/>
+              </a:spcBef>
+              <a:spcAft>
+                <a:spcPct val="0"/>
+              </a:spcAft>
+              <a:buChar char="–"/>
+              <a:defRPr sz="1500">
+                <a:solidFill>
+                  <a:schemeClr val="tx1"/>
+                </a:solidFill>
+                <a:latin typeface="微软雅黑" panose="020B0503020204020204" pitchFamily="34" charset="-122"/>
+                <a:ea typeface="微软雅黑" panose="020B0503020204020204" pitchFamily="34" charset="-122"/>
+              </a:defRPr>
+            </a:lvl2pPr>
+            <a:lvl3pPr marL="1076949" indent="-215263" algn="l" rtl="0" eaLnBrk="1" fontAlgn="base" hangingPunct="1">
+              <a:spcBef>
+                <a:spcPct val="20000"/>
+              </a:spcBef>
+              <a:spcAft>
+                <a:spcPct val="0"/>
+              </a:spcAft>
+              <a:buChar char="•"/>
+              <a:defRPr sz="1500">
+                <a:solidFill>
+                  <a:schemeClr val="tx1"/>
+                </a:solidFill>
+                <a:latin typeface="微软雅黑" panose="020B0503020204020204" pitchFamily="34" charset="-122"/>
+                <a:ea typeface="微软雅黑" panose="020B0503020204020204" pitchFamily="34" charset="-122"/>
+              </a:defRPr>
+            </a:lvl3pPr>
+            <a:lvl4pPr marL="1507475" indent="-215263" algn="l" rtl="0" eaLnBrk="1" fontAlgn="base" hangingPunct="1">
+              <a:spcBef>
+                <a:spcPct val="20000"/>
+              </a:spcBef>
+              <a:spcAft>
+                <a:spcPct val="0"/>
+              </a:spcAft>
+              <a:buChar char="–"/>
+              <a:defRPr sz="1500">
+                <a:solidFill>
+                  <a:schemeClr val="tx1"/>
+                </a:solidFill>
+                <a:latin typeface="微软雅黑" panose="020B0503020204020204" pitchFamily="34" charset="-122"/>
+                <a:ea typeface="微软雅黑" panose="020B0503020204020204" pitchFamily="34" charset="-122"/>
+              </a:defRPr>
+            </a:lvl4pPr>
+            <a:lvl5pPr marL="1938001" indent="-215263" algn="l" rtl="0" eaLnBrk="1" fontAlgn="base" hangingPunct="1">
+              <a:spcBef>
+                <a:spcPct val="20000"/>
+              </a:spcBef>
+              <a:spcAft>
+                <a:spcPct val="0"/>
+              </a:spcAft>
+              <a:buChar char="»"/>
+              <a:defRPr sz="1500">
+                <a:solidFill>
+                  <a:schemeClr val="tx1"/>
+                </a:solidFill>
+                <a:latin typeface="微软雅黑" panose="020B0503020204020204" pitchFamily="34" charset="-122"/>
+                <a:ea typeface="微软雅黑" panose="020B0503020204020204" pitchFamily="34" charset="-122"/>
+              </a:defRPr>
+            </a:lvl5pPr>
+            <a:lvl6pPr marL="2368526" indent="-215263" algn="l" rtl="0" eaLnBrk="1" fontAlgn="base" hangingPunct="1">
+              <a:spcBef>
+                <a:spcPct val="20000"/>
+              </a:spcBef>
+              <a:spcAft>
+                <a:spcPct val="0"/>
+              </a:spcAft>
+              <a:buChar char="»"/>
+              <a:defRPr sz="1900">
+                <a:solidFill>
+                  <a:schemeClr val="tx1"/>
+                </a:solidFill>
+                <a:latin typeface="+mn-lt"/>
+                <a:ea typeface="+mn-ea"/>
+              </a:defRPr>
+            </a:lvl6pPr>
+            <a:lvl7pPr marL="2799687" indent="-215263" algn="l" rtl="0" eaLnBrk="1" fontAlgn="base" hangingPunct="1">
+              <a:spcBef>
+                <a:spcPct val="20000"/>
+              </a:spcBef>
+              <a:spcAft>
+                <a:spcPct val="0"/>
+              </a:spcAft>
+              <a:buChar char="»"/>
+              <a:defRPr sz="1900">
+                <a:solidFill>
+                  <a:schemeClr val="tx1"/>
+                </a:solidFill>
+                <a:latin typeface="+mn-lt"/>
+                <a:ea typeface="+mn-ea"/>
+              </a:defRPr>
+            </a:lvl7pPr>
+            <a:lvl8pPr marL="3230213" indent="-215263" algn="l" rtl="0" eaLnBrk="1" fontAlgn="base" hangingPunct="1">
+              <a:spcBef>
+                <a:spcPct val="20000"/>
+              </a:spcBef>
+              <a:spcAft>
+                <a:spcPct val="0"/>
+              </a:spcAft>
+              <a:buChar char="»"/>
+              <a:defRPr sz="1900">
+                <a:solidFill>
+                  <a:schemeClr val="tx1"/>
+                </a:solidFill>
+                <a:latin typeface="+mn-lt"/>
+                <a:ea typeface="+mn-ea"/>
+              </a:defRPr>
+            </a:lvl8pPr>
+            <a:lvl9pPr marL="3660738" indent="-215263" algn="l" rtl="0" eaLnBrk="1" fontAlgn="base" hangingPunct="1">
+              <a:spcBef>
+                <a:spcPct val="20000"/>
+              </a:spcBef>
+              <a:spcAft>
+                <a:spcPct val="0"/>
+              </a:spcAft>
+              <a:buChar char="»"/>
+              <a:defRPr sz="1900">
+                <a:solidFill>
+                  <a:schemeClr val="tx1"/>
+                </a:solidFill>
+                <a:latin typeface="+mn-lt"/>
+                <a:ea typeface="+mn-ea"/>
+              </a:defRPr>
+            </a:lvl9pPr>
+          </a:lstStyle>
+          <a:p>
+            <a:pPr marL="0" indent="0">
+              <a:lnSpc>
+                <a:spcPct val="150000"/>
+              </a:lnSpc>
+              <a:spcBef>
+                <a:spcPts val="0"/>
+              </a:spcBef>
+              <a:buNone/>
+            </a:pPr>
+            <a:r>
+              <a:rPr lang="zh-CN" altLang="en-US" sz="1400" b="0" dirty="0" smtClean="0"/>
+              <a:t>正常</a:t>
+            </a:r>
+            <a:r>
+              <a:rPr lang="zh-CN" altLang="en-US" sz="1400" b="0" dirty="0"/>
+              <a:t>情况</a:t>
+            </a:r>
+            <a:r>
+              <a:rPr lang="zh-CN" altLang="en-US" sz="1400" b="0" dirty="0" smtClean="0"/>
+              <a:t>下，</a:t>
+            </a:r>
+            <a:r>
+              <a:rPr lang="en-US" altLang="zh-CN" sz="1400" b="0" dirty="0" smtClean="0"/>
+              <a:t>HEAD</a:t>
+            </a:r>
+            <a:r>
+              <a:rPr lang="zh-CN" altLang="en-US" sz="1400" b="0" dirty="0" smtClean="0"/>
+              <a:t>应指向一个分支，下图中指向的就是分支</a:t>
+            </a:r>
+            <a:r>
+              <a:rPr lang="en-US" altLang="zh-CN" sz="1400" b="0" dirty="0" smtClean="0">
+                <a:solidFill>
+                  <a:srgbClr val="FF0000"/>
+                </a:solidFill>
+              </a:rPr>
+              <a:t>dev</a:t>
+            </a:r>
+            <a:r>
+              <a:rPr lang="zh-CN" altLang="en-US" sz="1400" b="0" dirty="0" smtClean="0"/>
+              <a:t>。</a:t>
+            </a:r>
+            <a:endParaRPr lang="en-US" altLang="zh-CN" sz="1400" b="0" dirty="0"/>
+          </a:p>
+        </p:txBody>
+      </p:sp>
+      <p:pic>
+        <p:nvPicPr>
+          <p:cNvPr id="9" name="图片 8"/>
+          <p:cNvPicPr>
+            <a:picLocks noChangeAspect="1"/>
+          </p:cNvPicPr>
+          <p:nvPr/>
+        </p:nvPicPr>
+        <p:blipFill>
+          <a:blip r:embed="rId3"/>
+          <a:stretch>
+            <a:fillRect/>
+          </a:stretch>
+        </p:blipFill>
+        <p:spPr>
+          <a:xfrm>
+            <a:off x="539552" y="1465554"/>
+            <a:ext cx="5047369" cy="1031906"/>
+          </a:xfrm>
+          <a:prstGeom prst="rect">
+            <a:avLst/>
+          </a:prstGeom>
+        </p:spPr>
+      </p:pic>
+      <p:pic>
+        <p:nvPicPr>
+          <p:cNvPr id="3" name="图片 2"/>
+          <p:cNvPicPr>
+            <a:picLocks noChangeAspect="1"/>
+          </p:cNvPicPr>
+          <p:nvPr/>
+        </p:nvPicPr>
+        <p:blipFill>
+          <a:blip r:embed="rId4"/>
+          <a:stretch>
+            <a:fillRect/>
+          </a:stretch>
+        </p:blipFill>
+        <p:spPr>
+          <a:xfrm>
+            <a:off x="539552" y="2827699"/>
+            <a:ext cx="8211238" cy="2262049"/>
+          </a:xfrm>
+          <a:prstGeom prst="rect">
+            <a:avLst/>
+          </a:prstGeom>
+        </p:spPr>
+      </p:pic>
+    </p:spTree>
+    <p:extLst>
+      <p:ext uri="{BB962C8B-B14F-4D97-AF65-F5344CB8AC3E}">
+        <p14:creationId xmlns:p14="http://schemas.microsoft.com/office/powerpoint/2010/main" val="142416575"/>
+      </p:ext>
+    </p:extLst>
+  </p:cSld>
+  <p:clrMapOvr>
+    <a:masterClrMapping/>
+  </p:clrMapOvr>
+  <p:transition spd="med">
+    <p:wipe dir="r"/>
+  </p:transition>
+  <p:timing>
+    <p:tnLst>
+      <p:par>
+        <p:cTn id="1" dur="indefinite" restart="never" nodeType="tmRoot"/>
+      </p:par>
+    </p:tnLst>
+  </p:timing>
+</p:sld>
+</file>
+
+<file path=ppt/slides/slide39.xml><?xml version="1.0" encoding="utf-8"?>
+<p:sld xmlns:a="http://schemas.openxmlformats.org/drawingml/2006/main" xmlns:r="http://schemas.openxmlformats.org/officeDocument/2006/relationships" xmlns:p="http://schemas.openxmlformats.org/presentationml/2006/main">
+  <p:cSld>
+    <p:spTree>
+      <p:nvGrpSpPr>
+        <p:cNvPr id="1" name=""/>
+        <p:cNvGrpSpPr/>
+        <p:nvPr/>
+      </p:nvGrpSpPr>
+      <p:grpSpPr>
+        <a:xfrm>
+          <a:off x="0" y="0"/>
+          <a:ext cx="0" cy="0"/>
+          <a:chOff x="0" y="0"/>
+          <a:chExt cx="0" cy="0"/>
+        </a:xfrm>
+      </p:grpSpPr>
+      <p:sp>
+        <p:nvSpPr>
+          <p:cNvPr id="10" name="灯片编号占位符 9"/>
+          <p:cNvSpPr>
+            <a:spLocks noGrp="1"/>
+          </p:cNvSpPr>
+          <p:nvPr>
+            <p:ph type="sldNum" sz="quarter" idx="12"/>
+          </p:nvPr>
+        </p:nvSpPr>
+        <p:spPr/>
+        <p:txBody>
+          <a:bodyPr/>
+          <a:lstStyle/>
+          <a:p>
+            <a:fld id="{86F0E3FA-EBE8-4184-B68E-FC61E6CBEA65}" type="slidenum">
+              <a:rPr lang="zh-CN" altLang="en-US" smtClean="0">
+                <a:solidFill>
+                  <a:prstClr val="black"/>
+                </a:solidFill>
+                <a:latin typeface="微软雅黑" panose="020B0503020204020204" pitchFamily="34" charset="-122"/>
+                <a:ea typeface="微软雅黑" panose="020B0503020204020204" pitchFamily="34" charset="-122"/>
+              </a:rPr>
+              <a:pPr/>
+              <a:t>39</a:t>
+            </a:fld>
+            <a:endParaRPr lang="zh-CN" altLang="en-US" dirty="0">
+              <a:solidFill>
+                <a:prstClr val="black"/>
+              </a:solidFill>
+              <a:latin typeface="微软雅黑" panose="020B0503020204020204" pitchFamily="34" charset="-122"/>
+              <a:ea typeface="微软雅黑" panose="020B0503020204020204" pitchFamily="34" charset="-122"/>
+            </a:endParaRPr>
+          </a:p>
+        </p:txBody>
+      </p:sp>
+      <p:sp>
+        <p:nvSpPr>
+          <p:cNvPr id="25" name="矩形 24"/>
+          <p:cNvSpPr/>
+          <p:nvPr/>
+        </p:nvSpPr>
+        <p:spPr>
+          <a:xfrm>
+            <a:off x="35496" y="212957"/>
+            <a:ext cx="1271464" cy="504056"/>
+          </a:xfrm>
+          <a:prstGeom prst="rect">
+            <a:avLst/>
+          </a:prstGeom>
+          <a:solidFill>
+            <a:schemeClr val="accent4"/>
+          </a:solidFill>
+          <a:ln>
+            <a:noFill/>
+          </a:ln>
+        </p:spPr>
+        <p:style>
+          <a:lnRef idx="2">
+            <a:schemeClr val="accent1">
+              <a:shade val="50000"/>
+            </a:schemeClr>
+          </a:lnRef>
+          <a:fillRef idx="1">
+            <a:schemeClr val="accent1"/>
+          </a:fillRef>
+          <a:effectRef idx="0">
+            <a:schemeClr val="accent1"/>
+          </a:effectRef>
+          <a:fontRef idx="minor">
+            <a:schemeClr val="lt1"/>
+          </a:fontRef>
+        </p:style>
+        <p:txBody>
+          <a:bodyPr rtlCol="0" anchor="ctr"/>
+          <a:lstStyle/>
+          <a:p>
+            <a:pPr algn="ctr"/>
+            <a:endParaRPr lang="zh-CN" altLang="en-US" dirty="0">
+              <a:latin typeface="微软雅黑" panose="020B0503020204020204" pitchFamily="34" charset="-122"/>
+              <a:ea typeface="微软雅黑" panose="020B0503020204020204" pitchFamily="34" charset="-122"/>
+            </a:endParaRPr>
+          </a:p>
+        </p:txBody>
+      </p:sp>
+      <p:sp>
+        <p:nvSpPr>
+          <p:cNvPr id="26" name="矩形 25"/>
+          <p:cNvSpPr/>
+          <p:nvPr/>
+        </p:nvSpPr>
+        <p:spPr>
+          <a:xfrm>
+            <a:off x="1378968" y="212957"/>
+            <a:ext cx="72008" cy="504056"/>
+          </a:xfrm>
+          <a:prstGeom prst="rect">
+            <a:avLst/>
+          </a:prstGeom>
+          <a:solidFill>
+            <a:schemeClr val="accent4"/>
+          </a:solidFill>
+          <a:ln>
+            <a:noFill/>
+          </a:ln>
+        </p:spPr>
+        <p:style>
+          <a:lnRef idx="2">
+            <a:schemeClr val="accent1">
+              <a:shade val="50000"/>
+            </a:schemeClr>
+          </a:lnRef>
+          <a:fillRef idx="1">
+            <a:schemeClr val="accent1"/>
+          </a:fillRef>
+          <a:effectRef idx="0">
+            <a:schemeClr val="accent1"/>
+          </a:effectRef>
+          <a:fontRef idx="minor">
+            <a:schemeClr val="lt1"/>
+          </a:fontRef>
+        </p:style>
+        <p:txBody>
+          <a:bodyPr rtlCol="0" anchor="ctr"/>
+          <a:lstStyle/>
+          <a:p>
+            <a:pPr algn="ctr"/>
+            <a:endParaRPr lang="zh-CN" altLang="en-US" dirty="0">
+              <a:latin typeface="微软雅黑" panose="020B0503020204020204" pitchFamily="34" charset="-122"/>
+              <a:ea typeface="微软雅黑" panose="020B0503020204020204" pitchFamily="34" charset="-122"/>
+            </a:endParaRPr>
+          </a:p>
+        </p:txBody>
+      </p:sp>
+      <p:sp>
+        <p:nvSpPr>
+          <p:cNvPr id="31" name="矩形 30"/>
+          <p:cNvSpPr/>
+          <p:nvPr/>
+        </p:nvSpPr>
+        <p:spPr>
+          <a:xfrm>
+            <a:off x="1516292" y="416607"/>
+            <a:ext cx="78700" cy="300406"/>
+          </a:xfrm>
+          <a:prstGeom prst="rect">
+            <a:avLst/>
+          </a:prstGeom>
+          <a:solidFill>
+            <a:schemeClr val="accent4"/>
+          </a:solidFill>
+          <a:ln>
+            <a:noFill/>
+          </a:ln>
+        </p:spPr>
+        <p:style>
+          <a:lnRef idx="2">
+            <a:schemeClr val="accent1">
+              <a:shade val="50000"/>
+            </a:schemeClr>
+          </a:lnRef>
+          <a:fillRef idx="1">
+            <a:schemeClr val="accent1"/>
+          </a:fillRef>
+          <a:effectRef idx="0">
+            <a:schemeClr val="accent1"/>
+          </a:effectRef>
+          <a:fontRef idx="minor">
+            <a:schemeClr val="lt1"/>
+          </a:fontRef>
+        </p:style>
+        <p:txBody>
+          <a:bodyPr rtlCol="0" anchor="ctr"/>
+          <a:lstStyle/>
+          <a:p>
+            <a:pPr algn="ctr"/>
+            <a:endParaRPr lang="zh-CN" altLang="en-US" dirty="0">
+              <a:latin typeface="微软雅黑" panose="020B0503020204020204" pitchFamily="34" charset="-122"/>
+              <a:ea typeface="微软雅黑" panose="020B0503020204020204" pitchFamily="34" charset="-122"/>
+            </a:endParaRPr>
+          </a:p>
+        </p:txBody>
+      </p:sp>
+      <p:sp>
+        <p:nvSpPr>
+          <p:cNvPr id="32" name="文本框 31"/>
+          <p:cNvSpPr txBox="1"/>
+          <p:nvPr/>
+        </p:nvSpPr>
+        <p:spPr>
+          <a:xfrm>
+            <a:off x="1619672" y="246048"/>
+            <a:ext cx="4032448" cy="523220"/>
+          </a:xfrm>
+          <a:prstGeom prst="rect">
+            <a:avLst/>
+          </a:prstGeom>
+          <a:noFill/>
+        </p:spPr>
+        <p:txBody>
+          <a:bodyPr wrap="square" rtlCol="0">
+            <a:spAutoFit/>
+          </a:bodyPr>
+          <a:lstStyle/>
+          <a:p>
+            <a:r>
+              <a:rPr lang="en-US" altLang="zh-CN" sz="2800" dirty="0" smtClean="0">
+                <a:solidFill>
+                  <a:schemeClr val="accent4"/>
+                </a:solidFill>
+                <a:latin typeface="微软雅黑" panose="020B0503020204020204" pitchFamily="34" charset="-122"/>
+                <a:ea typeface="微软雅黑" panose="020B0503020204020204" pitchFamily="34" charset="-122"/>
+              </a:rPr>
+              <a:t>HEAD</a:t>
+            </a:r>
+            <a:endParaRPr lang="zh-CN" altLang="en-US" sz="2800" dirty="0">
+              <a:solidFill>
+                <a:schemeClr val="accent4"/>
+              </a:solidFill>
+              <a:latin typeface="微软雅黑" panose="020B0503020204020204" pitchFamily="34" charset="-122"/>
+              <a:ea typeface="微软雅黑" panose="020B0503020204020204" pitchFamily="34" charset="-122"/>
+            </a:endParaRPr>
+          </a:p>
+        </p:txBody>
+      </p:sp>
+      <p:sp>
+        <p:nvSpPr>
+          <p:cNvPr id="7" name="内容占位符 2"/>
+          <p:cNvSpPr txBox="1">
+            <a:spLocks/>
+          </p:cNvSpPr>
+          <p:nvPr/>
+        </p:nvSpPr>
+        <p:spPr bwMode="auto">
+          <a:xfrm>
+            <a:off x="464477" y="793750"/>
+            <a:ext cx="8234363" cy="365094"/>
+          </a:xfrm>
+          <a:prstGeom prst="rect">
+            <a:avLst/>
+          </a:prstGeom>
+          <a:noFill/>
+          <a:ln w="9525">
+            <a:noFill/>
+            <a:miter lim="800000"/>
+          </a:ln>
+        </p:spPr>
+        <p:txBody>
+          <a:bodyPr vert="horz" wrap="square" lIns="79242" tIns="39621" rIns="79242" bIns="39621" numCol="1" anchor="t" anchorCtr="0" compatLnSpc="1">
+            <a:spAutoFit/>
+          </a:bodyPr>
+          <a:lstStyle>
+            <a:lvl1pPr marL="323212" indent="-323212" algn="l" rtl="0" eaLnBrk="1" fontAlgn="base" hangingPunct="1">
+              <a:spcBef>
+                <a:spcPct val="20000"/>
+              </a:spcBef>
+              <a:spcAft>
+                <a:spcPct val="0"/>
+              </a:spcAft>
+              <a:buChar char="•"/>
+              <a:defRPr sz="1700">
+                <a:solidFill>
+                  <a:schemeClr val="tx1"/>
+                </a:solidFill>
+                <a:latin typeface="微软雅黑" panose="020B0503020204020204" pitchFamily="34" charset="-122"/>
+                <a:ea typeface="微软雅黑" panose="020B0503020204020204" pitchFamily="34" charset="-122"/>
+                <a:cs typeface="+mn-cs"/>
+              </a:defRPr>
+            </a:lvl1pPr>
+            <a:lvl2pPr marL="699763" indent="-269238" algn="l" rtl="0" eaLnBrk="1" fontAlgn="base" hangingPunct="1">
+              <a:spcBef>
+                <a:spcPct val="20000"/>
+              </a:spcBef>
+              <a:spcAft>
+                <a:spcPct val="0"/>
+              </a:spcAft>
+              <a:buChar char="–"/>
+              <a:defRPr sz="1500">
+                <a:solidFill>
+                  <a:schemeClr val="tx1"/>
+                </a:solidFill>
+                <a:latin typeface="微软雅黑" panose="020B0503020204020204" pitchFamily="34" charset="-122"/>
+                <a:ea typeface="微软雅黑" panose="020B0503020204020204" pitchFamily="34" charset="-122"/>
+              </a:defRPr>
+            </a:lvl2pPr>
+            <a:lvl3pPr marL="1076949" indent="-215263" algn="l" rtl="0" eaLnBrk="1" fontAlgn="base" hangingPunct="1">
+              <a:spcBef>
+                <a:spcPct val="20000"/>
+              </a:spcBef>
+              <a:spcAft>
+                <a:spcPct val="0"/>
+              </a:spcAft>
+              <a:buChar char="•"/>
+              <a:defRPr sz="1500">
+                <a:solidFill>
+                  <a:schemeClr val="tx1"/>
+                </a:solidFill>
+                <a:latin typeface="微软雅黑" panose="020B0503020204020204" pitchFamily="34" charset="-122"/>
+                <a:ea typeface="微软雅黑" panose="020B0503020204020204" pitchFamily="34" charset="-122"/>
+              </a:defRPr>
+            </a:lvl3pPr>
+            <a:lvl4pPr marL="1507475" indent="-215263" algn="l" rtl="0" eaLnBrk="1" fontAlgn="base" hangingPunct="1">
+              <a:spcBef>
+                <a:spcPct val="20000"/>
+              </a:spcBef>
+              <a:spcAft>
+                <a:spcPct val="0"/>
+              </a:spcAft>
+              <a:buChar char="–"/>
+              <a:defRPr sz="1500">
+                <a:solidFill>
+                  <a:schemeClr val="tx1"/>
+                </a:solidFill>
+                <a:latin typeface="微软雅黑" panose="020B0503020204020204" pitchFamily="34" charset="-122"/>
+                <a:ea typeface="微软雅黑" panose="020B0503020204020204" pitchFamily="34" charset="-122"/>
+              </a:defRPr>
+            </a:lvl4pPr>
+            <a:lvl5pPr marL="1938001" indent="-215263" algn="l" rtl="0" eaLnBrk="1" fontAlgn="base" hangingPunct="1">
+              <a:spcBef>
+                <a:spcPct val="20000"/>
+              </a:spcBef>
+              <a:spcAft>
+                <a:spcPct val="0"/>
+              </a:spcAft>
+              <a:buChar char="»"/>
+              <a:defRPr sz="1500">
+                <a:solidFill>
+                  <a:schemeClr val="tx1"/>
+                </a:solidFill>
+                <a:latin typeface="微软雅黑" panose="020B0503020204020204" pitchFamily="34" charset="-122"/>
+                <a:ea typeface="微软雅黑" panose="020B0503020204020204" pitchFamily="34" charset="-122"/>
+              </a:defRPr>
+            </a:lvl5pPr>
+            <a:lvl6pPr marL="2368526" indent="-215263" algn="l" rtl="0" eaLnBrk="1" fontAlgn="base" hangingPunct="1">
+              <a:spcBef>
+                <a:spcPct val="20000"/>
+              </a:spcBef>
+              <a:spcAft>
+                <a:spcPct val="0"/>
+              </a:spcAft>
+              <a:buChar char="»"/>
+              <a:defRPr sz="1900">
+                <a:solidFill>
+                  <a:schemeClr val="tx1"/>
+                </a:solidFill>
+                <a:latin typeface="+mn-lt"/>
+                <a:ea typeface="+mn-ea"/>
+              </a:defRPr>
+            </a:lvl6pPr>
+            <a:lvl7pPr marL="2799687" indent="-215263" algn="l" rtl="0" eaLnBrk="1" fontAlgn="base" hangingPunct="1">
+              <a:spcBef>
+                <a:spcPct val="20000"/>
+              </a:spcBef>
+              <a:spcAft>
+                <a:spcPct val="0"/>
+              </a:spcAft>
+              <a:buChar char="»"/>
+              <a:defRPr sz="1900">
+                <a:solidFill>
+                  <a:schemeClr val="tx1"/>
+                </a:solidFill>
+                <a:latin typeface="+mn-lt"/>
+                <a:ea typeface="+mn-ea"/>
+              </a:defRPr>
+            </a:lvl7pPr>
+            <a:lvl8pPr marL="3230213" indent="-215263" algn="l" rtl="0" eaLnBrk="1" fontAlgn="base" hangingPunct="1">
+              <a:spcBef>
+                <a:spcPct val="20000"/>
+              </a:spcBef>
+              <a:spcAft>
+                <a:spcPct val="0"/>
+              </a:spcAft>
+              <a:buChar char="»"/>
+              <a:defRPr sz="1900">
+                <a:solidFill>
+                  <a:schemeClr val="tx1"/>
+                </a:solidFill>
+                <a:latin typeface="+mn-lt"/>
+                <a:ea typeface="+mn-ea"/>
+              </a:defRPr>
+            </a:lvl8pPr>
+            <a:lvl9pPr marL="3660738" indent="-215263" algn="l" rtl="0" eaLnBrk="1" fontAlgn="base" hangingPunct="1">
+              <a:spcBef>
+                <a:spcPct val="20000"/>
+              </a:spcBef>
+              <a:spcAft>
+                <a:spcPct val="0"/>
+              </a:spcAft>
+              <a:buChar char="»"/>
+              <a:defRPr sz="1900">
+                <a:solidFill>
+                  <a:schemeClr val="tx1"/>
+                </a:solidFill>
+                <a:latin typeface="+mn-lt"/>
+                <a:ea typeface="+mn-ea"/>
+              </a:defRPr>
+            </a:lvl9pPr>
+          </a:lstStyle>
+          <a:p>
+            <a:pPr marL="0" indent="0">
+              <a:lnSpc>
+                <a:spcPct val="150000"/>
+              </a:lnSpc>
+              <a:spcBef>
+                <a:spcPts val="0"/>
+              </a:spcBef>
+              <a:buNone/>
+            </a:pPr>
+            <a:r>
+              <a:rPr lang="en-US" altLang="zh-CN" sz="1400" b="0" dirty="0" smtClean="0"/>
+              <a:t>HEAD</a:t>
+            </a:r>
+            <a:r>
+              <a:rPr lang="zh-CN" altLang="en-US" sz="1400" b="0" dirty="0" smtClean="0"/>
+              <a:t>也</a:t>
+            </a:r>
+            <a:r>
+              <a:rPr lang="zh-CN" altLang="en-US" sz="1400" b="0" dirty="0"/>
+              <a:t>可以指向一个提交（应避免造成这种情况）。</a:t>
+            </a:r>
+            <a:endParaRPr lang="en-US" altLang="zh-CN" sz="1400" b="0" dirty="0"/>
+          </a:p>
+        </p:txBody>
+      </p:sp>
+      <p:pic>
+        <p:nvPicPr>
+          <p:cNvPr id="2" name="图片 1"/>
+          <p:cNvPicPr>
+            <a:picLocks noChangeAspect="1"/>
+          </p:cNvPicPr>
+          <p:nvPr/>
+        </p:nvPicPr>
+        <p:blipFill>
+          <a:blip r:embed="rId3"/>
+          <a:stretch>
+            <a:fillRect/>
+          </a:stretch>
+        </p:blipFill>
+        <p:spPr>
+          <a:xfrm>
+            <a:off x="539552" y="1235581"/>
+            <a:ext cx="7632848" cy="4077823"/>
+          </a:xfrm>
+          <a:prstGeom prst="rect">
+            <a:avLst/>
+          </a:prstGeom>
+        </p:spPr>
+      </p:pic>
+    </p:spTree>
+    <p:extLst>
+      <p:ext uri="{BB962C8B-B14F-4D97-AF65-F5344CB8AC3E}">
+        <p14:creationId xmlns:p14="http://schemas.microsoft.com/office/powerpoint/2010/main" val="1061886225"/>
+      </p:ext>
+    </p:extLst>
+  </p:cSld>
+  <p:clrMapOvr>
+    <a:masterClrMapping/>
+  </p:clrMapOvr>
+  <p:transition spd="med">
+    <p:wipe dir="r"/>
+  </p:transition>
+  <p:timing>
+    <p:tnLst>
+      <p:par>
+        <p:cTn id="1" dur="indefinite" restart="never" nodeType="tmRoot"/>
+      </p:par>
+    </p:tnLst>
+  </p:timing>
+</p:sld>
+</file>
+
+<file path=ppt/slides/slide4.xml><?xml version="1.0" encoding="utf-8"?>
+<p:sld xmlns:a="http://schemas.openxmlformats.org/drawingml/2006/main" xmlns:r="http://schemas.openxmlformats.org/officeDocument/2006/relationships" xmlns:p="http://schemas.openxmlformats.org/presentationml/2006/main">
+  <p:cSld>
+    <p:spTree>
+      <p:nvGrpSpPr>
+        <p:cNvPr id="1" name=""/>
+        <p:cNvGrpSpPr/>
+        <p:nvPr/>
+      </p:nvGrpSpPr>
+      <p:grpSpPr>
+        <a:xfrm>
+          <a:off x="0" y="0"/>
+          <a:ext cx="0" cy="0"/>
+          <a:chOff x="0" y="0"/>
+          <a:chExt cx="0" cy="0"/>
+        </a:xfrm>
+      </p:grpSpPr>
+      <p:sp>
+        <p:nvSpPr>
+          <p:cNvPr id="10" name="灯片编号占位符 9"/>
+          <p:cNvSpPr>
+            <a:spLocks noGrp="1"/>
+          </p:cNvSpPr>
+          <p:nvPr>
+            <p:ph type="sldNum" sz="quarter" idx="12"/>
+          </p:nvPr>
+        </p:nvSpPr>
+        <p:spPr/>
+        <p:txBody>
+          <a:bodyPr/>
+          <a:lstStyle/>
+          <a:p>
+            <a:fld id="{86F0E3FA-EBE8-4184-B68E-FC61E6CBEA65}" type="slidenum">
+              <a:rPr lang="zh-CN" altLang="en-US" smtClean="0">
+                <a:solidFill>
+                  <a:prstClr val="black"/>
+                </a:solidFill>
+                <a:latin typeface="微软雅黑" panose="020B0503020204020204" pitchFamily="34" charset="-122"/>
+                <a:ea typeface="微软雅黑" panose="020B0503020204020204" pitchFamily="34" charset="-122"/>
+              </a:rPr>
+              <a:pPr/>
+              <a:t>4</a:t>
+            </a:fld>
+            <a:endParaRPr lang="zh-CN" altLang="en-US" dirty="0">
+              <a:solidFill>
+                <a:prstClr val="black"/>
+              </a:solidFill>
+              <a:latin typeface="微软雅黑" panose="020B0503020204020204" pitchFamily="34" charset="-122"/>
+              <a:ea typeface="微软雅黑" panose="020B0503020204020204" pitchFamily="34" charset="-122"/>
+            </a:endParaRPr>
+          </a:p>
+        </p:txBody>
+      </p:sp>
+      <p:sp>
+        <p:nvSpPr>
+          <p:cNvPr id="25" name="矩形 24"/>
+          <p:cNvSpPr/>
+          <p:nvPr/>
+        </p:nvSpPr>
+        <p:spPr>
+          <a:xfrm>
+            <a:off x="35496" y="212957"/>
+            <a:ext cx="1271464" cy="504056"/>
+          </a:xfrm>
+          <a:prstGeom prst="rect">
+            <a:avLst/>
+          </a:prstGeom>
+          <a:solidFill>
+            <a:schemeClr val="accent4"/>
+          </a:solidFill>
+          <a:ln>
+            <a:noFill/>
+          </a:ln>
+        </p:spPr>
+        <p:style>
+          <a:lnRef idx="2">
+            <a:schemeClr val="accent1">
+              <a:shade val="50000"/>
+            </a:schemeClr>
+          </a:lnRef>
+          <a:fillRef idx="1">
+            <a:schemeClr val="accent1"/>
+          </a:fillRef>
+          <a:effectRef idx="0">
+            <a:schemeClr val="accent1"/>
+          </a:effectRef>
+          <a:fontRef idx="minor">
+            <a:schemeClr val="lt1"/>
+          </a:fontRef>
+        </p:style>
+        <p:txBody>
+          <a:bodyPr rtlCol="0" anchor="ctr"/>
+          <a:lstStyle/>
+          <a:p>
+            <a:pPr algn="ctr"/>
+            <a:endParaRPr lang="zh-CN" altLang="en-US" dirty="0">
+              <a:latin typeface="微软雅黑" panose="020B0503020204020204" pitchFamily="34" charset="-122"/>
+              <a:ea typeface="微软雅黑" panose="020B0503020204020204" pitchFamily="34" charset="-122"/>
+            </a:endParaRPr>
+          </a:p>
+        </p:txBody>
+      </p:sp>
+      <p:sp>
+        <p:nvSpPr>
+          <p:cNvPr id="26" name="矩形 25"/>
+          <p:cNvSpPr/>
+          <p:nvPr/>
+        </p:nvSpPr>
+        <p:spPr>
+          <a:xfrm>
+            <a:off x="1378968" y="212957"/>
+            <a:ext cx="72008" cy="504056"/>
+          </a:xfrm>
+          <a:prstGeom prst="rect">
+            <a:avLst/>
+          </a:prstGeom>
+          <a:solidFill>
+            <a:schemeClr val="accent4"/>
+          </a:solidFill>
+          <a:ln>
+            <a:noFill/>
+          </a:ln>
+        </p:spPr>
+        <p:style>
+          <a:lnRef idx="2">
+            <a:schemeClr val="accent1">
+              <a:shade val="50000"/>
+            </a:schemeClr>
+          </a:lnRef>
+          <a:fillRef idx="1">
+            <a:schemeClr val="accent1"/>
+          </a:fillRef>
+          <a:effectRef idx="0">
+            <a:schemeClr val="accent1"/>
+          </a:effectRef>
+          <a:fontRef idx="minor">
+            <a:schemeClr val="lt1"/>
+          </a:fontRef>
+        </p:style>
+        <p:txBody>
+          <a:bodyPr rtlCol="0" anchor="ctr"/>
+          <a:lstStyle/>
+          <a:p>
+            <a:pPr algn="ctr"/>
+            <a:endParaRPr lang="zh-CN" altLang="en-US" dirty="0">
+              <a:latin typeface="微软雅黑" panose="020B0503020204020204" pitchFamily="34" charset="-122"/>
+              <a:ea typeface="微软雅黑" panose="020B0503020204020204" pitchFamily="34" charset="-122"/>
+            </a:endParaRPr>
+          </a:p>
+        </p:txBody>
+      </p:sp>
+      <p:sp>
+        <p:nvSpPr>
+          <p:cNvPr id="31" name="矩形 30"/>
+          <p:cNvSpPr/>
+          <p:nvPr/>
+        </p:nvSpPr>
+        <p:spPr>
+          <a:xfrm>
+            <a:off x="1516292" y="416607"/>
+            <a:ext cx="78700" cy="300406"/>
+          </a:xfrm>
+          <a:prstGeom prst="rect">
+            <a:avLst/>
+          </a:prstGeom>
+          <a:solidFill>
+            <a:schemeClr val="accent4"/>
+          </a:solidFill>
+          <a:ln>
+            <a:noFill/>
+          </a:ln>
+        </p:spPr>
+        <p:style>
+          <a:lnRef idx="2">
+            <a:schemeClr val="accent1">
+              <a:shade val="50000"/>
+            </a:schemeClr>
+          </a:lnRef>
+          <a:fillRef idx="1">
+            <a:schemeClr val="accent1"/>
+          </a:fillRef>
+          <a:effectRef idx="0">
+            <a:schemeClr val="accent1"/>
+          </a:effectRef>
+          <a:fontRef idx="minor">
+            <a:schemeClr val="lt1"/>
+          </a:fontRef>
+        </p:style>
+        <p:txBody>
+          <a:bodyPr rtlCol="0" anchor="ctr"/>
+          <a:lstStyle/>
+          <a:p>
+            <a:pPr algn="ctr"/>
+            <a:endParaRPr lang="zh-CN" altLang="en-US" dirty="0">
+              <a:latin typeface="微软雅黑" panose="020B0503020204020204" pitchFamily="34" charset="-122"/>
+              <a:ea typeface="微软雅黑" panose="020B0503020204020204" pitchFamily="34" charset="-122"/>
+            </a:endParaRPr>
+          </a:p>
+        </p:txBody>
+      </p:sp>
+      <p:sp>
+        <p:nvSpPr>
+          <p:cNvPr id="32" name="文本框 31"/>
+          <p:cNvSpPr txBox="1"/>
+          <p:nvPr/>
+        </p:nvSpPr>
+        <p:spPr>
+          <a:xfrm>
+            <a:off x="1619672" y="246048"/>
+            <a:ext cx="4032448" cy="523220"/>
+          </a:xfrm>
+          <a:prstGeom prst="rect">
+            <a:avLst/>
+          </a:prstGeom>
+          <a:noFill/>
+        </p:spPr>
+        <p:txBody>
+          <a:bodyPr wrap="square" rtlCol="0">
+            <a:spAutoFit/>
+          </a:bodyPr>
+          <a:lstStyle/>
+          <a:p>
+            <a:r>
+              <a:rPr lang="zh-CN" altLang="en-US" sz="2800" dirty="0" smtClean="0">
+                <a:solidFill>
+                  <a:schemeClr val="accent4"/>
+                </a:solidFill>
+                <a:latin typeface="微软雅黑" panose="020B0503020204020204" pitchFamily="34" charset="-122"/>
+                <a:ea typeface="微软雅黑" panose="020B0503020204020204" pitchFamily="34" charset="-122"/>
+              </a:rPr>
+              <a:t>版本控制</a:t>
+            </a:r>
+            <a:endParaRPr lang="zh-CN" altLang="en-US" sz="2800" dirty="0">
+              <a:solidFill>
+                <a:schemeClr val="accent4"/>
+              </a:solidFill>
+              <a:latin typeface="微软雅黑" panose="020B0503020204020204" pitchFamily="34" charset="-122"/>
+              <a:ea typeface="微软雅黑" panose="020B0503020204020204" pitchFamily="34" charset="-122"/>
+            </a:endParaRPr>
+          </a:p>
+        </p:txBody>
+      </p:sp>
+      <p:sp>
+        <p:nvSpPr>
+          <p:cNvPr id="3" name="Rectangle 20"/>
+          <p:cNvSpPr>
+            <a:spLocks noChangeArrowheads="1"/>
+          </p:cNvSpPr>
+          <p:nvPr/>
+        </p:nvSpPr>
+        <p:spPr bwMode="auto">
+          <a:xfrm>
+            <a:off x="1622942" y="2688223"/>
+            <a:ext cx="184731" cy="338554"/>
+          </a:xfrm>
+          <a:prstGeom prst="rect">
+            <a:avLst/>
+          </a:prstGeom>
+          <a:noFill/>
+          <a:ln>
+            <a:noFill/>
+          </a:ln>
+          <a:effectLst/>
+          <a:extLst>
+            <a:ext uri="{909E8E84-426E-40DD-AFC4-6F175D3DCCD1}">
+              <a14:hiddenFill xmlns:a14="http://schemas.microsoft.com/office/drawing/2010/main">
+                <a:solidFill>
+                  <a:schemeClr val="accent1"/>
+                </a:solidFill>
+              </a14:hiddenFill>
+            </a:ext>
+            <a:ext uri="{91240B29-F687-4F45-9708-019B960494DF}">
+              <a14:hiddenLine xmlns:a14="http://schemas.microsoft.com/office/drawing/2010/main" w="9525">
+                <a:solidFill>
+                  <a:schemeClr val="tx1"/>
+                </a:solidFill>
+                <a:miter lim="800000"/>
+                <a:headEnd/>
+                <a:tailEnd/>
+              </a14:hiddenLine>
+            </a:ext>
+            <a:ext uri="{AF507438-7753-43E0-B8FC-AC1667EBCBE1}">
+              <a14:hiddenEffects xmlns:a14="http://schemas.microsoft.com/office/drawing/2010/main">
+                <a:effectLst>
+                  <a:outerShdw dist="35921" dir="2700000" algn="ctr" rotWithShape="0">
+                    <a:schemeClr val="bg2"/>
+                  </a:outerShdw>
+                </a:effectLst>
+              </a14:hiddenEffects>
+            </a:ext>
+          </a:extLst>
+        </p:spPr>
+        <p:txBody>
+          <a:bodyPr vert="horz" wrap="none" lIns="91440" tIns="45720" rIns="91440" bIns="45720" numCol="1" anchor="ctr" anchorCtr="0" compatLnSpc="1">
+            <a:prstTxWarp prst="textNoShape">
+              <a:avLst/>
+            </a:prstTxWarp>
+            <a:spAutoFit/>
+          </a:bodyPr>
+          <a:lstStyle/>
+          <a:p>
+            <a:endParaRPr lang="zh-CN" altLang="en-US">
+              <a:latin typeface="微软雅黑" panose="020B0503020204020204" pitchFamily="34" charset="-122"/>
+              <a:ea typeface="微软雅黑" panose="020B0503020204020204" pitchFamily="34" charset="-122"/>
+            </a:endParaRPr>
+          </a:p>
+        </p:txBody>
+      </p:sp>
+      <p:pic>
+        <p:nvPicPr>
+          <p:cNvPr id="5" name="图片 4"/>
+          <p:cNvPicPr>
+            <a:picLocks noChangeAspect="1"/>
+          </p:cNvPicPr>
+          <p:nvPr/>
+        </p:nvPicPr>
+        <p:blipFill>
+          <a:blip r:embed="rId3"/>
+          <a:stretch>
+            <a:fillRect/>
+          </a:stretch>
+        </p:blipFill>
+        <p:spPr>
+          <a:xfrm>
+            <a:off x="755576" y="2569468"/>
+            <a:ext cx="5814648" cy="2736304"/>
+          </a:xfrm>
+          <a:prstGeom prst="rect">
+            <a:avLst/>
+          </a:prstGeom>
+        </p:spPr>
+      </p:pic>
+      <p:sp>
+        <p:nvSpPr>
+          <p:cNvPr id="14" name="内容占位符 2"/>
+          <p:cNvSpPr>
+            <a:spLocks noGrp="1"/>
+          </p:cNvSpPr>
+          <p:nvPr>
+            <p:ph idx="1"/>
+          </p:nvPr>
+        </p:nvSpPr>
+        <p:spPr>
+          <a:xfrm>
+            <a:off x="352203" y="890872"/>
+            <a:ext cx="8462177" cy="1606588"/>
+          </a:xfrm>
+        </p:spPr>
+        <p:txBody>
+          <a:bodyPr wrap="square">
+            <a:spAutoFit/>
+          </a:bodyPr>
+          <a:lstStyle/>
+          <a:p>
+            <a:pPr marL="0" indent="0">
+              <a:lnSpc>
+                <a:spcPct val="150000"/>
+              </a:lnSpc>
+              <a:spcBef>
+                <a:spcPts val="0"/>
+              </a:spcBef>
+              <a:buNone/>
+            </a:pPr>
+            <a:r>
+              <a:rPr lang="zh-CN" altLang="en-US" sz="1600" dirty="0"/>
+              <a:t>假设</a:t>
+            </a:r>
+            <a:r>
+              <a:rPr lang="zh-CN" altLang="en-US" sz="1600" dirty="0" smtClean="0"/>
+              <a:t>一个场景，我需要长期维护一个文档，那么将会遇到以下状况：</a:t>
+            </a:r>
+            <a:endParaRPr lang="en-US" altLang="zh-CN" sz="1600" dirty="0" smtClean="0"/>
+          </a:p>
+          <a:p>
+            <a:pPr marL="342900" indent="-342900">
+              <a:lnSpc>
+                <a:spcPct val="150000"/>
+              </a:lnSpc>
+              <a:spcBef>
+                <a:spcPts val="0"/>
+              </a:spcBef>
+              <a:buFont typeface="+mj-lt"/>
+              <a:buAutoNum type="arabicPeriod"/>
+            </a:pPr>
+            <a:r>
+              <a:rPr lang="zh-CN" altLang="en-US" sz="1600" dirty="0" smtClean="0"/>
+              <a:t>想</a:t>
+            </a:r>
+            <a:r>
+              <a:rPr lang="zh-CN" altLang="en-US" sz="1600" dirty="0"/>
+              <a:t>删除一个段落，又怕将来想恢复找不</a:t>
+            </a:r>
+            <a:r>
+              <a:rPr lang="zh-CN" altLang="en-US" sz="1600" dirty="0" smtClean="0"/>
+              <a:t>回来？</a:t>
+            </a:r>
+            <a:r>
+              <a:rPr lang="zh-CN" altLang="en-US" sz="1600" dirty="0"/>
+              <a:t>有办法，先把当前文件“另存为</a:t>
+            </a:r>
+            <a:r>
+              <a:rPr lang="en-US" altLang="zh-CN" sz="1600" dirty="0"/>
+              <a:t>……”</a:t>
+            </a:r>
+            <a:r>
+              <a:rPr lang="zh-CN" altLang="en-US" sz="1600" dirty="0"/>
+              <a:t>一个新</a:t>
+            </a:r>
+            <a:r>
+              <a:rPr lang="zh-CN" altLang="en-US" sz="1600" dirty="0" smtClean="0"/>
+              <a:t>的文件</a:t>
+            </a:r>
+            <a:r>
+              <a:rPr lang="zh-CN" altLang="en-US" sz="1600" dirty="0"/>
+              <a:t>，再接着改，改到一定程度，再“另存为</a:t>
+            </a:r>
+            <a:r>
+              <a:rPr lang="en-US" altLang="zh-CN" sz="1600" dirty="0"/>
+              <a:t>……”</a:t>
+            </a:r>
+            <a:r>
+              <a:rPr lang="zh-CN" altLang="en-US" sz="1600" dirty="0"/>
+              <a:t>一个新文件，这样一直改下去，</a:t>
+            </a:r>
+            <a:r>
+              <a:rPr lang="zh-CN" altLang="en-US" sz="1600" dirty="0" smtClean="0"/>
+              <a:t>最后我的文档变成</a:t>
+            </a:r>
+            <a:r>
+              <a:rPr lang="zh-CN" altLang="en-US" sz="1600" dirty="0"/>
+              <a:t>了这样：</a:t>
+            </a:r>
+            <a:endParaRPr lang="en-US" altLang="zh-CN" sz="1600" dirty="0" smtClean="0"/>
+          </a:p>
+        </p:txBody>
+      </p:sp>
+    </p:spTree>
+    <p:extLst>
+      <p:ext uri="{BB962C8B-B14F-4D97-AF65-F5344CB8AC3E}">
+        <p14:creationId xmlns:p14="http://schemas.microsoft.com/office/powerpoint/2010/main" val="3342454028"/>
+      </p:ext>
+    </p:extLst>
+  </p:cSld>
+  <p:clrMapOvr>
+    <a:masterClrMapping/>
+  </p:clrMapOvr>
+  <p:transition spd="med">
+    <p:wipe dir="r"/>
+  </p:transition>
+  <p:timing>
+    <p:tnLst>
+      <p:par>
+        <p:cTn id="1" dur="indefinite" restart="never" nodeType="tmRoot"/>
+      </p:par>
+    </p:tnLst>
+  </p:timing>
+</p:sld>
+</file>
+
+<file path=ppt/slides/slide40.xml><?xml version="1.0" encoding="utf-8"?>
+<p:sld xmlns:a="http://schemas.openxmlformats.org/drawingml/2006/main" xmlns:r="http://schemas.openxmlformats.org/officeDocument/2006/relationships" xmlns:p="http://schemas.openxmlformats.org/presentationml/2006/main">
+  <p:cSld>
+    <p:spTree>
+      <p:nvGrpSpPr>
+        <p:cNvPr id="1" name=""/>
+        <p:cNvGrpSpPr/>
+        <p:nvPr/>
+      </p:nvGrpSpPr>
+      <p:grpSpPr>
+        <a:xfrm>
+          <a:off x="0" y="0"/>
+          <a:ext cx="0" cy="0"/>
+          <a:chOff x="0" y="0"/>
+          <a:chExt cx="0" cy="0"/>
+        </a:xfrm>
+      </p:grpSpPr>
+      <p:sp>
+        <p:nvSpPr>
+          <p:cNvPr id="10" name="灯片编号占位符 9"/>
+          <p:cNvSpPr>
+            <a:spLocks noGrp="1"/>
+          </p:cNvSpPr>
+          <p:nvPr>
+            <p:ph type="sldNum" sz="quarter" idx="12"/>
+          </p:nvPr>
+        </p:nvSpPr>
+        <p:spPr/>
+        <p:txBody>
+          <a:bodyPr/>
+          <a:lstStyle/>
+          <a:p>
+            <a:fld id="{86F0E3FA-EBE8-4184-B68E-FC61E6CBEA65}" type="slidenum">
+              <a:rPr lang="zh-CN" altLang="en-US" smtClean="0">
+                <a:solidFill>
+                  <a:prstClr val="black"/>
+                </a:solidFill>
+                <a:latin typeface="微软雅黑" panose="020B0503020204020204" pitchFamily="34" charset="-122"/>
+                <a:ea typeface="微软雅黑" panose="020B0503020204020204" pitchFamily="34" charset="-122"/>
+              </a:rPr>
+              <a:pPr/>
+              <a:t>40</a:t>
+            </a:fld>
+            <a:endParaRPr lang="zh-CN" altLang="en-US" dirty="0">
+              <a:solidFill>
+                <a:prstClr val="black"/>
+              </a:solidFill>
+              <a:latin typeface="微软雅黑" panose="020B0503020204020204" pitchFamily="34" charset="-122"/>
+              <a:ea typeface="微软雅黑" panose="020B0503020204020204" pitchFamily="34" charset="-122"/>
+            </a:endParaRPr>
+          </a:p>
+        </p:txBody>
+      </p:sp>
+      <p:sp>
+        <p:nvSpPr>
+          <p:cNvPr id="25" name="矩形 24"/>
+          <p:cNvSpPr/>
+          <p:nvPr/>
+        </p:nvSpPr>
+        <p:spPr>
+          <a:xfrm>
+            <a:off x="35496" y="212957"/>
+            <a:ext cx="1271464" cy="504056"/>
+          </a:xfrm>
+          <a:prstGeom prst="rect">
+            <a:avLst/>
+          </a:prstGeom>
+          <a:solidFill>
+            <a:schemeClr val="accent4"/>
+          </a:solidFill>
+          <a:ln>
+            <a:noFill/>
+          </a:ln>
+        </p:spPr>
+        <p:style>
+          <a:lnRef idx="2">
+            <a:schemeClr val="accent1">
+              <a:shade val="50000"/>
+            </a:schemeClr>
+          </a:lnRef>
+          <a:fillRef idx="1">
+            <a:schemeClr val="accent1"/>
+          </a:fillRef>
+          <a:effectRef idx="0">
+            <a:schemeClr val="accent1"/>
+          </a:effectRef>
+          <a:fontRef idx="minor">
+            <a:schemeClr val="lt1"/>
+          </a:fontRef>
+        </p:style>
+        <p:txBody>
+          <a:bodyPr rtlCol="0" anchor="ctr"/>
+          <a:lstStyle/>
+          <a:p>
+            <a:pPr algn="ctr"/>
+            <a:endParaRPr lang="zh-CN" altLang="en-US" dirty="0">
+              <a:latin typeface="微软雅黑" panose="020B0503020204020204" pitchFamily="34" charset="-122"/>
+              <a:ea typeface="微软雅黑" panose="020B0503020204020204" pitchFamily="34" charset="-122"/>
+            </a:endParaRPr>
+          </a:p>
+        </p:txBody>
+      </p:sp>
+      <p:sp>
+        <p:nvSpPr>
+          <p:cNvPr id="26" name="矩形 25"/>
+          <p:cNvSpPr/>
+          <p:nvPr/>
+        </p:nvSpPr>
+        <p:spPr>
+          <a:xfrm>
+            <a:off x="1378968" y="212957"/>
+            <a:ext cx="72008" cy="504056"/>
+          </a:xfrm>
+          <a:prstGeom prst="rect">
+            <a:avLst/>
+          </a:prstGeom>
+          <a:solidFill>
+            <a:schemeClr val="accent4"/>
+          </a:solidFill>
+          <a:ln>
+            <a:noFill/>
+          </a:ln>
+        </p:spPr>
+        <p:style>
+          <a:lnRef idx="2">
+            <a:schemeClr val="accent1">
+              <a:shade val="50000"/>
+            </a:schemeClr>
+          </a:lnRef>
+          <a:fillRef idx="1">
+            <a:schemeClr val="accent1"/>
+          </a:fillRef>
+          <a:effectRef idx="0">
+            <a:schemeClr val="accent1"/>
+          </a:effectRef>
+          <a:fontRef idx="minor">
+            <a:schemeClr val="lt1"/>
+          </a:fontRef>
+        </p:style>
+        <p:txBody>
+          <a:bodyPr rtlCol="0" anchor="ctr"/>
+          <a:lstStyle/>
+          <a:p>
+            <a:pPr algn="ctr"/>
+            <a:endParaRPr lang="zh-CN" altLang="en-US" dirty="0">
+              <a:latin typeface="微软雅黑" panose="020B0503020204020204" pitchFamily="34" charset="-122"/>
+              <a:ea typeface="微软雅黑" panose="020B0503020204020204" pitchFamily="34" charset="-122"/>
+            </a:endParaRPr>
+          </a:p>
+        </p:txBody>
+      </p:sp>
+      <p:sp>
+        <p:nvSpPr>
+          <p:cNvPr id="31" name="矩形 30"/>
+          <p:cNvSpPr/>
+          <p:nvPr/>
+        </p:nvSpPr>
+        <p:spPr>
+          <a:xfrm>
+            <a:off x="1516292" y="416607"/>
+            <a:ext cx="78700" cy="300406"/>
+          </a:xfrm>
+          <a:prstGeom prst="rect">
+            <a:avLst/>
+          </a:prstGeom>
+          <a:solidFill>
+            <a:schemeClr val="accent4"/>
+          </a:solidFill>
+          <a:ln>
+            <a:noFill/>
+          </a:ln>
+        </p:spPr>
+        <p:style>
+          <a:lnRef idx="2">
+            <a:schemeClr val="accent1">
+              <a:shade val="50000"/>
+            </a:schemeClr>
+          </a:lnRef>
+          <a:fillRef idx="1">
+            <a:schemeClr val="accent1"/>
+          </a:fillRef>
+          <a:effectRef idx="0">
+            <a:schemeClr val="accent1"/>
+          </a:effectRef>
+          <a:fontRef idx="minor">
+            <a:schemeClr val="lt1"/>
+          </a:fontRef>
+        </p:style>
+        <p:txBody>
+          <a:bodyPr rtlCol="0" anchor="ctr"/>
+          <a:lstStyle/>
+          <a:p>
+            <a:pPr algn="ctr"/>
+            <a:endParaRPr lang="zh-CN" altLang="en-US" dirty="0">
+              <a:latin typeface="微软雅黑" panose="020B0503020204020204" pitchFamily="34" charset="-122"/>
+              <a:ea typeface="微软雅黑" panose="020B0503020204020204" pitchFamily="34" charset="-122"/>
+            </a:endParaRPr>
+          </a:p>
+        </p:txBody>
+      </p:sp>
+      <p:sp>
+        <p:nvSpPr>
+          <p:cNvPr id="32" name="文本框 31"/>
+          <p:cNvSpPr txBox="1"/>
+          <p:nvPr/>
+        </p:nvSpPr>
+        <p:spPr>
+          <a:xfrm>
+            <a:off x="1619672" y="246048"/>
             <a:ext cx="6552728" cy="523220"/>
           </a:xfrm>
           <a:prstGeom prst="rect">
@@ -26641,7 +32053,7 @@
 </p:sld>
 </file>
 
-<file path=ppt/slides/slide34.xml><?xml version="1.0" encoding="utf-8"?>
+<file path=ppt/slides/slide41.xml><?xml version="1.0" encoding="utf-8"?>
 <p:sld xmlns:a="http://schemas.openxmlformats.org/drawingml/2006/main" xmlns:r="http://schemas.openxmlformats.org/officeDocument/2006/relationships" xmlns:p="http://schemas.openxmlformats.org/presentationml/2006/main">
   <p:cSld>
     <p:spTree>
@@ -27241,7 +32653,7 @@
                 <a:ea typeface="微软雅黑" panose="020B0503020204020204" pitchFamily="34" charset="-122"/>
               </a:rPr>
               <a:pPr/>
-              <a:t>34</a:t>
+              <a:t>41</a:t>
             </a:fld>
             <a:endParaRPr lang="zh-CN" altLang="en-US" sz="800" dirty="0">
               <a:solidFill>
@@ -27257,465 +32669,6 @@
     <p:extLst>
       <p:ext uri="{BB962C8B-B14F-4D97-AF65-F5344CB8AC3E}">
         <p14:creationId xmlns:p14="http://schemas.microsoft.com/office/powerpoint/2010/main" val="1423226024"/>
-      </p:ext>
-    </p:extLst>
-  </p:cSld>
-  <p:clrMapOvr>
-    <a:masterClrMapping/>
-  </p:clrMapOvr>
-  <p:transition spd="med">
-    <p:wipe dir="r"/>
-  </p:transition>
-  <p:timing>
-    <p:tnLst>
-      <p:par>
-        <p:cTn id="1" dur="indefinite" restart="never" nodeType="tmRoot"/>
-      </p:par>
-    </p:tnLst>
-  </p:timing>
-</p:sld>
-</file>
-
-<file path=ppt/slides/slide4.xml><?xml version="1.0" encoding="utf-8"?>
-<p:sld xmlns:a="http://schemas.openxmlformats.org/drawingml/2006/main" xmlns:r="http://schemas.openxmlformats.org/officeDocument/2006/relationships" xmlns:p="http://schemas.openxmlformats.org/presentationml/2006/main">
-  <p:cSld>
-    <p:spTree>
-      <p:nvGrpSpPr>
-        <p:cNvPr id="1" name=""/>
-        <p:cNvGrpSpPr/>
-        <p:nvPr/>
-      </p:nvGrpSpPr>
-      <p:grpSpPr>
-        <a:xfrm>
-          <a:off x="0" y="0"/>
-          <a:ext cx="0" cy="0"/>
-          <a:chOff x="0" y="0"/>
-          <a:chExt cx="0" cy="0"/>
-        </a:xfrm>
-      </p:grpSpPr>
-      <p:sp>
-        <p:nvSpPr>
-          <p:cNvPr id="10" name="灯片编号占位符 9"/>
-          <p:cNvSpPr>
-            <a:spLocks noGrp="1"/>
-          </p:cNvSpPr>
-          <p:nvPr>
-            <p:ph type="sldNum" sz="quarter" idx="12"/>
-          </p:nvPr>
-        </p:nvSpPr>
-        <p:spPr/>
-        <p:txBody>
-          <a:bodyPr/>
-          <a:lstStyle/>
-          <a:p>
-            <a:fld id="{86F0E3FA-EBE8-4184-B68E-FC61E6CBEA65}" type="slidenum">
-              <a:rPr lang="zh-CN" altLang="en-US" smtClean="0">
-                <a:solidFill>
-                  <a:prstClr val="black"/>
-                </a:solidFill>
-                <a:latin typeface="微软雅黑" panose="020B0503020204020204" pitchFamily="34" charset="-122"/>
-                <a:ea typeface="微软雅黑" panose="020B0503020204020204" pitchFamily="34" charset="-122"/>
-              </a:rPr>
-              <a:pPr/>
-              <a:t>4</a:t>
-            </a:fld>
-            <a:endParaRPr lang="zh-CN" altLang="en-US" dirty="0">
-              <a:solidFill>
-                <a:prstClr val="black"/>
-              </a:solidFill>
-              <a:latin typeface="微软雅黑" panose="020B0503020204020204" pitchFamily="34" charset="-122"/>
-              <a:ea typeface="微软雅黑" panose="020B0503020204020204" pitchFamily="34" charset="-122"/>
-            </a:endParaRPr>
-          </a:p>
-        </p:txBody>
-      </p:sp>
-      <p:sp>
-        <p:nvSpPr>
-          <p:cNvPr id="25" name="矩形 24"/>
-          <p:cNvSpPr/>
-          <p:nvPr/>
-        </p:nvSpPr>
-        <p:spPr>
-          <a:xfrm>
-            <a:off x="35496" y="212957"/>
-            <a:ext cx="1271464" cy="504056"/>
-          </a:xfrm>
-          <a:prstGeom prst="rect">
-            <a:avLst/>
-          </a:prstGeom>
-          <a:solidFill>
-            <a:schemeClr val="accent4"/>
-          </a:solidFill>
-          <a:ln>
-            <a:noFill/>
-          </a:ln>
-        </p:spPr>
-        <p:style>
-          <a:lnRef idx="2">
-            <a:schemeClr val="accent1">
-              <a:shade val="50000"/>
-            </a:schemeClr>
-          </a:lnRef>
-          <a:fillRef idx="1">
-            <a:schemeClr val="accent1"/>
-          </a:fillRef>
-          <a:effectRef idx="0">
-            <a:schemeClr val="accent1"/>
-          </a:effectRef>
-          <a:fontRef idx="minor">
-            <a:schemeClr val="lt1"/>
-          </a:fontRef>
-        </p:style>
-        <p:txBody>
-          <a:bodyPr rtlCol="0" anchor="ctr"/>
-          <a:lstStyle/>
-          <a:p>
-            <a:pPr algn="ctr"/>
-            <a:endParaRPr lang="zh-CN" altLang="en-US" dirty="0">
-              <a:latin typeface="微软雅黑" panose="020B0503020204020204" pitchFamily="34" charset="-122"/>
-              <a:ea typeface="微软雅黑" panose="020B0503020204020204" pitchFamily="34" charset="-122"/>
-            </a:endParaRPr>
-          </a:p>
-        </p:txBody>
-      </p:sp>
-      <p:sp>
-        <p:nvSpPr>
-          <p:cNvPr id="26" name="矩形 25"/>
-          <p:cNvSpPr/>
-          <p:nvPr/>
-        </p:nvSpPr>
-        <p:spPr>
-          <a:xfrm>
-            <a:off x="1378968" y="212957"/>
-            <a:ext cx="72008" cy="504056"/>
-          </a:xfrm>
-          <a:prstGeom prst="rect">
-            <a:avLst/>
-          </a:prstGeom>
-          <a:solidFill>
-            <a:schemeClr val="accent4"/>
-          </a:solidFill>
-          <a:ln>
-            <a:noFill/>
-          </a:ln>
-        </p:spPr>
-        <p:style>
-          <a:lnRef idx="2">
-            <a:schemeClr val="accent1">
-              <a:shade val="50000"/>
-            </a:schemeClr>
-          </a:lnRef>
-          <a:fillRef idx="1">
-            <a:schemeClr val="accent1"/>
-          </a:fillRef>
-          <a:effectRef idx="0">
-            <a:schemeClr val="accent1"/>
-          </a:effectRef>
-          <a:fontRef idx="minor">
-            <a:schemeClr val="lt1"/>
-          </a:fontRef>
-        </p:style>
-        <p:txBody>
-          <a:bodyPr rtlCol="0" anchor="ctr"/>
-          <a:lstStyle/>
-          <a:p>
-            <a:pPr algn="ctr"/>
-            <a:endParaRPr lang="zh-CN" altLang="en-US" dirty="0">
-              <a:latin typeface="微软雅黑" panose="020B0503020204020204" pitchFamily="34" charset="-122"/>
-              <a:ea typeface="微软雅黑" panose="020B0503020204020204" pitchFamily="34" charset="-122"/>
-            </a:endParaRPr>
-          </a:p>
-        </p:txBody>
-      </p:sp>
-      <p:sp>
-        <p:nvSpPr>
-          <p:cNvPr id="31" name="矩形 30"/>
-          <p:cNvSpPr/>
-          <p:nvPr/>
-        </p:nvSpPr>
-        <p:spPr>
-          <a:xfrm>
-            <a:off x="1516292" y="416607"/>
-            <a:ext cx="78700" cy="300406"/>
-          </a:xfrm>
-          <a:prstGeom prst="rect">
-            <a:avLst/>
-          </a:prstGeom>
-          <a:solidFill>
-            <a:schemeClr val="accent4"/>
-          </a:solidFill>
-          <a:ln>
-            <a:noFill/>
-          </a:ln>
-        </p:spPr>
-        <p:style>
-          <a:lnRef idx="2">
-            <a:schemeClr val="accent1">
-              <a:shade val="50000"/>
-            </a:schemeClr>
-          </a:lnRef>
-          <a:fillRef idx="1">
-            <a:schemeClr val="accent1"/>
-          </a:fillRef>
-          <a:effectRef idx="0">
-            <a:schemeClr val="accent1"/>
-          </a:effectRef>
-          <a:fontRef idx="minor">
-            <a:schemeClr val="lt1"/>
-          </a:fontRef>
-        </p:style>
-        <p:txBody>
-          <a:bodyPr rtlCol="0" anchor="ctr"/>
-          <a:lstStyle/>
-          <a:p>
-            <a:pPr algn="ctr"/>
-            <a:endParaRPr lang="zh-CN" altLang="en-US" dirty="0">
-              <a:latin typeface="微软雅黑" panose="020B0503020204020204" pitchFamily="34" charset="-122"/>
-              <a:ea typeface="微软雅黑" panose="020B0503020204020204" pitchFamily="34" charset="-122"/>
-            </a:endParaRPr>
-          </a:p>
-        </p:txBody>
-      </p:sp>
-      <p:sp>
-        <p:nvSpPr>
-          <p:cNvPr id="32" name="文本框 31"/>
-          <p:cNvSpPr txBox="1"/>
-          <p:nvPr/>
-        </p:nvSpPr>
-        <p:spPr>
-          <a:xfrm>
-            <a:off x="1619672" y="246048"/>
-            <a:ext cx="4032448" cy="523220"/>
-          </a:xfrm>
-          <a:prstGeom prst="rect">
-            <a:avLst/>
-          </a:prstGeom>
-          <a:noFill/>
-        </p:spPr>
-        <p:txBody>
-          <a:bodyPr wrap="square" rtlCol="0">
-            <a:spAutoFit/>
-          </a:bodyPr>
-          <a:lstStyle/>
-          <a:p>
-            <a:r>
-              <a:rPr lang="zh-CN" altLang="en-US" sz="2800" dirty="0" smtClean="0">
-                <a:solidFill>
-                  <a:schemeClr val="accent4"/>
-                </a:solidFill>
-                <a:latin typeface="微软雅黑" panose="020B0503020204020204" pitchFamily="34" charset="-122"/>
-                <a:ea typeface="微软雅黑" panose="020B0503020204020204" pitchFamily="34" charset="-122"/>
-              </a:rPr>
-              <a:t>版本控制</a:t>
-            </a:r>
-            <a:endParaRPr lang="zh-CN" altLang="en-US" sz="2800" dirty="0">
-              <a:solidFill>
-                <a:schemeClr val="accent4"/>
-              </a:solidFill>
-              <a:latin typeface="微软雅黑" panose="020B0503020204020204" pitchFamily="34" charset="-122"/>
-              <a:ea typeface="微软雅黑" panose="020B0503020204020204" pitchFamily="34" charset="-122"/>
-            </a:endParaRPr>
-          </a:p>
-        </p:txBody>
-      </p:sp>
-      <p:sp>
-        <p:nvSpPr>
-          <p:cNvPr id="3" name="Rectangle 20"/>
-          <p:cNvSpPr>
-            <a:spLocks noChangeArrowheads="1"/>
-          </p:cNvSpPr>
-          <p:nvPr/>
-        </p:nvSpPr>
-        <p:spPr bwMode="auto">
-          <a:xfrm>
-            <a:off x="1622942" y="2688223"/>
-            <a:ext cx="184731" cy="338554"/>
-          </a:xfrm>
-          <a:prstGeom prst="rect">
-            <a:avLst/>
-          </a:prstGeom>
-          <a:noFill/>
-          <a:ln>
-            <a:noFill/>
-          </a:ln>
-          <a:effectLst/>
-          <a:extLst>
-            <a:ext uri="{909E8E84-426E-40DD-AFC4-6F175D3DCCD1}">
-              <a14:hiddenFill xmlns:a14="http://schemas.microsoft.com/office/drawing/2010/main">
-                <a:solidFill>
-                  <a:schemeClr val="accent1"/>
-                </a:solidFill>
-              </a14:hiddenFill>
-            </a:ext>
-            <a:ext uri="{91240B29-F687-4F45-9708-019B960494DF}">
-              <a14:hiddenLine xmlns:a14="http://schemas.microsoft.com/office/drawing/2010/main" w="9525">
-                <a:solidFill>
-                  <a:schemeClr val="tx1"/>
-                </a:solidFill>
-                <a:miter lim="800000"/>
-                <a:headEnd/>
-                <a:tailEnd/>
-              </a14:hiddenLine>
-            </a:ext>
-            <a:ext uri="{AF507438-7753-43E0-B8FC-AC1667EBCBE1}">
-              <a14:hiddenEffects xmlns:a14="http://schemas.microsoft.com/office/drawing/2010/main">
-                <a:effectLst>
-                  <a:outerShdw dist="35921" dir="2700000" algn="ctr" rotWithShape="0">
-                    <a:schemeClr val="bg2"/>
-                  </a:outerShdw>
-                </a:effectLst>
-              </a14:hiddenEffects>
-            </a:ext>
-          </a:extLst>
-        </p:spPr>
-        <p:txBody>
-          <a:bodyPr vert="horz" wrap="none" lIns="91440" tIns="45720" rIns="91440" bIns="45720" numCol="1" anchor="ctr" anchorCtr="0" compatLnSpc="1">
-            <a:prstTxWarp prst="textNoShape">
-              <a:avLst/>
-            </a:prstTxWarp>
-            <a:spAutoFit/>
-          </a:bodyPr>
-          <a:lstStyle/>
-          <a:p>
-            <a:endParaRPr lang="zh-CN" altLang="en-US">
-              <a:latin typeface="微软雅黑" panose="020B0503020204020204" pitchFamily="34" charset="-122"/>
-              <a:ea typeface="微软雅黑" panose="020B0503020204020204" pitchFamily="34" charset="-122"/>
-            </a:endParaRPr>
-          </a:p>
-        </p:txBody>
-      </p:sp>
-      <p:pic>
-        <p:nvPicPr>
-          <p:cNvPr id="5" name="图片 4"/>
-          <p:cNvPicPr>
-            <a:picLocks noChangeAspect="1"/>
-          </p:cNvPicPr>
-          <p:nvPr/>
-        </p:nvPicPr>
-        <p:blipFill>
-          <a:blip r:embed="rId3"/>
-          <a:stretch>
-            <a:fillRect/>
-          </a:stretch>
-        </p:blipFill>
-        <p:spPr>
-          <a:xfrm>
-            <a:off x="755576" y="2569468"/>
-            <a:ext cx="5814648" cy="2736304"/>
-          </a:xfrm>
-          <a:prstGeom prst="rect">
-            <a:avLst/>
-          </a:prstGeom>
-        </p:spPr>
-      </p:pic>
-      <p:sp>
-        <p:nvSpPr>
-          <p:cNvPr id="14" name="内容占位符 2"/>
-          <p:cNvSpPr>
-            <a:spLocks noGrp="1"/>
-          </p:cNvSpPr>
-          <p:nvPr>
-            <p:ph idx="1"/>
-          </p:nvPr>
-        </p:nvSpPr>
-        <p:spPr>
-          <a:xfrm>
-            <a:off x="352203" y="890872"/>
-            <a:ext cx="8462177" cy="1606588"/>
-          </a:xfrm>
-        </p:spPr>
-        <p:txBody>
-          <a:bodyPr wrap="square">
-            <a:spAutoFit/>
-          </a:bodyPr>
-          <a:lstStyle/>
-          <a:p>
-            <a:pPr marL="0" indent="0">
-              <a:lnSpc>
-                <a:spcPct val="150000"/>
-              </a:lnSpc>
-              <a:spcBef>
-                <a:spcPts val="0"/>
-              </a:spcBef>
-              <a:buNone/>
-            </a:pPr>
-            <a:r>
-              <a:rPr lang="zh-CN" altLang="en-US" sz="1600" dirty="0"/>
-              <a:t>假设</a:t>
-            </a:r>
-            <a:r>
-              <a:rPr lang="zh-CN" altLang="en-US" sz="1600" dirty="0" smtClean="0"/>
-              <a:t>一个场景，我需要长期维护一个文档，那么将会遇到以下状况：</a:t>
-            </a:r>
-            <a:endParaRPr lang="en-US" altLang="zh-CN" sz="1600" dirty="0" smtClean="0"/>
-          </a:p>
-          <a:p>
-            <a:pPr marL="342900" indent="-342900">
-              <a:lnSpc>
-                <a:spcPct val="150000"/>
-              </a:lnSpc>
-              <a:spcBef>
-                <a:spcPts val="0"/>
-              </a:spcBef>
-              <a:buFont typeface="+mj-lt"/>
-              <a:buAutoNum type="arabicPeriod"/>
-            </a:pPr>
-            <a:r>
-              <a:rPr lang="zh-CN" altLang="en-US" sz="1600" dirty="0" smtClean="0"/>
-              <a:t>想</a:t>
-            </a:r>
-            <a:r>
-              <a:rPr lang="zh-CN" altLang="en-US" sz="1600" dirty="0"/>
-              <a:t>删除一个段落，又怕将来想恢复找不</a:t>
-            </a:r>
-            <a:r>
-              <a:rPr lang="zh-CN" altLang="en-US" sz="1600" dirty="0" smtClean="0"/>
-              <a:t>回来？</a:t>
-            </a:r>
-            <a:r>
-              <a:rPr lang="zh-CN" altLang="en-US" sz="1600" dirty="0"/>
-              <a:t>有办法，先把当前文件“另存为</a:t>
-            </a:r>
-            <a:r>
-              <a:rPr lang="en-US" altLang="zh-CN" sz="1600" dirty="0"/>
-              <a:t>……”</a:t>
-            </a:r>
-            <a:r>
-              <a:rPr lang="zh-CN" altLang="en-US" sz="1600" dirty="0"/>
-              <a:t>一个新</a:t>
-            </a:r>
-            <a:r>
-              <a:rPr lang="zh-CN" altLang="en-US" sz="1600" dirty="0" smtClean="0"/>
-              <a:t>的文件</a:t>
-            </a:r>
-            <a:r>
-              <a:rPr lang="zh-CN" altLang="en-US" sz="1600" dirty="0"/>
-              <a:t>，再接着改，改到一定程度，再“另存为</a:t>
-            </a:r>
-            <a:r>
-              <a:rPr lang="en-US" altLang="zh-CN" sz="1600" dirty="0"/>
-              <a:t>……”</a:t>
-            </a:r>
-            <a:r>
-              <a:rPr lang="zh-CN" altLang="en-US" sz="1600" dirty="0"/>
-              <a:t>一个新文件，这样一直改下去，</a:t>
-            </a:r>
-            <a:r>
-              <a:rPr lang="zh-CN" altLang="en-US" sz="1600" dirty="0" smtClean="0"/>
-              <a:t>最后我的文档变成</a:t>
-            </a:r>
-            <a:r>
-              <a:rPr lang="zh-CN" altLang="en-US" sz="1600" dirty="0"/>
-              <a:t>了这样：</a:t>
-            </a:r>
-            <a:endParaRPr lang="en-US" altLang="zh-CN" sz="1600" dirty="0" smtClean="0"/>
-          </a:p>
-        </p:txBody>
-      </p:sp>
-    </p:spTree>
-    <p:extLst>
-      <p:ext uri="{BB962C8B-B14F-4D97-AF65-F5344CB8AC3E}">
-        <p14:creationId xmlns:p14="http://schemas.microsoft.com/office/powerpoint/2010/main" val="3342454028"/>
       </p:ext>
     </p:extLst>
   </p:cSld>
